--- a/파이썬기초(PPT)/NEW_2021버전/파이썬 기초 7강_리스트.pptx
+++ b/파이썬기초(PPT)/NEW_2021버전/파이썬 기초 7강_리스트.pptx
@@ -5,27 +5,31 @@
     <p:sldMasterId id="2147483648" r:id="rId1"/>
   </p:sldMasterIdLst>
   <p:handoutMasterIdLst>
-    <p:handoutMasterId r:id="rId20"/>
+    <p:handoutMasterId r:id="rId24"/>
   </p:handoutMasterIdLst>
   <p:sldIdLst>
     <p:sldId id="292" r:id="rId2"/>
     <p:sldId id="347" r:id="rId3"/>
-    <p:sldId id="332" r:id="rId4"/>
-    <p:sldId id="333" r:id="rId5"/>
-    <p:sldId id="348" r:id="rId6"/>
-    <p:sldId id="331" r:id="rId7"/>
-    <p:sldId id="310" r:id="rId8"/>
-    <p:sldId id="327" r:id="rId9"/>
-    <p:sldId id="349" r:id="rId10"/>
-    <p:sldId id="350" r:id="rId11"/>
-    <p:sldId id="344" r:id="rId12"/>
-    <p:sldId id="351" r:id="rId13"/>
-    <p:sldId id="335" r:id="rId14"/>
-    <p:sldId id="336" r:id="rId15"/>
-    <p:sldId id="352" r:id="rId16"/>
-    <p:sldId id="346" r:id="rId17"/>
-    <p:sldId id="353" r:id="rId18"/>
-    <p:sldId id="338" r:id="rId19"/>
+    <p:sldId id="333" r:id="rId4"/>
+    <p:sldId id="331" r:id="rId5"/>
+    <p:sldId id="354" r:id="rId6"/>
+    <p:sldId id="367" r:id="rId7"/>
+    <p:sldId id="355" r:id="rId8"/>
+    <p:sldId id="356" r:id="rId9"/>
+    <p:sldId id="327" r:id="rId10"/>
+    <p:sldId id="358" r:id="rId11"/>
+    <p:sldId id="357" r:id="rId12"/>
+    <p:sldId id="349" r:id="rId13"/>
+    <p:sldId id="359" r:id="rId14"/>
+    <p:sldId id="360" r:id="rId15"/>
+    <p:sldId id="361" r:id="rId16"/>
+    <p:sldId id="362" r:id="rId17"/>
+    <p:sldId id="350" r:id="rId18"/>
+    <p:sldId id="365" r:id="rId19"/>
+    <p:sldId id="363" r:id="rId20"/>
+    <p:sldId id="366" r:id="rId21"/>
+    <p:sldId id="364" r:id="rId22"/>
+    <p:sldId id="338" r:id="rId23"/>
   </p:sldIdLst>
   <p:sldSz cx="12192000" cy="6858000"/>
   <p:notesSz cx="10020300" cy="6888163"/>
@@ -473,7 +477,7 @@
           <a:p>
             <a:fld id="{FB30EDBD-1C2D-4C1E-B459-B60219FAB484}" type="datetimeFigureOut">
               <a:rPr lang="ko-KR" altLang="en-US" smtClean="0"/>
-              <a:t>2021-02-22</a:t>
+              <a:t>2021-03-15</a:t>
             </a:fld>
             <a:endParaRPr lang="ko-KR" altLang="en-US"/>
           </a:p>
@@ -636,7 +640,7 @@
           <a:p>
             <a:fld id="{FB30EDBD-1C2D-4C1E-B459-B60219FAB484}" type="datetimeFigureOut">
               <a:rPr lang="ko-KR" altLang="en-US" smtClean="0"/>
-              <a:t>2021-02-22</a:t>
+              <a:t>2021-03-15</a:t>
             </a:fld>
             <a:endParaRPr lang="ko-KR" altLang="en-US"/>
           </a:p>
@@ -809,7 +813,7 @@
           <a:p>
             <a:fld id="{FB30EDBD-1C2D-4C1E-B459-B60219FAB484}" type="datetimeFigureOut">
               <a:rPr lang="ko-KR" altLang="en-US" smtClean="0"/>
-              <a:t>2021-02-22</a:t>
+              <a:t>2021-03-15</a:t>
             </a:fld>
             <a:endParaRPr lang="ko-KR" altLang="en-US"/>
           </a:p>
@@ -972,7 +976,7 @@
           <a:p>
             <a:fld id="{FB30EDBD-1C2D-4C1E-B459-B60219FAB484}" type="datetimeFigureOut">
               <a:rPr lang="ko-KR" altLang="en-US" smtClean="0"/>
-              <a:t>2021-02-22</a:t>
+              <a:t>2021-03-15</a:t>
             </a:fld>
             <a:endParaRPr lang="ko-KR" altLang="en-US"/>
           </a:p>
@@ -1212,7 +1216,7 @@
           <a:p>
             <a:fld id="{FB30EDBD-1C2D-4C1E-B459-B60219FAB484}" type="datetimeFigureOut">
               <a:rPr lang="ko-KR" altLang="en-US" smtClean="0"/>
-              <a:t>2021-02-22</a:t>
+              <a:t>2021-03-15</a:t>
             </a:fld>
             <a:endParaRPr lang="ko-KR" altLang="en-US"/>
           </a:p>
@@ -1492,7 +1496,7 @@
           <a:p>
             <a:fld id="{FB30EDBD-1C2D-4C1E-B459-B60219FAB484}" type="datetimeFigureOut">
               <a:rPr lang="ko-KR" altLang="en-US" smtClean="0"/>
-              <a:t>2021-02-22</a:t>
+              <a:t>2021-03-15</a:t>
             </a:fld>
             <a:endParaRPr lang="ko-KR" altLang="en-US"/>
           </a:p>
@@ -1906,7 +1910,7 @@
           <a:p>
             <a:fld id="{FB30EDBD-1C2D-4C1E-B459-B60219FAB484}" type="datetimeFigureOut">
               <a:rPr lang="ko-KR" altLang="en-US" smtClean="0"/>
-              <a:t>2021-02-22</a:t>
+              <a:t>2021-03-15</a:t>
             </a:fld>
             <a:endParaRPr lang="ko-KR" altLang="en-US"/>
           </a:p>
@@ -2018,7 +2022,7 @@
           <a:p>
             <a:fld id="{FB30EDBD-1C2D-4C1E-B459-B60219FAB484}" type="datetimeFigureOut">
               <a:rPr lang="ko-KR" altLang="en-US" smtClean="0"/>
-              <a:t>2021-02-22</a:t>
+              <a:t>2021-03-15</a:t>
             </a:fld>
             <a:endParaRPr lang="ko-KR" altLang="en-US"/>
           </a:p>
@@ -2108,7 +2112,7 @@
           <a:p>
             <a:fld id="{FB30EDBD-1C2D-4C1E-B459-B60219FAB484}" type="datetimeFigureOut">
               <a:rPr lang="ko-KR" altLang="en-US" smtClean="0"/>
-              <a:t>2021-02-22</a:t>
+              <a:t>2021-03-15</a:t>
             </a:fld>
             <a:endParaRPr lang="ko-KR" altLang="en-US"/>
           </a:p>
@@ -2378,7 +2382,7 @@
           <a:p>
             <a:fld id="{FB30EDBD-1C2D-4C1E-B459-B60219FAB484}" type="datetimeFigureOut">
               <a:rPr lang="ko-KR" altLang="en-US" smtClean="0"/>
-              <a:t>2021-02-22</a:t>
+              <a:t>2021-03-15</a:t>
             </a:fld>
             <a:endParaRPr lang="ko-KR" altLang="en-US"/>
           </a:p>
@@ -2625,7 +2629,7 @@
           <a:p>
             <a:fld id="{FB30EDBD-1C2D-4C1E-B459-B60219FAB484}" type="datetimeFigureOut">
               <a:rPr lang="ko-KR" altLang="en-US" smtClean="0"/>
-              <a:t>2021-02-22</a:t>
+              <a:t>2021-03-15</a:t>
             </a:fld>
             <a:endParaRPr lang="ko-KR" altLang="en-US"/>
           </a:p>
@@ -2831,7 +2835,7 @@
           <a:p>
             <a:fld id="{FB30EDBD-1C2D-4C1E-B459-B60219FAB484}" type="datetimeFigureOut">
               <a:rPr lang="ko-KR" altLang="en-US" smtClean="0"/>
-              <a:t>2021-02-22</a:t>
+              <a:t>2021-03-15</a:t>
             </a:fld>
             <a:endParaRPr lang="ko-KR" altLang="en-US"/>
           </a:p>
@@ -3289,12 +3293,730 @@
           <a:chExt cx="0" cy="0"/>
         </a:xfrm>
       </p:grpSpPr>
+      <p:pic>
+        <p:nvPicPr>
+          <p:cNvPr id="4" name="그림 3">
+            <a:extLst>
+              <a:ext uri="{FF2B5EF4-FFF2-40B4-BE49-F238E27FC236}">
+                <a16:creationId xmlns:a16="http://schemas.microsoft.com/office/drawing/2014/main" id="{2BC56DF4-5FF5-44A6-95CE-B7FA91C740BC}"/>
+              </a:ext>
+            </a:extLst>
+          </p:cNvPr>
+          <p:cNvPicPr>
+            <a:picLocks noChangeAspect="1"/>
+          </p:cNvPicPr>
+          <p:nvPr/>
+        </p:nvPicPr>
+        <p:blipFill>
+          <a:blip r:embed="rId2"/>
+          <a:stretch>
+            <a:fillRect/>
+          </a:stretch>
+        </p:blipFill>
+        <p:spPr>
+          <a:xfrm flipH="1">
+            <a:off x="551676" y="1023602"/>
+            <a:ext cx="11088647" cy="4810796"/>
+          </a:xfrm>
+          <a:prstGeom prst="rect">
+            <a:avLst/>
+          </a:prstGeom>
+        </p:spPr>
+      </p:pic>
+    </p:spTree>
+    <p:extLst>
+      <p:ext uri="{BB962C8B-B14F-4D97-AF65-F5344CB8AC3E}">
+        <p14:creationId xmlns:p14="http://schemas.microsoft.com/office/powerpoint/2010/main" val="3893068653"/>
+      </p:ext>
+    </p:extLst>
+  </p:cSld>
+  <p:clrMapOvr>
+    <a:masterClrMapping/>
+  </p:clrMapOvr>
+</p:sld>
+</file>
+
+<file path=ppt/slides/slide11.xml><?xml version="1.0" encoding="utf-8"?>
+<p:sld xmlns:a="http://schemas.openxmlformats.org/drawingml/2006/main" xmlns:r="http://schemas.openxmlformats.org/officeDocument/2006/relationships" xmlns:p="http://schemas.openxmlformats.org/presentationml/2006/main">
+  <p:cSld>
+    <p:bg>
+      <p:bgPr>
+        <a:solidFill>
+          <a:schemeClr val="tx1">
+            <a:lumMod val="85000"/>
+            <a:lumOff val="15000"/>
+          </a:schemeClr>
+        </a:solidFill>
+        <a:effectLst/>
+      </p:bgPr>
+    </p:bg>
+    <p:spTree>
+      <p:nvGrpSpPr>
+        <p:cNvPr id="1" name=""/>
+        <p:cNvGrpSpPr/>
+        <p:nvPr/>
+      </p:nvGrpSpPr>
+      <p:grpSpPr>
+        <a:xfrm>
+          <a:off x="0" y="0"/>
+          <a:ext cx="0" cy="0"/>
+          <a:chOff x="0" y="0"/>
+          <a:chExt cx="0" cy="0"/>
+        </a:xfrm>
+      </p:grpSpPr>
+      <p:pic>
+        <p:nvPicPr>
+          <p:cNvPr id="3" name="Picture 2" descr="C:\Users\Administrator\Downloads\free-icon-package-2945609.png">
+            <a:extLst>
+              <a:ext uri="{FF2B5EF4-FFF2-40B4-BE49-F238E27FC236}">
+                <a16:creationId xmlns:a16="http://schemas.microsoft.com/office/drawing/2014/main" id="{FB3A88FC-B2D9-4BBA-8869-C0602FD42695}"/>
+              </a:ext>
+            </a:extLst>
+          </p:cNvPr>
+          <p:cNvPicPr>
+            <a:picLocks noChangeAspect="1" noChangeArrowheads="1"/>
+          </p:cNvPicPr>
+          <p:nvPr/>
+        </p:nvPicPr>
+        <p:blipFill>
+          <a:blip r:embed="rId2" cstate="print">
+            <a:extLst>
+              <a:ext uri="{28A0092B-C50C-407E-A947-70E740481C1C}">
+                <a14:useLocalDpi xmlns:a14="http://schemas.microsoft.com/office/drawing/2010/main" val="0"/>
+              </a:ext>
+            </a:extLst>
+          </a:blip>
+          <a:srcRect/>
+          <a:stretch>
+            <a:fillRect/>
+          </a:stretch>
+        </p:blipFill>
+        <p:spPr bwMode="auto">
+          <a:xfrm>
+            <a:off x="3685030" y="2687202"/>
+            <a:ext cx="1584176" cy="1584176"/>
+          </a:xfrm>
+          <a:prstGeom prst="rect">
+            <a:avLst/>
+          </a:prstGeom>
+          <a:noFill/>
+          <a:extLst>
+            <a:ext uri="{909E8E84-426E-40DD-AFC4-6F175D3DCCD1}">
+              <a14:hiddenFill xmlns:a14="http://schemas.microsoft.com/office/drawing/2010/main">
+                <a:solidFill>
+                  <a:srgbClr val="FFFFFF"/>
+                </a:solidFill>
+              </a14:hiddenFill>
+            </a:ext>
+          </a:extLst>
+        </p:spPr>
+      </p:pic>
+      <p:pic>
+        <p:nvPicPr>
+          <p:cNvPr id="4" name="Picture 2" descr="C:\Users\Administrator\Downloads\free-icon-package-2945609.png">
+            <a:extLst>
+              <a:ext uri="{FF2B5EF4-FFF2-40B4-BE49-F238E27FC236}">
+                <a16:creationId xmlns:a16="http://schemas.microsoft.com/office/drawing/2014/main" id="{50EE7FE8-6DEB-460E-BD4E-7E643DB70ADD}"/>
+              </a:ext>
+            </a:extLst>
+          </p:cNvPr>
+          <p:cNvPicPr>
+            <a:picLocks noChangeAspect="1" noChangeArrowheads="1"/>
+          </p:cNvPicPr>
+          <p:nvPr/>
+        </p:nvPicPr>
+        <p:blipFill>
+          <a:blip r:embed="rId2" cstate="print">
+            <a:extLst>
+              <a:ext uri="{28A0092B-C50C-407E-A947-70E740481C1C}">
+                <a14:useLocalDpi xmlns:a14="http://schemas.microsoft.com/office/drawing/2010/main" val="0"/>
+              </a:ext>
+            </a:extLst>
+          </a:blip>
+          <a:srcRect/>
+          <a:stretch>
+            <a:fillRect/>
+          </a:stretch>
+        </p:blipFill>
+        <p:spPr bwMode="auto">
+          <a:xfrm>
+            <a:off x="5303912" y="2687202"/>
+            <a:ext cx="1584176" cy="1584176"/>
+          </a:xfrm>
+          <a:prstGeom prst="rect">
+            <a:avLst/>
+          </a:prstGeom>
+          <a:noFill/>
+          <a:extLst>
+            <a:ext uri="{909E8E84-426E-40DD-AFC4-6F175D3DCCD1}">
+              <a14:hiddenFill xmlns:a14="http://schemas.microsoft.com/office/drawing/2010/main">
+                <a:solidFill>
+                  <a:srgbClr val="FFFFFF"/>
+                </a:solidFill>
+              </a14:hiddenFill>
+            </a:ext>
+          </a:extLst>
+        </p:spPr>
+      </p:pic>
+      <p:pic>
+        <p:nvPicPr>
+          <p:cNvPr id="5" name="Picture 2" descr="C:\Users\Administrator\Downloads\free-icon-package-2945609.png">
+            <a:extLst>
+              <a:ext uri="{FF2B5EF4-FFF2-40B4-BE49-F238E27FC236}">
+                <a16:creationId xmlns:a16="http://schemas.microsoft.com/office/drawing/2014/main" id="{E49307FD-0A32-43BE-B54D-3A50A01D966E}"/>
+              </a:ext>
+            </a:extLst>
+          </p:cNvPr>
+          <p:cNvPicPr>
+            <a:picLocks noChangeAspect="1" noChangeArrowheads="1"/>
+          </p:cNvPicPr>
+          <p:nvPr/>
+        </p:nvPicPr>
+        <p:blipFill>
+          <a:blip r:embed="rId2" cstate="print">
+            <a:extLst>
+              <a:ext uri="{28A0092B-C50C-407E-A947-70E740481C1C}">
+                <a14:useLocalDpi xmlns:a14="http://schemas.microsoft.com/office/drawing/2010/main" val="0"/>
+              </a:ext>
+            </a:extLst>
+          </a:blip>
+          <a:srcRect/>
+          <a:stretch>
+            <a:fillRect/>
+          </a:stretch>
+        </p:blipFill>
+        <p:spPr bwMode="auto">
+          <a:xfrm>
+            <a:off x="6888088" y="2687202"/>
+            <a:ext cx="1584176" cy="1584176"/>
+          </a:xfrm>
+          <a:prstGeom prst="rect">
+            <a:avLst/>
+          </a:prstGeom>
+          <a:noFill/>
+          <a:extLst>
+            <a:ext uri="{909E8E84-426E-40DD-AFC4-6F175D3DCCD1}">
+              <a14:hiddenFill xmlns:a14="http://schemas.microsoft.com/office/drawing/2010/main">
+                <a:solidFill>
+                  <a:srgbClr val="FFFFFF"/>
+                </a:solidFill>
+              </a14:hiddenFill>
+            </a:ext>
+          </a:extLst>
+        </p:spPr>
+      </p:pic>
       <p:sp>
         <p:nvSpPr>
-          <p:cNvPr id="2" name="TextBox 1">
+          <p:cNvPr id="6" name="사각형: 둥근 모서리 5">
             <a:extLst>
               <a:ext uri="{FF2B5EF4-FFF2-40B4-BE49-F238E27FC236}">
-                <a16:creationId xmlns:a16="http://schemas.microsoft.com/office/drawing/2014/main" id="{0B332A50-CC0E-4C7E-B47E-E7CFBA7B423B}"/>
+                <a16:creationId xmlns:a16="http://schemas.microsoft.com/office/drawing/2014/main" id="{6D68A920-8D33-4459-B594-9286642D8B07}"/>
+              </a:ext>
+            </a:extLst>
+          </p:cNvPr>
+          <p:cNvSpPr/>
+          <p:nvPr/>
+        </p:nvSpPr>
+        <p:spPr>
+          <a:xfrm>
+            <a:off x="3575720" y="2420888"/>
+            <a:ext cx="5040560" cy="2016224"/>
+          </a:xfrm>
+          <a:prstGeom prst="roundRect">
+            <a:avLst/>
+          </a:prstGeom>
+          <a:noFill/>
+        </p:spPr>
+        <p:style>
+          <a:lnRef idx="2">
+            <a:schemeClr val="accent1">
+              <a:shade val="50000"/>
+            </a:schemeClr>
+          </a:lnRef>
+          <a:fillRef idx="1">
+            <a:schemeClr val="accent1"/>
+          </a:fillRef>
+          <a:effectRef idx="0">
+            <a:schemeClr val="accent1"/>
+          </a:effectRef>
+          <a:fontRef idx="minor">
+            <a:schemeClr val="lt1"/>
+          </a:fontRef>
+        </p:style>
+        <p:txBody>
+          <a:bodyPr rtlCol="0" anchor="ctr"/>
+          <a:lstStyle/>
+          <a:p>
+            <a:pPr algn="ctr"/>
+            <a:endParaRPr lang="ko-KR" altLang="en-US">
+              <a:solidFill>
+                <a:schemeClr val="bg1">
+                  <a:lumMod val="95000"/>
+                </a:schemeClr>
+              </a:solidFill>
+            </a:endParaRPr>
+          </a:p>
+        </p:txBody>
+      </p:sp>
+      <p:cxnSp>
+        <p:nvCxnSpPr>
+          <p:cNvPr id="7" name="직선 화살표 연결선 6">
+            <a:extLst>
+              <a:ext uri="{FF2B5EF4-FFF2-40B4-BE49-F238E27FC236}">
+                <a16:creationId xmlns:a16="http://schemas.microsoft.com/office/drawing/2014/main" id="{BF320153-A0BC-44FF-805A-2997DE72D0BA}"/>
+              </a:ext>
+            </a:extLst>
+          </p:cNvPr>
+          <p:cNvCxnSpPr>
+            <a:cxnSpLocks/>
+          </p:cNvCxnSpPr>
+          <p:nvPr/>
+        </p:nvCxnSpPr>
+        <p:spPr>
+          <a:xfrm flipV="1">
+            <a:off x="4470224" y="4254228"/>
+            <a:ext cx="0" cy="449198"/>
+          </a:xfrm>
+          <a:prstGeom prst="straightConnector1">
+            <a:avLst/>
+          </a:prstGeom>
+          <a:ln w="25400">
+            <a:tailEnd type="triangle"/>
+          </a:ln>
+        </p:spPr>
+        <p:style>
+          <a:lnRef idx="1">
+            <a:schemeClr val="accent1"/>
+          </a:lnRef>
+          <a:fillRef idx="0">
+            <a:schemeClr val="accent1"/>
+          </a:fillRef>
+          <a:effectRef idx="0">
+            <a:schemeClr val="accent1"/>
+          </a:effectRef>
+          <a:fontRef idx="minor">
+            <a:schemeClr val="tx1"/>
+          </a:fontRef>
+        </p:style>
+      </p:cxnSp>
+      <p:sp>
+        <p:nvSpPr>
+          <p:cNvPr id="8" name="직사각형 7">
+            <a:extLst>
+              <a:ext uri="{FF2B5EF4-FFF2-40B4-BE49-F238E27FC236}">
+                <a16:creationId xmlns:a16="http://schemas.microsoft.com/office/drawing/2014/main" id="{DF7142A2-1CC4-4062-94AC-3B0ECC25F102}"/>
+              </a:ext>
+            </a:extLst>
+          </p:cNvPr>
+          <p:cNvSpPr/>
+          <p:nvPr/>
+        </p:nvSpPr>
+        <p:spPr>
+          <a:xfrm>
+            <a:off x="3829046" y="4710081"/>
+            <a:ext cx="1296144" cy="382092"/>
+          </a:xfrm>
+          <a:prstGeom prst="rect">
+            <a:avLst/>
+          </a:prstGeom>
+        </p:spPr>
+        <p:txBody>
+          <a:bodyPr wrap="square">
+            <a:spAutoFit/>
+          </a:bodyPr>
+          <a:lstStyle/>
+          <a:p>
+            <a:r>
+              <a:rPr lang="en-US" altLang="ko-KR" dirty="0">
+                <a:solidFill>
+                  <a:schemeClr val="bg1">
+                    <a:lumMod val="95000"/>
+                  </a:schemeClr>
+                </a:solidFill>
+                <a:latin typeface="배달의민족 주아" pitchFamily="18" charset="-127"/>
+                <a:ea typeface="배달의민족 주아" pitchFamily="18" charset="-127"/>
+              </a:rPr>
+              <a:t>0 </a:t>
+            </a:r>
+            <a:r>
+              <a:rPr lang="ko-KR" altLang="en-US" dirty="0">
+                <a:solidFill>
+                  <a:schemeClr val="bg1">
+                    <a:lumMod val="95000"/>
+                  </a:schemeClr>
+                </a:solidFill>
+                <a:latin typeface="배달의민족 주아" pitchFamily="18" charset="-127"/>
+                <a:ea typeface="배달의민족 주아" pitchFamily="18" charset="-127"/>
+              </a:rPr>
+              <a:t>번 인덱스</a:t>
+            </a:r>
+            <a:endParaRPr lang="ko-KR" altLang="en-US" dirty="0">
+              <a:solidFill>
+                <a:schemeClr val="bg1">
+                  <a:lumMod val="95000"/>
+                </a:schemeClr>
+              </a:solidFill>
+            </a:endParaRPr>
+          </a:p>
+        </p:txBody>
+      </p:sp>
+      <p:cxnSp>
+        <p:nvCxnSpPr>
+          <p:cNvPr id="9" name="직선 화살표 연결선 8">
+            <a:extLst>
+              <a:ext uri="{FF2B5EF4-FFF2-40B4-BE49-F238E27FC236}">
+                <a16:creationId xmlns:a16="http://schemas.microsoft.com/office/drawing/2014/main" id="{0B711F84-3FD5-4BC0-B15E-DF84CA7A6785}"/>
+              </a:ext>
+            </a:extLst>
+          </p:cNvPr>
+          <p:cNvCxnSpPr>
+            <a:cxnSpLocks/>
+          </p:cNvCxnSpPr>
+          <p:nvPr/>
+        </p:nvCxnSpPr>
+        <p:spPr>
+          <a:xfrm flipH="1" flipV="1">
+            <a:off x="6084933" y="4262804"/>
+            <a:ext cx="7378" cy="432046"/>
+          </a:xfrm>
+          <a:prstGeom prst="straightConnector1">
+            <a:avLst/>
+          </a:prstGeom>
+          <a:ln w="25400">
+            <a:tailEnd type="triangle"/>
+          </a:ln>
+        </p:spPr>
+        <p:style>
+          <a:lnRef idx="1">
+            <a:schemeClr val="accent1"/>
+          </a:lnRef>
+          <a:fillRef idx="0">
+            <a:schemeClr val="accent1"/>
+          </a:fillRef>
+          <a:effectRef idx="0">
+            <a:schemeClr val="accent1"/>
+          </a:effectRef>
+          <a:fontRef idx="minor">
+            <a:schemeClr val="tx1"/>
+          </a:fontRef>
+        </p:style>
+      </p:cxnSp>
+      <p:sp>
+        <p:nvSpPr>
+          <p:cNvPr id="10" name="직사각형 9">
+            <a:extLst>
+              <a:ext uri="{FF2B5EF4-FFF2-40B4-BE49-F238E27FC236}">
+                <a16:creationId xmlns:a16="http://schemas.microsoft.com/office/drawing/2014/main" id="{E7F0CFC8-215F-4AAA-A71D-CFD92196B04F}"/>
+              </a:ext>
+            </a:extLst>
+          </p:cNvPr>
+          <p:cNvSpPr/>
+          <p:nvPr/>
+        </p:nvSpPr>
+        <p:spPr>
+          <a:xfrm>
+            <a:off x="5436861" y="4710842"/>
+            <a:ext cx="1296144" cy="382092"/>
+          </a:xfrm>
+          <a:prstGeom prst="rect">
+            <a:avLst/>
+          </a:prstGeom>
+        </p:spPr>
+        <p:txBody>
+          <a:bodyPr wrap="square">
+            <a:spAutoFit/>
+          </a:bodyPr>
+          <a:lstStyle/>
+          <a:p>
+            <a:r>
+              <a:rPr lang="en-US" altLang="ko-KR" dirty="0">
+                <a:solidFill>
+                  <a:schemeClr val="bg1">
+                    <a:lumMod val="95000"/>
+                  </a:schemeClr>
+                </a:solidFill>
+                <a:latin typeface="배달의민족 주아" pitchFamily="18" charset="-127"/>
+                <a:ea typeface="배달의민족 주아" pitchFamily="18" charset="-127"/>
+              </a:rPr>
+              <a:t>1 </a:t>
+            </a:r>
+            <a:r>
+              <a:rPr lang="ko-KR" altLang="en-US" dirty="0">
+                <a:solidFill>
+                  <a:schemeClr val="bg1">
+                    <a:lumMod val="95000"/>
+                  </a:schemeClr>
+                </a:solidFill>
+                <a:latin typeface="배달의민족 주아" pitchFamily="18" charset="-127"/>
+                <a:ea typeface="배달의민족 주아" pitchFamily="18" charset="-127"/>
+              </a:rPr>
+              <a:t>번 인덱스</a:t>
+            </a:r>
+            <a:endParaRPr lang="ko-KR" altLang="en-US" dirty="0">
+              <a:solidFill>
+                <a:schemeClr val="bg1">
+                  <a:lumMod val="95000"/>
+                </a:schemeClr>
+              </a:solidFill>
+            </a:endParaRPr>
+          </a:p>
+        </p:txBody>
+      </p:sp>
+      <p:cxnSp>
+        <p:nvCxnSpPr>
+          <p:cNvPr id="11" name="직선 화살표 연결선 10">
+            <a:extLst>
+              <a:ext uri="{FF2B5EF4-FFF2-40B4-BE49-F238E27FC236}">
+                <a16:creationId xmlns:a16="http://schemas.microsoft.com/office/drawing/2014/main" id="{C6F81D30-5B74-46FD-BD35-14136203CF3A}"/>
+              </a:ext>
+            </a:extLst>
+          </p:cNvPr>
+          <p:cNvCxnSpPr>
+            <a:cxnSpLocks/>
+          </p:cNvCxnSpPr>
+          <p:nvPr/>
+        </p:nvCxnSpPr>
+        <p:spPr>
+          <a:xfrm flipV="1">
+            <a:off x="7669109" y="4260520"/>
+            <a:ext cx="4044" cy="442906"/>
+          </a:xfrm>
+          <a:prstGeom prst="straightConnector1">
+            <a:avLst/>
+          </a:prstGeom>
+          <a:ln w="25400">
+            <a:tailEnd type="triangle"/>
+          </a:ln>
+        </p:spPr>
+        <p:style>
+          <a:lnRef idx="1">
+            <a:schemeClr val="accent1"/>
+          </a:lnRef>
+          <a:fillRef idx="0">
+            <a:schemeClr val="accent1"/>
+          </a:fillRef>
+          <a:effectRef idx="0">
+            <a:schemeClr val="accent1"/>
+          </a:effectRef>
+          <a:fontRef idx="minor">
+            <a:schemeClr val="tx1"/>
+          </a:fontRef>
+        </p:style>
+      </p:cxnSp>
+      <p:sp>
+        <p:nvSpPr>
+          <p:cNvPr id="12" name="직사각형 11">
+            <a:extLst>
+              <a:ext uri="{FF2B5EF4-FFF2-40B4-BE49-F238E27FC236}">
+                <a16:creationId xmlns:a16="http://schemas.microsoft.com/office/drawing/2014/main" id="{F9BF7E5B-79C5-4283-A015-A9A4DD9C9806}"/>
+              </a:ext>
+            </a:extLst>
+          </p:cNvPr>
+          <p:cNvSpPr/>
+          <p:nvPr/>
+        </p:nvSpPr>
+        <p:spPr>
+          <a:xfrm>
+            <a:off x="7021037" y="4710081"/>
+            <a:ext cx="1296144" cy="382092"/>
+          </a:xfrm>
+          <a:prstGeom prst="rect">
+            <a:avLst/>
+          </a:prstGeom>
+        </p:spPr>
+        <p:txBody>
+          <a:bodyPr wrap="square">
+            <a:spAutoFit/>
+          </a:bodyPr>
+          <a:lstStyle/>
+          <a:p>
+            <a:r>
+              <a:rPr lang="en-US" altLang="ko-KR" dirty="0">
+                <a:solidFill>
+                  <a:schemeClr val="bg1">
+                    <a:lumMod val="95000"/>
+                  </a:schemeClr>
+                </a:solidFill>
+                <a:latin typeface="배달의민족 주아" pitchFamily="18" charset="-127"/>
+                <a:ea typeface="배달의민족 주아" pitchFamily="18" charset="-127"/>
+              </a:rPr>
+              <a:t>2 </a:t>
+            </a:r>
+            <a:r>
+              <a:rPr lang="ko-KR" altLang="en-US" dirty="0">
+                <a:solidFill>
+                  <a:schemeClr val="bg1">
+                    <a:lumMod val="95000"/>
+                  </a:schemeClr>
+                </a:solidFill>
+                <a:latin typeface="배달의민족 주아" pitchFamily="18" charset="-127"/>
+                <a:ea typeface="배달의민족 주아" pitchFamily="18" charset="-127"/>
+              </a:rPr>
+              <a:t>번 인덱스</a:t>
+            </a:r>
+            <a:endParaRPr lang="ko-KR" altLang="en-US" dirty="0">
+              <a:solidFill>
+                <a:schemeClr val="bg1">
+                  <a:lumMod val="95000"/>
+                </a:schemeClr>
+              </a:solidFill>
+            </a:endParaRPr>
+          </a:p>
+        </p:txBody>
+      </p:sp>
+      <p:sp>
+        <p:nvSpPr>
+          <p:cNvPr id="13" name="직사각형 12">
+            <a:extLst>
+              <a:ext uri="{FF2B5EF4-FFF2-40B4-BE49-F238E27FC236}">
+                <a16:creationId xmlns:a16="http://schemas.microsoft.com/office/drawing/2014/main" id="{113EC3D1-085B-457D-A538-AAE7647EFA1A}"/>
+              </a:ext>
+            </a:extLst>
+          </p:cNvPr>
+          <p:cNvSpPr/>
+          <p:nvPr/>
+        </p:nvSpPr>
+        <p:spPr>
+          <a:xfrm>
+            <a:off x="4223792" y="2365671"/>
+            <a:ext cx="504053" cy="382092"/>
+          </a:xfrm>
+          <a:prstGeom prst="rect">
+            <a:avLst/>
+          </a:prstGeom>
+        </p:spPr>
+        <p:txBody>
+          <a:bodyPr wrap="square">
+            <a:spAutoFit/>
+          </a:bodyPr>
+          <a:lstStyle/>
+          <a:p>
+            <a:r>
+              <a:rPr lang="en-US" altLang="ko-KR" dirty="0">
+                <a:solidFill>
+                  <a:schemeClr val="bg1">
+                    <a:lumMod val="95000"/>
+                  </a:schemeClr>
+                </a:solidFill>
+                <a:latin typeface="배달의민족 주아" pitchFamily="18" charset="-127"/>
+                <a:ea typeface="배달의민족 주아" pitchFamily="18" charset="-127"/>
+              </a:rPr>
+              <a:t>[0]</a:t>
+            </a:r>
+            <a:endParaRPr lang="ko-KR" altLang="en-US" dirty="0">
+              <a:solidFill>
+                <a:schemeClr val="bg1">
+                  <a:lumMod val="95000"/>
+                </a:schemeClr>
+              </a:solidFill>
+            </a:endParaRPr>
+          </a:p>
+        </p:txBody>
+      </p:sp>
+      <p:sp>
+        <p:nvSpPr>
+          <p:cNvPr id="14" name="직사각형 13">
+            <a:extLst>
+              <a:ext uri="{FF2B5EF4-FFF2-40B4-BE49-F238E27FC236}">
+                <a16:creationId xmlns:a16="http://schemas.microsoft.com/office/drawing/2014/main" id="{6B9373C2-7319-4F7A-B0F1-5AEB1EF11228}"/>
+              </a:ext>
+            </a:extLst>
+          </p:cNvPr>
+          <p:cNvSpPr/>
+          <p:nvPr/>
+        </p:nvSpPr>
+        <p:spPr>
+          <a:xfrm>
+            <a:off x="5879979" y="2365671"/>
+            <a:ext cx="504053" cy="382092"/>
+          </a:xfrm>
+          <a:prstGeom prst="rect">
+            <a:avLst/>
+          </a:prstGeom>
+        </p:spPr>
+        <p:txBody>
+          <a:bodyPr wrap="square">
+            <a:spAutoFit/>
+          </a:bodyPr>
+          <a:lstStyle/>
+          <a:p>
+            <a:r>
+              <a:rPr lang="en-US" altLang="ko-KR" dirty="0">
+                <a:solidFill>
+                  <a:schemeClr val="bg1">
+                    <a:lumMod val="95000"/>
+                  </a:schemeClr>
+                </a:solidFill>
+                <a:latin typeface="배달의민족 주아" pitchFamily="18" charset="-127"/>
+                <a:ea typeface="배달의민족 주아" pitchFamily="18" charset="-127"/>
+              </a:rPr>
+              <a:t>[1]</a:t>
+            </a:r>
+            <a:endParaRPr lang="ko-KR" altLang="en-US" dirty="0">
+              <a:solidFill>
+                <a:schemeClr val="bg1">
+                  <a:lumMod val="95000"/>
+                </a:schemeClr>
+              </a:solidFill>
+            </a:endParaRPr>
+          </a:p>
+        </p:txBody>
+      </p:sp>
+      <p:sp>
+        <p:nvSpPr>
+          <p:cNvPr id="15" name="직사각형 14">
+            <a:extLst>
+              <a:ext uri="{FF2B5EF4-FFF2-40B4-BE49-F238E27FC236}">
+                <a16:creationId xmlns:a16="http://schemas.microsoft.com/office/drawing/2014/main" id="{DF9CC940-64B9-49F5-B837-A20FFBF33BCD}"/>
+              </a:ext>
+            </a:extLst>
+          </p:cNvPr>
+          <p:cNvSpPr/>
+          <p:nvPr/>
+        </p:nvSpPr>
+        <p:spPr>
+          <a:xfrm>
+            <a:off x="7413190" y="2365671"/>
+            <a:ext cx="504053" cy="382092"/>
+          </a:xfrm>
+          <a:prstGeom prst="rect">
+            <a:avLst/>
+          </a:prstGeom>
+        </p:spPr>
+        <p:txBody>
+          <a:bodyPr wrap="square">
+            <a:spAutoFit/>
+          </a:bodyPr>
+          <a:lstStyle/>
+          <a:p>
+            <a:r>
+              <a:rPr lang="en-US" altLang="ko-KR" dirty="0">
+                <a:solidFill>
+                  <a:schemeClr val="bg1">
+                    <a:lumMod val="95000"/>
+                  </a:schemeClr>
+                </a:solidFill>
+                <a:latin typeface="배달의민족 주아" pitchFamily="18" charset="-127"/>
+                <a:ea typeface="배달의민족 주아" pitchFamily="18" charset="-127"/>
+              </a:rPr>
+              <a:t>[2]</a:t>
+            </a:r>
+            <a:endParaRPr lang="ko-KR" altLang="en-US" dirty="0">
+              <a:solidFill>
+                <a:schemeClr val="bg1">
+                  <a:lumMod val="95000"/>
+                </a:schemeClr>
+              </a:solidFill>
+            </a:endParaRPr>
+          </a:p>
+        </p:txBody>
+      </p:sp>
+      <p:sp>
+        <p:nvSpPr>
+          <p:cNvPr id="16" name="TextBox 15">
+            <a:extLst>
+              <a:ext uri="{FF2B5EF4-FFF2-40B4-BE49-F238E27FC236}">
+                <a16:creationId xmlns:a16="http://schemas.microsoft.com/office/drawing/2014/main" id="{E6ED9C27-0DE2-411D-B9ED-587C12E887AE}"/>
               </a:ext>
             </a:extLst>
           </p:cNvPr>
@@ -3303,8 +4025,8 @@
         </p:nvSpPr>
         <p:spPr>
           <a:xfrm>
-            <a:off x="2816900" y="3098749"/>
-            <a:ext cx="6558207" cy="660502"/>
+            <a:off x="4527300" y="1447431"/>
+            <a:ext cx="3137397" cy="660502"/>
           </a:xfrm>
           <a:prstGeom prst="rect">
             <a:avLst/>
@@ -3319,7 +4041,7 @@
           <a:p>
             <a:pPr algn="ctr"/>
             <a:r>
-              <a:rPr lang="en-US" altLang="ko-KR" sz="3692" dirty="0">
+              <a:rPr lang="ko-KR" altLang="en-US" sz="3692" dirty="0">
                 <a:solidFill>
                   <a:schemeClr val="bg1">
                     <a:lumMod val="95000"/>
@@ -3328,120 +4050,51 @@
                 <a:latin typeface="나눔바른고딕" panose="020B0603020101020101" pitchFamily="50" charset="-127"/>
                 <a:ea typeface="나눔바른고딕" panose="020B0603020101020101" pitchFamily="50" charset="-127"/>
               </a:rPr>
-              <a:t>#</a:t>
-            </a:r>
-            <a:r>
-              <a:rPr lang="ko-KR" altLang="en-US" sz="3692" dirty="0" err="1">
-                <a:solidFill>
-                  <a:schemeClr val="bg1">
-                    <a:lumMod val="95000"/>
+              <a:t>리스트</a:t>
+            </a:r>
+            <a:r>
+              <a:rPr lang="en-US" altLang="ko-KR" sz="3692" dirty="0">
+                <a:solidFill>
+                  <a:schemeClr val="accent6">
+                    <a:lumMod val="75000"/>
                   </a:schemeClr>
                 </a:solidFill>
                 <a:latin typeface="나눔바른고딕" panose="020B0603020101020101" pitchFamily="50" charset="-127"/>
                 <a:ea typeface="나눔바른고딕" panose="020B0603020101020101" pitchFamily="50" charset="-127"/>
               </a:rPr>
-              <a:t>내꺼하자</a:t>
+              <a:t>[</a:t>
             </a:r>
             <a:r>
               <a:rPr lang="ko-KR" altLang="en-US" sz="3692" dirty="0">
                 <a:solidFill>
-                  <a:schemeClr val="bg1">
-                    <a:lumMod val="95000"/>
+                  <a:schemeClr val="accent6">
+                    <a:lumMod val="75000"/>
                   </a:schemeClr>
                 </a:solidFill>
                 <a:latin typeface="나눔바른고딕" panose="020B0603020101020101" pitchFamily="50" charset="-127"/>
                 <a:ea typeface="나눔바른고딕" panose="020B0603020101020101" pitchFamily="50" charset="-127"/>
               </a:rPr>
-              <a:t> </a:t>
+              <a:t>인덱스</a:t>
             </a:r>
             <a:r>
               <a:rPr lang="en-US" altLang="ko-KR" sz="3692" dirty="0">
                 <a:solidFill>
-                  <a:schemeClr val="bg1">
-                    <a:lumMod val="95000"/>
+                  <a:schemeClr val="accent6">
+                    <a:lumMod val="75000"/>
                   </a:schemeClr>
                 </a:solidFill>
                 <a:latin typeface="나눔바른고딕" panose="020B0603020101020101" pitchFamily="50" charset="-127"/>
                 <a:ea typeface="나눔바른고딕" panose="020B0603020101020101" pitchFamily="50" charset="-127"/>
               </a:rPr>
-              <a:t>#</a:t>
-            </a:r>
-            <a:r>
-              <a:rPr lang="ko-KR" altLang="en-US" sz="3692" dirty="0">
-                <a:solidFill>
-                  <a:schemeClr val="bg1">
-                    <a:lumMod val="95000"/>
-                  </a:schemeClr>
-                </a:solidFill>
-                <a:latin typeface="나눔바른고딕" panose="020B0603020101020101" pitchFamily="50" charset="-127"/>
-                <a:ea typeface="나눔바른고딕" panose="020B0603020101020101" pitchFamily="50" charset="-127"/>
-              </a:rPr>
-              <a:t>오늘부터</a:t>
-            </a:r>
-            <a:r>
-              <a:rPr lang="en-US" altLang="ko-KR" sz="3692" dirty="0">
-                <a:solidFill>
-                  <a:schemeClr val="bg1">
-                    <a:lumMod val="95000"/>
-                  </a:schemeClr>
-                </a:solidFill>
-                <a:latin typeface="나눔바른고딕" panose="020B0603020101020101" pitchFamily="50" charset="-127"/>
-                <a:ea typeface="나눔바른고딕" panose="020B0603020101020101" pitchFamily="50" charset="-127"/>
-              </a:rPr>
-              <a:t>1</a:t>
-            </a:r>
-            <a:r>
-              <a:rPr lang="ko-KR" altLang="en-US" sz="3692" dirty="0">
-                <a:solidFill>
-                  <a:schemeClr val="bg1">
-                    <a:lumMod val="95000"/>
-                  </a:schemeClr>
-                </a:solidFill>
-                <a:latin typeface="나눔바른고딕" panose="020B0603020101020101" pitchFamily="50" charset="-127"/>
-                <a:ea typeface="나눔바른고딕" panose="020B0603020101020101" pitchFamily="50" charset="-127"/>
-              </a:rPr>
-              <a:t>일 </a:t>
-            </a:r>
-            <a:r>
-              <a:rPr lang="en-US" altLang="ko-KR" sz="3692" dirty="0">
-                <a:solidFill>
-                  <a:schemeClr val="bg1">
-                    <a:lumMod val="95000"/>
-                  </a:schemeClr>
-                </a:solidFill>
-                <a:latin typeface="나눔바른고딕" panose="020B0603020101020101" pitchFamily="50" charset="-127"/>
-                <a:ea typeface="나눔바른고딕" panose="020B0603020101020101" pitchFamily="50" charset="-127"/>
-              </a:rPr>
-              <a:t>#</a:t>
-            </a:r>
-            <a:r>
-              <a:rPr lang="ko-KR" altLang="en-US" sz="3692" dirty="0" err="1">
-                <a:solidFill>
-                  <a:schemeClr val="bg1">
-                    <a:lumMod val="95000"/>
-                  </a:schemeClr>
-                </a:solidFill>
-                <a:latin typeface="나눔바른고딕" panose="020B0603020101020101" pitchFamily="50" charset="-127"/>
-                <a:ea typeface="나눔바른고딕" panose="020B0603020101020101" pitchFamily="50" charset="-127"/>
-              </a:rPr>
-              <a:t>내여친</a:t>
-            </a:r>
-            <a:endParaRPr lang="en-US" altLang="ko-KR" sz="3692" dirty="0">
-              <a:solidFill>
-                <a:schemeClr val="bg1">
-                  <a:lumMod val="95000"/>
-                </a:schemeClr>
-              </a:solidFill>
-              <a:latin typeface="나눔바른고딕" panose="020B0603020101020101" pitchFamily="50" charset="-127"/>
-              <a:ea typeface="나눔바른고딕" panose="020B0603020101020101" pitchFamily="50" charset="-127"/>
-            </a:endParaRPr>
+              <a:t>]</a:t>
+            </a:r>
           </a:p>
         </p:txBody>
       </p:sp>
     </p:spTree>
     <p:extLst>
       <p:ext uri="{BB962C8B-B14F-4D97-AF65-F5344CB8AC3E}">
-        <p14:creationId xmlns:p14="http://schemas.microsoft.com/office/powerpoint/2010/main" val="2161052614"/>
+        <p14:creationId xmlns:p14="http://schemas.microsoft.com/office/powerpoint/2010/main" val="3197057136"/>
       </p:ext>
     </p:extLst>
   </p:cSld>
@@ -3451,7 +4104,7 @@
 </p:sld>
 </file>
 
-<file path=ppt/slides/slide11.xml><?xml version="1.0" encoding="utf-8"?>
+<file path=ppt/slides/slide12.xml><?xml version="1.0" encoding="utf-8"?>
 <p:sld xmlns:a="http://schemas.openxmlformats.org/drawingml/2006/main" xmlns:r="http://schemas.openxmlformats.org/officeDocument/2006/relationships" xmlns:p="http://schemas.openxmlformats.org/presentationml/2006/main">
   <p:cSld>
     <p:bg>
@@ -3493,8 +4146,8 @@
         </p:nvSpPr>
         <p:spPr>
           <a:xfrm>
-            <a:off x="5160492" y="3098749"/>
-            <a:ext cx="1871026" cy="660502"/>
+            <a:off x="4475204" y="3098749"/>
+            <a:ext cx="3241593" cy="660502"/>
           </a:xfrm>
           <a:prstGeom prst="rect">
             <a:avLst/>
@@ -3518,7 +4171,7 @@
                 <a:latin typeface="나눔바른고딕" panose="020B0603020101020101" pitchFamily="50" charset="-127"/>
                 <a:ea typeface="나눔바른고딕" panose="020B0603020101020101" pitchFamily="50" charset="-127"/>
               </a:rPr>
-              <a:t>비교연산</a:t>
+              <a:t>데이터 추가하기</a:t>
             </a:r>
             <a:endParaRPr lang="en-US" altLang="ko-KR" sz="3692" dirty="0">
               <a:solidFill>
@@ -3535,7 +4188,7 @@
     </p:spTree>
     <p:extLst>
       <p:ext uri="{BB962C8B-B14F-4D97-AF65-F5344CB8AC3E}">
-        <p14:creationId xmlns:p14="http://schemas.microsoft.com/office/powerpoint/2010/main" val="3028852703"/>
+        <p14:creationId xmlns:p14="http://schemas.microsoft.com/office/powerpoint/2010/main" val="2220945899"/>
       </p:ext>
     </p:extLst>
   </p:cSld>
@@ -3545,7 +4198,7 @@
 </p:sld>
 </file>
 
-<file path=ppt/slides/slide12.xml><?xml version="1.0" encoding="utf-8"?>
+<file path=ppt/slides/slide13.xml><?xml version="1.0" encoding="utf-8"?>
 <p:sld xmlns:a="http://schemas.openxmlformats.org/drawingml/2006/main" xmlns:r="http://schemas.openxmlformats.org/officeDocument/2006/relationships" xmlns:p="http://schemas.openxmlformats.org/presentationml/2006/main">
   <p:cSld>
     <p:bg>
@@ -3573,430 +4226,1069 @@
           <a:chExt cx="0" cy="0"/>
         </a:xfrm>
       </p:grpSpPr>
-      <p:graphicFrame>
-        <p:nvGraphicFramePr>
-          <p:cNvPr id="3" name="표 2">
+      <p:grpSp>
+        <p:nvGrpSpPr>
+          <p:cNvPr id="22" name="그룹 21">
             <a:extLst>
               <a:ext uri="{FF2B5EF4-FFF2-40B4-BE49-F238E27FC236}">
-                <a16:creationId xmlns:a16="http://schemas.microsoft.com/office/drawing/2014/main" id="{7E7BFB86-73DE-48DC-9C91-4502602712F0}"/>
+                <a16:creationId xmlns:a16="http://schemas.microsoft.com/office/drawing/2014/main" id="{66E1C7A2-D2B2-47E3-8082-84EAE0CE01B0}"/>
               </a:ext>
             </a:extLst>
           </p:cNvPr>
-          <p:cNvGraphicFramePr>
-            <a:graphicFrameLocks noGrp="1"/>
-          </p:cNvGraphicFramePr>
-          <p:nvPr>
-            <p:extLst>
-              <p:ext uri="{D42A27DB-BD31-4B8C-83A1-F6EECF244321}">
-                <p14:modId xmlns:p14="http://schemas.microsoft.com/office/powerpoint/2010/main" val="1013860602"/>
-              </p:ext>
-            </p:extLst>
-          </p:nvPr>
-        </p:nvGraphicFramePr>
-        <p:xfrm>
-          <a:off x="2663788" y="1868361"/>
-          <a:ext cx="6864424" cy="3121279"/>
-        </p:xfrm>
-        <a:graphic>
-          <a:graphicData uri="http://schemas.openxmlformats.org/drawingml/2006/table">
-            <a:tbl>
-              <a:tblPr firstRow="1" bandRow="1">
-                <a:tableStyleId>{5C22544A-7EE6-4342-B048-85BDC9FD1C3A}</a:tableStyleId>
-              </a:tblPr>
-              <a:tblGrid>
-                <a:gridCol w="3432212">
-                  <a:extLst>
-                    <a:ext uri="{9D8B030D-6E8A-4147-A177-3AD203B41FA5}">
-                      <a16:colId xmlns:a16="http://schemas.microsoft.com/office/drawing/2014/main" val="20000"/>
-                    </a:ext>
-                  </a:extLst>
-                </a:gridCol>
-                <a:gridCol w="3432212">
-                  <a:extLst>
-                    <a:ext uri="{9D8B030D-6E8A-4147-A177-3AD203B41FA5}">
-                      <a16:colId xmlns:a16="http://schemas.microsoft.com/office/drawing/2014/main" val="20001"/>
-                    </a:ext>
-                  </a:extLst>
-                </a:gridCol>
-              </a:tblGrid>
-              <a:tr h="370840">
-                <a:tc>
-                  <a:txBody>
-                    <a:bodyPr/>
-                    <a:lstStyle/>
-                    <a:p>
-                      <a:pPr algn="ctr" latinLnBrk="1"/>
-                      <a:r>
-                        <a:rPr lang="ko-KR" altLang="en-US" dirty="0"/>
-                        <a:t>연산자</a:t>
-                      </a:r>
-                      <a:r>
-                        <a:rPr lang="en-US" altLang="ko-KR" dirty="0"/>
-                        <a:t>(</a:t>
-                      </a:r>
-                      <a:r>
-                        <a:rPr lang="ko-KR" altLang="en-US" dirty="0"/>
-                        <a:t>연산기호</a:t>
-                      </a:r>
-                      <a:r>
-                        <a:rPr lang="en-US" altLang="ko-KR" dirty="0"/>
-                        <a:t>)</a:t>
-                      </a:r>
-                      <a:endParaRPr lang="ko-KR" altLang="en-US" dirty="0"/>
-                    </a:p>
-                  </a:txBody>
-                  <a:tcPr/>
-                </a:tc>
-                <a:tc>
-                  <a:txBody>
-                    <a:bodyPr/>
-                    <a:lstStyle/>
-                    <a:p>
-                      <a:pPr algn="ctr" latinLnBrk="1"/>
-                      <a:r>
-                        <a:rPr lang="ko-KR" altLang="en-US" dirty="0"/>
-                        <a:t>설명</a:t>
-                      </a:r>
-                      <a:r>
-                        <a:rPr lang="en-US" altLang="ko-KR" dirty="0"/>
-                        <a:t>(</a:t>
-                      </a:r>
-                      <a:r>
-                        <a:rPr lang="ko-KR" altLang="en-US" dirty="0"/>
-                        <a:t>왼쪽이 오른쪽보다</a:t>
-                      </a:r>
-                      <a:r>
-                        <a:rPr lang="en-US" altLang="ko-KR" dirty="0"/>
-                        <a:t>)</a:t>
-                      </a:r>
-                      <a:endParaRPr lang="ko-KR" altLang="en-US" dirty="0"/>
-                    </a:p>
-                  </a:txBody>
-                  <a:tcPr/>
-                </a:tc>
-                <a:extLst>
-                  <a:ext uri="{0D108BD9-81ED-4DB2-BD59-A6C34878D82A}">
-                    <a16:rowId xmlns:a16="http://schemas.microsoft.com/office/drawing/2014/main" val="10000"/>
-                  </a:ext>
-                </a:extLst>
-              </a:tr>
-              <a:tr h="370840">
-                <a:tc>
-                  <a:txBody>
-                    <a:bodyPr/>
-                    <a:lstStyle/>
-                    <a:p>
-                      <a:pPr algn="ctr" latinLnBrk="1"/>
-                      <a:r>
-                        <a:rPr lang="en-US" altLang="ko-KR" dirty="0"/>
-                        <a:t>&gt;</a:t>
-                      </a:r>
-                      <a:endParaRPr lang="ko-KR" altLang="en-US" dirty="0"/>
-                    </a:p>
-                  </a:txBody>
-                  <a:tcPr/>
-                </a:tc>
-                <a:tc>
-                  <a:txBody>
-                    <a:bodyPr/>
-                    <a:lstStyle/>
-                    <a:p>
-                      <a:pPr algn="ctr" latinLnBrk="1"/>
-                      <a:r>
-                        <a:rPr lang="ko-KR" altLang="en-US" dirty="0"/>
-                        <a:t>크다</a:t>
-                      </a:r>
-                    </a:p>
-                  </a:txBody>
-                  <a:tcPr/>
-                </a:tc>
-                <a:extLst>
-                  <a:ext uri="{0D108BD9-81ED-4DB2-BD59-A6C34878D82A}">
-                    <a16:rowId xmlns:a16="http://schemas.microsoft.com/office/drawing/2014/main" val="10001"/>
-                  </a:ext>
-                </a:extLst>
-              </a:tr>
-              <a:tr h="370840">
-                <a:tc>
-                  <a:txBody>
-                    <a:bodyPr/>
-                    <a:lstStyle/>
-                    <a:p>
-                      <a:pPr algn="ctr" latinLnBrk="1"/>
-                      <a:r>
-                        <a:rPr lang="en-US" altLang="ko-KR" dirty="0"/>
-                        <a:t>&lt;</a:t>
-                      </a:r>
-                      <a:endParaRPr lang="ko-KR" altLang="en-US" dirty="0"/>
-                    </a:p>
-                  </a:txBody>
-                  <a:tcPr/>
-                </a:tc>
-                <a:tc>
-                  <a:txBody>
-                    <a:bodyPr/>
-                    <a:lstStyle/>
-                    <a:p>
-                      <a:pPr algn="ctr" latinLnBrk="1"/>
-                      <a:r>
-                        <a:rPr lang="ko-KR" altLang="en-US" dirty="0"/>
-                        <a:t>작다</a:t>
-                      </a:r>
-                    </a:p>
-                  </a:txBody>
-                  <a:tcPr/>
-                </a:tc>
-                <a:extLst>
-                  <a:ext uri="{0D108BD9-81ED-4DB2-BD59-A6C34878D82A}">
-                    <a16:rowId xmlns:a16="http://schemas.microsoft.com/office/drawing/2014/main" val="10002"/>
-                  </a:ext>
-                </a:extLst>
-              </a:tr>
-              <a:tr h="370840">
-                <a:tc>
-                  <a:txBody>
-                    <a:bodyPr/>
-                    <a:lstStyle/>
-                    <a:p>
-                      <a:pPr algn="ctr" latinLnBrk="1"/>
-                      <a:r>
-                        <a:rPr lang="en-US" altLang="ko-KR" dirty="0"/>
-                        <a:t>&gt;=</a:t>
-                      </a:r>
-                      <a:endParaRPr lang="ko-KR" altLang="en-US" dirty="0"/>
-                    </a:p>
-                  </a:txBody>
-                  <a:tcPr/>
-                </a:tc>
-                <a:tc>
-                  <a:txBody>
-                    <a:bodyPr/>
-                    <a:lstStyle/>
-                    <a:p>
-                      <a:pPr algn="ctr" latinLnBrk="1"/>
-                      <a:r>
-                        <a:rPr lang="ko-KR" altLang="en-US" dirty="0"/>
-                        <a:t>크거나 같다</a:t>
-                      </a:r>
-                    </a:p>
-                  </a:txBody>
-                  <a:tcPr/>
-                </a:tc>
-                <a:extLst>
-                  <a:ext uri="{0D108BD9-81ED-4DB2-BD59-A6C34878D82A}">
-                    <a16:rowId xmlns:a16="http://schemas.microsoft.com/office/drawing/2014/main" val="10003"/>
-                  </a:ext>
-                </a:extLst>
-              </a:tr>
-              <a:tr h="370840">
-                <a:tc>
-                  <a:txBody>
-                    <a:bodyPr/>
-                    <a:lstStyle/>
-                    <a:p>
-                      <a:pPr algn="ctr" latinLnBrk="1"/>
-                      <a:r>
-                        <a:rPr lang="en-US" altLang="ko-KR" dirty="0"/>
-                        <a:t>&lt;=</a:t>
-                      </a:r>
-                      <a:endParaRPr lang="ko-KR" altLang="en-US" dirty="0"/>
-                    </a:p>
-                  </a:txBody>
-                  <a:tcPr/>
-                </a:tc>
-                <a:tc>
-                  <a:txBody>
-                    <a:bodyPr/>
-                    <a:lstStyle/>
-                    <a:p>
-                      <a:pPr algn="ctr" latinLnBrk="1"/>
-                      <a:r>
-                        <a:rPr lang="ko-KR" altLang="en-US" dirty="0"/>
-                        <a:t>작거나 같다</a:t>
-                      </a:r>
-                    </a:p>
-                  </a:txBody>
-                  <a:tcPr/>
-                </a:tc>
-                <a:extLst>
-                  <a:ext uri="{0D108BD9-81ED-4DB2-BD59-A6C34878D82A}">
-                    <a16:rowId xmlns:a16="http://schemas.microsoft.com/office/drawing/2014/main" val="10004"/>
-                  </a:ext>
-                </a:extLst>
-              </a:tr>
-              <a:tr h="370840">
-                <a:tc>
-                  <a:txBody>
-                    <a:bodyPr/>
-                    <a:lstStyle/>
-                    <a:p>
-                      <a:pPr algn="ctr" latinLnBrk="1"/>
-                      <a:r>
-                        <a:rPr lang="en-US" altLang="ko-KR" dirty="0"/>
-                        <a:t>==</a:t>
-                      </a:r>
-                      <a:endParaRPr lang="ko-KR" altLang="en-US" dirty="0"/>
-                    </a:p>
-                  </a:txBody>
-                  <a:tcPr/>
-                </a:tc>
-                <a:tc>
-                  <a:txBody>
-                    <a:bodyPr/>
-                    <a:lstStyle/>
-                    <a:p>
-                      <a:pPr algn="ctr" latinLnBrk="1"/>
-                      <a:r>
-                        <a:rPr lang="ko-KR" altLang="en-US" dirty="0"/>
-                        <a:t>같다</a:t>
-                      </a:r>
-                    </a:p>
-                  </a:txBody>
-                  <a:tcPr/>
-                </a:tc>
-                <a:extLst>
-                  <a:ext uri="{0D108BD9-81ED-4DB2-BD59-A6C34878D82A}">
-                    <a16:rowId xmlns:a16="http://schemas.microsoft.com/office/drawing/2014/main" val="10005"/>
-                  </a:ext>
-                </a:extLst>
-              </a:tr>
-              <a:tr h="370840">
-                <a:tc>
-                  <a:txBody>
-                    <a:bodyPr/>
-                    <a:lstStyle/>
-                    <a:p>
-                      <a:pPr algn="ctr" latinLnBrk="1"/>
-                      <a:r>
-                        <a:rPr lang="en-US" altLang="ko-KR" dirty="0"/>
-                        <a:t>!=</a:t>
-                      </a:r>
-                      <a:endParaRPr lang="ko-KR" altLang="en-US" dirty="0"/>
-                    </a:p>
-                  </a:txBody>
-                  <a:tcPr/>
-                </a:tc>
-                <a:tc>
-                  <a:txBody>
-                    <a:bodyPr/>
-                    <a:lstStyle/>
-                    <a:p>
-                      <a:pPr algn="ctr" latinLnBrk="1"/>
-                      <a:r>
-                        <a:rPr lang="ko-KR" altLang="en-US" dirty="0"/>
-                        <a:t>다르다</a:t>
-                      </a:r>
-                    </a:p>
-                  </a:txBody>
-                  <a:tcPr/>
-                </a:tc>
-                <a:extLst>
-                  <a:ext uri="{0D108BD9-81ED-4DB2-BD59-A6C34878D82A}">
-                    <a16:rowId xmlns:a16="http://schemas.microsoft.com/office/drawing/2014/main" val="10006"/>
-                  </a:ext>
-                </a:extLst>
-              </a:tr>
-            </a:tbl>
-          </a:graphicData>
-        </a:graphic>
-      </p:graphicFrame>
+          <p:cNvGrpSpPr/>
+          <p:nvPr/>
+        </p:nvGrpSpPr>
+        <p:grpSpPr>
+          <a:xfrm>
+            <a:off x="2373823" y="2065369"/>
+            <a:ext cx="7444355" cy="2727263"/>
+            <a:chOff x="2135560" y="2077639"/>
+            <a:chExt cx="7444355" cy="2727263"/>
+          </a:xfrm>
+        </p:grpSpPr>
+        <p:pic>
+          <p:nvPicPr>
+            <p:cNvPr id="3" name="Picture 2" descr="C:\Users\Administrator\Downloads\free-icon-package-2945609.png">
+              <a:extLst>
+                <a:ext uri="{FF2B5EF4-FFF2-40B4-BE49-F238E27FC236}">
+                  <a16:creationId xmlns:a16="http://schemas.microsoft.com/office/drawing/2014/main" id="{B6DFAAC8-6473-4F96-80EE-C8FD46DEAA44}"/>
+                </a:ext>
+              </a:extLst>
+            </p:cNvPr>
+            <p:cNvPicPr>
+              <a:picLocks noChangeAspect="1" noChangeArrowheads="1"/>
+            </p:cNvPicPr>
+            <p:nvPr/>
+          </p:nvPicPr>
+          <p:blipFill>
+            <a:blip r:embed="rId2" cstate="print">
+              <a:extLst>
+                <a:ext uri="{28A0092B-C50C-407E-A947-70E740481C1C}">
+                  <a14:useLocalDpi xmlns:a14="http://schemas.microsoft.com/office/drawing/2010/main" val="0"/>
+                </a:ext>
+              </a:extLst>
+            </a:blip>
+            <a:srcRect/>
+            <a:stretch>
+              <a:fillRect/>
+            </a:stretch>
+          </p:blipFill>
+          <p:spPr bwMode="auto">
+            <a:xfrm>
+              <a:off x="2244870" y="2399170"/>
+              <a:ext cx="1584176" cy="1584176"/>
+            </a:xfrm>
+            <a:prstGeom prst="rect">
+              <a:avLst/>
+            </a:prstGeom>
+            <a:noFill/>
+            <a:extLst>
+              <a:ext uri="{909E8E84-426E-40DD-AFC4-6F175D3DCCD1}">
+                <a14:hiddenFill xmlns:a14="http://schemas.microsoft.com/office/drawing/2010/main">
+                  <a:solidFill>
+                    <a:srgbClr val="FFFFFF"/>
+                  </a:solidFill>
+                </a14:hiddenFill>
+              </a:ext>
+            </a:extLst>
+          </p:spPr>
+        </p:pic>
+        <p:pic>
+          <p:nvPicPr>
+            <p:cNvPr id="4" name="Picture 2" descr="C:\Users\Administrator\Downloads\free-icon-package-2945609.png">
+              <a:extLst>
+                <a:ext uri="{FF2B5EF4-FFF2-40B4-BE49-F238E27FC236}">
+                  <a16:creationId xmlns:a16="http://schemas.microsoft.com/office/drawing/2014/main" id="{2CA179C2-73C5-4D04-B371-A90D79D619CC}"/>
+                </a:ext>
+              </a:extLst>
+            </p:cNvPr>
+            <p:cNvPicPr>
+              <a:picLocks noChangeAspect="1" noChangeArrowheads="1"/>
+            </p:cNvPicPr>
+            <p:nvPr/>
+          </p:nvPicPr>
+          <p:blipFill>
+            <a:blip r:embed="rId2" cstate="print">
+              <a:extLst>
+                <a:ext uri="{28A0092B-C50C-407E-A947-70E740481C1C}">
+                  <a14:useLocalDpi xmlns:a14="http://schemas.microsoft.com/office/drawing/2010/main" val="0"/>
+                </a:ext>
+              </a:extLst>
+            </a:blip>
+            <a:srcRect/>
+            <a:stretch>
+              <a:fillRect/>
+            </a:stretch>
+          </p:blipFill>
+          <p:spPr bwMode="auto">
+            <a:xfrm>
+              <a:off x="3863752" y="2399170"/>
+              <a:ext cx="1584176" cy="1584176"/>
+            </a:xfrm>
+            <a:prstGeom prst="rect">
+              <a:avLst/>
+            </a:prstGeom>
+            <a:noFill/>
+            <a:extLst>
+              <a:ext uri="{909E8E84-426E-40DD-AFC4-6F175D3DCCD1}">
+                <a14:hiddenFill xmlns:a14="http://schemas.microsoft.com/office/drawing/2010/main">
+                  <a:solidFill>
+                    <a:srgbClr val="FFFFFF"/>
+                  </a:solidFill>
+                </a14:hiddenFill>
+              </a:ext>
+            </a:extLst>
+          </p:spPr>
+        </p:pic>
+        <p:pic>
+          <p:nvPicPr>
+            <p:cNvPr id="5" name="Picture 2" descr="C:\Users\Administrator\Downloads\free-icon-package-2945609.png">
+              <a:extLst>
+                <a:ext uri="{FF2B5EF4-FFF2-40B4-BE49-F238E27FC236}">
+                  <a16:creationId xmlns:a16="http://schemas.microsoft.com/office/drawing/2014/main" id="{AEF7C397-CBF8-4553-809A-CF77875E1B36}"/>
+                </a:ext>
+              </a:extLst>
+            </p:cNvPr>
+            <p:cNvPicPr>
+              <a:picLocks noChangeAspect="1" noChangeArrowheads="1"/>
+            </p:cNvPicPr>
+            <p:nvPr/>
+          </p:nvPicPr>
+          <p:blipFill>
+            <a:blip r:embed="rId2" cstate="print">
+              <a:extLst>
+                <a:ext uri="{28A0092B-C50C-407E-A947-70E740481C1C}">
+                  <a14:useLocalDpi xmlns:a14="http://schemas.microsoft.com/office/drawing/2010/main" val="0"/>
+                </a:ext>
+              </a:extLst>
+            </a:blip>
+            <a:srcRect/>
+            <a:stretch>
+              <a:fillRect/>
+            </a:stretch>
+          </p:blipFill>
+          <p:spPr bwMode="auto">
+            <a:xfrm>
+              <a:off x="5447928" y="2399170"/>
+              <a:ext cx="1584176" cy="1584176"/>
+            </a:xfrm>
+            <a:prstGeom prst="rect">
+              <a:avLst/>
+            </a:prstGeom>
+            <a:noFill/>
+            <a:extLst>
+              <a:ext uri="{909E8E84-426E-40DD-AFC4-6F175D3DCCD1}">
+                <a14:hiddenFill xmlns:a14="http://schemas.microsoft.com/office/drawing/2010/main">
+                  <a:solidFill>
+                    <a:srgbClr val="FFFFFF"/>
+                  </a:solidFill>
+                </a14:hiddenFill>
+              </a:ext>
+            </a:extLst>
+          </p:spPr>
+        </p:pic>
+        <p:sp>
+          <p:nvSpPr>
+            <p:cNvPr id="6" name="사각형: 둥근 모서리 5">
+              <a:extLst>
+                <a:ext uri="{FF2B5EF4-FFF2-40B4-BE49-F238E27FC236}">
+                  <a16:creationId xmlns:a16="http://schemas.microsoft.com/office/drawing/2014/main" id="{985689C8-F565-4617-B9F0-F3AB84412F7F}"/>
+                </a:ext>
+              </a:extLst>
+            </p:cNvPr>
+            <p:cNvSpPr/>
+            <p:nvPr/>
+          </p:nvSpPr>
+          <p:spPr>
+            <a:xfrm>
+              <a:off x="2135560" y="2132856"/>
+              <a:ext cx="5040560" cy="2016224"/>
+            </a:xfrm>
+            <a:prstGeom prst="roundRect">
+              <a:avLst/>
+            </a:prstGeom>
+            <a:noFill/>
+          </p:spPr>
+          <p:style>
+            <a:lnRef idx="2">
+              <a:schemeClr val="accent1">
+                <a:shade val="50000"/>
+              </a:schemeClr>
+            </a:lnRef>
+            <a:fillRef idx="1">
+              <a:schemeClr val="accent1"/>
+            </a:fillRef>
+            <a:effectRef idx="0">
+              <a:schemeClr val="accent1"/>
+            </a:effectRef>
+            <a:fontRef idx="minor">
+              <a:schemeClr val="lt1"/>
+            </a:fontRef>
+          </p:style>
+          <p:txBody>
+            <a:bodyPr rtlCol="0" anchor="ctr"/>
+            <a:lstStyle/>
+            <a:p>
+              <a:pPr algn="ctr"/>
+              <a:endParaRPr lang="ko-KR" altLang="en-US">
+                <a:solidFill>
+                  <a:schemeClr val="bg1">
+                    <a:lumMod val="95000"/>
+                  </a:schemeClr>
+                </a:solidFill>
+              </a:endParaRPr>
+            </a:p>
+          </p:txBody>
+        </p:sp>
+        <p:cxnSp>
+          <p:nvCxnSpPr>
+            <p:cNvPr id="7" name="직선 화살표 연결선 6">
+              <a:extLst>
+                <a:ext uri="{FF2B5EF4-FFF2-40B4-BE49-F238E27FC236}">
+                  <a16:creationId xmlns:a16="http://schemas.microsoft.com/office/drawing/2014/main" id="{0555B155-5232-4C22-873D-0A8064E4E6DB}"/>
+                </a:ext>
+              </a:extLst>
+            </p:cNvPr>
+            <p:cNvCxnSpPr>
+              <a:cxnSpLocks/>
+            </p:cNvCxnSpPr>
+            <p:nvPr/>
+          </p:nvCxnSpPr>
+          <p:spPr>
+            <a:xfrm flipV="1">
+              <a:off x="3030064" y="3966196"/>
+              <a:ext cx="0" cy="449198"/>
+            </a:xfrm>
+            <a:prstGeom prst="straightConnector1">
+              <a:avLst/>
+            </a:prstGeom>
+            <a:ln w="25400">
+              <a:tailEnd type="triangle"/>
+            </a:ln>
+          </p:spPr>
+          <p:style>
+            <a:lnRef idx="1">
+              <a:schemeClr val="accent1"/>
+            </a:lnRef>
+            <a:fillRef idx="0">
+              <a:schemeClr val="accent1"/>
+            </a:fillRef>
+            <a:effectRef idx="0">
+              <a:schemeClr val="accent1"/>
+            </a:effectRef>
+            <a:fontRef idx="minor">
+              <a:schemeClr val="tx1"/>
+            </a:fontRef>
+          </p:style>
+        </p:cxnSp>
+        <p:sp>
+          <p:nvSpPr>
+            <p:cNvPr id="8" name="직사각형 7">
+              <a:extLst>
+                <a:ext uri="{FF2B5EF4-FFF2-40B4-BE49-F238E27FC236}">
+                  <a16:creationId xmlns:a16="http://schemas.microsoft.com/office/drawing/2014/main" id="{61072D65-2755-40E2-A87B-91CC24033AE6}"/>
+                </a:ext>
+              </a:extLst>
+            </p:cNvPr>
+            <p:cNvSpPr/>
+            <p:nvPr/>
+          </p:nvSpPr>
+          <p:spPr>
+            <a:xfrm>
+              <a:off x="2388886" y="4422049"/>
+              <a:ext cx="1296144" cy="382092"/>
+            </a:xfrm>
+            <a:prstGeom prst="rect">
+              <a:avLst/>
+            </a:prstGeom>
+          </p:spPr>
+          <p:txBody>
+            <a:bodyPr wrap="square">
+              <a:spAutoFit/>
+            </a:bodyPr>
+            <a:lstStyle/>
+            <a:p>
+              <a:r>
+                <a:rPr lang="en-US" altLang="ko-KR" dirty="0">
+                  <a:solidFill>
+                    <a:schemeClr val="bg1">
+                      <a:lumMod val="95000"/>
+                    </a:schemeClr>
+                  </a:solidFill>
+                  <a:latin typeface="배달의민족 주아" pitchFamily="18" charset="-127"/>
+                  <a:ea typeface="배달의민족 주아" pitchFamily="18" charset="-127"/>
+                </a:rPr>
+                <a:t>0 </a:t>
+              </a:r>
+              <a:r>
+                <a:rPr lang="ko-KR" altLang="en-US" dirty="0">
+                  <a:solidFill>
+                    <a:schemeClr val="bg1">
+                      <a:lumMod val="95000"/>
+                    </a:schemeClr>
+                  </a:solidFill>
+                  <a:latin typeface="배달의민족 주아" pitchFamily="18" charset="-127"/>
+                  <a:ea typeface="배달의민족 주아" pitchFamily="18" charset="-127"/>
+                </a:rPr>
+                <a:t>번 인덱스</a:t>
+              </a:r>
+              <a:endParaRPr lang="ko-KR" altLang="en-US" dirty="0">
+                <a:solidFill>
+                  <a:schemeClr val="bg1">
+                    <a:lumMod val="95000"/>
+                  </a:schemeClr>
+                </a:solidFill>
+              </a:endParaRPr>
+            </a:p>
+          </p:txBody>
+        </p:sp>
+        <p:cxnSp>
+          <p:nvCxnSpPr>
+            <p:cNvPr id="9" name="직선 화살표 연결선 8">
+              <a:extLst>
+                <a:ext uri="{FF2B5EF4-FFF2-40B4-BE49-F238E27FC236}">
+                  <a16:creationId xmlns:a16="http://schemas.microsoft.com/office/drawing/2014/main" id="{504AB2DA-A496-445F-9C57-8DFCA7CAFA7E}"/>
+                </a:ext>
+              </a:extLst>
+            </p:cNvPr>
+            <p:cNvCxnSpPr>
+              <a:cxnSpLocks/>
+            </p:cNvCxnSpPr>
+            <p:nvPr/>
+          </p:nvCxnSpPr>
+          <p:spPr>
+            <a:xfrm flipH="1" flipV="1">
+              <a:off x="4644773" y="3974772"/>
+              <a:ext cx="7378" cy="432046"/>
+            </a:xfrm>
+            <a:prstGeom prst="straightConnector1">
+              <a:avLst/>
+            </a:prstGeom>
+            <a:ln w="25400">
+              <a:tailEnd type="triangle"/>
+            </a:ln>
+          </p:spPr>
+          <p:style>
+            <a:lnRef idx="1">
+              <a:schemeClr val="accent1"/>
+            </a:lnRef>
+            <a:fillRef idx="0">
+              <a:schemeClr val="accent1"/>
+            </a:fillRef>
+            <a:effectRef idx="0">
+              <a:schemeClr val="accent1"/>
+            </a:effectRef>
+            <a:fontRef idx="minor">
+              <a:schemeClr val="tx1"/>
+            </a:fontRef>
+          </p:style>
+        </p:cxnSp>
+        <p:sp>
+          <p:nvSpPr>
+            <p:cNvPr id="10" name="직사각형 9">
+              <a:extLst>
+                <a:ext uri="{FF2B5EF4-FFF2-40B4-BE49-F238E27FC236}">
+                  <a16:creationId xmlns:a16="http://schemas.microsoft.com/office/drawing/2014/main" id="{105E47AD-39AD-4EB5-9E5A-AF93D1352C74}"/>
+                </a:ext>
+              </a:extLst>
+            </p:cNvPr>
+            <p:cNvSpPr/>
+            <p:nvPr/>
+          </p:nvSpPr>
+          <p:spPr>
+            <a:xfrm>
+              <a:off x="3996701" y="4422810"/>
+              <a:ext cx="1296144" cy="382092"/>
+            </a:xfrm>
+            <a:prstGeom prst="rect">
+              <a:avLst/>
+            </a:prstGeom>
+          </p:spPr>
+          <p:txBody>
+            <a:bodyPr wrap="square">
+              <a:spAutoFit/>
+            </a:bodyPr>
+            <a:lstStyle/>
+            <a:p>
+              <a:r>
+                <a:rPr lang="en-US" altLang="ko-KR" dirty="0">
+                  <a:solidFill>
+                    <a:schemeClr val="bg1">
+                      <a:lumMod val="95000"/>
+                    </a:schemeClr>
+                  </a:solidFill>
+                  <a:latin typeface="배달의민족 주아" pitchFamily="18" charset="-127"/>
+                  <a:ea typeface="배달의민족 주아" pitchFamily="18" charset="-127"/>
+                </a:rPr>
+                <a:t>1 </a:t>
+              </a:r>
+              <a:r>
+                <a:rPr lang="ko-KR" altLang="en-US" dirty="0">
+                  <a:solidFill>
+                    <a:schemeClr val="bg1">
+                      <a:lumMod val="95000"/>
+                    </a:schemeClr>
+                  </a:solidFill>
+                  <a:latin typeface="배달의민족 주아" pitchFamily="18" charset="-127"/>
+                  <a:ea typeface="배달의민족 주아" pitchFamily="18" charset="-127"/>
+                </a:rPr>
+                <a:t>번 인덱스</a:t>
+              </a:r>
+              <a:endParaRPr lang="ko-KR" altLang="en-US" dirty="0">
+                <a:solidFill>
+                  <a:schemeClr val="bg1">
+                    <a:lumMod val="95000"/>
+                  </a:schemeClr>
+                </a:solidFill>
+              </a:endParaRPr>
+            </a:p>
+          </p:txBody>
+        </p:sp>
+        <p:cxnSp>
+          <p:nvCxnSpPr>
+            <p:cNvPr id="11" name="직선 화살표 연결선 10">
+              <a:extLst>
+                <a:ext uri="{FF2B5EF4-FFF2-40B4-BE49-F238E27FC236}">
+                  <a16:creationId xmlns:a16="http://schemas.microsoft.com/office/drawing/2014/main" id="{4E9F8F44-4DCB-467B-A452-7258BE2C5B5B}"/>
+                </a:ext>
+              </a:extLst>
+            </p:cNvPr>
+            <p:cNvCxnSpPr>
+              <a:cxnSpLocks/>
+            </p:cNvCxnSpPr>
+            <p:nvPr/>
+          </p:nvCxnSpPr>
+          <p:spPr>
+            <a:xfrm flipV="1">
+              <a:off x="6228949" y="3972488"/>
+              <a:ext cx="4044" cy="442906"/>
+            </a:xfrm>
+            <a:prstGeom prst="straightConnector1">
+              <a:avLst/>
+            </a:prstGeom>
+            <a:ln w="25400">
+              <a:tailEnd type="triangle"/>
+            </a:ln>
+          </p:spPr>
+          <p:style>
+            <a:lnRef idx="1">
+              <a:schemeClr val="accent1"/>
+            </a:lnRef>
+            <a:fillRef idx="0">
+              <a:schemeClr val="accent1"/>
+            </a:fillRef>
+            <a:effectRef idx="0">
+              <a:schemeClr val="accent1"/>
+            </a:effectRef>
+            <a:fontRef idx="minor">
+              <a:schemeClr val="tx1"/>
+            </a:fontRef>
+          </p:style>
+        </p:cxnSp>
+        <p:sp>
+          <p:nvSpPr>
+            <p:cNvPr id="12" name="직사각형 11">
+              <a:extLst>
+                <a:ext uri="{FF2B5EF4-FFF2-40B4-BE49-F238E27FC236}">
+                  <a16:creationId xmlns:a16="http://schemas.microsoft.com/office/drawing/2014/main" id="{B72F6194-3669-43FC-9243-5AEDDDDCEB75}"/>
+                </a:ext>
+              </a:extLst>
+            </p:cNvPr>
+            <p:cNvSpPr/>
+            <p:nvPr/>
+          </p:nvSpPr>
+          <p:spPr>
+            <a:xfrm>
+              <a:off x="5580877" y="4422049"/>
+              <a:ext cx="1296144" cy="382092"/>
+            </a:xfrm>
+            <a:prstGeom prst="rect">
+              <a:avLst/>
+            </a:prstGeom>
+          </p:spPr>
+          <p:txBody>
+            <a:bodyPr wrap="square">
+              <a:spAutoFit/>
+            </a:bodyPr>
+            <a:lstStyle/>
+            <a:p>
+              <a:r>
+                <a:rPr lang="en-US" altLang="ko-KR" dirty="0">
+                  <a:solidFill>
+                    <a:schemeClr val="bg1">
+                      <a:lumMod val="95000"/>
+                    </a:schemeClr>
+                  </a:solidFill>
+                  <a:latin typeface="배달의민족 주아" pitchFamily="18" charset="-127"/>
+                  <a:ea typeface="배달의민족 주아" pitchFamily="18" charset="-127"/>
+                </a:rPr>
+                <a:t>2 </a:t>
+              </a:r>
+              <a:r>
+                <a:rPr lang="ko-KR" altLang="en-US" dirty="0">
+                  <a:solidFill>
+                    <a:schemeClr val="bg1">
+                      <a:lumMod val="95000"/>
+                    </a:schemeClr>
+                  </a:solidFill>
+                  <a:latin typeface="배달의민족 주아" pitchFamily="18" charset="-127"/>
+                  <a:ea typeface="배달의민족 주아" pitchFamily="18" charset="-127"/>
+                </a:rPr>
+                <a:t>번 인덱스</a:t>
+              </a:r>
+              <a:endParaRPr lang="ko-KR" altLang="en-US" dirty="0">
+                <a:solidFill>
+                  <a:schemeClr val="bg1">
+                    <a:lumMod val="95000"/>
+                  </a:schemeClr>
+                </a:solidFill>
+              </a:endParaRPr>
+            </a:p>
+          </p:txBody>
+        </p:sp>
+        <p:sp>
+          <p:nvSpPr>
+            <p:cNvPr id="13" name="직사각형 12">
+              <a:extLst>
+                <a:ext uri="{FF2B5EF4-FFF2-40B4-BE49-F238E27FC236}">
+                  <a16:creationId xmlns:a16="http://schemas.microsoft.com/office/drawing/2014/main" id="{D8D36075-FC0A-4AC2-BAF0-5C6A28011709}"/>
+                </a:ext>
+              </a:extLst>
+            </p:cNvPr>
+            <p:cNvSpPr/>
+            <p:nvPr/>
+          </p:nvSpPr>
+          <p:spPr>
+            <a:xfrm>
+              <a:off x="2783632" y="2077639"/>
+              <a:ext cx="504053" cy="382092"/>
+            </a:xfrm>
+            <a:prstGeom prst="rect">
+              <a:avLst/>
+            </a:prstGeom>
+          </p:spPr>
+          <p:txBody>
+            <a:bodyPr wrap="square">
+              <a:spAutoFit/>
+            </a:bodyPr>
+            <a:lstStyle/>
+            <a:p>
+              <a:r>
+                <a:rPr lang="en-US" altLang="ko-KR" dirty="0">
+                  <a:solidFill>
+                    <a:schemeClr val="bg1">
+                      <a:lumMod val="95000"/>
+                    </a:schemeClr>
+                  </a:solidFill>
+                  <a:latin typeface="배달의민족 주아" pitchFamily="18" charset="-127"/>
+                  <a:ea typeface="배달의민족 주아" pitchFamily="18" charset="-127"/>
+                </a:rPr>
+                <a:t>[0]</a:t>
+              </a:r>
+              <a:endParaRPr lang="ko-KR" altLang="en-US" dirty="0">
+                <a:solidFill>
+                  <a:schemeClr val="bg1">
+                    <a:lumMod val="95000"/>
+                  </a:schemeClr>
+                </a:solidFill>
+              </a:endParaRPr>
+            </a:p>
+          </p:txBody>
+        </p:sp>
+        <p:sp>
+          <p:nvSpPr>
+            <p:cNvPr id="14" name="직사각형 13">
+              <a:extLst>
+                <a:ext uri="{FF2B5EF4-FFF2-40B4-BE49-F238E27FC236}">
+                  <a16:creationId xmlns:a16="http://schemas.microsoft.com/office/drawing/2014/main" id="{8DD248AB-D99D-49FC-A365-3EEC0D7DBA23}"/>
+                </a:ext>
+              </a:extLst>
+            </p:cNvPr>
+            <p:cNvSpPr/>
+            <p:nvPr/>
+          </p:nvSpPr>
+          <p:spPr>
+            <a:xfrm>
+              <a:off x="4439819" y="2077639"/>
+              <a:ext cx="504053" cy="382092"/>
+            </a:xfrm>
+            <a:prstGeom prst="rect">
+              <a:avLst/>
+            </a:prstGeom>
+          </p:spPr>
+          <p:txBody>
+            <a:bodyPr wrap="square">
+              <a:spAutoFit/>
+            </a:bodyPr>
+            <a:lstStyle/>
+            <a:p>
+              <a:r>
+                <a:rPr lang="en-US" altLang="ko-KR" dirty="0">
+                  <a:solidFill>
+                    <a:schemeClr val="bg1">
+                      <a:lumMod val="95000"/>
+                    </a:schemeClr>
+                  </a:solidFill>
+                  <a:latin typeface="배달의민족 주아" pitchFamily="18" charset="-127"/>
+                  <a:ea typeface="배달의민족 주아" pitchFamily="18" charset="-127"/>
+                </a:rPr>
+                <a:t>[1]</a:t>
+              </a:r>
+              <a:endParaRPr lang="ko-KR" altLang="en-US" dirty="0">
+                <a:solidFill>
+                  <a:schemeClr val="bg1">
+                    <a:lumMod val="95000"/>
+                  </a:schemeClr>
+                </a:solidFill>
+              </a:endParaRPr>
+            </a:p>
+          </p:txBody>
+        </p:sp>
+        <p:sp>
+          <p:nvSpPr>
+            <p:cNvPr id="15" name="직사각형 14">
+              <a:extLst>
+                <a:ext uri="{FF2B5EF4-FFF2-40B4-BE49-F238E27FC236}">
+                  <a16:creationId xmlns:a16="http://schemas.microsoft.com/office/drawing/2014/main" id="{F407993C-4B7B-4E3B-868C-79F6089A4249}"/>
+                </a:ext>
+              </a:extLst>
+            </p:cNvPr>
+            <p:cNvSpPr/>
+            <p:nvPr/>
+          </p:nvSpPr>
+          <p:spPr>
+            <a:xfrm>
+              <a:off x="5973030" y="2077639"/>
+              <a:ext cx="504053" cy="382092"/>
+            </a:xfrm>
+            <a:prstGeom prst="rect">
+              <a:avLst/>
+            </a:prstGeom>
+          </p:spPr>
+          <p:txBody>
+            <a:bodyPr wrap="square">
+              <a:spAutoFit/>
+            </a:bodyPr>
+            <a:lstStyle/>
+            <a:p>
+              <a:r>
+                <a:rPr lang="en-US" altLang="ko-KR" dirty="0">
+                  <a:solidFill>
+                    <a:schemeClr val="bg1">
+                      <a:lumMod val="95000"/>
+                    </a:schemeClr>
+                  </a:solidFill>
+                  <a:latin typeface="배달의민족 주아" pitchFamily="18" charset="-127"/>
+                  <a:ea typeface="배달의민족 주아" pitchFamily="18" charset="-127"/>
+                </a:rPr>
+                <a:t>[2]</a:t>
+              </a:r>
+              <a:endParaRPr lang="ko-KR" altLang="en-US" dirty="0">
+                <a:solidFill>
+                  <a:schemeClr val="bg1">
+                    <a:lumMod val="95000"/>
+                  </a:schemeClr>
+                </a:solidFill>
+              </a:endParaRPr>
+            </a:p>
+          </p:txBody>
+        </p:sp>
+        <p:pic>
+          <p:nvPicPr>
+            <p:cNvPr id="16" name="Picture 2" descr="C:\Users\Administrator\Downloads\free-icon-package-2945609.png">
+              <a:extLst>
+                <a:ext uri="{FF2B5EF4-FFF2-40B4-BE49-F238E27FC236}">
+                  <a16:creationId xmlns:a16="http://schemas.microsoft.com/office/drawing/2014/main" id="{5BFBB1D7-DE65-414A-A420-D2188F44F261}"/>
+                </a:ext>
+              </a:extLst>
+            </p:cNvPr>
+            <p:cNvPicPr>
+              <a:picLocks noChangeAspect="1" noChangeArrowheads="1"/>
+            </p:cNvPicPr>
+            <p:nvPr/>
+          </p:nvPicPr>
+          <p:blipFill>
+            <a:blip r:embed="rId2" cstate="print">
+              <a:extLst>
+                <a:ext uri="{28A0092B-C50C-407E-A947-70E740481C1C}">
+                  <a14:useLocalDpi xmlns:a14="http://schemas.microsoft.com/office/drawing/2010/main" val="0"/>
+                </a:ext>
+              </a:extLst>
+            </a:blip>
+            <a:srcRect/>
+            <a:stretch>
+              <a:fillRect/>
+            </a:stretch>
+          </p:blipFill>
+          <p:spPr bwMode="auto">
+            <a:xfrm>
+              <a:off x="7995739" y="2399170"/>
+              <a:ext cx="1584176" cy="1584176"/>
+            </a:xfrm>
+            <a:prstGeom prst="rect">
+              <a:avLst/>
+            </a:prstGeom>
+            <a:noFill/>
+            <a:extLst>
+              <a:ext uri="{909E8E84-426E-40DD-AFC4-6F175D3DCCD1}">
+                <a14:hiddenFill xmlns:a14="http://schemas.microsoft.com/office/drawing/2010/main">
+                  <a:solidFill>
+                    <a:srgbClr val="FFFFFF"/>
+                  </a:solidFill>
+                </a14:hiddenFill>
+              </a:ext>
+            </a:extLst>
+          </p:spPr>
+        </p:pic>
+        <p:cxnSp>
+          <p:nvCxnSpPr>
+            <p:cNvPr id="17" name="직선 화살표 연결선 16">
+              <a:extLst>
+                <a:ext uri="{FF2B5EF4-FFF2-40B4-BE49-F238E27FC236}">
+                  <a16:creationId xmlns:a16="http://schemas.microsoft.com/office/drawing/2014/main" id="{AA028148-2836-4AAA-ABED-B645D1FE4740}"/>
+                </a:ext>
+              </a:extLst>
+            </p:cNvPr>
+            <p:cNvCxnSpPr>
+              <a:cxnSpLocks/>
+            </p:cNvCxnSpPr>
+            <p:nvPr/>
+          </p:nvCxnSpPr>
+          <p:spPr>
+            <a:xfrm flipV="1">
+              <a:off x="8776760" y="3972488"/>
+              <a:ext cx="4044" cy="442906"/>
+            </a:xfrm>
+            <a:prstGeom prst="straightConnector1">
+              <a:avLst/>
+            </a:prstGeom>
+            <a:ln w="25400">
+              <a:tailEnd type="triangle"/>
+            </a:ln>
+          </p:spPr>
+          <p:style>
+            <a:lnRef idx="1">
+              <a:schemeClr val="accent1"/>
+            </a:lnRef>
+            <a:fillRef idx="0">
+              <a:schemeClr val="accent1"/>
+            </a:fillRef>
+            <a:effectRef idx="0">
+              <a:schemeClr val="accent1"/>
+            </a:effectRef>
+            <a:fontRef idx="minor">
+              <a:schemeClr val="tx1"/>
+            </a:fontRef>
+          </p:style>
+        </p:cxnSp>
+        <p:sp>
+          <p:nvSpPr>
+            <p:cNvPr id="18" name="직사각형 17">
+              <a:extLst>
+                <a:ext uri="{FF2B5EF4-FFF2-40B4-BE49-F238E27FC236}">
+                  <a16:creationId xmlns:a16="http://schemas.microsoft.com/office/drawing/2014/main" id="{F56C4C89-5F01-40EA-B7DA-D412AA3722DF}"/>
+                </a:ext>
+              </a:extLst>
+            </p:cNvPr>
+            <p:cNvSpPr/>
+            <p:nvPr/>
+          </p:nvSpPr>
+          <p:spPr>
+            <a:xfrm>
+              <a:off x="8128688" y="4422049"/>
+              <a:ext cx="1296144" cy="382092"/>
+            </a:xfrm>
+            <a:prstGeom prst="rect">
+              <a:avLst/>
+            </a:prstGeom>
+          </p:spPr>
+          <p:txBody>
+            <a:bodyPr wrap="square">
+              <a:spAutoFit/>
+            </a:bodyPr>
+            <a:lstStyle/>
+            <a:p>
+              <a:r>
+                <a:rPr lang="en-US" altLang="ko-KR" dirty="0">
+                  <a:solidFill>
+                    <a:schemeClr val="bg1">
+                      <a:lumMod val="95000"/>
+                    </a:schemeClr>
+                  </a:solidFill>
+                  <a:latin typeface="배달의민족 주아" pitchFamily="18" charset="-127"/>
+                  <a:ea typeface="배달의민족 주아" pitchFamily="18" charset="-127"/>
+                </a:rPr>
+                <a:t>3 </a:t>
+              </a:r>
+              <a:r>
+                <a:rPr lang="ko-KR" altLang="en-US" dirty="0">
+                  <a:solidFill>
+                    <a:schemeClr val="bg1">
+                      <a:lumMod val="95000"/>
+                    </a:schemeClr>
+                  </a:solidFill>
+                  <a:latin typeface="배달의민족 주아" pitchFamily="18" charset="-127"/>
+                  <a:ea typeface="배달의민족 주아" pitchFamily="18" charset="-127"/>
+                </a:rPr>
+                <a:t>번 인덱스</a:t>
+              </a:r>
+              <a:endParaRPr lang="ko-KR" altLang="en-US" dirty="0">
+                <a:solidFill>
+                  <a:schemeClr val="bg1">
+                    <a:lumMod val="95000"/>
+                  </a:schemeClr>
+                </a:solidFill>
+              </a:endParaRPr>
+            </a:p>
+          </p:txBody>
+        </p:sp>
+        <p:sp>
+          <p:nvSpPr>
+            <p:cNvPr id="19" name="직사각형 18">
+              <a:extLst>
+                <a:ext uri="{FF2B5EF4-FFF2-40B4-BE49-F238E27FC236}">
+                  <a16:creationId xmlns:a16="http://schemas.microsoft.com/office/drawing/2014/main" id="{11D57497-2B74-40EC-B0A3-0FBEB368BEC7}"/>
+                </a:ext>
+              </a:extLst>
+            </p:cNvPr>
+            <p:cNvSpPr/>
+            <p:nvPr/>
+          </p:nvSpPr>
+          <p:spPr>
+            <a:xfrm>
+              <a:off x="8520841" y="2077639"/>
+              <a:ext cx="504053" cy="382092"/>
+            </a:xfrm>
+            <a:prstGeom prst="rect">
+              <a:avLst/>
+            </a:prstGeom>
+          </p:spPr>
+          <p:txBody>
+            <a:bodyPr wrap="square">
+              <a:spAutoFit/>
+            </a:bodyPr>
+            <a:lstStyle/>
+            <a:p>
+              <a:r>
+                <a:rPr lang="en-US" altLang="ko-KR" dirty="0">
+                  <a:solidFill>
+                    <a:schemeClr val="bg1">
+                      <a:lumMod val="95000"/>
+                    </a:schemeClr>
+                  </a:solidFill>
+                  <a:latin typeface="배달의민족 주아" pitchFamily="18" charset="-127"/>
+                  <a:ea typeface="배달의민족 주아" pitchFamily="18" charset="-127"/>
+                </a:rPr>
+                <a:t>[3]</a:t>
+              </a:r>
+              <a:endParaRPr lang="ko-KR" altLang="en-US" dirty="0">
+                <a:solidFill>
+                  <a:schemeClr val="bg1">
+                    <a:lumMod val="95000"/>
+                  </a:schemeClr>
+                </a:solidFill>
+              </a:endParaRPr>
+            </a:p>
+          </p:txBody>
+        </p:sp>
+        <p:sp>
+          <p:nvSpPr>
+            <p:cNvPr id="20" name="화살표: 왼쪽 19">
+              <a:extLst>
+                <a:ext uri="{FF2B5EF4-FFF2-40B4-BE49-F238E27FC236}">
+                  <a16:creationId xmlns:a16="http://schemas.microsoft.com/office/drawing/2014/main" id="{13D3F3AC-4EF1-411E-9486-45BF41F97595}"/>
+                </a:ext>
+              </a:extLst>
+            </p:cNvPr>
+            <p:cNvSpPr/>
+            <p:nvPr/>
+          </p:nvSpPr>
+          <p:spPr>
+            <a:xfrm>
+              <a:off x="7392144" y="3244334"/>
+              <a:ext cx="459579" cy="216024"/>
+            </a:xfrm>
+            <a:prstGeom prst="leftArrow">
+              <a:avLst/>
+            </a:prstGeom>
+          </p:spPr>
+          <p:style>
+            <a:lnRef idx="2">
+              <a:schemeClr val="accent1">
+                <a:shade val="50000"/>
+              </a:schemeClr>
+            </a:lnRef>
+            <a:fillRef idx="1">
+              <a:schemeClr val="accent1"/>
+            </a:fillRef>
+            <a:effectRef idx="0">
+              <a:schemeClr val="accent1"/>
+            </a:effectRef>
+            <a:fontRef idx="minor">
+              <a:schemeClr val="lt1"/>
+            </a:fontRef>
+          </p:style>
+          <p:txBody>
+            <a:bodyPr rtlCol="0" anchor="ctr"/>
+            <a:lstStyle/>
+            <a:p>
+              <a:pPr algn="ctr"/>
+              <a:endParaRPr lang="ko-KR" altLang="en-US">
+                <a:solidFill>
+                  <a:schemeClr val="bg1">
+                    <a:lumMod val="95000"/>
+                  </a:schemeClr>
+                </a:solidFill>
+              </a:endParaRPr>
+            </a:p>
+          </p:txBody>
+        </p:sp>
+        <p:sp>
+          <p:nvSpPr>
+            <p:cNvPr id="21" name="직사각형 20">
+              <a:extLst>
+                <a:ext uri="{FF2B5EF4-FFF2-40B4-BE49-F238E27FC236}">
+                  <a16:creationId xmlns:a16="http://schemas.microsoft.com/office/drawing/2014/main" id="{CB0DB8BE-7803-43F9-A273-CA4432C4C142}"/>
+                </a:ext>
+              </a:extLst>
+            </p:cNvPr>
+            <p:cNvSpPr/>
+            <p:nvPr/>
+          </p:nvSpPr>
+          <p:spPr>
+            <a:xfrm>
+              <a:off x="7104112" y="2843644"/>
+              <a:ext cx="1296144" cy="382092"/>
+            </a:xfrm>
+            <a:prstGeom prst="rect">
+              <a:avLst/>
+            </a:prstGeom>
+          </p:spPr>
+          <p:txBody>
+            <a:bodyPr wrap="square">
+              <a:spAutoFit/>
+            </a:bodyPr>
+            <a:lstStyle/>
+            <a:p>
+              <a:r>
+                <a:rPr lang="en-US" altLang="ko-KR" dirty="0">
+                  <a:solidFill>
+                    <a:schemeClr val="bg1">
+                      <a:lumMod val="95000"/>
+                    </a:schemeClr>
+                  </a:solidFill>
+                  <a:latin typeface="배달의민족 주아" panose="02020603020101020101" pitchFamily="18" charset="-127"/>
+                  <a:ea typeface="배달의민족 주아" panose="02020603020101020101" pitchFamily="18" charset="-127"/>
+                </a:rPr>
+                <a:t>append()</a:t>
+              </a:r>
+              <a:endParaRPr lang="ko-KR" altLang="en-US" dirty="0">
+                <a:solidFill>
+                  <a:schemeClr val="bg1">
+                    <a:lumMod val="95000"/>
+                  </a:schemeClr>
+                </a:solidFill>
+                <a:latin typeface="배달의민족 주아" panose="02020603020101020101" pitchFamily="18" charset="-127"/>
+                <a:ea typeface="배달의민족 주아" panose="02020603020101020101" pitchFamily="18" charset="-127"/>
+              </a:endParaRPr>
+            </a:p>
+          </p:txBody>
+        </p:sp>
+      </p:grpSp>
+      <p:sp>
+        <p:nvSpPr>
+          <p:cNvPr id="23" name="TextBox 22">
+            <a:extLst>
+              <a:ext uri="{FF2B5EF4-FFF2-40B4-BE49-F238E27FC236}">
+                <a16:creationId xmlns:a16="http://schemas.microsoft.com/office/drawing/2014/main" id="{D80ADF86-4608-49A3-88CA-6F89BD5D7322}"/>
+              </a:ext>
+            </a:extLst>
+          </p:cNvPr>
+          <p:cNvSpPr txBox="1"/>
+          <p:nvPr/>
+        </p:nvSpPr>
+        <p:spPr>
+          <a:xfrm>
+            <a:off x="3633627" y="1332800"/>
+            <a:ext cx="4924746" cy="660502"/>
+          </a:xfrm>
+          <a:prstGeom prst="rect">
+            <a:avLst/>
+          </a:prstGeom>
+          <a:noFill/>
+        </p:spPr>
+        <p:txBody>
+          <a:bodyPr wrap="none" rtlCol="0">
+            <a:spAutoFit/>
+          </a:bodyPr>
+          <a:lstStyle/>
+          <a:p>
+            <a:pPr algn="ctr"/>
+            <a:r>
+              <a:rPr lang="ko-KR" altLang="en-US" sz="3692" dirty="0">
+                <a:solidFill>
+                  <a:schemeClr val="bg1">
+                    <a:lumMod val="95000"/>
+                  </a:schemeClr>
+                </a:solidFill>
+                <a:latin typeface="나눔바른고딕" panose="020B0603020101020101" pitchFamily="50" charset="-127"/>
+                <a:ea typeface="나눔바른고딕" panose="020B0603020101020101" pitchFamily="50" charset="-127"/>
+              </a:rPr>
+              <a:t>리스트</a:t>
+            </a:r>
+            <a:r>
+              <a:rPr lang="en-US" altLang="ko-KR" sz="3692" dirty="0">
+                <a:solidFill>
+                  <a:schemeClr val="accent6">
+                    <a:lumMod val="75000"/>
+                  </a:schemeClr>
+                </a:solidFill>
+                <a:latin typeface="나눔바른고딕" panose="020B0603020101020101" pitchFamily="50" charset="-127"/>
+                <a:ea typeface="나눔바른고딕" panose="020B0603020101020101" pitchFamily="50" charset="-127"/>
+              </a:rPr>
+              <a:t>.append(</a:t>
+            </a:r>
+            <a:r>
+              <a:rPr lang="ko-KR" altLang="en-US" sz="3692" dirty="0">
+                <a:solidFill>
+                  <a:schemeClr val="accent6">
+                    <a:lumMod val="75000"/>
+                  </a:schemeClr>
+                </a:solidFill>
+                <a:latin typeface="나눔바른고딕" panose="020B0603020101020101" pitchFamily="50" charset="-127"/>
+                <a:ea typeface="나눔바른고딕" panose="020B0603020101020101" pitchFamily="50" charset="-127"/>
+              </a:rPr>
+              <a:t>데이터</a:t>
+            </a:r>
+            <a:r>
+              <a:rPr lang="en-US" altLang="ko-KR" sz="3692" dirty="0">
+                <a:solidFill>
+                  <a:schemeClr val="accent6">
+                    <a:lumMod val="75000"/>
+                  </a:schemeClr>
+                </a:solidFill>
+                <a:latin typeface="나눔바른고딕" panose="020B0603020101020101" pitchFamily="50" charset="-127"/>
+                <a:ea typeface="나눔바른고딕" panose="020B0603020101020101" pitchFamily="50" charset="-127"/>
+              </a:rPr>
+              <a:t>)</a:t>
+            </a:r>
+          </a:p>
+        </p:txBody>
+      </p:sp>
     </p:spTree>
     <p:extLst>
       <p:ext uri="{BB962C8B-B14F-4D97-AF65-F5344CB8AC3E}">
-        <p14:creationId xmlns:p14="http://schemas.microsoft.com/office/powerpoint/2010/main" val="3778949169"/>
+        <p14:creationId xmlns:p14="http://schemas.microsoft.com/office/powerpoint/2010/main" val="3695613808"/>
       </p:ext>
     </p:extLst>
   </p:cSld>
   <p:clrMapOvr>
     <a:masterClrMapping/>
   </p:clrMapOvr>
-  <p:timing>
-    <p:tnLst>
-      <p:par>
-        <p:cTn id="1" dur="indefinite" restart="never" nodeType="tmRoot">
-          <p:childTnLst>
-            <p:seq concurrent="1" nextAc="seek">
-              <p:cTn id="2" dur="indefinite" nodeType="mainSeq">
-                <p:childTnLst>
-                  <p:par>
-                    <p:cTn id="3" fill="hold">
-                      <p:stCondLst>
-                        <p:cond delay="indefinite"/>
-                      </p:stCondLst>
-                      <p:childTnLst>
-                        <p:par>
-                          <p:cTn id="4" fill="hold">
-                            <p:stCondLst>
-                              <p:cond delay="0"/>
-                            </p:stCondLst>
-                            <p:childTnLst>
-                              <p:par>
-                                <p:cTn id="5" presetID="10" presetClass="entr" presetSubtype="0" fill="hold" nodeType="clickEffect">
-                                  <p:stCondLst>
-                                    <p:cond delay="0"/>
-                                  </p:stCondLst>
-                                  <p:childTnLst>
-                                    <p:set>
-                                      <p:cBhvr>
-                                        <p:cTn id="6" dur="1" fill="hold">
-                                          <p:stCondLst>
-                                            <p:cond delay="0"/>
-                                          </p:stCondLst>
-                                        </p:cTn>
-                                        <p:tgtEl>
-                                          <p:spTgt spid="3"/>
-                                        </p:tgtEl>
-                                        <p:attrNameLst>
-                                          <p:attrName>style.visibility</p:attrName>
-                                        </p:attrNameLst>
-                                      </p:cBhvr>
-                                      <p:to>
-                                        <p:strVal val="visible"/>
-                                      </p:to>
-                                    </p:set>
-                                    <p:animEffect transition="in" filter="fade">
-                                      <p:cBhvr>
-                                        <p:cTn id="7" dur="500"/>
-                                        <p:tgtEl>
-                                          <p:spTgt spid="3"/>
-                                        </p:tgtEl>
-                                      </p:cBhvr>
-                                    </p:animEffect>
-                                  </p:childTnLst>
-                                </p:cTn>
-                              </p:par>
-                            </p:childTnLst>
-                          </p:cTn>
-                        </p:par>
-                      </p:childTnLst>
-                    </p:cTn>
-                  </p:par>
-                </p:childTnLst>
-              </p:cTn>
-              <p:prevCondLst>
-                <p:cond evt="onPrev" delay="0">
-                  <p:tgtEl>
-                    <p:sldTgt/>
-                  </p:tgtEl>
-                </p:cond>
-              </p:prevCondLst>
-              <p:nextCondLst>
-                <p:cond evt="onNext" delay="0">
-                  <p:tgtEl>
-                    <p:sldTgt/>
-                  </p:tgtEl>
-                </p:cond>
-              </p:nextCondLst>
-            </p:seq>
-          </p:childTnLst>
-        </p:cTn>
-      </p:par>
-    </p:tnLst>
-  </p:timing>
 </p:sld>
 </file>
 
-<file path=ppt/slides/slide13.xml><?xml version="1.0" encoding="utf-8"?>
+<file path=ppt/slides/slide14.xml><?xml version="1.0" encoding="utf-8"?>
 <p:sld xmlns:a="http://schemas.openxmlformats.org/drawingml/2006/main" xmlns:r="http://schemas.openxmlformats.org/officeDocument/2006/relationships" xmlns:p="http://schemas.openxmlformats.org/presentationml/2006/main">
   <p:cSld>
     <p:bg>
@@ -4038,8 +5330,8 @@
         </p:nvSpPr>
         <p:spPr>
           <a:xfrm>
-            <a:off x="5371282" y="1988840"/>
-            <a:ext cx="1449436" cy="660502"/>
+            <a:off x="4475204" y="3098749"/>
+            <a:ext cx="3241593" cy="660502"/>
           </a:xfrm>
           <a:prstGeom prst="rect">
             <a:avLst/>
@@ -4052,8 +5344,9 @@
           </a:bodyPr>
           <a:lstStyle/>
           <a:p>
-            <a:r>
-              <a:rPr lang="ko-KR" altLang="en-US" sz="3692" dirty="0" err="1">
+            <a:pPr algn="ctr"/>
+            <a:r>
+              <a:rPr lang="ko-KR" altLang="en-US" sz="3692" dirty="0">
                 <a:solidFill>
                   <a:schemeClr val="bg1">
                     <a:lumMod val="95000"/>
@@ -4062,7 +5355,7 @@
                 <a:latin typeface="나눔바른고딕" panose="020B0603020101020101" pitchFamily="50" charset="-127"/>
                 <a:ea typeface="나눔바른고딕" panose="020B0603020101020101" pitchFamily="50" charset="-127"/>
               </a:rPr>
-              <a:t>불린형</a:t>
+              <a:t>데이터 삭제하기</a:t>
             </a:r>
             <a:endParaRPr lang="en-US" altLang="ko-KR" sz="3692" dirty="0">
               <a:solidFill>
@@ -4076,327 +5369,20 @@
           </a:p>
         </p:txBody>
       </p:sp>
-      <p:sp>
-        <p:nvSpPr>
-          <p:cNvPr id="3" name="TextBox 2">
-            <a:extLst>
-              <a:ext uri="{FF2B5EF4-FFF2-40B4-BE49-F238E27FC236}">
-                <a16:creationId xmlns:a16="http://schemas.microsoft.com/office/drawing/2014/main" id="{49607707-B4DF-4EA6-B583-6DB58C459034}"/>
-              </a:ext>
-            </a:extLst>
-          </p:cNvPr>
-          <p:cNvSpPr txBox="1"/>
-          <p:nvPr/>
-        </p:nvSpPr>
-        <p:spPr>
-          <a:xfrm>
-            <a:off x="2567608" y="3488578"/>
-            <a:ext cx="1163460" cy="1228670"/>
-          </a:xfrm>
-          <a:prstGeom prst="rect">
-            <a:avLst/>
-          </a:prstGeom>
-          <a:noFill/>
-        </p:spPr>
-        <p:txBody>
-          <a:bodyPr wrap="none" rtlCol="0">
-            <a:spAutoFit/>
-          </a:bodyPr>
-          <a:lstStyle/>
-          <a:p>
-            <a:r>
-              <a:rPr lang="en-US" altLang="ko-KR" sz="3692" dirty="0">
-                <a:solidFill>
-                  <a:schemeClr val="accent6">
-                    <a:lumMod val="75000"/>
-                  </a:schemeClr>
-                </a:solidFill>
-                <a:latin typeface="나눔바른고딕" panose="020B0603020101020101" pitchFamily="50" charset="-127"/>
-                <a:ea typeface="나눔바른고딕" panose="020B0603020101020101" pitchFamily="50" charset="-127"/>
-              </a:rPr>
-              <a:t>True</a:t>
-            </a:r>
-          </a:p>
-          <a:p>
-            <a:pPr algn="ctr"/>
-            <a:r>
-              <a:rPr lang="en-US" altLang="ko-KR" sz="3692" dirty="0">
-                <a:solidFill>
-                  <a:schemeClr val="accent6">
-                    <a:lumMod val="75000"/>
-                  </a:schemeClr>
-                </a:solidFill>
-                <a:latin typeface="나눔바른고딕" panose="020B0603020101020101" pitchFamily="50" charset="-127"/>
-                <a:ea typeface="나눔바른고딕" panose="020B0603020101020101" pitchFamily="50" charset="-127"/>
-              </a:rPr>
-              <a:t>(1)</a:t>
-            </a:r>
-          </a:p>
-        </p:txBody>
-      </p:sp>
-      <p:sp>
-        <p:nvSpPr>
-          <p:cNvPr id="4" name="TextBox 3">
-            <a:extLst>
-              <a:ext uri="{FF2B5EF4-FFF2-40B4-BE49-F238E27FC236}">
-                <a16:creationId xmlns:a16="http://schemas.microsoft.com/office/drawing/2014/main" id="{632232A8-6926-4AC0-B351-00EF9C1BD328}"/>
-              </a:ext>
-            </a:extLst>
-          </p:cNvPr>
-          <p:cNvSpPr txBox="1"/>
-          <p:nvPr/>
-        </p:nvSpPr>
-        <p:spPr>
-          <a:xfrm>
-            <a:off x="8616280" y="3488578"/>
-            <a:ext cx="1307409" cy="1228670"/>
-          </a:xfrm>
-          <a:prstGeom prst="rect">
-            <a:avLst/>
-          </a:prstGeom>
-          <a:noFill/>
-        </p:spPr>
-        <p:txBody>
-          <a:bodyPr wrap="none" rtlCol="0">
-            <a:spAutoFit/>
-          </a:bodyPr>
-          <a:lstStyle/>
-          <a:p>
-            <a:r>
-              <a:rPr lang="en-US" altLang="ko-KR" sz="3692" dirty="0">
-                <a:solidFill>
-                  <a:schemeClr val="accent1"/>
-                </a:solidFill>
-                <a:latin typeface="나눔바른고딕" panose="020B0603020101020101" pitchFamily="50" charset="-127"/>
-                <a:ea typeface="나눔바른고딕" panose="020B0603020101020101" pitchFamily="50" charset="-127"/>
-              </a:rPr>
-              <a:t>False</a:t>
-            </a:r>
-          </a:p>
-          <a:p>
-            <a:pPr algn="ctr"/>
-            <a:r>
-              <a:rPr lang="en-US" altLang="ko-KR" sz="3692" dirty="0">
-                <a:solidFill>
-                  <a:schemeClr val="accent1"/>
-                </a:solidFill>
-                <a:latin typeface="나눔바른고딕" panose="020B0603020101020101" pitchFamily="50" charset="-127"/>
-                <a:ea typeface="나눔바른고딕" panose="020B0603020101020101" pitchFamily="50" charset="-127"/>
-              </a:rPr>
-              <a:t>(0)</a:t>
-            </a:r>
-          </a:p>
-        </p:txBody>
-      </p:sp>
-      <p:sp>
-        <p:nvSpPr>
-          <p:cNvPr id="9" name="TextBox 8">
-            <a:extLst>
-              <a:ext uri="{FF2B5EF4-FFF2-40B4-BE49-F238E27FC236}">
-                <a16:creationId xmlns:a16="http://schemas.microsoft.com/office/drawing/2014/main" id="{4499A1D2-60C2-4043-9929-6F1C8DC452DF}"/>
-              </a:ext>
-            </a:extLst>
-          </p:cNvPr>
-          <p:cNvSpPr txBox="1"/>
-          <p:nvPr/>
-        </p:nvSpPr>
-        <p:spPr>
-          <a:xfrm>
-            <a:off x="5132250" y="2630534"/>
-            <a:ext cx="1927501" cy="584775"/>
-          </a:xfrm>
-          <a:prstGeom prst="rect">
-            <a:avLst/>
-          </a:prstGeom>
-          <a:noFill/>
-        </p:spPr>
-        <p:txBody>
-          <a:bodyPr wrap="square" rtlCol="0">
-            <a:spAutoFit/>
-          </a:bodyPr>
-          <a:lstStyle/>
-          <a:p>
-            <a:r>
-              <a:rPr lang="en-US" altLang="ko-KR" sz="3200" dirty="0">
-                <a:solidFill>
-                  <a:schemeClr val="accent6">
-                    <a:lumMod val="75000"/>
-                  </a:schemeClr>
-                </a:solidFill>
-                <a:latin typeface="나눔바른고딕" panose="020B0603020101020101" pitchFamily="50" charset="-127"/>
-                <a:ea typeface="나눔바른고딕" panose="020B0603020101020101" pitchFamily="50" charset="-127"/>
-              </a:rPr>
-              <a:t>(Boolean)</a:t>
-            </a:r>
-          </a:p>
-        </p:txBody>
-      </p:sp>
     </p:spTree>
     <p:extLst>
       <p:ext uri="{BB962C8B-B14F-4D97-AF65-F5344CB8AC3E}">
-        <p14:creationId xmlns:p14="http://schemas.microsoft.com/office/powerpoint/2010/main" val="3221181672"/>
+        <p14:creationId xmlns:p14="http://schemas.microsoft.com/office/powerpoint/2010/main" val="2524814742"/>
       </p:ext>
     </p:extLst>
   </p:cSld>
   <p:clrMapOvr>
     <a:masterClrMapping/>
   </p:clrMapOvr>
-  <p:timing>
-    <p:tnLst>
-      <p:par>
-        <p:cTn id="1" dur="indefinite" restart="never" nodeType="tmRoot">
-          <p:childTnLst>
-            <p:seq concurrent="1" nextAc="seek">
-              <p:cTn id="2" dur="indefinite" nodeType="mainSeq">
-                <p:childTnLst>
-                  <p:par>
-                    <p:cTn id="3" fill="hold">
-                      <p:stCondLst>
-                        <p:cond delay="indefinite"/>
-                      </p:stCondLst>
-                      <p:childTnLst>
-                        <p:par>
-                          <p:cTn id="4" fill="hold">
-                            <p:stCondLst>
-                              <p:cond delay="0"/>
-                            </p:stCondLst>
-                            <p:childTnLst>
-                              <p:par>
-                                <p:cTn id="5" presetID="1" presetClass="entr" presetSubtype="0" fill="hold" grpId="0" nodeType="clickEffect">
-                                  <p:stCondLst>
-                                    <p:cond delay="0"/>
-                                  </p:stCondLst>
-                                  <p:childTnLst>
-                                    <p:set>
-                                      <p:cBhvr>
-                                        <p:cTn id="6" dur="1" fill="hold">
-                                          <p:stCondLst>
-                                            <p:cond delay="0"/>
-                                          </p:stCondLst>
-                                        </p:cTn>
-                                        <p:tgtEl>
-                                          <p:spTgt spid="9"/>
-                                        </p:tgtEl>
-                                        <p:attrNameLst>
-                                          <p:attrName>style.visibility</p:attrName>
-                                        </p:attrNameLst>
-                                      </p:cBhvr>
-                                      <p:to>
-                                        <p:strVal val="visible"/>
-                                      </p:to>
-                                    </p:set>
-                                  </p:childTnLst>
-                                </p:cTn>
-                              </p:par>
-                            </p:childTnLst>
-                          </p:cTn>
-                        </p:par>
-                      </p:childTnLst>
-                    </p:cTn>
-                  </p:par>
-                  <p:par>
-                    <p:cTn id="7" fill="hold">
-                      <p:stCondLst>
-                        <p:cond delay="indefinite"/>
-                      </p:stCondLst>
-                      <p:childTnLst>
-                        <p:par>
-                          <p:cTn id="8" fill="hold">
-                            <p:stCondLst>
-                              <p:cond delay="0"/>
-                            </p:stCondLst>
-                            <p:childTnLst>
-                              <p:par>
-                                <p:cTn id="9" presetID="1" presetClass="entr" presetSubtype="0" fill="hold" grpId="0" nodeType="clickEffect">
-                                  <p:stCondLst>
-                                    <p:cond delay="0"/>
-                                  </p:stCondLst>
-                                  <p:childTnLst>
-                                    <p:set>
-                                      <p:cBhvr>
-                                        <p:cTn id="10" dur="1" fill="hold">
-                                          <p:stCondLst>
-                                            <p:cond delay="0"/>
-                                          </p:stCondLst>
-                                        </p:cTn>
-                                        <p:tgtEl>
-                                          <p:spTgt spid="3"/>
-                                        </p:tgtEl>
-                                        <p:attrNameLst>
-                                          <p:attrName>style.visibility</p:attrName>
-                                        </p:attrNameLst>
-                                      </p:cBhvr>
-                                      <p:to>
-                                        <p:strVal val="visible"/>
-                                      </p:to>
-                                    </p:set>
-                                  </p:childTnLst>
-                                </p:cTn>
-                              </p:par>
-                              <p:par>
-                                <p:cTn id="11" presetID="1" presetClass="entr" presetSubtype="0" fill="hold" grpId="0" nodeType="withEffect">
-                                  <p:stCondLst>
-                                    <p:cond delay="0"/>
-                                  </p:stCondLst>
-                                  <p:childTnLst>
-                                    <p:set>
-                                      <p:cBhvr>
-                                        <p:cTn id="12" dur="1" fill="hold">
-                                          <p:stCondLst>
-                                            <p:cond delay="0"/>
-                                          </p:stCondLst>
-                                        </p:cTn>
-                                        <p:tgtEl>
-                                          <p:spTgt spid="4"/>
-                                        </p:tgtEl>
-                                        <p:attrNameLst>
-                                          <p:attrName>style.visibility</p:attrName>
-                                        </p:attrNameLst>
-                                      </p:cBhvr>
-                                      <p:to>
-                                        <p:strVal val="visible"/>
-                                      </p:to>
-                                    </p:set>
-                                  </p:childTnLst>
-                                </p:cTn>
-                              </p:par>
-                            </p:childTnLst>
-                          </p:cTn>
-                        </p:par>
-                      </p:childTnLst>
-                    </p:cTn>
-                  </p:par>
-                </p:childTnLst>
-              </p:cTn>
-              <p:prevCondLst>
-                <p:cond evt="onPrev" delay="0">
-                  <p:tgtEl>
-                    <p:sldTgt/>
-                  </p:tgtEl>
-                </p:cond>
-              </p:prevCondLst>
-              <p:nextCondLst>
-                <p:cond evt="onNext" delay="0">
-                  <p:tgtEl>
-                    <p:sldTgt/>
-                  </p:tgtEl>
-                </p:cond>
-              </p:nextCondLst>
-            </p:seq>
-          </p:childTnLst>
-        </p:cTn>
-      </p:par>
-    </p:tnLst>
-    <p:bldLst>
-      <p:bldP spid="3" grpId="0"/>
-      <p:bldP spid="4" grpId="0"/>
-      <p:bldP spid="9" grpId="0"/>
-    </p:bldLst>
-  </p:timing>
 </p:sld>
 </file>
 
-<file path=ppt/slides/slide14.xml><?xml version="1.0" encoding="utf-8"?>
+<file path=ppt/slides/slide15.xml><?xml version="1.0" encoding="utf-8"?>
 <p:sld xmlns:a="http://schemas.openxmlformats.org/drawingml/2006/main" xmlns:r="http://schemas.openxmlformats.org/officeDocument/2006/relationships" xmlns:p="http://schemas.openxmlformats.org/presentationml/2006/main">
   <p:cSld>
     <p:bg>
@@ -4424,414 +5410,790 @@
           <a:chExt cx="0" cy="0"/>
         </a:xfrm>
       </p:grpSpPr>
-      <p:graphicFrame>
-        <p:nvGraphicFramePr>
-          <p:cNvPr id="3" name="표 2">
+      <p:grpSp>
+        <p:nvGrpSpPr>
+          <p:cNvPr id="16" name="그룹 15">
             <a:extLst>
               <a:ext uri="{FF2B5EF4-FFF2-40B4-BE49-F238E27FC236}">
-                <a16:creationId xmlns:a16="http://schemas.microsoft.com/office/drawing/2014/main" id="{AF8B125F-A951-4993-AD16-5D0B19F34E04}"/>
+                <a16:creationId xmlns:a16="http://schemas.microsoft.com/office/drawing/2014/main" id="{9CC0D199-CD4C-4A0F-844C-C1B4325A02E8}"/>
               </a:ext>
             </a:extLst>
           </p:cNvPr>
-          <p:cNvGraphicFramePr>
-            <a:graphicFrameLocks noGrp="1"/>
-          </p:cNvGraphicFramePr>
-          <p:nvPr>
-            <p:extLst>
-              <p:ext uri="{D42A27DB-BD31-4B8C-83A1-F6EECF244321}">
-                <p14:modId xmlns:p14="http://schemas.microsoft.com/office/powerpoint/2010/main" val="2398246296"/>
-              </p:ext>
-            </p:extLst>
-          </p:nvPr>
-        </p:nvGraphicFramePr>
-        <p:xfrm>
-          <a:off x="3048000" y="1868360"/>
-          <a:ext cx="6096000" cy="3121279"/>
-        </p:xfrm>
-        <a:graphic>
-          <a:graphicData uri="http://schemas.openxmlformats.org/drawingml/2006/table">
-            <a:tbl>
-              <a:tblPr firstRow="1" bandRow="1">
-                <a:tableStyleId>{5C22544A-7EE6-4342-B048-85BDC9FD1C3A}</a:tableStyleId>
-              </a:tblPr>
-              <a:tblGrid>
-                <a:gridCol w="3048000">
-                  <a:extLst>
-                    <a:ext uri="{9D8B030D-6E8A-4147-A177-3AD203B41FA5}">
-                      <a16:colId xmlns:a16="http://schemas.microsoft.com/office/drawing/2014/main" val="20000"/>
-                    </a:ext>
-                  </a:extLst>
-                </a:gridCol>
-                <a:gridCol w="3048000">
-                  <a:extLst>
-                    <a:ext uri="{9D8B030D-6E8A-4147-A177-3AD203B41FA5}">
-                      <a16:colId xmlns:a16="http://schemas.microsoft.com/office/drawing/2014/main" val="20001"/>
-                    </a:ext>
-                  </a:extLst>
-                </a:gridCol>
-              </a:tblGrid>
-              <a:tr h="370840">
-                <a:tc>
-                  <a:txBody>
-                    <a:bodyPr/>
-                    <a:lstStyle/>
-                    <a:p>
-                      <a:pPr algn="ctr" latinLnBrk="1"/>
-                      <a:r>
-                        <a:rPr lang="ko-KR" altLang="en-US" dirty="0"/>
-                        <a:t>예시</a:t>
-                      </a:r>
-                    </a:p>
-                  </a:txBody>
-                  <a:tcPr/>
-                </a:tc>
-                <a:tc>
-                  <a:txBody>
-                    <a:bodyPr/>
-                    <a:lstStyle/>
-                    <a:p>
-                      <a:pPr algn="ctr" latinLnBrk="1"/>
-                      <a:r>
-                        <a:rPr lang="ko-KR" altLang="en-US" dirty="0"/>
-                        <a:t>결과</a:t>
-                      </a:r>
-                    </a:p>
-                  </a:txBody>
-                  <a:tcPr/>
-                </a:tc>
-                <a:extLst>
-                  <a:ext uri="{0D108BD9-81ED-4DB2-BD59-A6C34878D82A}">
-                    <a16:rowId xmlns:a16="http://schemas.microsoft.com/office/drawing/2014/main" val="10000"/>
-                  </a:ext>
-                </a:extLst>
-              </a:tr>
-              <a:tr h="370840">
-                <a:tc>
-                  <a:txBody>
-                    <a:bodyPr/>
-                    <a:lstStyle/>
-                    <a:p>
-                      <a:pPr algn="ctr" latinLnBrk="1"/>
-                      <a:r>
-                        <a:rPr lang="en-US" altLang="ko-KR" sz="1800" dirty="0"/>
-                        <a:t>print(2</a:t>
-                      </a:r>
-                      <a:r>
-                        <a:rPr lang="en-US" altLang="ko-KR" sz="1800" baseline="0" dirty="0"/>
-                        <a:t> &gt; 3)</a:t>
-                      </a:r>
-                      <a:endParaRPr lang="ko-KR" altLang="en-US" sz="1800" dirty="0"/>
-                    </a:p>
-                  </a:txBody>
-                  <a:tcPr/>
-                </a:tc>
-                <a:tc>
-                  <a:txBody>
-                    <a:bodyPr/>
-                    <a:lstStyle/>
-                    <a:p>
-                      <a:pPr algn="ctr" latinLnBrk="1"/>
-                      <a:endParaRPr lang="ko-KR" altLang="en-US" dirty="0"/>
-                    </a:p>
-                  </a:txBody>
-                  <a:tcPr/>
-                </a:tc>
-                <a:extLst>
-                  <a:ext uri="{0D108BD9-81ED-4DB2-BD59-A6C34878D82A}">
-                    <a16:rowId xmlns:a16="http://schemas.microsoft.com/office/drawing/2014/main" val="10001"/>
-                  </a:ext>
-                </a:extLst>
-              </a:tr>
-              <a:tr h="370840">
-                <a:tc>
-                  <a:txBody>
-                    <a:bodyPr/>
-                    <a:lstStyle/>
-                    <a:p>
-                      <a:pPr algn="ctr" latinLnBrk="1"/>
-                      <a:r>
-                        <a:rPr lang="en-US" altLang="ko-KR" sz="1800" dirty="0"/>
-                        <a:t>print(15</a:t>
-                      </a:r>
-                      <a:r>
-                        <a:rPr lang="en-US" altLang="ko-KR" sz="1800" baseline="0" dirty="0"/>
-                        <a:t> &lt; 30)</a:t>
-                      </a:r>
-                      <a:endParaRPr lang="ko-KR" altLang="en-US" sz="1800" dirty="0"/>
-                    </a:p>
-                  </a:txBody>
-                  <a:tcPr/>
-                </a:tc>
-                <a:tc>
-                  <a:txBody>
-                    <a:bodyPr/>
-                    <a:lstStyle/>
-                    <a:p>
-                      <a:pPr algn="ctr" latinLnBrk="1"/>
-                      <a:endParaRPr lang="ko-KR" altLang="en-US" dirty="0"/>
-                    </a:p>
-                  </a:txBody>
-                  <a:tcPr/>
-                </a:tc>
-                <a:extLst>
-                  <a:ext uri="{0D108BD9-81ED-4DB2-BD59-A6C34878D82A}">
-                    <a16:rowId xmlns:a16="http://schemas.microsoft.com/office/drawing/2014/main" val="10002"/>
-                  </a:ext>
-                </a:extLst>
-              </a:tr>
-              <a:tr h="370840">
-                <a:tc>
-                  <a:txBody>
-                    <a:bodyPr/>
-                    <a:lstStyle/>
-                    <a:p>
-                      <a:pPr algn="ctr" latinLnBrk="1"/>
-                      <a:r>
-                        <a:rPr lang="en-US" altLang="ko-KR" sz="1800" dirty="0"/>
-                        <a:t>print(1.5</a:t>
-                      </a:r>
-                      <a:r>
-                        <a:rPr lang="en-US" altLang="ko-KR" sz="1800" baseline="0" dirty="0"/>
-                        <a:t> &gt;= 0)</a:t>
-                      </a:r>
-                      <a:endParaRPr lang="ko-KR" altLang="en-US" sz="1800" dirty="0"/>
-                    </a:p>
-                  </a:txBody>
-                  <a:tcPr/>
-                </a:tc>
-                <a:tc>
-                  <a:txBody>
-                    <a:bodyPr/>
-                    <a:lstStyle/>
-                    <a:p>
-                      <a:pPr algn="ctr" latinLnBrk="1"/>
-                      <a:endParaRPr lang="ko-KR" altLang="en-US" dirty="0"/>
-                    </a:p>
-                  </a:txBody>
-                  <a:tcPr/>
-                </a:tc>
-                <a:extLst>
-                  <a:ext uri="{0D108BD9-81ED-4DB2-BD59-A6C34878D82A}">
-                    <a16:rowId xmlns:a16="http://schemas.microsoft.com/office/drawing/2014/main" val="10003"/>
-                  </a:ext>
-                </a:extLst>
-              </a:tr>
-              <a:tr h="370840">
-                <a:tc>
-                  <a:txBody>
-                    <a:bodyPr/>
-                    <a:lstStyle/>
-                    <a:p>
-                      <a:pPr algn="ctr" latinLnBrk="1"/>
-                      <a:r>
-                        <a:rPr lang="en-US" altLang="ko-KR" sz="1800" dirty="0"/>
-                        <a:t>print(3&lt;=3)</a:t>
-                      </a:r>
-                      <a:endParaRPr lang="ko-KR" altLang="en-US" sz="1800" dirty="0"/>
-                    </a:p>
-                  </a:txBody>
-                  <a:tcPr/>
-                </a:tc>
-                <a:tc>
-                  <a:txBody>
-                    <a:bodyPr/>
-                    <a:lstStyle/>
-                    <a:p>
-                      <a:pPr algn="ctr" latinLnBrk="1"/>
-                      <a:endParaRPr lang="ko-KR" altLang="en-US" dirty="0"/>
-                    </a:p>
-                  </a:txBody>
-                  <a:tcPr/>
-                </a:tc>
-                <a:extLst>
-                  <a:ext uri="{0D108BD9-81ED-4DB2-BD59-A6C34878D82A}">
-                    <a16:rowId xmlns:a16="http://schemas.microsoft.com/office/drawing/2014/main" val="10004"/>
-                  </a:ext>
-                </a:extLst>
-              </a:tr>
-              <a:tr h="370840">
-                <a:tc>
-                  <a:txBody>
-                    <a:bodyPr/>
-                    <a:lstStyle/>
-                    <a:p>
-                      <a:pPr algn="ctr" latinLnBrk="1"/>
-                      <a:r>
-                        <a:rPr lang="en-US" altLang="ko-KR" sz="1800" dirty="0"/>
-                        <a:t>print(“</a:t>
-                      </a:r>
-                      <a:r>
-                        <a:rPr lang="ko-KR" altLang="en-US" sz="1800" dirty="0" err="1"/>
-                        <a:t>야나두</a:t>
-                      </a:r>
-                      <a:r>
-                        <a:rPr lang="en-US" altLang="ko-KR" sz="1800" dirty="0"/>
-                        <a:t>”==“</a:t>
-                      </a:r>
-                      <a:r>
-                        <a:rPr lang="ko-KR" altLang="en-US" sz="1800" dirty="0" err="1"/>
-                        <a:t>야너두</a:t>
-                      </a:r>
-                      <a:r>
-                        <a:rPr lang="en-US" altLang="ko-KR" sz="1800" dirty="0"/>
-                        <a:t>”)</a:t>
-                      </a:r>
-                      <a:endParaRPr lang="ko-KR" altLang="en-US" sz="1800" dirty="0"/>
-                    </a:p>
-                  </a:txBody>
-                  <a:tcPr/>
-                </a:tc>
-                <a:tc>
-                  <a:txBody>
-                    <a:bodyPr/>
-                    <a:lstStyle/>
-                    <a:p>
-                      <a:pPr algn="ctr" latinLnBrk="1"/>
-                      <a:endParaRPr lang="ko-KR" altLang="en-US" dirty="0"/>
-                    </a:p>
-                  </a:txBody>
-                  <a:tcPr/>
-                </a:tc>
-                <a:extLst>
-                  <a:ext uri="{0D108BD9-81ED-4DB2-BD59-A6C34878D82A}">
-                    <a16:rowId xmlns:a16="http://schemas.microsoft.com/office/drawing/2014/main" val="10005"/>
-                  </a:ext>
-                </a:extLst>
-              </a:tr>
-              <a:tr h="370840">
-                <a:tc>
-                  <a:txBody>
-                    <a:bodyPr/>
-                    <a:lstStyle/>
-                    <a:p>
-                      <a:pPr algn="ctr" latinLnBrk="1"/>
-                      <a:r>
-                        <a:rPr lang="en-US" altLang="ko-KR" sz="1800" dirty="0"/>
-                        <a:t>print(10 != 10)</a:t>
-                      </a:r>
-                      <a:endParaRPr lang="ko-KR" altLang="en-US" sz="1800" dirty="0"/>
-                    </a:p>
-                  </a:txBody>
-                  <a:tcPr/>
-                </a:tc>
-                <a:tc>
-                  <a:txBody>
-                    <a:bodyPr/>
-                    <a:lstStyle/>
-                    <a:p>
-                      <a:pPr algn="ctr" latinLnBrk="1"/>
-                      <a:endParaRPr lang="ko-KR" altLang="en-US" dirty="0"/>
-                    </a:p>
-                  </a:txBody>
-                  <a:tcPr/>
-                </a:tc>
-                <a:extLst>
-                  <a:ext uri="{0D108BD9-81ED-4DB2-BD59-A6C34878D82A}">
-                    <a16:rowId xmlns:a16="http://schemas.microsoft.com/office/drawing/2014/main" val="10006"/>
-                  </a:ext>
-                </a:extLst>
-              </a:tr>
-            </a:tbl>
-          </a:graphicData>
-        </a:graphic>
-      </p:graphicFrame>
+          <p:cNvGrpSpPr/>
+          <p:nvPr/>
+        </p:nvGrpSpPr>
+        <p:grpSpPr>
+          <a:xfrm>
+            <a:off x="3575720" y="1874448"/>
+            <a:ext cx="5040560" cy="3109104"/>
+            <a:chOff x="2051720" y="2996952"/>
+            <a:chExt cx="5040560" cy="3109104"/>
+          </a:xfrm>
+        </p:grpSpPr>
+        <p:pic>
+          <p:nvPicPr>
+            <p:cNvPr id="3" name="Picture 2" descr="C:\Users\Administrator\Downloads\free-icon-package-2945609.png">
+              <a:extLst>
+                <a:ext uri="{FF2B5EF4-FFF2-40B4-BE49-F238E27FC236}">
+                  <a16:creationId xmlns:a16="http://schemas.microsoft.com/office/drawing/2014/main" id="{59649E19-2DD3-4588-9D1F-471D1C4C0D9F}"/>
+                </a:ext>
+              </a:extLst>
+            </p:cNvPr>
+            <p:cNvPicPr>
+              <a:picLocks noChangeAspect="1" noChangeArrowheads="1"/>
+            </p:cNvPicPr>
+            <p:nvPr/>
+          </p:nvPicPr>
+          <p:blipFill>
+            <a:blip r:embed="rId2" cstate="print">
+              <a:extLst>
+                <a:ext uri="{28A0092B-C50C-407E-A947-70E740481C1C}">
+                  <a14:useLocalDpi xmlns:a14="http://schemas.microsoft.com/office/drawing/2010/main" val="0"/>
+                </a:ext>
+              </a:extLst>
+            </a:blip>
+            <a:srcRect/>
+            <a:stretch>
+              <a:fillRect/>
+            </a:stretch>
+          </p:blipFill>
+          <p:spPr bwMode="auto">
+            <a:xfrm>
+              <a:off x="2161030" y="3695314"/>
+              <a:ext cx="1584176" cy="1584176"/>
+            </a:xfrm>
+            <a:prstGeom prst="rect">
+              <a:avLst/>
+            </a:prstGeom>
+            <a:noFill/>
+            <a:extLst>
+              <a:ext uri="{909E8E84-426E-40DD-AFC4-6F175D3DCCD1}">
+                <a14:hiddenFill xmlns:a14="http://schemas.microsoft.com/office/drawing/2010/main">
+                  <a:solidFill>
+                    <a:srgbClr val="FFFFFF"/>
+                  </a:solidFill>
+                </a14:hiddenFill>
+              </a:ext>
+            </a:extLst>
+          </p:spPr>
+        </p:pic>
+        <p:pic>
+          <p:nvPicPr>
+            <p:cNvPr id="4" name="Picture 2" descr="C:\Users\Administrator\Downloads\free-icon-package-2945609.png">
+              <a:extLst>
+                <a:ext uri="{FF2B5EF4-FFF2-40B4-BE49-F238E27FC236}">
+                  <a16:creationId xmlns:a16="http://schemas.microsoft.com/office/drawing/2014/main" id="{F8B12053-EAAB-48FC-84DF-CC34E90A40E8}"/>
+                </a:ext>
+              </a:extLst>
+            </p:cNvPr>
+            <p:cNvPicPr>
+              <a:picLocks noChangeAspect="1" noChangeArrowheads="1"/>
+            </p:cNvPicPr>
+            <p:nvPr/>
+          </p:nvPicPr>
+          <p:blipFill>
+            <a:blip r:embed="rId2" cstate="print">
+              <a:extLst>
+                <a:ext uri="{28A0092B-C50C-407E-A947-70E740481C1C}">
+                  <a14:useLocalDpi xmlns:a14="http://schemas.microsoft.com/office/drawing/2010/main" val="0"/>
+                </a:ext>
+              </a:extLst>
+            </a:blip>
+            <a:srcRect/>
+            <a:stretch>
+              <a:fillRect/>
+            </a:stretch>
+          </p:blipFill>
+          <p:spPr bwMode="auto">
+            <a:xfrm>
+              <a:off x="3779912" y="3695314"/>
+              <a:ext cx="1584176" cy="1584176"/>
+            </a:xfrm>
+            <a:prstGeom prst="rect">
+              <a:avLst/>
+            </a:prstGeom>
+            <a:noFill/>
+            <a:extLst>
+              <a:ext uri="{909E8E84-426E-40DD-AFC4-6F175D3DCCD1}">
+                <a14:hiddenFill xmlns:a14="http://schemas.microsoft.com/office/drawing/2010/main">
+                  <a:solidFill>
+                    <a:srgbClr val="FFFFFF"/>
+                  </a:solidFill>
+                </a14:hiddenFill>
+              </a:ext>
+            </a:extLst>
+          </p:spPr>
+        </p:pic>
+        <p:pic>
+          <p:nvPicPr>
+            <p:cNvPr id="5" name="Picture 2" descr="C:\Users\Administrator\Downloads\free-icon-package-2945609.png">
+              <a:extLst>
+                <a:ext uri="{FF2B5EF4-FFF2-40B4-BE49-F238E27FC236}">
+                  <a16:creationId xmlns:a16="http://schemas.microsoft.com/office/drawing/2014/main" id="{44D82FD3-90CA-405A-8952-0B1755F53AB0}"/>
+                </a:ext>
+              </a:extLst>
+            </p:cNvPr>
+            <p:cNvPicPr>
+              <a:picLocks noChangeAspect="1" noChangeArrowheads="1"/>
+            </p:cNvPicPr>
+            <p:nvPr/>
+          </p:nvPicPr>
+          <p:blipFill>
+            <a:blip r:embed="rId2" cstate="print">
+              <a:extLst>
+                <a:ext uri="{28A0092B-C50C-407E-A947-70E740481C1C}">
+                  <a14:useLocalDpi xmlns:a14="http://schemas.microsoft.com/office/drawing/2010/main" val="0"/>
+                </a:ext>
+              </a:extLst>
+            </a:blip>
+            <a:srcRect/>
+            <a:stretch>
+              <a:fillRect/>
+            </a:stretch>
+          </p:blipFill>
+          <p:spPr bwMode="auto">
+            <a:xfrm>
+              <a:off x="5364088" y="3318483"/>
+              <a:ext cx="1584176" cy="1584176"/>
+            </a:xfrm>
+            <a:prstGeom prst="rect">
+              <a:avLst/>
+            </a:prstGeom>
+            <a:noFill/>
+            <a:extLst>
+              <a:ext uri="{909E8E84-426E-40DD-AFC4-6F175D3DCCD1}">
+                <a14:hiddenFill xmlns:a14="http://schemas.microsoft.com/office/drawing/2010/main">
+                  <a:solidFill>
+                    <a:srgbClr val="FFFFFF"/>
+                  </a:solidFill>
+                </a14:hiddenFill>
+              </a:ext>
+            </a:extLst>
+          </p:spPr>
+        </p:pic>
+        <p:sp>
+          <p:nvSpPr>
+            <p:cNvPr id="6" name="사각형: 둥근 모서리 5">
+              <a:extLst>
+                <a:ext uri="{FF2B5EF4-FFF2-40B4-BE49-F238E27FC236}">
+                  <a16:creationId xmlns:a16="http://schemas.microsoft.com/office/drawing/2014/main" id="{90EE1E9F-4C7F-42EF-B2B8-C711CE540516}"/>
+                </a:ext>
+              </a:extLst>
+            </p:cNvPr>
+            <p:cNvSpPr/>
+            <p:nvPr/>
+          </p:nvSpPr>
+          <p:spPr>
+            <a:xfrm>
+              <a:off x="2051720" y="3429000"/>
+              <a:ext cx="5040560" cy="2016224"/>
+            </a:xfrm>
+            <a:prstGeom prst="roundRect">
+              <a:avLst/>
+            </a:prstGeom>
+            <a:noFill/>
+          </p:spPr>
+          <p:style>
+            <a:lnRef idx="2">
+              <a:schemeClr val="accent1">
+                <a:shade val="50000"/>
+              </a:schemeClr>
+            </a:lnRef>
+            <a:fillRef idx="1">
+              <a:schemeClr val="accent1"/>
+            </a:fillRef>
+            <a:effectRef idx="0">
+              <a:schemeClr val="accent1"/>
+            </a:effectRef>
+            <a:fontRef idx="minor">
+              <a:schemeClr val="lt1"/>
+            </a:fontRef>
+          </p:style>
+          <p:txBody>
+            <a:bodyPr rtlCol="0" anchor="ctr"/>
+            <a:lstStyle/>
+            <a:p>
+              <a:pPr algn="ctr"/>
+              <a:endParaRPr lang="ko-KR" altLang="en-US">
+                <a:solidFill>
+                  <a:schemeClr val="bg1">
+                    <a:lumMod val="95000"/>
+                  </a:schemeClr>
+                </a:solidFill>
+              </a:endParaRPr>
+            </a:p>
+          </p:txBody>
+        </p:sp>
+        <p:cxnSp>
+          <p:nvCxnSpPr>
+            <p:cNvPr id="7" name="직선 화살표 연결선 6">
+              <a:extLst>
+                <a:ext uri="{FF2B5EF4-FFF2-40B4-BE49-F238E27FC236}">
+                  <a16:creationId xmlns:a16="http://schemas.microsoft.com/office/drawing/2014/main" id="{2292D50D-51A9-499E-85A9-AF221449255E}"/>
+                </a:ext>
+              </a:extLst>
+            </p:cNvPr>
+            <p:cNvCxnSpPr>
+              <a:cxnSpLocks/>
+            </p:cNvCxnSpPr>
+            <p:nvPr/>
+          </p:nvCxnSpPr>
+          <p:spPr>
+            <a:xfrm flipV="1">
+              <a:off x="2946224" y="5262340"/>
+              <a:ext cx="0" cy="449198"/>
+            </a:xfrm>
+            <a:prstGeom prst="straightConnector1">
+              <a:avLst/>
+            </a:prstGeom>
+            <a:ln w="25400">
+              <a:tailEnd type="triangle"/>
+            </a:ln>
+          </p:spPr>
+          <p:style>
+            <a:lnRef idx="1">
+              <a:schemeClr val="accent1"/>
+            </a:lnRef>
+            <a:fillRef idx="0">
+              <a:schemeClr val="accent1"/>
+            </a:fillRef>
+            <a:effectRef idx="0">
+              <a:schemeClr val="accent1"/>
+            </a:effectRef>
+            <a:fontRef idx="minor">
+              <a:schemeClr val="tx1"/>
+            </a:fontRef>
+          </p:style>
+        </p:cxnSp>
+        <p:sp>
+          <p:nvSpPr>
+            <p:cNvPr id="8" name="직사각형 7">
+              <a:extLst>
+                <a:ext uri="{FF2B5EF4-FFF2-40B4-BE49-F238E27FC236}">
+                  <a16:creationId xmlns:a16="http://schemas.microsoft.com/office/drawing/2014/main" id="{409EB918-330F-4548-B2E0-32C57FB9D3AE}"/>
+                </a:ext>
+              </a:extLst>
+            </p:cNvPr>
+            <p:cNvSpPr/>
+            <p:nvPr/>
+          </p:nvSpPr>
+          <p:spPr>
+            <a:xfrm>
+              <a:off x="2305046" y="5718193"/>
+              <a:ext cx="1296144" cy="382092"/>
+            </a:xfrm>
+            <a:prstGeom prst="rect">
+              <a:avLst/>
+            </a:prstGeom>
+          </p:spPr>
+          <p:txBody>
+            <a:bodyPr wrap="square">
+              <a:spAutoFit/>
+            </a:bodyPr>
+            <a:lstStyle/>
+            <a:p>
+              <a:r>
+                <a:rPr lang="en-US" altLang="ko-KR" dirty="0">
+                  <a:solidFill>
+                    <a:schemeClr val="bg1">
+                      <a:lumMod val="95000"/>
+                    </a:schemeClr>
+                  </a:solidFill>
+                  <a:latin typeface="배달의민족 주아" pitchFamily="18" charset="-127"/>
+                  <a:ea typeface="배달의민족 주아" pitchFamily="18" charset="-127"/>
+                </a:rPr>
+                <a:t>0 </a:t>
+              </a:r>
+              <a:r>
+                <a:rPr lang="ko-KR" altLang="en-US" dirty="0">
+                  <a:solidFill>
+                    <a:schemeClr val="bg1">
+                      <a:lumMod val="95000"/>
+                    </a:schemeClr>
+                  </a:solidFill>
+                  <a:latin typeface="배달의민족 주아" pitchFamily="18" charset="-127"/>
+                  <a:ea typeface="배달의민족 주아" pitchFamily="18" charset="-127"/>
+                </a:rPr>
+                <a:t>번 인덱스</a:t>
+              </a:r>
+              <a:endParaRPr lang="ko-KR" altLang="en-US" dirty="0">
+                <a:solidFill>
+                  <a:schemeClr val="bg1">
+                    <a:lumMod val="95000"/>
+                  </a:schemeClr>
+                </a:solidFill>
+              </a:endParaRPr>
+            </a:p>
+          </p:txBody>
+        </p:sp>
+        <p:cxnSp>
+          <p:nvCxnSpPr>
+            <p:cNvPr id="9" name="직선 화살표 연결선 8">
+              <a:extLst>
+                <a:ext uri="{FF2B5EF4-FFF2-40B4-BE49-F238E27FC236}">
+                  <a16:creationId xmlns:a16="http://schemas.microsoft.com/office/drawing/2014/main" id="{DA8F9174-2D62-4478-B3BF-96E1C8880F80}"/>
+                </a:ext>
+              </a:extLst>
+            </p:cNvPr>
+            <p:cNvCxnSpPr>
+              <a:cxnSpLocks/>
+            </p:cNvCxnSpPr>
+            <p:nvPr/>
+          </p:nvCxnSpPr>
+          <p:spPr>
+            <a:xfrm flipH="1" flipV="1">
+              <a:off x="4560933" y="5270916"/>
+              <a:ext cx="7378" cy="432046"/>
+            </a:xfrm>
+            <a:prstGeom prst="straightConnector1">
+              <a:avLst/>
+            </a:prstGeom>
+            <a:ln w="25400">
+              <a:tailEnd type="triangle"/>
+            </a:ln>
+          </p:spPr>
+          <p:style>
+            <a:lnRef idx="1">
+              <a:schemeClr val="accent1"/>
+            </a:lnRef>
+            <a:fillRef idx="0">
+              <a:schemeClr val="accent1"/>
+            </a:fillRef>
+            <a:effectRef idx="0">
+              <a:schemeClr val="accent1"/>
+            </a:effectRef>
+            <a:fontRef idx="minor">
+              <a:schemeClr val="tx1"/>
+            </a:fontRef>
+          </p:style>
+        </p:cxnSp>
+        <p:sp>
+          <p:nvSpPr>
+            <p:cNvPr id="10" name="직사각형 9">
+              <a:extLst>
+                <a:ext uri="{FF2B5EF4-FFF2-40B4-BE49-F238E27FC236}">
+                  <a16:creationId xmlns:a16="http://schemas.microsoft.com/office/drawing/2014/main" id="{6C4D1727-EED5-4203-8C1D-30BA39C967EE}"/>
+                </a:ext>
+              </a:extLst>
+            </p:cNvPr>
+            <p:cNvSpPr/>
+            <p:nvPr/>
+          </p:nvSpPr>
+          <p:spPr>
+            <a:xfrm>
+              <a:off x="3912861" y="5718954"/>
+              <a:ext cx="1296144" cy="382092"/>
+            </a:xfrm>
+            <a:prstGeom prst="rect">
+              <a:avLst/>
+            </a:prstGeom>
+          </p:spPr>
+          <p:txBody>
+            <a:bodyPr wrap="square">
+              <a:spAutoFit/>
+            </a:bodyPr>
+            <a:lstStyle/>
+            <a:p>
+              <a:r>
+                <a:rPr lang="en-US" altLang="ko-KR" dirty="0">
+                  <a:solidFill>
+                    <a:schemeClr val="bg1">
+                      <a:lumMod val="95000"/>
+                    </a:schemeClr>
+                  </a:solidFill>
+                  <a:latin typeface="배달의민족 주아" pitchFamily="18" charset="-127"/>
+                  <a:ea typeface="배달의민족 주아" pitchFamily="18" charset="-127"/>
+                </a:rPr>
+                <a:t>1 </a:t>
+              </a:r>
+              <a:r>
+                <a:rPr lang="ko-KR" altLang="en-US" dirty="0">
+                  <a:solidFill>
+                    <a:schemeClr val="bg1">
+                      <a:lumMod val="95000"/>
+                    </a:schemeClr>
+                  </a:solidFill>
+                  <a:latin typeface="배달의민족 주아" pitchFamily="18" charset="-127"/>
+                  <a:ea typeface="배달의민족 주아" pitchFamily="18" charset="-127"/>
+                </a:rPr>
+                <a:t>번 인덱스</a:t>
+              </a:r>
+              <a:endParaRPr lang="ko-KR" altLang="en-US" dirty="0">
+                <a:solidFill>
+                  <a:schemeClr val="bg1">
+                    <a:lumMod val="95000"/>
+                  </a:schemeClr>
+                </a:solidFill>
+              </a:endParaRPr>
+            </a:p>
+          </p:txBody>
+        </p:sp>
+        <p:cxnSp>
+          <p:nvCxnSpPr>
+            <p:cNvPr id="11" name="직선 화살표 연결선 10">
+              <a:extLst>
+                <a:ext uri="{FF2B5EF4-FFF2-40B4-BE49-F238E27FC236}">
+                  <a16:creationId xmlns:a16="http://schemas.microsoft.com/office/drawing/2014/main" id="{D7113B8C-A864-4E69-9DF0-22DE499A9B7A}"/>
+                </a:ext>
+              </a:extLst>
+            </p:cNvPr>
+            <p:cNvCxnSpPr>
+              <a:cxnSpLocks/>
+            </p:cNvCxnSpPr>
+            <p:nvPr/>
+          </p:nvCxnSpPr>
+          <p:spPr>
+            <a:xfrm flipV="1">
+              <a:off x="6145109" y="5274403"/>
+              <a:ext cx="4044" cy="442906"/>
+            </a:xfrm>
+            <a:prstGeom prst="straightConnector1">
+              <a:avLst/>
+            </a:prstGeom>
+            <a:ln w="25400">
+              <a:tailEnd type="triangle"/>
+            </a:ln>
+          </p:spPr>
+          <p:style>
+            <a:lnRef idx="1">
+              <a:schemeClr val="accent1"/>
+            </a:lnRef>
+            <a:fillRef idx="0">
+              <a:schemeClr val="accent1"/>
+            </a:fillRef>
+            <a:effectRef idx="0">
+              <a:schemeClr val="accent1"/>
+            </a:effectRef>
+            <a:fontRef idx="minor">
+              <a:schemeClr val="tx1"/>
+            </a:fontRef>
+          </p:style>
+        </p:cxnSp>
+        <p:sp>
+          <p:nvSpPr>
+            <p:cNvPr id="12" name="직사각형 11">
+              <a:extLst>
+                <a:ext uri="{FF2B5EF4-FFF2-40B4-BE49-F238E27FC236}">
+                  <a16:creationId xmlns:a16="http://schemas.microsoft.com/office/drawing/2014/main" id="{59B9E26F-9DBA-4650-8423-990CB77B48BA}"/>
+                </a:ext>
+              </a:extLst>
+            </p:cNvPr>
+            <p:cNvSpPr/>
+            <p:nvPr/>
+          </p:nvSpPr>
+          <p:spPr>
+            <a:xfrm>
+              <a:off x="5497037" y="5723964"/>
+              <a:ext cx="1296144" cy="382092"/>
+            </a:xfrm>
+            <a:prstGeom prst="rect">
+              <a:avLst/>
+            </a:prstGeom>
+          </p:spPr>
+          <p:txBody>
+            <a:bodyPr wrap="square">
+              <a:spAutoFit/>
+            </a:bodyPr>
+            <a:lstStyle/>
+            <a:p>
+              <a:r>
+                <a:rPr lang="en-US" altLang="ko-KR" dirty="0">
+                  <a:solidFill>
+                    <a:schemeClr val="bg1">
+                      <a:lumMod val="95000"/>
+                    </a:schemeClr>
+                  </a:solidFill>
+                  <a:latin typeface="배달의민족 주아" pitchFamily="18" charset="-127"/>
+                  <a:ea typeface="배달의민족 주아" pitchFamily="18" charset="-127"/>
+                </a:rPr>
+                <a:t>2 </a:t>
+              </a:r>
+              <a:r>
+                <a:rPr lang="ko-KR" altLang="en-US" dirty="0">
+                  <a:solidFill>
+                    <a:schemeClr val="bg1">
+                      <a:lumMod val="95000"/>
+                    </a:schemeClr>
+                  </a:solidFill>
+                  <a:latin typeface="배달의민족 주아" pitchFamily="18" charset="-127"/>
+                  <a:ea typeface="배달의민족 주아" pitchFamily="18" charset="-127"/>
+                </a:rPr>
+                <a:t>번 인덱스</a:t>
+              </a:r>
+              <a:endParaRPr lang="ko-KR" altLang="en-US" dirty="0">
+                <a:solidFill>
+                  <a:schemeClr val="bg1">
+                    <a:lumMod val="95000"/>
+                  </a:schemeClr>
+                </a:solidFill>
+              </a:endParaRPr>
+            </a:p>
+          </p:txBody>
+        </p:sp>
+        <p:sp>
+          <p:nvSpPr>
+            <p:cNvPr id="13" name="직사각형 12">
+              <a:extLst>
+                <a:ext uri="{FF2B5EF4-FFF2-40B4-BE49-F238E27FC236}">
+                  <a16:creationId xmlns:a16="http://schemas.microsoft.com/office/drawing/2014/main" id="{9FC100AB-0B26-40BA-9BF3-BE31D046412E}"/>
+                </a:ext>
+              </a:extLst>
+            </p:cNvPr>
+            <p:cNvSpPr/>
+            <p:nvPr/>
+          </p:nvSpPr>
+          <p:spPr>
+            <a:xfrm>
+              <a:off x="2699792" y="3373783"/>
+              <a:ext cx="504053" cy="382092"/>
+            </a:xfrm>
+            <a:prstGeom prst="rect">
+              <a:avLst/>
+            </a:prstGeom>
+          </p:spPr>
+          <p:txBody>
+            <a:bodyPr wrap="square">
+              <a:spAutoFit/>
+            </a:bodyPr>
+            <a:lstStyle/>
+            <a:p>
+              <a:r>
+                <a:rPr lang="en-US" altLang="ko-KR" dirty="0">
+                  <a:solidFill>
+                    <a:schemeClr val="bg1">
+                      <a:lumMod val="95000"/>
+                    </a:schemeClr>
+                  </a:solidFill>
+                  <a:latin typeface="배달의민족 주아" pitchFamily="18" charset="-127"/>
+                  <a:ea typeface="배달의민족 주아" pitchFamily="18" charset="-127"/>
+                </a:rPr>
+                <a:t>[0]</a:t>
+              </a:r>
+              <a:endParaRPr lang="ko-KR" altLang="en-US" dirty="0">
+                <a:solidFill>
+                  <a:schemeClr val="bg1">
+                    <a:lumMod val="95000"/>
+                  </a:schemeClr>
+                </a:solidFill>
+              </a:endParaRPr>
+            </a:p>
+          </p:txBody>
+        </p:sp>
+        <p:sp>
+          <p:nvSpPr>
+            <p:cNvPr id="14" name="직사각형 13">
+              <a:extLst>
+                <a:ext uri="{FF2B5EF4-FFF2-40B4-BE49-F238E27FC236}">
+                  <a16:creationId xmlns:a16="http://schemas.microsoft.com/office/drawing/2014/main" id="{A858EA6D-E74D-45EE-A329-A2C9863F89B4}"/>
+                </a:ext>
+              </a:extLst>
+            </p:cNvPr>
+            <p:cNvSpPr/>
+            <p:nvPr/>
+          </p:nvSpPr>
+          <p:spPr>
+            <a:xfrm>
+              <a:off x="4355979" y="3373783"/>
+              <a:ext cx="504053" cy="382092"/>
+            </a:xfrm>
+            <a:prstGeom prst="rect">
+              <a:avLst/>
+            </a:prstGeom>
+          </p:spPr>
+          <p:txBody>
+            <a:bodyPr wrap="square">
+              <a:spAutoFit/>
+            </a:bodyPr>
+            <a:lstStyle/>
+            <a:p>
+              <a:r>
+                <a:rPr lang="en-US" altLang="ko-KR" dirty="0">
+                  <a:solidFill>
+                    <a:schemeClr val="bg1">
+                      <a:lumMod val="95000"/>
+                    </a:schemeClr>
+                  </a:solidFill>
+                  <a:latin typeface="배달의민족 주아" pitchFamily="18" charset="-127"/>
+                  <a:ea typeface="배달의민족 주아" pitchFamily="18" charset="-127"/>
+                </a:rPr>
+                <a:t>[1]</a:t>
+              </a:r>
+              <a:endParaRPr lang="ko-KR" altLang="en-US" dirty="0">
+                <a:solidFill>
+                  <a:schemeClr val="bg1">
+                    <a:lumMod val="95000"/>
+                  </a:schemeClr>
+                </a:solidFill>
+              </a:endParaRPr>
+            </a:p>
+          </p:txBody>
+        </p:sp>
+        <p:sp>
+          <p:nvSpPr>
+            <p:cNvPr id="15" name="직사각형 14">
+              <a:extLst>
+                <a:ext uri="{FF2B5EF4-FFF2-40B4-BE49-F238E27FC236}">
+                  <a16:creationId xmlns:a16="http://schemas.microsoft.com/office/drawing/2014/main" id="{011721C6-06BA-482A-8495-EA3A034FA39A}"/>
+                </a:ext>
+              </a:extLst>
+            </p:cNvPr>
+            <p:cNvSpPr/>
+            <p:nvPr/>
+          </p:nvSpPr>
+          <p:spPr>
+            <a:xfrm>
+              <a:off x="5889190" y="2996952"/>
+              <a:ext cx="504053" cy="382092"/>
+            </a:xfrm>
+            <a:prstGeom prst="rect">
+              <a:avLst/>
+            </a:prstGeom>
+          </p:spPr>
+          <p:txBody>
+            <a:bodyPr wrap="square">
+              <a:spAutoFit/>
+            </a:bodyPr>
+            <a:lstStyle/>
+            <a:p>
+              <a:r>
+                <a:rPr lang="en-US" altLang="ko-KR" dirty="0">
+                  <a:solidFill>
+                    <a:schemeClr val="bg1">
+                      <a:lumMod val="95000"/>
+                    </a:schemeClr>
+                  </a:solidFill>
+                  <a:latin typeface="배달의민족 주아" pitchFamily="18" charset="-127"/>
+                  <a:ea typeface="배달의민족 주아" pitchFamily="18" charset="-127"/>
+                </a:rPr>
+                <a:t>[2]</a:t>
+              </a:r>
+              <a:endParaRPr lang="ko-KR" altLang="en-US" dirty="0">
+                <a:solidFill>
+                  <a:schemeClr val="bg1">
+                    <a:lumMod val="95000"/>
+                  </a:schemeClr>
+                </a:solidFill>
+              </a:endParaRPr>
+            </a:p>
+          </p:txBody>
+        </p:sp>
+      </p:grpSp>
+      <p:sp>
+        <p:nvSpPr>
+          <p:cNvPr id="17" name="TextBox 16">
+            <a:extLst>
+              <a:ext uri="{FF2B5EF4-FFF2-40B4-BE49-F238E27FC236}">
+                <a16:creationId xmlns:a16="http://schemas.microsoft.com/office/drawing/2014/main" id="{02C010FA-81C2-4C76-B462-89390D12ADF2}"/>
+              </a:ext>
+            </a:extLst>
+          </p:cNvPr>
+          <p:cNvSpPr txBox="1"/>
+          <p:nvPr/>
+        </p:nvSpPr>
+        <p:spPr>
+          <a:xfrm>
+            <a:off x="4144987" y="1332800"/>
+            <a:ext cx="3902030" cy="660502"/>
+          </a:xfrm>
+          <a:prstGeom prst="rect">
+            <a:avLst/>
+          </a:prstGeom>
+          <a:noFill/>
+        </p:spPr>
+        <p:txBody>
+          <a:bodyPr wrap="none" rtlCol="0">
+            <a:spAutoFit/>
+          </a:bodyPr>
+          <a:lstStyle/>
+          <a:p>
+            <a:pPr algn="ctr"/>
+            <a:r>
+              <a:rPr lang="en-US" altLang="ko-KR" sz="3692" dirty="0">
+                <a:solidFill>
+                  <a:schemeClr val="accent1"/>
+                </a:solidFill>
+                <a:latin typeface="나눔바른고딕" panose="020B0603020101020101" pitchFamily="50" charset="-127"/>
+                <a:ea typeface="나눔바른고딕" panose="020B0603020101020101" pitchFamily="50" charset="-127"/>
+              </a:rPr>
+              <a:t>del</a:t>
+            </a:r>
+            <a:r>
+              <a:rPr lang="en-US" altLang="ko-KR" sz="3692" dirty="0">
+                <a:solidFill>
+                  <a:schemeClr val="bg1">
+                    <a:lumMod val="95000"/>
+                  </a:schemeClr>
+                </a:solidFill>
+                <a:latin typeface="나눔바른고딕" panose="020B0603020101020101" pitchFamily="50" charset="-127"/>
+                <a:ea typeface="나눔바른고딕" panose="020B0603020101020101" pitchFamily="50" charset="-127"/>
+              </a:rPr>
+              <a:t> </a:t>
+            </a:r>
+            <a:r>
+              <a:rPr lang="ko-KR" altLang="en-US" sz="3692" dirty="0">
+                <a:solidFill>
+                  <a:schemeClr val="bg1">
+                    <a:lumMod val="95000"/>
+                  </a:schemeClr>
+                </a:solidFill>
+                <a:latin typeface="나눔바른고딕" panose="020B0603020101020101" pitchFamily="50" charset="-127"/>
+                <a:ea typeface="나눔바른고딕" panose="020B0603020101020101" pitchFamily="50" charset="-127"/>
+              </a:rPr>
+              <a:t>리스트</a:t>
+            </a:r>
+            <a:r>
+              <a:rPr lang="en-US" altLang="ko-KR" sz="3692" dirty="0">
+                <a:solidFill>
+                  <a:schemeClr val="accent6">
+                    <a:lumMod val="75000"/>
+                  </a:schemeClr>
+                </a:solidFill>
+                <a:latin typeface="나눔바른고딕" panose="020B0603020101020101" pitchFamily="50" charset="-127"/>
+                <a:ea typeface="나눔바른고딕" panose="020B0603020101020101" pitchFamily="50" charset="-127"/>
+              </a:rPr>
+              <a:t>[</a:t>
+            </a:r>
+            <a:r>
+              <a:rPr lang="ko-KR" altLang="en-US" sz="3692" dirty="0">
+                <a:solidFill>
+                  <a:schemeClr val="accent6">
+                    <a:lumMod val="75000"/>
+                  </a:schemeClr>
+                </a:solidFill>
+                <a:latin typeface="나눔바른고딕" panose="020B0603020101020101" pitchFamily="50" charset="-127"/>
+                <a:ea typeface="나눔바른고딕" panose="020B0603020101020101" pitchFamily="50" charset="-127"/>
+              </a:rPr>
+              <a:t>인덱스</a:t>
+            </a:r>
+            <a:r>
+              <a:rPr lang="en-US" altLang="ko-KR" sz="3692" dirty="0">
+                <a:solidFill>
+                  <a:schemeClr val="accent6">
+                    <a:lumMod val="75000"/>
+                  </a:schemeClr>
+                </a:solidFill>
+                <a:latin typeface="나눔바른고딕" panose="020B0603020101020101" pitchFamily="50" charset="-127"/>
+                <a:ea typeface="나눔바른고딕" panose="020B0603020101020101" pitchFamily="50" charset="-127"/>
+              </a:rPr>
+              <a:t>]</a:t>
+            </a:r>
+          </a:p>
+        </p:txBody>
+      </p:sp>
     </p:spTree>
     <p:extLst>
       <p:ext uri="{BB962C8B-B14F-4D97-AF65-F5344CB8AC3E}">
-        <p14:creationId xmlns:p14="http://schemas.microsoft.com/office/powerpoint/2010/main" val="4245652775"/>
+        <p14:creationId xmlns:p14="http://schemas.microsoft.com/office/powerpoint/2010/main" val="2509348913"/>
       </p:ext>
     </p:extLst>
   </p:cSld>
   <p:clrMapOvr>
     <a:masterClrMapping/>
   </p:clrMapOvr>
-  <p:timing>
-    <p:tnLst>
-      <p:par>
-        <p:cTn id="1" dur="indefinite" restart="never" nodeType="tmRoot">
-          <p:childTnLst>
-            <p:seq concurrent="1" nextAc="seek">
-              <p:cTn id="2" dur="indefinite" nodeType="mainSeq">
-                <p:childTnLst>
-                  <p:par>
-                    <p:cTn id="3" fill="hold">
-                      <p:stCondLst>
-                        <p:cond delay="indefinite"/>
-                      </p:stCondLst>
-                      <p:childTnLst>
-                        <p:par>
-                          <p:cTn id="4" fill="hold">
-                            <p:stCondLst>
-                              <p:cond delay="0"/>
-                            </p:stCondLst>
-                            <p:childTnLst>
-                              <p:par>
-                                <p:cTn id="5" presetID="10" presetClass="entr" presetSubtype="0" fill="hold" nodeType="clickEffect">
-                                  <p:stCondLst>
-                                    <p:cond delay="0"/>
-                                  </p:stCondLst>
-                                  <p:childTnLst>
-                                    <p:set>
-                                      <p:cBhvr>
-                                        <p:cTn id="6" dur="1" fill="hold">
-                                          <p:stCondLst>
-                                            <p:cond delay="0"/>
-                                          </p:stCondLst>
-                                        </p:cTn>
-                                        <p:tgtEl>
-                                          <p:spTgt spid="3"/>
-                                        </p:tgtEl>
-                                        <p:attrNameLst>
-                                          <p:attrName>style.visibility</p:attrName>
-                                        </p:attrNameLst>
-                                      </p:cBhvr>
-                                      <p:to>
-                                        <p:strVal val="visible"/>
-                                      </p:to>
-                                    </p:set>
-                                    <p:animEffect transition="in" filter="fade">
-                                      <p:cBhvr>
-                                        <p:cTn id="7" dur="500"/>
-                                        <p:tgtEl>
-                                          <p:spTgt spid="3"/>
-                                        </p:tgtEl>
-                                      </p:cBhvr>
-                                    </p:animEffect>
-                                  </p:childTnLst>
-                                </p:cTn>
-                              </p:par>
-                            </p:childTnLst>
-                          </p:cTn>
-                        </p:par>
-                      </p:childTnLst>
-                    </p:cTn>
-                  </p:par>
-                </p:childTnLst>
-              </p:cTn>
-              <p:prevCondLst>
-                <p:cond evt="onPrev" delay="0">
-                  <p:tgtEl>
-                    <p:sldTgt/>
-                  </p:tgtEl>
-                </p:cond>
-              </p:prevCondLst>
-              <p:nextCondLst>
-                <p:cond evt="onNext" delay="0">
-                  <p:tgtEl>
-                    <p:sldTgt/>
-                  </p:tgtEl>
-                </p:cond>
-              </p:nextCondLst>
-            </p:seq>
-          </p:childTnLst>
-        </p:cTn>
-      </p:par>
-    </p:tnLst>
-  </p:timing>
 </p:sld>
 </file>
 
-<file path=ppt/slides/slide15.xml><?xml version="1.0" encoding="utf-8"?>
+<file path=ppt/slides/slide16.xml><?xml version="1.0" encoding="utf-8"?>
 <p:sld xmlns:a="http://schemas.openxmlformats.org/drawingml/2006/main" xmlns:r="http://schemas.openxmlformats.org/officeDocument/2006/relationships" xmlns:p="http://schemas.openxmlformats.org/presentationml/2006/main">
   <p:cSld>
     <p:bg>
@@ -4873,8 +6235,8 @@
         </p:nvSpPr>
         <p:spPr>
           <a:xfrm>
-            <a:off x="5160491" y="3098749"/>
-            <a:ext cx="1871026" cy="660502"/>
+            <a:off x="4475205" y="3098749"/>
+            <a:ext cx="3241593" cy="660502"/>
           </a:xfrm>
           <a:prstGeom prst="rect">
             <a:avLst/>
@@ -4898,7 +6260,19 @@
                 <a:latin typeface="나눔바른고딕" panose="020B0603020101020101" pitchFamily="50" charset="-127"/>
                 <a:ea typeface="나눔바른고딕" panose="020B0603020101020101" pitchFamily="50" charset="-127"/>
               </a:rPr>
-              <a:t>논리연산</a:t>
+              <a:t>리스트 </a:t>
+            </a:r>
+            <a:r>
+              <a:rPr lang="ko-KR" altLang="en-US" sz="3692" dirty="0" err="1">
+                <a:solidFill>
+                  <a:schemeClr val="bg1">
+                    <a:lumMod val="95000"/>
+                  </a:schemeClr>
+                </a:solidFill>
+                <a:latin typeface="나눔바른고딕" panose="020B0603020101020101" pitchFamily="50" charset="-127"/>
+                <a:ea typeface="나눔바른고딕" panose="020B0603020101020101" pitchFamily="50" charset="-127"/>
+              </a:rPr>
+              <a:t>슬라이싱</a:t>
             </a:r>
             <a:endParaRPr lang="en-US" altLang="ko-KR" sz="3692" dirty="0">
               <a:solidFill>
@@ -4915,393 +6289,13 @@
     </p:spTree>
     <p:extLst>
       <p:ext uri="{BB962C8B-B14F-4D97-AF65-F5344CB8AC3E}">
-        <p14:creationId xmlns:p14="http://schemas.microsoft.com/office/powerpoint/2010/main" val="2877033389"/>
+        <p14:creationId xmlns:p14="http://schemas.microsoft.com/office/powerpoint/2010/main" val="1824477861"/>
       </p:ext>
     </p:extLst>
   </p:cSld>
   <p:clrMapOvr>
     <a:masterClrMapping/>
   </p:clrMapOvr>
-</p:sld>
-</file>
-
-<file path=ppt/slides/slide16.xml><?xml version="1.0" encoding="utf-8"?>
-<p:sld xmlns:a="http://schemas.openxmlformats.org/drawingml/2006/main" xmlns:r="http://schemas.openxmlformats.org/officeDocument/2006/relationships" xmlns:p="http://schemas.openxmlformats.org/presentationml/2006/main">
-  <p:cSld>
-    <p:bg>
-      <p:bgPr>
-        <a:solidFill>
-          <a:schemeClr val="tx1">
-            <a:lumMod val="85000"/>
-            <a:lumOff val="15000"/>
-          </a:schemeClr>
-        </a:solidFill>
-        <a:effectLst/>
-      </p:bgPr>
-    </p:bg>
-    <p:spTree>
-      <p:nvGrpSpPr>
-        <p:cNvPr id="1" name=""/>
-        <p:cNvGrpSpPr/>
-        <p:nvPr/>
-      </p:nvGrpSpPr>
-      <p:grpSpPr>
-        <a:xfrm>
-          <a:off x="0" y="0"/>
-          <a:ext cx="0" cy="0"/>
-          <a:chOff x="0" y="0"/>
-          <a:chExt cx="0" cy="0"/>
-        </a:xfrm>
-      </p:grpSpPr>
-      <p:graphicFrame>
-        <p:nvGraphicFramePr>
-          <p:cNvPr id="3" name="표 2">
-            <a:extLst>
-              <a:ext uri="{FF2B5EF4-FFF2-40B4-BE49-F238E27FC236}">
-                <a16:creationId xmlns:a16="http://schemas.microsoft.com/office/drawing/2014/main" id="{0336B2ED-1923-41C8-8B5B-0086F9B1CEBF}"/>
-              </a:ext>
-            </a:extLst>
-          </p:cNvPr>
-          <p:cNvGraphicFramePr>
-            <a:graphicFrameLocks noGrp="1"/>
-          </p:cNvGraphicFramePr>
-          <p:nvPr>
-            <p:extLst>
-              <p:ext uri="{D42A27DB-BD31-4B8C-83A1-F6EECF244321}">
-                <p14:modId xmlns:p14="http://schemas.microsoft.com/office/powerpoint/2010/main" val="2590161049"/>
-              </p:ext>
-            </p:extLst>
-          </p:nvPr>
-        </p:nvGraphicFramePr>
-        <p:xfrm>
-          <a:off x="2387588" y="2537206"/>
-          <a:ext cx="7416824" cy="1783588"/>
-        </p:xfrm>
-        <a:graphic>
-          <a:graphicData uri="http://schemas.openxmlformats.org/drawingml/2006/table">
-            <a:tbl>
-              <a:tblPr firstRow="1" bandRow="1">
-                <a:tableStyleId>{5C22544A-7EE6-4342-B048-85BDC9FD1C3A}</a:tableStyleId>
-              </a:tblPr>
-              <a:tblGrid>
-                <a:gridCol w="3708412">
-                  <a:extLst>
-                    <a:ext uri="{9D8B030D-6E8A-4147-A177-3AD203B41FA5}">
-                      <a16:colId xmlns:a16="http://schemas.microsoft.com/office/drawing/2014/main" val="20000"/>
-                    </a:ext>
-                  </a:extLst>
-                </a:gridCol>
-                <a:gridCol w="3708412">
-                  <a:extLst>
-                    <a:ext uri="{9D8B030D-6E8A-4147-A177-3AD203B41FA5}">
-                      <a16:colId xmlns:a16="http://schemas.microsoft.com/office/drawing/2014/main" val="20001"/>
-                    </a:ext>
-                  </a:extLst>
-                </a:gridCol>
-              </a:tblGrid>
-              <a:tr h="370840">
-                <a:tc>
-                  <a:txBody>
-                    <a:bodyPr/>
-                    <a:lstStyle/>
-                    <a:p>
-                      <a:pPr algn="ctr" latinLnBrk="1"/>
-                      <a:r>
-                        <a:rPr lang="ko-KR" altLang="en-US" dirty="0"/>
-                        <a:t>연산자</a:t>
-                      </a:r>
-                    </a:p>
-                  </a:txBody>
-                  <a:tcPr/>
-                </a:tc>
-                <a:tc>
-                  <a:txBody>
-                    <a:bodyPr/>
-                    <a:lstStyle/>
-                    <a:p>
-                      <a:pPr algn="ctr" latinLnBrk="1"/>
-                      <a:r>
-                        <a:rPr lang="ko-KR" altLang="en-US" dirty="0"/>
-                        <a:t>설명</a:t>
-                      </a:r>
-                    </a:p>
-                  </a:txBody>
-                  <a:tcPr/>
-                </a:tc>
-                <a:extLst>
-                  <a:ext uri="{0D108BD9-81ED-4DB2-BD59-A6C34878D82A}">
-                    <a16:rowId xmlns:a16="http://schemas.microsoft.com/office/drawing/2014/main" val="10000"/>
-                  </a:ext>
-                </a:extLst>
-              </a:tr>
-              <a:tr h="370840">
-                <a:tc>
-                  <a:txBody>
-                    <a:bodyPr/>
-                    <a:lstStyle/>
-                    <a:p>
-                      <a:pPr algn="ctr" latinLnBrk="1"/>
-                      <a:r>
-                        <a:rPr lang="en-US" altLang="ko-KR" dirty="0"/>
-                        <a:t>A and B</a:t>
-                      </a:r>
-                      <a:endParaRPr lang="ko-KR" altLang="en-US" dirty="0"/>
-                    </a:p>
-                  </a:txBody>
-                  <a:tcPr/>
-                </a:tc>
-                <a:tc>
-                  <a:txBody>
-                    <a:bodyPr/>
-                    <a:lstStyle/>
-                    <a:p>
-                      <a:pPr algn="ctr" latinLnBrk="1"/>
-                      <a:r>
-                        <a:rPr lang="en-US" altLang="ko-KR" sz="2000" dirty="0"/>
-                        <a:t>A,B</a:t>
-                      </a:r>
-                      <a:r>
-                        <a:rPr lang="ko-KR" altLang="en-US" sz="2000" dirty="0"/>
-                        <a:t> 모두 참이라면 </a:t>
-                      </a:r>
-                      <a:r>
-                        <a:rPr lang="en-US" altLang="ko-KR" sz="2000" dirty="0"/>
-                        <a:t>True</a:t>
-                      </a:r>
-                      <a:endParaRPr lang="ko-KR" altLang="en-US" sz="2000" dirty="0"/>
-                    </a:p>
-                  </a:txBody>
-                  <a:tcPr/>
-                </a:tc>
-                <a:extLst>
-                  <a:ext uri="{0D108BD9-81ED-4DB2-BD59-A6C34878D82A}">
-                    <a16:rowId xmlns:a16="http://schemas.microsoft.com/office/drawing/2014/main" val="10001"/>
-                  </a:ext>
-                </a:extLst>
-              </a:tr>
-              <a:tr h="370840">
-                <a:tc>
-                  <a:txBody>
-                    <a:bodyPr/>
-                    <a:lstStyle/>
-                    <a:p>
-                      <a:pPr algn="ctr" latinLnBrk="1"/>
-                      <a:r>
-                        <a:rPr lang="en-US" altLang="ko-KR" dirty="0"/>
-                        <a:t>A or B</a:t>
-                      </a:r>
-                      <a:endParaRPr lang="ko-KR" altLang="en-US" dirty="0"/>
-                    </a:p>
-                  </a:txBody>
-                  <a:tcPr/>
-                </a:tc>
-                <a:tc>
-                  <a:txBody>
-                    <a:bodyPr/>
-                    <a:lstStyle/>
-                    <a:p>
-                      <a:pPr algn="ctr" latinLnBrk="1"/>
-                      <a:r>
-                        <a:rPr lang="en-US" altLang="ko-KR" sz="2000" dirty="0"/>
-                        <a:t>A,B </a:t>
-                      </a:r>
-                      <a:r>
-                        <a:rPr lang="ko-KR" altLang="en-US" sz="2000" dirty="0"/>
-                        <a:t>중 하나라도 참이라면 </a:t>
-                      </a:r>
-                      <a:r>
-                        <a:rPr lang="en-US" altLang="ko-KR" sz="2000" dirty="0"/>
-                        <a:t>True</a:t>
-                      </a:r>
-                      <a:endParaRPr lang="ko-KR" altLang="en-US" sz="2000" dirty="0"/>
-                    </a:p>
-                  </a:txBody>
-                  <a:tcPr/>
-                </a:tc>
-                <a:extLst>
-                  <a:ext uri="{0D108BD9-81ED-4DB2-BD59-A6C34878D82A}">
-                    <a16:rowId xmlns:a16="http://schemas.microsoft.com/office/drawing/2014/main" val="10002"/>
-                  </a:ext>
-                </a:extLst>
-              </a:tr>
-              <a:tr h="370840">
-                <a:tc>
-                  <a:txBody>
-                    <a:bodyPr/>
-                    <a:lstStyle/>
-                    <a:p>
-                      <a:pPr marL="0" marR="0" indent="0" algn="ctr" defTabSz="914400" rtl="0" eaLnBrk="1" fontAlgn="auto" latinLnBrk="1" hangingPunct="1">
-                        <a:lnSpc>
-                          <a:spcPct val="100000"/>
-                        </a:lnSpc>
-                        <a:spcBef>
-                          <a:spcPts val="0"/>
-                        </a:spcBef>
-                        <a:spcAft>
-                          <a:spcPts val="0"/>
-                        </a:spcAft>
-                        <a:buClrTx/>
-                        <a:buSzTx/>
-                        <a:buFontTx/>
-                        <a:buNone/>
-                        <a:tabLst/>
-                        <a:defRPr/>
-                      </a:pPr>
-                      <a:r>
-                        <a:rPr lang="en-US" altLang="ko-KR" dirty="0"/>
-                        <a:t>not A</a:t>
-                      </a:r>
-                      <a:endParaRPr lang="ko-KR" altLang="en-US" dirty="0">
-                        <a:solidFill>
-                          <a:schemeClr val="accent6"/>
-                        </a:solidFill>
-                      </a:endParaRPr>
-                    </a:p>
-                  </a:txBody>
-                  <a:tcPr/>
-                </a:tc>
-                <a:tc>
-                  <a:txBody>
-                    <a:bodyPr/>
-                    <a:lstStyle/>
-                    <a:p>
-                      <a:pPr algn="ctr" latinLnBrk="1"/>
-                      <a:r>
-                        <a:rPr lang="en-US" altLang="ko-KR" sz="2000" dirty="0">
-                          <a:solidFill>
-                            <a:schemeClr val="tx1"/>
-                          </a:solidFill>
-                        </a:rPr>
-                        <a:t>A</a:t>
-                      </a:r>
-                      <a:r>
-                        <a:rPr lang="ko-KR" altLang="en-US" sz="2000" dirty="0">
-                          <a:solidFill>
-                            <a:schemeClr val="tx1"/>
-                          </a:solidFill>
-                        </a:rPr>
-                        <a:t> 가 참이라면 </a:t>
-                      </a:r>
-                      <a:r>
-                        <a:rPr lang="en-US" altLang="ko-KR" sz="2000" dirty="0">
-                          <a:solidFill>
-                            <a:schemeClr val="tx1"/>
-                          </a:solidFill>
-                        </a:rPr>
-                        <a:t>True</a:t>
-                      </a:r>
-                      <a:endParaRPr lang="ko-KR" altLang="en-US" sz="2000" dirty="0">
-                        <a:solidFill>
-                          <a:schemeClr val="tx1"/>
-                        </a:solidFill>
-                      </a:endParaRPr>
-                    </a:p>
-                  </a:txBody>
-                  <a:tcPr/>
-                </a:tc>
-                <a:extLst>
-                  <a:ext uri="{0D108BD9-81ED-4DB2-BD59-A6C34878D82A}">
-                    <a16:rowId xmlns:a16="http://schemas.microsoft.com/office/drawing/2014/main" val="10003"/>
-                  </a:ext>
-                </a:extLst>
-              </a:tr>
-            </a:tbl>
-          </a:graphicData>
-        </a:graphic>
-      </p:graphicFrame>
-    </p:spTree>
-    <p:extLst>
-      <p:ext uri="{BB962C8B-B14F-4D97-AF65-F5344CB8AC3E}">
-        <p14:creationId xmlns:p14="http://schemas.microsoft.com/office/powerpoint/2010/main" val="450208037"/>
-      </p:ext>
-    </p:extLst>
-  </p:cSld>
-  <p:clrMapOvr>
-    <a:masterClrMapping/>
-  </p:clrMapOvr>
-  <p:timing>
-    <p:tnLst>
-      <p:par>
-        <p:cTn id="1" dur="indefinite" restart="never" nodeType="tmRoot">
-          <p:childTnLst>
-            <p:seq concurrent="1" nextAc="seek">
-              <p:cTn id="2" dur="indefinite" nodeType="mainSeq">
-                <p:childTnLst>
-                  <p:par>
-                    <p:cTn id="3" fill="hold">
-                      <p:stCondLst>
-                        <p:cond delay="indefinite"/>
-                      </p:stCondLst>
-                      <p:childTnLst>
-                        <p:par>
-                          <p:cTn id="4" fill="hold">
-                            <p:stCondLst>
-                              <p:cond delay="0"/>
-                            </p:stCondLst>
-                            <p:childTnLst>
-                              <p:par>
-                                <p:cTn id="5" presetID="10" presetClass="entr" presetSubtype="0" fill="hold" nodeType="clickEffect">
-                                  <p:stCondLst>
-                                    <p:cond delay="0"/>
-                                  </p:stCondLst>
-                                  <p:childTnLst>
-                                    <p:set>
-                                      <p:cBhvr>
-                                        <p:cTn id="6" dur="1" fill="hold">
-                                          <p:stCondLst>
-                                            <p:cond delay="0"/>
-                                          </p:stCondLst>
-                                        </p:cTn>
-                                        <p:tgtEl>
-                                          <p:spTgt spid="3"/>
-                                        </p:tgtEl>
-                                        <p:attrNameLst>
-                                          <p:attrName>style.visibility</p:attrName>
-                                        </p:attrNameLst>
-                                      </p:cBhvr>
-                                      <p:to>
-                                        <p:strVal val="visible"/>
-                                      </p:to>
-                                    </p:set>
-                                    <p:animEffect transition="in" filter="fade">
-                                      <p:cBhvr>
-                                        <p:cTn id="7" dur="500"/>
-                                        <p:tgtEl>
-                                          <p:spTgt spid="3"/>
-                                        </p:tgtEl>
-                                      </p:cBhvr>
-                                    </p:animEffect>
-                                  </p:childTnLst>
-                                </p:cTn>
-                              </p:par>
-                            </p:childTnLst>
-                          </p:cTn>
-                        </p:par>
-                      </p:childTnLst>
-                    </p:cTn>
-                  </p:par>
-                </p:childTnLst>
-              </p:cTn>
-              <p:prevCondLst>
-                <p:cond evt="onPrev" delay="0">
-                  <p:tgtEl>
-                    <p:sldTgt/>
-                  </p:tgtEl>
-                </p:cond>
-              </p:prevCondLst>
-              <p:nextCondLst>
-                <p:cond evt="onNext" delay="0">
-                  <p:tgtEl>
-                    <p:sldTgt/>
-                  </p:tgtEl>
-                </p:cond>
-              </p:nextCondLst>
-            </p:seq>
-          </p:childTnLst>
-        </p:cTn>
-      </p:par>
-    </p:tnLst>
-  </p:timing>
 </p:sld>
 </file>
 
@@ -5333,295 +6327,3816 @@
           <a:chExt cx="0" cy="0"/>
         </a:xfrm>
       </p:grpSpPr>
-      <p:graphicFrame>
-        <p:nvGraphicFramePr>
-          <p:cNvPr id="3" name="표 2">
+      <p:grpSp>
+        <p:nvGrpSpPr>
+          <p:cNvPr id="24" name="그룹 23">
             <a:extLst>
               <a:ext uri="{FF2B5EF4-FFF2-40B4-BE49-F238E27FC236}">
-                <a16:creationId xmlns:a16="http://schemas.microsoft.com/office/drawing/2014/main" id="{AF8B125F-A951-4993-AD16-5D0B19F34E04}"/>
+                <a16:creationId xmlns:a16="http://schemas.microsoft.com/office/drawing/2014/main" id="{FC2B0DB6-D1C0-41C3-9C03-692858BAF75A}"/>
               </a:ext>
             </a:extLst>
           </p:cNvPr>
-          <p:cNvGraphicFramePr>
-            <a:graphicFrameLocks noGrp="1"/>
-          </p:cNvGraphicFramePr>
-          <p:nvPr>
-            <p:extLst>
-              <p:ext uri="{D42A27DB-BD31-4B8C-83A1-F6EECF244321}">
-                <p14:modId xmlns:p14="http://schemas.microsoft.com/office/powerpoint/2010/main" val="622018177"/>
-              </p:ext>
-            </p:extLst>
-          </p:nvPr>
-        </p:nvGraphicFramePr>
-        <p:xfrm>
-          <a:off x="3048000" y="2537206"/>
-          <a:ext cx="6096000" cy="1783588"/>
-        </p:xfrm>
-        <a:graphic>
-          <a:graphicData uri="http://schemas.openxmlformats.org/drawingml/2006/table">
-            <a:tbl>
-              <a:tblPr firstRow="1" bandRow="1">
-                <a:tableStyleId>{5C22544A-7EE6-4342-B048-85BDC9FD1C3A}</a:tableStyleId>
-              </a:tblPr>
-              <a:tblGrid>
-                <a:gridCol w="4632176">
-                  <a:extLst>
-                    <a:ext uri="{9D8B030D-6E8A-4147-A177-3AD203B41FA5}">
-                      <a16:colId xmlns:a16="http://schemas.microsoft.com/office/drawing/2014/main" val="20000"/>
-                    </a:ext>
-                  </a:extLst>
-                </a:gridCol>
-                <a:gridCol w="1463824">
-                  <a:extLst>
-                    <a:ext uri="{9D8B030D-6E8A-4147-A177-3AD203B41FA5}">
-                      <a16:colId xmlns:a16="http://schemas.microsoft.com/office/drawing/2014/main" val="20001"/>
-                    </a:ext>
-                  </a:extLst>
-                </a:gridCol>
-              </a:tblGrid>
-              <a:tr h="370840">
-                <a:tc>
-                  <a:txBody>
-                    <a:bodyPr/>
-                    <a:lstStyle/>
-                    <a:p>
-                      <a:pPr algn="ctr" latinLnBrk="1"/>
-                      <a:r>
-                        <a:rPr lang="ko-KR" altLang="en-US" dirty="0"/>
-                        <a:t>예시</a:t>
-                      </a:r>
-                    </a:p>
-                  </a:txBody>
-                  <a:tcPr/>
-                </a:tc>
-                <a:tc>
-                  <a:txBody>
-                    <a:bodyPr/>
-                    <a:lstStyle/>
-                    <a:p>
-                      <a:pPr algn="ctr" latinLnBrk="1"/>
-                      <a:r>
-                        <a:rPr lang="ko-KR" altLang="en-US" dirty="0"/>
-                        <a:t>결과</a:t>
-                      </a:r>
-                    </a:p>
-                  </a:txBody>
-                  <a:tcPr/>
-                </a:tc>
-                <a:extLst>
-                  <a:ext uri="{0D108BD9-81ED-4DB2-BD59-A6C34878D82A}">
-                    <a16:rowId xmlns:a16="http://schemas.microsoft.com/office/drawing/2014/main" val="10000"/>
-                  </a:ext>
-                </a:extLst>
-              </a:tr>
-              <a:tr h="370840">
-                <a:tc>
-                  <a:txBody>
-                    <a:bodyPr/>
-                    <a:lstStyle/>
-                    <a:p>
-                      <a:pPr algn="ctr" latinLnBrk="1"/>
-                      <a:r>
-                        <a:rPr lang="en-US" altLang="ko-KR" sz="1800" dirty="0"/>
-                        <a:t>print(4</a:t>
-                      </a:r>
-                      <a:r>
-                        <a:rPr lang="en-US" altLang="ko-KR" sz="1800" baseline="0" dirty="0"/>
-                        <a:t> &lt; 6 and 10 &gt;= 10)</a:t>
-                      </a:r>
-                      <a:endParaRPr lang="ko-KR" altLang="en-US" sz="1800" dirty="0"/>
-                    </a:p>
-                  </a:txBody>
-                  <a:tcPr/>
-                </a:tc>
-                <a:tc>
-                  <a:txBody>
-                    <a:bodyPr/>
-                    <a:lstStyle/>
-                    <a:p>
-                      <a:pPr algn="ctr" latinLnBrk="1"/>
-                      <a:endParaRPr lang="ko-KR" altLang="en-US" dirty="0"/>
-                    </a:p>
-                  </a:txBody>
-                  <a:tcPr/>
-                </a:tc>
-                <a:extLst>
-                  <a:ext uri="{0D108BD9-81ED-4DB2-BD59-A6C34878D82A}">
-                    <a16:rowId xmlns:a16="http://schemas.microsoft.com/office/drawing/2014/main" val="10001"/>
-                  </a:ext>
-                </a:extLst>
-              </a:tr>
-              <a:tr h="370840">
-                <a:tc>
-                  <a:txBody>
-                    <a:bodyPr/>
-                    <a:lstStyle/>
-                    <a:p>
-                      <a:pPr algn="ctr" latinLnBrk="1"/>
-                      <a:r>
-                        <a:rPr lang="en-US" altLang="ko-KR" sz="1800" dirty="0"/>
-                        <a:t>print("hi" != "hi" or "bye" == "bye")</a:t>
-                      </a:r>
-                      <a:endParaRPr lang="ko-KR" altLang="en-US" sz="1800" dirty="0"/>
-                    </a:p>
-                  </a:txBody>
-                  <a:tcPr/>
-                </a:tc>
-                <a:tc>
-                  <a:txBody>
-                    <a:bodyPr/>
-                    <a:lstStyle/>
-                    <a:p>
-                      <a:pPr algn="ctr" latinLnBrk="1"/>
-                      <a:endParaRPr lang="ko-KR" altLang="en-US" dirty="0"/>
-                    </a:p>
-                  </a:txBody>
-                  <a:tcPr/>
-                </a:tc>
-                <a:extLst>
-                  <a:ext uri="{0D108BD9-81ED-4DB2-BD59-A6C34878D82A}">
-                    <a16:rowId xmlns:a16="http://schemas.microsoft.com/office/drawing/2014/main" val="10002"/>
-                  </a:ext>
-                </a:extLst>
-              </a:tr>
-              <a:tr h="370840">
-                <a:tc>
-                  <a:txBody>
-                    <a:bodyPr/>
-                    <a:lstStyle/>
-                    <a:p>
-                      <a:pPr algn="ctr" latinLnBrk="1"/>
-                      <a:r>
-                        <a:rPr lang="en-US" altLang="ko-KR" sz="1800" dirty="0"/>
-                        <a:t>print(not 5==5</a:t>
-                      </a:r>
-                      <a:r>
-                        <a:rPr lang="en-US" altLang="ko-KR" sz="1800" baseline="0" dirty="0"/>
-                        <a:t>)</a:t>
-                      </a:r>
-                      <a:endParaRPr lang="ko-KR" altLang="en-US" sz="1800" dirty="0"/>
-                    </a:p>
-                  </a:txBody>
-                  <a:tcPr/>
-                </a:tc>
-                <a:tc>
-                  <a:txBody>
-                    <a:bodyPr/>
-                    <a:lstStyle/>
-                    <a:p>
-                      <a:pPr algn="ctr" latinLnBrk="1"/>
-                      <a:endParaRPr lang="ko-KR" altLang="en-US" dirty="0"/>
-                    </a:p>
-                  </a:txBody>
-                  <a:tcPr/>
-                </a:tc>
-                <a:extLst>
-                  <a:ext uri="{0D108BD9-81ED-4DB2-BD59-A6C34878D82A}">
-                    <a16:rowId xmlns:a16="http://schemas.microsoft.com/office/drawing/2014/main" val="10003"/>
-                  </a:ext>
-                </a:extLst>
-              </a:tr>
-            </a:tbl>
-          </a:graphicData>
-        </a:graphic>
-      </p:graphicFrame>
+          <p:cNvGrpSpPr/>
+          <p:nvPr/>
+        </p:nvGrpSpPr>
+        <p:grpSpPr>
+          <a:xfrm>
+            <a:off x="2063555" y="2065369"/>
+            <a:ext cx="8064891" cy="2727263"/>
+            <a:chOff x="611562" y="3373783"/>
+            <a:chExt cx="8064891" cy="2727263"/>
+          </a:xfrm>
+        </p:grpSpPr>
+        <p:pic>
+          <p:nvPicPr>
+            <p:cNvPr id="3" name="Picture 2" descr="C:\Users\Administrator\Downloads\free-icon-package-2945609.png">
+              <a:extLst>
+                <a:ext uri="{FF2B5EF4-FFF2-40B4-BE49-F238E27FC236}">
+                  <a16:creationId xmlns:a16="http://schemas.microsoft.com/office/drawing/2014/main" id="{EEAD3685-F28B-42F9-B11D-C1355219056D}"/>
+                </a:ext>
+              </a:extLst>
+            </p:cNvPr>
+            <p:cNvPicPr>
+              <a:picLocks noChangeAspect="1" noChangeArrowheads="1"/>
+            </p:cNvPicPr>
+            <p:nvPr/>
+          </p:nvPicPr>
+          <p:blipFill>
+            <a:blip r:embed="rId2" cstate="print">
+              <a:extLst>
+                <a:ext uri="{28A0092B-C50C-407E-A947-70E740481C1C}">
+                  <a14:useLocalDpi xmlns:a14="http://schemas.microsoft.com/office/drawing/2010/main" val="0"/>
+                </a:ext>
+              </a:extLst>
+            </a:blip>
+            <a:srcRect/>
+            <a:stretch>
+              <a:fillRect/>
+            </a:stretch>
+          </p:blipFill>
+          <p:spPr bwMode="auto">
+            <a:xfrm>
+              <a:off x="2233038" y="3695314"/>
+              <a:ext cx="1584176" cy="1584176"/>
+            </a:xfrm>
+            <a:prstGeom prst="rect">
+              <a:avLst/>
+            </a:prstGeom>
+            <a:noFill/>
+            <a:extLst>
+              <a:ext uri="{909E8E84-426E-40DD-AFC4-6F175D3DCCD1}">
+                <a14:hiddenFill xmlns:a14="http://schemas.microsoft.com/office/drawing/2010/main">
+                  <a:solidFill>
+                    <a:srgbClr val="FFFFFF"/>
+                  </a:solidFill>
+                </a14:hiddenFill>
+              </a:ext>
+            </a:extLst>
+          </p:spPr>
+        </p:pic>
+        <p:pic>
+          <p:nvPicPr>
+            <p:cNvPr id="4" name="Picture 2" descr="C:\Users\Administrator\Downloads\free-icon-package-2945609.png">
+              <a:extLst>
+                <a:ext uri="{FF2B5EF4-FFF2-40B4-BE49-F238E27FC236}">
+                  <a16:creationId xmlns:a16="http://schemas.microsoft.com/office/drawing/2014/main" id="{1F43F71D-2A10-4676-BB4A-69AA2C76F818}"/>
+                </a:ext>
+              </a:extLst>
+            </p:cNvPr>
+            <p:cNvPicPr>
+              <a:picLocks noChangeAspect="1" noChangeArrowheads="1"/>
+            </p:cNvPicPr>
+            <p:nvPr/>
+          </p:nvPicPr>
+          <p:blipFill>
+            <a:blip r:embed="rId2" cstate="print">
+              <a:extLst>
+                <a:ext uri="{28A0092B-C50C-407E-A947-70E740481C1C}">
+                  <a14:useLocalDpi xmlns:a14="http://schemas.microsoft.com/office/drawing/2010/main" val="0"/>
+                </a:ext>
+              </a:extLst>
+            </a:blip>
+            <a:srcRect/>
+            <a:stretch>
+              <a:fillRect/>
+            </a:stretch>
+          </p:blipFill>
+          <p:spPr bwMode="auto">
+            <a:xfrm>
+              <a:off x="3851920" y="3695314"/>
+              <a:ext cx="1584176" cy="1584176"/>
+            </a:xfrm>
+            <a:prstGeom prst="rect">
+              <a:avLst/>
+            </a:prstGeom>
+            <a:noFill/>
+            <a:extLst>
+              <a:ext uri="{909E8E84-426E-40DD-AFC4-6F175D3DCCD1}">
+                <a14:hiddenFill xmlns:a14="http://schemas.microsoft.com/office/drawing/2010/main">
+                  <a:solidFill>
+                    <a:srgbClr val="FFFFFF"/>
+                  </a:solidFill>
+                </a14:hiddenFill>
+              </a:ext>
+            </a:extLst>
+          </p:spPr>
+        </p:pic>
+        <p:pic>
+          <p:nvPicPr>
+            <p:cNvPr id="5" name="Picture 2" descr="C:\Users\Administrator\Downloads\free-icon-package-2945609.png">
+              <a:extLst>
+                <a:ext uri="{FF2B5EF4-FFF2-40B4-BE49-F238E27FC236}">
+                  <a16:creationId xmlns:a16="http://schemas.microsoft.com/office/drawing/2014/main" id="{1CE19928-A269-4895-852C-2225D1F58FD2}"/>
+                </a:ext>
+              </a:extLst>
+            </p:cNvPr>
+            <p:cNvPicPr>
+              <a:picLocks noChangeAspect="1" noChangeArrowheads="1"/>
+            </p:cNvPicPr>
+            <p:nvPr/>
+          </p:nvPicPr>
+          <p:blipFill>
+            <a:blip r:embed="rId2" cstate="print">
+              <a:extLst>
+                <a:ext uri="{28A0092B-C50C-407E-A947-70E740481C1C}">
+                  <a14:useLocalDpi xmlns:a14="http://schemas.microsoft.com/office/drawing/2010/main" val="0"/>
+                </a:ext>
+              </a:extLst>
+            </a:blip>
+            <a:srcRect/>
+            <a:stretch>
+              <a:fillRect/>
+            </a:stretch>
+          </p:blipFill>
+          <p:spPr bwMode="auto">
+            <a:xfrm>
+              <a:off x="5436096" y="3695314"/>
+              <a:ext cx="1584176" cy="1584176"/>
+            </a:xfrm>
+            <a:prstGeom prst="rect">
+              <a:avLst/>
+            </a:prstGeom>
+            <a:noFill/>
+            <a:extLst>
+              <a:ext uri="{909E8E84-426E-40DD-AFC4-6F175D3DCCD1}">
+                <a14:hiddenFill xmlns:a14="http://schemas.microsoft.com/office/drawing/2010/main">
+                  <a:solidFill>
+                    <a:srgbClr val="FFFFFF"/>
+                  </a:solidFill>
+                </a14:hiddenFill>
+              </a:ext>
+            </a:extLst>
+          </p:spPr>
+        </p:pic>
+        <p:sp>
+          <p:nvSpPr>
+            <p:cNvPr id="6" name="사각형: 둥근 모서리 5">
+              <a:extLst>
+                <a:ext uri="{FF2B5EF4-FFF2-40B4-BE49-F238E27FC236}">
+                  <a16:creationId xmlns:a16="http://schemas.microsoft.com/office/drawing/2014/main" id="{3939F8D1-F5D0-4100-939E-EAABB46F454E}"/>
+                </a:ext>
+              </a:extLst>
+            </p:cNvPr>
+            <p:cNvSpPr/>
+            <p:nvPr/>
+          </p:nvSpPr>
+          <p:spPr>
+            <a:xfrm>
+              <a:off x="611562" y="3429000"/>
+              <a:ext cx="8064891" cy="2016224"/>
+            </a:xfrm>
+            <a:prstGeom prst="roundRect">
+              <a:avLst/>
+            </a:prstGeom>
+            <a:noFill/>
+          </p:spPr>
+          <p:style>
+            <a:lnRef idx="2">
+              <a:schemeClr val="accent1">
+                <a:shade val="50000"/>
+              </a:schemeClr>
+            </a:lnRef>
+            <a:fillRef idx="1">
+              <a:schemeClr val="accent1"/>
+            </a:fillRef>
+            <a:effectRef idx="0">
+              <a:schemeClr val="accent1"/>
+            </a:effectRef>
+            <a:fontRef idx="minor">
+              <a:schemeClr val="lt1"/>
+            </a:fontRef>
+          </p:style>
+          <p:txBody>
+            <a:bodyPr rtlCol="0" anchor="ctr"/>
+            <a:lstStyle/>
+            <a:p>
+              <a:pPr algn="ctr"/>
+              <a:endParaRPr lang="ko-KR" altLang="en-US">
+                <a:solidFill>
+                  <a:schemeClr val="bg1">
+                    <a:lumMod val="95000"/>
+                  </a:schemeClr>
+                </a:solidFill>
+              </a:endParaRPr>
+            </a:p>
+          </p:txBody>
+        </p:sp>
+        <p:cxnSp>
+          <p:nvCxnSpPr>
+            <p:cNvPr id="7" name="직선 화살표 연결선 6">
+              <a:extLst>
+                <a:ext uri="{FF2B5EF4-FFF2-40B4-BE49-F238E27FC236}">
+                  <a16:creationId xmlns:a16="http://schemas.microsoft.com/office/drawing/2014/main" id="{B20735AB-A58E-4E35-8904-1D08697BB20D}"/>
+                </a:ext>
+              </a:extLst>
+            </p:cNvPr>
+            <p:cNvCxnSpPr>
+              <a:cxnSpLocks/>
+            </p:cNvCxnSpPr>
+            <p:nvPr/>
+          </p:nvCxnSpPr>
+          <p:spPr>
+            <a:xfrm flipV="1">
+              <a:off x="3018232" y="5262340"/>
+              <a:ext cx="0" cy="449198"/>
+            </a:xfrm>
+            <a:prstGeom prst="straightConnector1">
+              <a:avLst/>
+            </a:prstGeom>
+            <a:ln w="25400">
+              <a:tailEnd type="triangle"/>
+            </a:ln>
+          </p:spPr>
+          <p:style>
+            <a:lnRef idx="1">
+              <a:schemeClr val="accent1"/>
+            </a:lnRef>
+            <a:fillRef idx="0">
+              <a:schemeClr val="accent1"/>
+            </a:fillRef>
+            <a:effectRef idx="0">
+              <a:schemeClr val="accent1"/>
+            </a:effectRef>
+            <a:fontRef idx="minor">
+              <a:schemeClr val="tx1"/>
+            </a:fontRef>
+          </p:style>
+        </p:cxnSp>
+        <p:sp>
+          <p:nvSpPr>
+            <p:cNvPr id="8" name="직사각형 7">
+              <a:extLst>
+                <a:ext uri="{FF2B5EF4-FFF2-40B4-BE49-F238E27FC236}">
+                  <a16:creationId xmlns:a16="http://schemas.microsoft.com/office/drawing/2014/main" id="{390785CF-7AF7-43EB-8E9F-6BBBA55CEF6F}"/>
+                </a:ext>
+              </a:extLst>
+            </p:cNvPr>
+            <p:cNvSpPr/>
+            <p:nvPr/>
+          </p:nvSpPr>
+          <p:spPr>
+            <a:xfrm>
+              <a:off x="2377054" y="5718193"/>
+              <a:ext cx="1296144" cy="382092"/>
+            </a:xfrm>
+            <a:prstGeom prst="rect">
+              <a:avLst/>
+            </a:prstGeom>
+          </p:spPr>
+          <p:txBody>
+            <a:bodyPr wrap="square">
+              <a:spAutoFit/>
+            </a:bodyPr>
+            <a:lstStyle/>
+            <a:p>
+              <a:r>
+                <a:rPr lang="en-US" altLang="ko-KR" dirty="0">
+                  <a:solidFill>
+                    <a:schemeClr val="bg1">
+                      <a:lumMod val="95000"/>
+                    </a:schemeClr>
+                  </a:solidFill>
+                  <a:latin typeface="배달의민족 주아" pitchFamily="18" charset="-127"/>
+                  <a:ea typeface="배달의민족 주아" pitchFamily="18" charset="-127"/>
+                </a:rPr>
+                <a:t>1 </a:t>
+              </a:r>
+              <a:r>
+                <a:rPr lang="ko-KR" altLang="en-US" dirty="0">
+                  <a:solidFill>
+                    <a:schemeClr val="bg1">
+                      <a:lumMod val="95000"/>
+                    </a:schemeClr>
+                  </a:solidFill>
+                  <a:latin typeface="배달의민족 주아" pitchFamily="18" charset="-127"/>
+                  <a:ea typeface="배달의민족 주아" pitchFamily="18" charset="-127"/>
+                </a:rPr>
+                <a:t>번 인덱스</a:t>
+              </a:r>
+              <a:endParaRPr lang="ko-KR" altLang="en-US" dirty="0">
+                <a:solidFill>
+                  <a:schemeClr val="bg1">
+                    <a:lumMod val="95000"/>
+                  </a:schemeClr>
+                </a:solidFill>
+              </a:endParaRPr>
+            </a:p>
+          </p:txBody>
+        </p:sp>
+        <p:cxnSp>
+          <p:nvCxnSpPr>
+            <p:cNvPr id="9" name="직선 화살표 연결선 8">
+              <a:extLst>
+                <a:ext uri="{FF2B5EF4-FFF2-40B4-BE49-F238E27FC236}">
+                  <a16:creationId xmlns:a16="http://schemas.microsoft.com/office/drawing/2014/main" id="{13516059-966F-4BA5-80CC-031BD7EFDBB1}"/>
+                </a:ext>
+              </a:extLst>
+            </p:cNvPr>
+            <p:cNvCxnSpPr>
+              <a:cxnSpLocks/>
+            </p:cNvCxnSpPr>
+            <p:nvPr/>
+          </p:nvCxnSpPr>
+          <p:spPr>
+            <a:xfrm flipH="1" flipV="1">
+              <a:off x="4632941" y="5270916"/>
+              <a:ext cx="7378" cy="432046"/>
+            </a:xfrm>
+            <a:prstGeom prst="straightConnector1">
+              <a:avLst/>
+            </a:prstGeom>
+            <a:ln w="25400">
+              <a:tailEnd type="triangle"/>
+            </a:ln>
+          </p:spPr>
+          <p:style>
+            <a:lnRef idx="1">
+              <a:schemeClr val="accent1"/>
+            </a:lnRef>
+            <a:fillRef idx="0">
+              <a:schemeClr val="accent1"/>
+            </a:fillRef>
+            <a:effectRef idx="0">
+              <a:schemeClr val="accent1"/>
+            </a:effectRef>
+            <a:fontRef idx="minor">
+              <a:schemeClr val="tx1"/>
+            </a:fontRef>
+          </p:style>
+        </p:cxnSp>
+        <p:sp>
+          <p:nvSpPr>
+            <p:cNvPr id="10" name="직사각형 9">
+              <a:extLst>
+                <a:ext uri="{FF2B5EF4-FFF2-40B4-BE49-F238E27FC236}">
+                  <a16:creationId xmlns:a16="http://schemas.microsoft.com/office/drawing/2014/main" id="{5180C3F4-7DD8-4500-A577-5808D83FD523}"/>
+                </a:ext>
+              </a:extLst>
+            </p:cNvPr>
+            <p:cNvSpPr/>
+            <p:nvPr/>
+          </p:nvSpPr>
+          <p:spPr>
+            <a:xfrm>
+              <a:off x="3984869" y="5718954"/>
+              <a:ext cx="1296144" cy="382092"/>
+            </a:xfrm>
+            <a:prstGeom prst="rect">
+              <a:avLst/>
+            </a:prstGeom>
+          </p:spPr>
+          <p:txBody>
+            <a:bodyPr wrap="square">
+              <a:spAutoFit/>
+            </a:bodyPr>
+            <a:lstStyle/>
+            <a:p>
+              <a:r>
+                <a:rPr lang="en-US" altLang="ko-KR" dirty="0">
+                  <a:solidFill>
+                    <a:schemeClr val="bg1">
+                      <a:lumMod val="95000"/>
+                    </a:schemeClr>
+                  </a:solidFill>
+                  <a:latin typeface="배달의민족 주아" pitchFamily="18" charset="-127"/>
+                  <a:ea typeface="배달의민족 주아" pitchFamily="18" charset="-127"/>
+                </a:rPr>
+                <a:t>2 </a:t>
+              </a:r>
+              <a:r>
+                <a:rPr lang="ko-KR" altLang="en-US" dirty="0">
+                  <a:solidFill>
+                    <a:schemeClr val="bg1">
+                      <a:lumMod val="95000"/>
+                    </a:schemeClr>
+                  </a:solidFill>
+                  <a:latin typeface="배달의민족 주아" pitchFamily="18" charset="-127"/>
+                  <a:ea typeface="배달의민족 주아" pitchFamily="18" charset="-127"/>
+                </a:rPr>
+                <a:t>번 인덱스</a:t>
+              </a:r>
+              <a:endParaRPr lang="ko-KR" altLang="en-US" dirty="0">
+                <a:solidFill>
+                  <a:schemeClr val="bg1">
+                    <a:lumMod val="95000"/>
+                  </a:schemeClr>
+                </a:solidFill>
+              </a:endParaRPr>
+            </a:p>
+          </p:txBody>
+        </p:sp>
+        <p:cxnSp>
+          <p:nvCxnSpPr>
+            <p:cNvPr id="11" name="직선 화살표 연결선 10">
+              <a:extLst>
+                <a:ext uri="{FF2B5EF4-FFF2-40B4-BE49-F238E27FC236}">
+                  <a16:creationId xmlns:a16="http://schemas.microsoft.com/office/drawing/2014/main" id="{EB1C8DDD-AE77-4B0D-9B02-A583321137EE}"/>
+                </a:ext>
+              </a:extLst>
+            </p:cNvPr>
+            <p:cNvCxnSpPr>
+              <a:cxnSpLocks/>
+            </p:cNvCxnSpPr>
+            <p:nvPr/>
+          </p:nvCxnSpPr>
+          <p:spPr>
+            <a:xfrm flipV="1">
+              <a:off x="6217117" y="5268632"/>
+              <a:ext cx="4044" cy="442906"/>
+            </a:xfrm>
+            <a:prstGeom prst="straightConnector1">
+              <a:avLst/>
+            </a:prstGeom>
+            <a:ln w="25400">
+              <a:tailEnd type="triangle"/>
+            </a:ln>
+          </p:spPr>
+          <p:style>
+            <a:lnRef idx="1">
+              <a:schemeClr val="accent1"/>
+            </a:lnRef>
+            <a:fillRef idx="0">
+              <a:schemeClr val="accent1"/>
+            </a:fillRef>
+            <a:effectRef idx="0">
+              <a:schemeClr val="accent1"/>
+            </a:effectRef>
+            <a:fontRef idx="minor">
+              <a:schemeClr val="tx1"/>
+            </a:fontRef>
+          </p:style>
+        </p:cxnSp>
+        <p:sp>
+          <p:nvSpPr>
+            <p:cNvPr id="12" name="직사각형 11">
+              <a:extLst>
+                <a:ext uri="{FF2B5EF4-FFF2-40B4-BE49-F238E27FC236}">
+                  <a16:creationId xmlns:a16="http://schemas.microsoft.com/office/drawing/2014/main" id="{AB8E59C1-DCD7-4078-B6A8-FD52DB41F3F9}"/>
+                </a:ext>
+              </a:extLst>
+            </p:cNvPr>
+            <p:cNvSpPr/>
+            <p:nvPr/>
+          </p:nvSpPr>
+          <p:spPr>
+            <a:xfrm>
+              <a:off x="5569045" y="5718193"/>
+              <a:ext cx="1296144" cy="382092"/>
+            </a:xfrm>
+            <a:prstGeom prst="rect">
+              <a:avLst/>
+            </a:prstGeom>
+          </p:spPr>
+          <p:txBody>
+            <a:bodyPr wrap="square">
+              <a:spAutoFit/>
+            </a:bodyPr>
+            <a:lstStyle/>
+            <a:p>
+              <a:r>
+                <a:rPr lang="en-US" altLang="ko-KR" dirty="0">
+                  <a:solidFill>
+                    <a:schemeClr val="bg1">
+                      <a:lumMod val="95000"/>
+                    </a:schemeClr>
+                  </a:solidFill>
+                  <a:latin typeface="배달의민족 주아" pitchFamily="18" charset="-127"/>
+                  <a:ea typeface="배달의민족 주아" pitchFamily="18" charset="-127"/>
+                </a:rPr>
+                <a:t>3 </a:t>
+              </a:r>
+              <a:r>
+                <a:rPr lang="ko-KR" altLang="en-US" dirty="0">
+                  <a:solidFill>
+                    <a:schemeClr val="bg1">
+                      <a:lumMod val="95000"/>
+                    </a:schemeClr>
+                  </a:solidFill>
+                  <a:latin typeface="배달의민족 주아" pitchFamily="18" charset="-127"/>
+                  <a:ea typeface="배달의민족 주아" pitchFamily="18" charset="-127"/>
+                </a:rPr>
+                <a:t>번 인덱스</a:t>
+              </a:r>
+              <a:endParaRPr lang="ko-KR" altLang="en-US" dirty="0">
+                <a:solidFill>
+                  <a:schemeClr val="bg1">
+                    <a:lumMod val="95000"/>
+                  </a:schemeClr>
+                </a:solidFill>
+              </a:endParaRPr>
+            </a:p>
+          </p:txBody>
+        </p:sp>
+        <p:sp>
+          <p:nvSpPr>
+            <p:cNvPr id="13" name="직사각형 12">
+              <a:extLst>
+                <a:ext uri="{FF2B5EF4-FFF2-40B4-BE49-F238E27FC236}">
+                  <a16:creationId xmlns:a16="http://schemas.microsoft.com/office/drawing/2014/main" id="{D97DBA1A-DA2F-4B19-84E3-CB6C3984D332}"/>
+                </a:ext>
+              </a:extLst>
+            </p:cNvPr>
+            <p:cNvSpPr/>
+            <p:nvPr/>
+          </p:nvSpPr>
+          <p:spPr>
+            <a:xfrm>
+              <a:off x="2771800" y="3373783"/>
+              <a:ext cx="504053" cy="382092"/>
+            </a:xfrm>
+            <a:prstGeom prst="rect">
+              <a:avLst/>
+            </a:prstGeom>
+          </p:spPr>
+          <p:txBody>
+            <a:bodyPr wrap="square">
+              <a:spAutoFit/>
+            </a:bodyPr>
+            <a:lstStyle/>
+            <a:p>
+              <a:r>
+                <a:rPr lang="en-US" altLang="ko-KR" dirty="0">
+                  <a:solidFill>
+                    <a:schemeClr val="bg1">
+                      <a:lumMod val="95000"/>
+                    </a:schemeClr>
+                  </a:solidFill>
+                  <a:latin typeface="배달의민족 주아" pitchFamily="18" charset="-127"/>
+                  <a:ea typeface="배달의민족 주아" pitchFamily="18" charset="-127"/>
+                </a:rPr>
+                <a:t>[1]</a:t>
+              </a:r>
+              <a:endParaRPr lang="ko-KR" altLang="en-US" dirty="0">
+                <a:solidFill>
+                  <a:schemeClr val="bg1">
+                    <a:lumMod val="95000"/>
+                  </a:schemeClr>
+                </a:solidFill>
+              </a:endParaRPr>
+            </a:p>
+          </p:txBody>
+        </p:sp>
+        <p:sp>
+          <p:nvSpPr>
+            <p:cNvPr id="14" name="직사각형 13">
+              <a:extLst>
+                <a:ext uri="{FF2B5EF4-FFF2-40B4-BE49-F238E27FC236}">
+                  <a16:creationId xmlns:a16="http://schemas.microsoft.com/office/drawing/2014/main" id="{D66348B3-7F2B-4DE6-9A1E-47164C1E4B42}"/>
+                </a:ext>
+              </a:extLst>
+            </p:cNvPr>
+            <p:cNvSpPr/>
+            <p:nvPr/>
+          </p:nvSpPr>
+          <p:spPr>
+            <a:xfrm>
+              <a:off x="4355976" y="3373783"/>
+              <a:ext cx="504053" cy="382092"/>
+            </a:xfrm>
+            <a:prstGeom prst="rect">
+              <a:avLst/>
+            </a:prstGeom>
+          </p:spPr>
+          <p:txBody>
+            <a:bodyPr wrap="square">
+              <a:spAutoFit/>
+            </a:bodyPr>
+            <a:lstStyle/>
+            <a:p>
+              <a:r>
+                <a:rPr lang="en-US" altLang="ko-KR" dirty="0">
+                  <a:solidFill>
+                    <a:schemeClr val="bg1">
+                      <a:lumMod val="95000"/>
+                    </a:schemeClr>
+                  </a:solidFill>
+                  <a:latin typeface="배달의민족 주아" pitchFamily="18" charset="-127"/>
+                  <a:ea typeface="배달의민족 주아" pitchFamily="18" charset="-127"/>
+                </a:rPr>
+                <a:t>[2]</a:t>
+              </a:r>
+              <a:endParaRPr lang="ko-KR" altLang="en-US" dirty="0">
+                <a:solidFill>
+                  <a:schemeClr val="bg1">
+                    <a:lumMod val="95000"/>
+                  </a:schemeClr>
+                </a:solidFill>
+              </a:endParaRPr>
+            </a:p>
+          </p:txBody>
+        </p:sp>
+        <p:sp>
+          <p:nvSpPr>
+            <p:cNvPr id="15" name="직사각형 14">
+              <a:extLst>
+                <a:ext uri="{FF2B5EF4-FFF2-40B4-BE49-F238E27FC236}">
+                  <a16:creationId xmlns:a16="http://schemas.microsoft.com/office/drawing/2014/main" id="{58EF4E8F-7C80-40C8-AEA9-1F8919CC315A}"/>
+                </a:ext>
+              </a:extLst>
+            </p:cNvPr>
+            <p:cNvSpPr/>
+            <p:nvPr/>
+          </p:nvSpPr>
+          <p:spPr>
+            <a:xfrm>
+              <a:off x="5961198" y="3373783"/>
+              <a:ext cx="504053" cy="382092"/>
+            </a:xfrm>
+            <a:prstGeom prst="rect">
+              <a:avLst/>
+            </a:prstGeom>
+          </p:spPr>
+          <p:txBody>
+            <a:bodyPr wrap="square">
+              <a:spAutoFit/>
+            </a:bodyPr>
+            <a:lstStyle/>
+            <a:p>
+              <a:r>
+                <a:rPr lang="en-US" altLang="ko-KR" dirty="0">
+                  <a:solidFill>
+                    <a:schemeClr val="bg1">
+                      <a:lumMod val="95000"/>
+                    </a:schemeClr>
+                  </a:solidFill>
+                  <a:latin typeface="배달의민족 주아" pitchFamily="18" charset="-127"/>
+                  <a:ea typeface="배달의민족 주아" pitchFamily="18" charset="-127"/>
+                </a:rPr>
+                <a:t>[3]</a:t>
+              </a:r>
+              <a:endParaRPr lang="ko-KR" altLang="en-US" dirty="0">
+                <a:solidFill>
+                  <a:schemeClr val="bg1">
+                    <a:lumMod val="95000"/>
+                  </a:schemeClr>
+                </a:solidFill>
+              </a:endParaRPr>
+            </a:p>
+          </p:txBody>
+        </p:sp>
+        <p:pic>
+          <p:nvPicPr>
+            <p:cNvPr id="16" name="Picture 2" descr="C:\Users\Administrator\Downloads\free-icon-package-2945609.png">
+              <a:extLst>
+                <a:ext uri="{FF2B5EF4-FFF2-40B4-BE49-F238E27FC236}">
+                  <a16:creationId xmlns:a16="http://schemas.microsoft.com/office/drawing/2014/main" id="{591DC6C5-371B-42EA-8D7D-5D0D5F0E5222}"/>
+                </a:ext>
+              </a:extLst>
+            </p:cNvPr>
+            <p:cNvPicPr>
+              <a:picLocks noChangeAspect="1" noChangeArrowheads="1"/>
+            </p:cNvPicPr>
+            <p:nvPr/>
+          </p:nvPicPr>
+          <p:blipFill>
+            <a:blip r:embed="rId2" cstate="print">
+              <a:extLst>
+                <a:ext uri="{28A0092B-C50C-407E-A947-70E740481C1C}">
+                  <a14:useLocalDpi xmlns:a14="http://schemas.microsoft.com/office/drawing/2010/main" val="0"/>
+                </a:ext>
+              </a:extLst>
+            </a:blip>
+            <a:srcRect/>
+            <a:stretch>
+              <a:fillRect/>
+            </a:stretch>
+          </p:blipFill>
+          <p:spPr bwMode="auto">
+            <a:xfrm>
+              <a:off x="683568" y="3695314"/>
+              <a:ext cx="1584176" cy="1584176"/>
+            </a:xfrm>
+            <a:prstGeom prst="rect">
+              <a:avLst/>
+            </a:prstGeom>
+            <a:noFill/>
+            <a:extLst>
+              <a:ext uri="{909E8E84-426E-40DD-AFC4-6F175D3DCCD1}">
+                <a14:hiddenFill xmlns:a14="http://schemas.microsoft.com/office/drawing/2010/main">
+                  <a:solidFill>
+                    <a:srgbClr val="FFFFFF"/>
+                  </a:solidFill>
+                </a14:hiddenFill>
+              </a:ext>
+            </a:extLst>
+          </p:spPr>
+        </p:pic>
+        <p:cxnSp>
+          <p:nvCxnSpPr>
+            <p:cNvPr id="17" name="직선 화살표 연결선 16">
+              <a:extLst>
+                <a:ext uri="{FF2B5EF4-FFF2-40B4-BE49-F238E27FC236}">
+                  <a16:creationId xmlns:a16="http://schemas.microsoft.com/office/drawing/2014/main" id="{5093B2AA-CDDF-4043-A976-8A5982B05BBC}"/>
+                </a:ext>
+              </a:extLst>
+            </p:cNvPr>
+            <p:cNvCxnSpPr>
+              <a:cxnSpLocks/>
+            </p:cNvCxnSpPr>
+            <p:nvPr/>
+          </p:nvCxnSpPr>
+          <p:spPr>
+            <a:xfrm flipV="1">
+              <a:off x="1468762" y="5262340"/>
+              <a:ext cx="0" cy="449198"/>
+            </a:xfrm>
+            <a:prstGeom prst="straightConnector1">
+              <a:avLst/>
+            </a:prstGeom>
+            <a:ln w="25400">
+              <a:tailEnd type="triangle"/>
+            </a:ln>
+          </p:spPr>
+          <p:style>
+            <a:lnRef idx="1">
+              <a:schemeClr val="accent1"/>
+            </a:lnRef>
+            <a:fillRef idx="0">
+              <a:schemeClr val="accent1"/>
+            </a:fillRef>
+            <a:effectRef idx="0">
+              <a:schemeClr val="accent1"/>
+            </a:effectRef>
+            <a:fontRef idx="minor">
+              <a:schemeClr val="tx1"/>
+            </a:fontRef>
+          </p:style>
+        </p:cxnSp>
+        <p:sp>
+          <p:nvSpPr>
+            <p:cNvPr id="18" name="직사각형 17">
+              <a:extLst>
+                <a:ext uri="{FF2B5EF4-FFF2-40B4-BE49-F238E27FC236}">
+                  <a16:creationId xmlns:a16="http://schemas.microsoft.com/office/drawing/2014/main" id="{40368C33-F47C-47A2-B10A-058366D5F1F7}"/>
+                </a:ext>
+              </a:extLst>
+            </p:cNvPr>
+            <p:cNvSpPr/>
+            <p:nvPr/>
+          </p:nvSpPr>
+          <p:spPr>
+            <a:xfrm>
+              <a:off x="827584" y="5718193"/>
+              <a:ext cx="1296144" cy="382092"/>
+            </a:xfrm>
+            <a:prstGeom prst="rect">
+              <a:avLst/>
+            </a:prstGeom>
+          </p:spPr>
+          <p:txBody>
+            <a:bodyPr wrap="square">
+              <a:spAutoFit/>
+            </a:bodyPr>
+            <a:lstStyle/>
+            <a:p>
+              <a:r>
+                <a:rPr lang="en-US" altLang="ko-KR" dirty="0">
+                  <a:solidFill>
+                    <a:schemeClr val="bg1">
+                      <a:lumMod val="95000"/>
+                    </a:schemeClr>
+                  </a:solidFill>
+                  <a:latin typeface="배달의민족 주아" pitchFamily="18" charset="-127"/>
+                  <a:ea typeface="배달의민족 주아" pitchFamily="18" charset="-127"/>
+                </a:rPr>
+                <a:t>0 </a:t>
+              </a:r>
+              <a:r>
+                <a:rPr lang="ko-KR" altLang="en-US" dirty="0">
+                  <a:solidFill>
+                    <a:schemeClr val="bg1">
+                      <a:lumMod val="95000"/>
+                    </a:schemeClr>
+                  </a:solidFill>
+                  <a:latin typeface="배달의민족 주아" pitchFamily="18" charset="-127"/>
+                  <a:ea typeface="배달의민족 주아" pitchFamily="18" charset="-127"/>
+                </a:rPr>
+                <a:t>번 인덱스</a:t>
+              </a:r>
+              <a:endParaRPr lang="ko-KR" altLang="en-US" dirty="0">
+                <a:solidFill>
+                  <a:schemeClr val="bg1">
+                    <a:lumMod val="95000"/>
+                  </a:schemeClr>
+                </a:solidFill>
+              </a:endParaRPr>
+            </a:p>
+          </p:txBody>
+        </p:sp>
+        <p:sp>
+          <p:nvSpPr>
+            <p:cNvPr id="19" name="직사각형 18">
+              <a:extLst>
+                <a:ext uri="{FF2B5EF4-FFF2-40B4-BE49-F238E27FC236}">
+                  <a16:creationId xmlns:a16="http://schemas.microsoft.com/office/drawing/2014/main" id="{E16602DD-4F3B-4062-B343-E20D77B38271}"/>
+                </a:ext>
+              </a:extLst>
+            </p:cNvPr>
+            <p:cNvSpPr/>
+            <p:nvPr/>
+          </p:nvSpPr>
+          <p:spPr>
+            <a:xfrm>
+              <a:off x="1222330" y="3373783"/>
+              <a:ext cx="504053" cy="382092"/>
+            </a:xfrm>
+            <a:prstGeom prst="rect">
+              <a:avLst/>
+            </a:prstGeom>
+          </p:spPr>
+          <p:txBody>
+            <a:bodyPr wrap="square">
+              <a:spAutoFit/>
+            </a:bodyPr>
+            <a:lstStyle/>
+            <a:p>
+              <a:r>
+                <a:rPr lang="en-US" altLang="ko-KR" dirty="0">
+                  <a:solidFill>
+                    <a:schemeClr val="bg1">
+                      <a:lumMod val="95000"/>
+                    </a:schemeClr>
+                  </a:solidFill>
+                  <a:latin typeface="배달의민족 주아" pitchFamily="18" charset="-127"/>
+                  <a:ea typeface="배달의민족 주아" pitchFamily="18" charset="-127"/>
+                </a:rPr>
+                <a:t>[0]</a:t>
+              </a:r>
+              <a:endParaRPr lang="ko-KR" altLang="en-US" dirty="0">
+                <a:solidFill>
+                  <a:schemeClr val="bg1">
+                    <a:lumMod val="95000"/>
+                  </a:schemeClr>
+                </a:solidFill>
+              </a:endParaRPr>
+            </a:p>
+          </p:txBody>
+        </p:sp>
+        <p:pic>
+          <p:nvPicPr>
+            <p:cNvPr id="20" name="Picture 2" descr="C:\Users\Administrator\Downloads\free-icon-package-2945609.png">
+              <a:extLst>
+                <a:ext uri="{FF2B5EF4-FFF2-40B4-BE49-F238E27FC236}">
+                  <a16:creationId xmlns:a16="http://schemas.microsoft.com/office/drawing/2014/main" id="{B06D0570-CA5D-4EDC-BA2D-B8F0A966A1BC}"/>
+                </a:ext>
+              </a:extLst>
+            </p:cNvPr>
+            <p:cNvPicPr>
+              <a:picLocks noChangeAspect="1" noChangeArrowheads="1"/>
+            </p:cNvPicPr>
+            <p:nvPr/>
+          </p:nvPicPr>
+          <p:blipFill>
+            <a:blip r:embed="rId2" cstate="print">
+              <a:extLst>
+                <a:ext uri="{28A0092B-C50C-407E-A947-70E740481C1C}">
+                  <a14:useLocalDpi xmlns:a14="http://schemas.microsoft.com/office/drawing/2010/main" val="0"/>
+                </a:ext>
+              </a:extLst>
+            </a:blip>
+            <a:srcRect/>
+            <a:stretch>
+              <a:fillRect/>
+            </a:stretch>
+          </p:blipFill>
+          <p:spPr bwMode="auto">
+            <a:xfrm>
+              <a:off x="7040374" y="3695314"/>
+              <a:ext cx="1584176" cy="1584176"/>
+            </a:xfrm>
+            <a:prstGeom prst="rect">
+              <a:avLst/>
+            </a:prstGeom>
+            <a:noFill/>
+            <a:extLst>
+              <a:ext uri="{909E8E84-426E-40DD-AFC4-6F175D3DCCD1}">
+                <a14:hiddenFill xmlns:a14="http://schemas.microsoft.com/office/drawing/2010/main">
+                  <a:solidFill>
+                    <a:srgbClr val="FFFFFF"/>
+                  </a:solidFill>
+                </a14:hiddenFill>
+              </a:ext>
+            </a:extLst>
+          </p:spPr>
+        </p:pic>
+        <p:cxnSp>
+          <p:nvCxnSpPr>
+            <p:cNvPr id="21" name="직선 화살표 연결선 20">
+              <a:extLst>
+                <a:ext uri="{FF2B5EF4-FFF2-40B4-BE49-F238E27FC236}">
+                  <a16:creationId xmlns:a16="http://schemas.microsoft.com/office/drawing/2014/main" id="{C3DA6AC4-92C9-44C3-9A0F-2C0E41E13F66}"/>
+                </a:ext>
+              </a:extLst>
+            </p:cNvPr>
+            <p:cNvCxnSpPr>
+              <a:cxnSpLocks/>
+            </p:cNvCxnSpPr>
+            <p:nvPr/>
+          </p:nvCxnSpPr>
+          <p:spPr>
+            <a:xfrm flipV="1">
+              <a:off x="7821395" y="5268632"/>
+              <a:ext cx="4044" cy="442906"/>
+            </a:xfrm>
+            <a:prstGeom prst="straightConnector1">
+              <a:avLst/>
+            </a:prstGeom>
+            <a:ln w="25400">
+              <a:tailEnd type="triangle"/>
+            </a:ln>
+          </p:spPr>
+          <p:style>
+            <a:lnRef idx="1">
+              <a:schemeClr val="accent1"/>
+            </a:lnRef>
+            <a:fillRef idx="0">
+              <a:schemeClr val="accent1"/>
+            </a:fillRef>
+            <a:effectRef idx="0">
+              <a:schemeClr val="accent1"/>
+            </a:effectRef>
+            <a:fontRef idx="minor">
+              <a:schemeClr val="tx1"/>
+            </a:fontRef>
+          </p:style>
+        </p:cxnSp>
+        <p:sp>
+          <p:nvSpPr>
+            <p:cNvPr id="22" name="직사각형 21">
+              <a:extLst>
+                <a:ext uri="{FF2B5EF4-FFF2-40B4-BE49-F238E27FC236}">
+                  <a16:creationId xmlns:a16="http://schemas.microsoft.com/office/drawing/2014/main" id="{A5BD8918-EE53-408D-90C7-DDBB260FD342}"/>
+                </a:ext>
+              </a:extLst>
+            </p:cNvPr>
+            <p:cNvSpPr/>
+            <p:nvPr/>
+          </p:nvSpPr>
+          <p:spPr>
+            <a:xfrm>
+              <a:off x="7173323" y="5718193"/>
+              <a:ext cx="1296144" cy="382092"/>
+            </a:xfrm>
+            <a:prstGeom prst="rect">
+              <a:avLst/>
+            </a:prstGeom>
+          </p:spPr>
+          <p:txBody>
+            <a:bodyPr wrap="square">
+              <a:spAutoFit/>
+            </a:bodyPr>
+            <a:lstStyle/>
+            <a:p>
+              <a:r>
+                <a:rPr lang="en-US" altLang="ko-KR" dirty="0">
+                  <a:solidFill>
+                    <a:schemeClr val="bg1">
+                      <a:lumMod val="95000"/>
+                    </a:schemeClr>
+                  </a:solidFill>
+                  <a:latin typeface="배달의민족 주아" pitchFamily="18" charset="-127"/>
+                  <a:ea typeface="배달의민족 주아" pitchFamily="18" charset="-127"/>
+                </a:rPr>
+                <a:t>4 </a:t>
+              </a:r>
+              <a:r>
+                <a:rPr lang="ko-KR" altLang="en-US" dirty="0">
+                  <a:solidFill>
+                    <a:schemeClr val="bg1">
+                      <a:lumMod val="95000"/>
+                    </a:schemeClr>
+                  </a:solidFill>
+                  <a:latin typeface="배달의민족 주아" pitchFamily="18" charset="-127"/>
+                  <a:ea typeface="배달의민족 주아" pitchFamily="18" charset="-127"/>
+                </a:rPr>
+                <a:t>번 인덱스</a:t>
+              </a:r>
+              <a:endParaRPr lang="ko-KR" altLang="en-US" dirty="0">
+                <a:solidFill>
+                  <a:schemeClr val="bg1">
+                    <a:lumMod val="95000"/>
+                  </a:schemeClr>
+                </a:solidFill>
+              </a:endParaRPr>
+            </a:p>
+          </p:txBody>
+        </p:sp>
+        <p:sp>
+          <p:nvSpPr>
+            <p:cNvPr id="23" name="직사각형 22">
+              <a:extLst>
+                <a:ext uri="{FF2B5EF4-FFF2-40B4-BE49-F238E27FC236}">
+                  <a16:creationId xmlns:a16="http://schemas.microsoft.com/office/drawing/2014/main" id="{EC241D87-DCCE-48A9-A5C4-FF12AA86F431}"/>
+                </a:ext>
+              </a:extLst>
+            </p:cNvPr>
+            <p:cNvSpPr/>
+            <p:nvPr/>
+          </p:nvSpPr>
+          <p:spPr>
+            <a:xfrm>
+              <a:off x="7565476" y="3373783"/>
+              <a:ext cx="504053" cy="382092"/>
+            </a:xfrm>
+            <a:prstGeom prst="rect">
+              <a:avLst/>
+            </a:prstGeom>
+          </p:spPr>
+          <p:txBody>
+            <a:bodyPr wrap="square">
+              <a:spAutoFit/>
+            </a:bodyPr>
+            <a:lstStyle/>
+            <a:p>
+              <a:r>
+                <a:rPr lang="en-US" altLang="ko-KR" dirty="0">
+                  <a:solidFill>
+                    <a:schemeClr val="bg1">
+                      <a:lumMod val="95000"/>
+                    </a:schemeClr>
+                  </a:solidFill>
+                  <a:latin typeface="배달의민족 주아" pitchFamily="18" charset="-127"/>
+                  <a:ea typeface="배달의민족 주아" pitchFamily="18" charset="-127"/>
+                </a:rPr>
+                <a:t>[4]</a:t>
+              </a:r>
+              <a:endParaRPr lang="ko-KR" altLang="en-US" dirty="0">
+                <a:solidFill>
+                  <a:schemeClr val="bg1">
+                    <a:lumMod val="95000"/>
+                  </a:schemeClr>
+                </a:solidFill>
+              </a:endParaRPr>
+            </a:p>
+          </p:txBody>
+        </p:sp>
+      </p:grpSp>
+      <p:sp>
+        <p:nvSpPr>
+          <p:cNvPr id="25" name="TextBox 24">
+            <a:extLst>
+              <a:ext uri="{FF2B5EF4-FFF2-40B4-BE49-F238E27FC236}">
+                <a16:creationId xmlns:a16="http://schemas.microsoft.com/office/drawing/2014/main" id="{E6A7B037-E2BC-428A-9232-CE4C2BE8746C}"/>
+              </a:ext>
+            </a:extLst>
+          </p:cNvPr>
+          <p:cNvSpPr txBox="1"/>
+          <p:nvPr/>
+        </p:nvSpPr>
+        <p:spPr>
+          <a:xfrm>
+            <a:off x="4128157" y="1332800"/>
+            <a:ext cx="3935693" cy="660502"/>
+          </a:xfrm>
+          <a:prstGeom prst="rect">
+            <a:avLst/>
+          </a:prstGeom>
+          <a:noFill/>
+        </p:spPr>
+        <p:txBody>
+          <a:bodyPr wrap="none" rtlCol="0">
+            <a:spAutoFit/>
+          </a:bodyPr>
+          <a:lstStyle/>
+          <a:p>
+            <a:pPr algn="ctr"/>
+            <a:r>
+              <a:rPr lang="ko-KR" altLang="en-US" sz="3692" dirty="0">
+                <a:solidFill>
+                  <a:schemeClr val="bg1">
+                    <a:lumMod val="95000"/>
+                  </a:schemeClr>
+                </a:solidFill>
+                <a:latin typeface="나눔바른고딕" panose="020B0603020101020101" pitchFamily="50" charset="-127"/>
+                <a:ea typeface="나눔바른고딕" panose="020B0603020101020101" pitchFamily="50" charset="-127"/>
+              </a:rPr>
+              <a:t>리스트</a:t>
+            </a:r>
+            <a:r>
+              <a:rPr lang="en-US" altLang="ko-KR" sz="3692" dirty="0">
+                <a:solidFill>
+                  <a:schemeClr val="accent6">
+                    <a:lumMod val="75000"/>
+                  </a:schemeClr>
+                </a:solidFill>
+                <a:latin typeface="나눔바른고딕" panose="020B0603020101020101" pitchFamily="50" charset="-127"/>
+                <a:ea typeface="나눔바른고딕" panose="020B0603020101020101" pitchFamily="50" charset="-127"/>
+              </a:rPr>
+              <a:t>[</a:t>
+            </a:r>
+            <a:r>
+              <a:rPr lang="ko-KR" altLang="en-US" sz="3692" dirty="0">
+                <a:solidFill>
+                  <a:schemeClr val="accent6">
+                    <a:lumMod val="75000"/>
+                  </a:schemeClr>
+                </a:solidFill>
+                <a:latin typeface="나눔바른고딕" panose="020B0603020101020101" pitchFamily="50" charset="-127"/>
+                <a:ea typeface="나눔바른고딕" panose="020B0603020101020101" pitchFamily="50" charset="-127"/>
+              </a:rPr>
+              <a:t>시작</a:t>
+            </a:r>
+            <a:r>
+              <a:rPr lang="en-US" altLang="ko-KR" sz="3692" dirty="0">
+                <a:solidFill>
+                  <a:schemeClr val="accent6">
+                    <a:lumMod val="75000"/>
+                  </a:schemeClr>
+                </a:solidFill>
+                <a:latin typeface="나눔바른고딕" panose="020B0603020101020101" pitchFamily="50" charset="-127"/>
+                <a:ea typeface="나눔바른고딕" panose="020B0603020101020101" pitchFamily="50" charset="-127"/>
+              </a:rPr>
+              <a:t>: </a:t>
+            </a:r>
+            <a:r>
+              <a:rPr lang="ko-KR" altLang="en-US" sz="3692" dirty="0">
+                <a:solidFill>
+                  <a:schemeClr val="accent6">
+                    <a:lumMod val="75000"/>
+                  </a:schemeClr>
+                </a:solidFill>
+                <a:latin typeface="나눔바른고딕" panose="020B0603020101020101" pitchFamily="50" charset="-127"/>
+                <a:ea typeface="나눔바른고딕" panose="020B0603020101020101" pitchFamily="50" charset="-127"/>
+              </a:rPr>
+              <a:t>끝</a:t>
+            </a:r>
+            <a:r>
+              <a:rPr lang="en-US" altLang="ko-KR" sz="3692" dirty="0">
+                <a:solidFill>
+                  <a:schemeClr val="accent6">
+                    <a:lumMod val="75000"/>
+                  </a:schemeClr>
+                </a:solidFill>
+                <a:latin typeface="나눔바른고딕" panose="020B0603020101020101" pitchFamily="50" charset="-127"/>
+                <a:ea typeface="나눔바른고딕" panose="020B0603020101020101" pitchFamily="50" charset="-127"/>
+              </a:rPr>
+              <a:t>+1]</a:t>
+            </a:r>
+          </a:p>
+        </p:txBody>
+      </p:sp>
     </p:spTree>
     <p:extLst>
       <p:ext uri="{BB962C8B-B14F-4D97-AF65-F5344CB8AC3E}">
-        <p14:creationId xmlns:p14="http://schemas.microsoft.com/office/powerpoint/2010/main" val="2639276599"/>
+        <p14:creationId xmlns:p14="http://schemas.microsoft.com/office/powerpoint/2010/main" val="2161052614"/>
       </p:ext>
     </p:extLst>
   </p:cSld>
   <p:clrMapOvr>
     <a:masterClrMapping/>
   </p:clrMapOvr>
-  <p:timing>
-    <p:tnLst>
-      <p:par>
-        <p:cTn id="1" dur="indefinite" restart="never" nodeType="tmRoot">
-          <p:childTnLst>
-            <p:seq concurrent="1" nextAc="seek">
-              <p:cTn id="2" dur="indefinite" nodeType="mainSeq">
-                <p:childTnLst>
-                  <p:par>
-                    <p:cTn id="3" fill="hold">
-                      <p:stCondLst>
-                        <p:cond delay="indefinite"/>
-                      </p:stCondLst>
-                      <p:childTnLst>
-                        <p:par>
-                          <p:cTn id="4" fill="hold">
-                            <p:stCondLst>
-                              <p:cond delay="0"/>
-                            </p:stCondLst>
-                            <p:childTnLst>
-                              <p:par>
-                                <p:cTn id="5" presetID="10" presetClass="entr" presetSubtype="0" fill="hold" nodeType="clickEffect">
-                                  <p:stCondLst>
-                                    <p:cond delay="0"/>
-                                  </p:stCondLst>
-                                  <p:childTnLst>
-                                    <p:set>
-                                      <p:cBhvr>
-                                        <p:cTn id="6" dur="1" fill="hold">
-                                          <p:stCondLst>
-                                            <p:cond delay="0"/>
-                                          </p:stCondLst>
-                                        </p:cTn>
-                                        <p:tgtEl>
-                                          <p:spTgt spid="3"/>
-                                        </p:tgtEl>
-                                        <p:attrNameLst>
-                                          <p:attrName>style.visibility</p:attrName>
-                                        </p:attrNameLst>
-                                      </p:cBhvr>
-                                      <p:to>
-                                        <p:strVal val="visible"/>
-                                      </p:to>
-                                    </p:set>
-                                    <p:animEffect transition="in" filter="fade">
-                                      <p:cBhvr>
-                                        <p:cTn id="7" dur="500"/>
-                                        <p:tgtEl>
-                                          <p:spTgt spid="3"/>
-                                        </p:tgtEl>
-                                      </p:cBhvr>
-                                    </p:animEffect>
-                                  </p:childTnLst>
-                                </p:cTn>
-                              </p:par>
-                            </p:childTnLst>
-                          </p:cTn>
-                        </p:par>
-                      </p:childTnLst>
-                    </p:cTn>
-                  </p:par>
-                </p:childTnLst>
-              </p:cTn>
-              <p:prevCondLst>
-                <p:cond evt="onPrev" delay="0">
-                  <p:tgtEl>
-                    <p:sldTgt/>
-                  </p:tgtEl>
-                </p:cond>
-              </p:prevCondLst>
-              <p:nextCondLst>
-                <p:cond evt="onNext" delay="0">
-                  <p:tgtEl>
-                    <p:sldTgt/>
-                  </p:tgtEl>
-                </p:cond>
-              </p:nextCondLst>
-            </p:seq>
-          </p:childTnLst>
-        </p:cTn>
-      </p:par>
-    </p:tnLst>
-  </p:timing>
 </p:sld>
 </file>
 
 <file path=ppt/slides/slide18.xml><?xml version="1.0" encoding="utf-8"?>
+<p:sld xmlns:a="http://schemas.openxmlformats.org/drawingml/2006/main" xmlns:r="http://schemas.openxmlformats.org/officeDocument/2006/relationships" xmlns:p="http://schemas.openxmlformats.org/presentationml/2006/main">
+  <p:cSld>
+    <p:bg>
+      <p:bgPr>
+        <a:solidFill>
+          <a:schemeClr val="tx1">
+            <a:lumMod val="85000"/>
+            <a:lumOff val="15000"/>
+          </a:schemeClr>
+        </a:solidFill>
+        <a:effectLst/>
+      </p:bgPr>
+    </p:bg>
+    <p:spTree>
+      <p:nvGrpSpPr>
+        <p:cNvPr id="1" name=""/>
+        <p:cNvGrpSpPr/>
+        <p:nvPr/>
+      </p:nvGrpSpPr>
+      <p:grpSpPr>
+        <a:xfrm>
+          <a:off x="0" y="0"/>
+          <a:ext cx="0" cy="0"/>
+          <a:chOff x="0" y="0"/>
+          <a:chExt cx="0" cy="0"/>
+        </a:xfrm>
+      </p:grpSpPr>
+      <p:sp>
+        <p:nvSpPr>
+          <p:cNvPr id="2" name="TextBox 1">
+            <a:extLst>
+              <a:ext uri="{FF2B5EF4-FFF2-40B4-BE49-F238E27FC236}">
+                <a16:creationId xmlns:a16="http://schemas.microsoft.com/office/drawing/2014/main" id="{0B332A50-CC0E-4C7E-B47E-E7CFBA7B423B}"/>
+              </a:ext>
+            </a:extLst>
+          </p:cNvPr>
+          <p:cNvSpPr txBox="1"/>
+          <p:nvPr/>
+        </p:nvSpPr>
+        <p:spPr>
+          <a:xfrm>
+            <a:off x="4896795" y="3098749"/>
+            <a:ext cx="2398413" cy="660502"/>
+          </a:xfrm>
+          <a:prstGeom prst="rect">
+            <a:avLst/>
+          </a:prstGeom>
+          <a:noFill/>
+        </p:spPr>
+        <p:txBody>
+          <a:bodyPr wrap="none" rtlCol="0">
+            <a:spAutoFit/>
+          </a:bodyPr>
+          <a:lstStyle/>
+          <a:p>
+            <a:pPr algn="ctr"/>
+            <a:r>
+              <a:rPr lang="ko-KR" altLang="en-US" sz="3692" dirty="0">
+                <a:solidFill>
+                  <a:schemeClr val="bg1">
+                    <a:lumMod val="95000"/>
+                  </a:schemeClr>
+                </a:solidFill>
+                <a:latin typeface="나눔바른고딕" panose="020B0603020101020101" pitchFamily="50" charset="-127"/>
+                <a:ea typeface="나눔바른고딕" panose="020B0603020101020101" pitchFamily="50" charset="-127"/>
+              </a:rPr>
+              <a:t>리스트 길이</a:t>
+            </a:r>
+            <a:endParaRPr lang="en-US" altLang="ko-KR" sz="3692" dirty="0">
+              <a:solidFill>
+                <a:schemeClr val="bg1">
+                  <a:lumMod val="95000"/>
+                </a:schemeClr>
+              </a:solidFill>
+              <a:latin typeface="나눔바른고딕" panose="020B0603020101020101" pitchFamily="50" charset="-127"/>
+              <a:ea typeface="나눔바른고딕" panose="020B0603020101020101" pitchFamily="50" charset="-127"/>
+            </a:endParaRPr>
+          </a:p>
+        </p:txBody>
+      </p:sp>
+    </p:spTree>
+    <p:extLst>
+      <p:ext uri="{BB962C8B-B14F-4D97-AF65-F5344CB8AC3E}">
+        <p14:creationId xmlns:p14="http://schemas.microsoft.com/office/powerpoint/2010/main" val="59445585"/>
+      </p:ext>
+    </p:extLst>
+  </p:cSld>
+  <p:clrMapOvr>
+    <a:masterClrMapping/>
+  </p:clrMapOvr>
+</p:sld>
+</file>
+
+<file path=ppt/slides/slide19.xml><?xml version="1.0" encoding="utf-8"?>
+<p:sld xmlns:a="http://schemas.openxmlformats.org/drawingml/2006/main" xmlns:r="http://schemas.openxmlformats.org/officeDocument/2006/relationships" xmlns:p="http://schemas.openxmlformats.org/presentationml/2006/main">
+  <p:cSld>
+    <p:bg>
+      <p:bgPr>
+        <a:solidFill>
+          <a:schemeClr val="tx1">
+            <a:lumMod val="85000"/>
+            <a:lumOff val="15000"/>
+          </a:schemeClr>
+        </a:solidFill>
+        <a:effectLst/>
+      </p:bgPr>
+    </p:bg>
+    <p:spTree>
+      <p:nvGrpSpPr>
+        <p:cNvPr id="1" name=""/>
+        <p:cNvGrpSpPr/>
+        <p:nvPr/>
+      </p:nvGrpSpPr>
+      <p:grpSpPr>
+        <a:xfrm>
+          <a:off x="0" y="0"/>
+          <a:ext cx="0" cy="0"/>
+          <a:chOff x="0" y="0"/>
+          <a:chExt cx="0" cy="0"/>
+        </a:xfrm>
+      </p:grpSpPr>
+      <p:grpSp>
+        <p:nvGrpSpPr>
+          <p:cNvPr id="24" name="그룹 23">
+            <a:extLst>
+              <a:ext uri="{FF2B5EF4-FFF2-40B4-BE49-F238E27FC236}">
+                <a16:creationId xmlns:a16="http://schemas.microsoft.com/office/drawing/2014/main" id="{FC2B0DB6-D1C0-41C3-9C03-692858BAF75A}"/>
+              </a:ext>
+            </a:extLst>
+          </p:cNvPr>
+          <p:cNvGrpSpPr/>
+          <p:nvPr/>
+        </p:nvGrpSpPr>
+        <p:grpSpPr>
+          <a:xfrm>
+            <a:off x="2063555" y="2065369"/>
+            <a:ext cx="8064891" cy="2727263"/>
+            <a:chOff x="611562" y="3373783"/>
+            <a:chExt cx="8064891" cy="2727263"/>
+          </a:xfrm>
+        </p:grpSpPr>
+        <p:pic>
+          <p:nvPicPr>
+            <p:cNvPr id="3" name="Picture 2" descr="C:\Users\Administrator\Downloads\free-icon-package-2945609.png">
+              <a:extLst>
+                <a:ext uri="{FF2B5EF4-FFF2-40B4-BE49-F238E27FC236}">
+                  <a16:creationId xmlns:a16="http://schemas.microsoft.com/office/drawing/2014/main" id="{EEAD3685-F28B-42F9-B11D-C1355219056D}"/>
+                </a:ext>
+              </a:extLst>
+            </p:cNvPr>
+            <p:cNvPicPr>
+              <a:picLocks noChangeAspect="1" noChangeArrowheads="1"/>
+            </p:cNvPicPr>
+            <p:nvPr/>
+          </p:nvPicPr>
+          <p:blipFill>
+            <a:blip r:embed="rId2" cstate="print">
+              <a:extLst>
+                <a:ext uri="{28A0092B-C50C-407E-A947-70E740481C1C}">
+                  <a14:useLocalDpi xmlns:a14="http://schemas.microsoft.com/office/drawing/2010/main" val="0"/>
+                </a:ext>
+              </a:extLst>
+            </a:blip>
+            <a:srcRect/>
+            <a:stretch>
+              <a:fillRect/>
+            </a:stretch>
+          </p:blipFill>
+          <p:spPr bwMode="auto">
+            <a:xfrm>
+              <a:off x="2233038" y="3695314"/>
+              <a:ext cx="1584176" cy="1584176"/>
+            </a:xfrm>
+            <a:prstGeom prst="rect">
+              <a:avLst/>
+            </a:prstGeom>
+            <a:noFill/>
+            <a:extLst>
+              <a:ext uri="{909E8E84-426E-40DD-AFC4-6F175D3DCCD1}">
+                <a14:hiddenFill xmlns:a14="http://schemas.microsoft.com/office/drawing/2010/main">
+                  <a:solidFill>
+                    <a:srgbClr val="FFFFFF"/>
+                  </a:solidFill>
+                </a14:hiddenFill>
+              </a:ext>
+            </a:extLst>
+          </p:spPr>
+        </p:pic>
+        <p:pic>
+          <p:nvPicPr>
+            <p:cNvPr id="4" name="Picture 2" descr="C:\Users\Administrator\Downloads\free-icon-package-2945609.png">
+              <a:extLst>
+                <a:ext uri="{FF2B5EF4-FFF2-40B4-BE49-F238E27FC236}">
+                  <a16:creationId xmlns:a16="http://schemas.microsoft.com/office/drawing/2014/main" id="{1F43F71D-2A10-4676-BB4A-69AA2C76F818}"/>
+                </a:ext>
+              </a:extLst>
+            </p:cNvPr>
+            <p:cNvPicPr>
+              <a:picLocks noChangeAspect="1" noChangeArrowheads="1"/>
+            </p:cNvPicPr>
+            <p:nvPr/>
+          </p:nvPicPr>
+          <p:blipFill>
+            <a:blip r:embed="rId2" cstate="print">
+              <a:extLst>
+                <a:ext uri="{28A0092B-C50C-407E-A947-70E740481C1C}">
+                  <a14:useLocalDpi xmlns:a14="http://schemas.microsoft.com/office/drawing/2010/main" val="0"/>
+                </a:ext>
+              </a:extLst>
+            </a:blip>
+            <a:srcRect/>
+            <a:stretch>
+              <a:fillRect/>
+            </a:stretch>
+          </p:blipFill>
+          <p:spPr bwMode="auto">
+            <a:xfrm>
+              <a:off x="3851920" y="3695314"/>
+              <a:ext cx="1584176" cy="1584176"/>
+            </a:xfrm>
+            <a:prstGeom prst="rect">
+              <a:avLst/>
+            </a:prstGeom>
+            <a:noFill/>
+            <a:extLst>
+              <a:ext uri="{909E8E84-426E-40DD-AFC4-6F175D3DCCD1}">
+                <a14:hiddenFill xmlns:a14="http://schemas.microsoft.com/office/drawing/2010/main">
+                  <a:solidFill>
+                    <a:srgbClr val="FFFFFF"/>
+                  </a:solidFill>
+                </a14:hiddenFill>
+              </a:ext>
+            </a:extLst>
+          </p:spPr>
+        </p:pic>
+        <p:pic>
+          <p:nvPicPr>
+            <p:cNvPr id="5" name="Picture 2" descr="C:\Users\Administrator\Downloads\free-icon-package-2945609.png">
+              <a:extLst>
+                <a:ext uri="{FF2B5EF4-FFF2-40B4-BE49-F238E27FC236}">
+                  <a16:creationId xmlns:a16="http://schemas.microsoft.com/office/drawing/2014/main" id="{1CE19928-A269-4895-852C-2225D1F58FD2}"/>
+                </a:ext>
+              </a:extLst>
+            </p:cNvPr>
+            <p:cNvPicPr>
+              <a:picLocks noChangeAspect="1" noChangeArrowheads="1"/>
+            </p:cNvPicPr>
+            <p:nvPr/>
+          </p:nvPicPr>
+          <p:blipFill>
+            <a:blip r:embed="rId2" cstate="print">
+              <a:extLst>
+                <a:ext uri="{28A0092B-C50C-407E-A947-70E740481C1C}">
+                  <a14:useLocalDpi xmlns:a14="http://schemas.microsoft.com/office/drawing/2010/main" val="0"/>
+                </a:ext>
+              </a:extLst>
+            </a:blip>
+            <a:srcRect/>
+            <a:stretch>
+              <a:fillRect/>
+            </a:stretch>
+          </p:blipFill>
+          <p:spPr bwMode="auto">
+            <a:xfrm>
+              <a:off x="5436096" y="3695314"/>
+              <a:ext cx="1584176" cy="1584176"/>
+            </a:xfrm>
+            <a:prstGeom prst="rect">
+              <a:avLst/>
+            </a:prstGeom>
+            <a:noFill/>
+            <a:extLst>
+              <a:ext uri="{909E8E84-426E-40DD-AFC4-6F175D3DCCD1}">
+                <a14:hiddenFill xmlns:a14="http://schemas.microsoft.com/office/drawing/2010/main">
+                  <a:solidFill>
+                    <a:srgbClr val="FFFFFF"/>
+                  </a:solidFill>
+                </a14:hiddenFill>
+              </a:ext>
+            </a:extLst>
+          </p:spPr>
+        </p:pic>
+        <p:sp>
+          <p:nvSpPr>
+            <p:cNvPr id="6" name="사각형: 둥근 모서리 5">
+              <a:extLst>
+                <a:ext uri="{FF2B5EF4-FFF2-40B4-BE49-F238E27FC236}">
+                  <a16:creationId xmlns:a16="http://schemas.microsoft.com/office/drawing/2014/main" id="{3939F8D1-F5D0-4100-939E-EAABB46F454E}"/>
+                </a:ext>
+              </a:extLst>
+            </p:cNvPr>
+            <p:cNvSpPr/>
+            <p:nvPr/>
+          </p:nvSpPr>
+          <p:spPr>
+            <a:xfrm>
+              <a:off x="611562" y="3429000"/>
+              <a:ext cx="8064891" cy="2016224"/>
+            </a:xfrm>
+            <a:prstGeom prst="roundRect">
+              <a:avLst/>
+            </a:prstGeom>
+            <a:noFill/>
+          </p:spPr>
+          <p:style>
+            <a:lnRef idx="2">
+              <a:schemeClr val="accent1">
+                <a:shade val="50000"/>
+              </a:schemeClr>
+            </a:lnRef>
+            <a:fillRef idx="1">
+              <a:schemeClr val="accent1"/>
+            </a:fillRef>
+            <a:effectRef idx="0">
+              <a:schemeClr val="accent1"/>
+            </a:effectRef>
+            <a:fontRef idx="minor">
+              <a:schemeClr val="lt1"/>
+            </a:fontRef>
+          </p:style>
+          <p:txBody>
+            <a:bodyPr rtlCol="0" anchor="ctr"/>
+            <a:lstStyle/>
+            <a:p>
+              <a:pPr algn="ctr"/>
+              <a:endParaRPr lang="ko-KR" altLang="en-US">
+                <a:solidFill>
+                  <a:schemeClr val="bg1">
+                    <a:lumMod val="95000"/>
+                  </a:schemeClr>
+                </a:solidFill>
+              </a:endParaRPr>
+            </a:p>
+          </p:txBody>
+        </p:sp>
+        <p:cxnSp>
+          <p:nvCxnSpPr>
+            <p:cNvPr id="7" name="직선 화살표 연결선 6">
+              <a:extLst>
+                <a:ext uri="{FF2B5EF4-FFF2-40B4-BE49-F238E27FC236}">
+                  <a16:creationId xmlns:a16="http://schemas.microsoft.com/office/drawing/2014/main" id="{B20735AB-A58E-4E35-8904-1D08697BB20D}"/>
+                </a:ext>
+              </a:extLst>
+            </p:cNvPr>
+            <p:cNvCxnSpPr>
+              <a:cxnSpLocks/>
+            </p:cNvCxnSpPr>
+            <p:nvPr/>
+          </p:nvCxnSpPr>
+          <p:spPr>
+            <a:xfrm flipV="1">
+              <a:off x="3018232" y="5262340"/>
+              <a:ext cx="0" cy="449198"/>
+            </a:xfrm>
+            <a:prstGeom prst="straightConnector1">
+              <a:avLst/>
+            </a:prstGeom>
+            <a:ln w="25400">
+              <a:tailEnd type="triangle"/>
+            </a:ln>
+          </p:spPr>
+          <p:style>
+            <a:lnRef idx="1">
+              <a:schemeClr val="accent1"/>
+            </a:lnRef>
+            <a:fillRef idx="0">
+              <a:schemeClr val="accent1"/>
+            </a:fillRef>
+            <a:effectRef idx="0">
+              <a:schemeClr val="accent1"/>
+            </a:effectRef>
+            <a:fontRef idx="minor">
+              <a:schemeClr val="tx1"/>
+            </a:fontRef>
+          </p:style>
+        </p:cxnSp>
+        <p:sp>
+          <p:nvSpPr>
+            <p:cNvPr id="8" name="직사각형 7">
+              <a:extLst>
+                <a:ext uri="{FF2B5EF4-FFF2-40B4-BE49-F238E27FC236}">
+                  <a16:creationId xmlns:a16="http://schemas.microsoft.com/office/drawing/2014/main" id="{390785CF-7AF7-43EB-8E9F-6BBBA55CEF6F}"/>
+                </a:ext>
+              </a:extLst>
+            </p:cNvPr>
+            <p:cNvSpPr/>
+            <p:nvPr/>
+          </p:nvSpPr>
+          <p:spPr>
+            <a:xfrm>
+              <a:off x="2377054" y="5718193"/>
+              <a:ext cx="1296144" cy="382092"/>
+            </a:xfrm>
+            <a:prstGeom prst="rect">
+              <a:avLst/>
+            </a:prstGeom>
+          </p:spPr>
+          <p:txBody>
+            <a:bodyPr wrap="square">
+              <a:spAutoFit/>
+            </a:bodyPr>
+            <a:lstStyle/>
+            <a:p>
+              <a:r>
+                <a:rPr lang="en-US" altLang="ko-KR" dirty="0">
+                  <a:solidFill>
+                    <a:schemeClr val="bg1">
+                      <a:lumMod val="95000"/>
+                    </a:schemeClr>
+                  </a:solidFill>
+                  <a:latin typeface="배달의민족 주아" pitchFamily="18" charset="-127"/>
+                  <a:ea typeface="배달의민족 주아" pitchFamily="18" charset="-127"/>
+                </a:rPr>
+                <a:t>1 </a:t>
+              </a:r>
+              <a:r>
+                <a:rPr lang="ko-KR" altLang="en-US" dirty="0">
+                  <a:solidFill>
+                    <a:schemeClr val="bg1">
+                      <a:lumMod val="95000"/>
+                    </a:schemeClr>
+                  </a:solidFill>
+                  <a:latin typeface="배달의민족 주아" pitchFamily="18" charset="-127"/>
+                  <a:ea typeface="배달의민족 주아" pitchFamily="18" charset="-127"/>
+                </a:rPr>
+                <a:t>번 인덱스</a:t>
+              </a:r>
+              <a:endParaRPr lang="ko-KR" altLang="en-US" dirty="0">
+                <a:solidFill>
+                  <a:schemeClr val="bg1">
+                    <a:lumMod val="95000"/>
+                  </a:schemeClr>
+                </a:solidFill>
+              </a:endParaRPr>
+            </a:p>
+          </p:txBody>
+        </p:sp>
+        <p:cxnSp>
+          <p:nvCxnSpPr>
+            <p:cNvPr id="9" name="직선 화살표 연결선 8">
+              <a:extLst>
+                <a:ext uri="{FF2B5EF4-FFF2-40B4-BE49-F238E27FC236}">
+                  <a16:creationId xmlns:a16="http://schemas.microsoft.com/office/drawing/2014/main" id="{13516059-966F-4BA5-80CC-031BD7EFDBB1}"/>
+                </a:ext>
+              </a:extLst>
+            </p:cNvPr>
+            <p:cNvCxnSpPr>
+              <a:cxnSpLocks/>
+            </p:cNvCxnSpPr>
+            <p:nvPr/>
+          </p:nvCxnSpPr>
+          <p:spPr>
+            <a:xfrm flipH="1" flipV="1">
+              <a:off x="4632941" y="5270916"/>
+              <a:ext cx="7378" cy="432046"/>
+            </a:xfrm>
+            <a:prstGeom prst="straightConnector1">
+              <a:avLst/>
+            </a:prstGeom>
+            <a:ln w="25400">
+              <a:tailEnd type="triangle"/>
+            </a:ln>
+          </p:spPr>
+          <p:style>
+            <a:lnRef idx="1">
+              <a:schemeClr val="accent1"/>
+            </a:lnRef>
+            <a:fillRef idx="0">
+              <a:schemeClr val="accent1"/>
+            </a:fillRef>
+            <a:effectRef idx="0">
+              <a:schemeClr val="accent1"/>
+            </a:effectRef>
+            <a:fontRef idx="minor">
+              <a:schemeClr val="tx1"/>
+            </a:fontRef>
+          </p:style>
+        </p:cxnSp>
+        <p:sp>
+          <p:nvSpPr>
+            <p:cNvPr id="10" name="직사각형 9">
+              <a:extLst>
+                <a:ext uri="{FF2B5EF4-FFF2-40B4-BE49-F238E27FC236}">
+                  <a16:creationId xmlns:a16="http://schemas.microsoft.com/office/drawing/2014/main" id="{5180C3F4-7DD8-4500-A577-5808D83FD523}"/>
+                </a:ext>
+              </a:extLst>
+            </p:cNvPr>
+            <p:cNvSpPr/>
+            <p:nvPr/>
+          </p:nvSpPr>
+          <p:spPr>
+            <a:xfrm>
+              <a:off x="3984869" y="5718954"/>
+              <a:ext cx="1296144" cy="382092"/>
+            </a:xfrm>
+            <a:prstGeom prst="rect">
+              <a:avLst/>
+            </a:prstGeom>
+          </p:spPr>
+          <p:txBody>
+            <a:bodyPr wrap="square">
+              <a:spAutoFit/>
+            </a:bodyPr>
+            <a:lstStyle/>
+            <a:p>
+              <a:r>
+                <a:rPr lang="en-US" altLang="ko-KR" dirty="0">
+                  <a:solidFill>
+                    <a:schemeClr val="bg1">
+                      <a:lumMod val="95000"/>
+                    </a:schemeClr>
+                  </a:solidFill>
+                  <a:latin typeface="배달의민족 주아" pitchFamily="18" charset="-127"/>
+                  <a:ea typeface="배달의민족 주아" pitchFamily="18" charset="-127"/>
+                </a:rPr>
+                <a:t>2 </a:t>
+              </a:r>
+              <a:r>
+                <a:rPr lang="ko-KR" altLang="en-US" dirty="0">
+                  <a:solidFill>
+                    <a:schemeClr val="bg1">
+                      <a:lumMod val="95000"/>
+                    </a:schemeClr>
+                  </a:solidFill>
+                  <a:latin typeface="배달의민족 주아" pitchFamily="18" charset="-127"/>
+                  <a:ea typeface="배달의민족 주아" pitchFamily="18" charset="-127"/>
+                </a:rPr>
+                <a:t>번 인덱스</a:t>
+              </a:r>
+              <a:endParaRPr lang="ko-KR" altLang="en-US" dirty="0">
+                <a:solidFill>
+                  <a:schemeClr val="bg1">
+                    <a:lumMod val="95000"/>
+                  </a:schemeClr>
+                </a:solidFill>
+              </a:endParaRPr>
+            </a:p>
+          </p:txBody>
+        </p:sp>
+        <p:cxnSp>
+          <p:nvCxnSpPr>
+            <p:cNvPr id="11" name="직선 화살표 연결선 10">
+              <a:extLst>
+                <a:ext uri="{FF2B5EF4-FFF2-40B4-BE49-F238E27FC236}">
+                  <a16:creationId xmlns:a16="http://schemas.microsoft.com/office/drawing/2014/main" id="{EB1C8DDD-AE77-4B0D-9B02-A583321137EE}"/>
+                </a:ext>
+              </a:extLst>
+            </p:cNvPr>
+            <p:cNvCxnSpPr>
+              <a:cxnSpLocks/>
+            </p:cNvCxnSpPr>
+            <p:nvPr/>
+          </p:nvCxnSpPr>
+          <p:spPr>
+            <a:xfrm flipV="1">
+              <a:off x="6217117" y="5268632"/>
+              <a:ext cx="4044" cy="442906"/>
+            </a:xfrm>
+            <a:prstGeom prst="straightConnector1">
+              <a:avLst/>
+            </a:prstGeom>
+            <a:ln w="25400">
+              <a:tailEnd type="triangle"/>
+            </a:ln>
+          </p:spPr>
+          <p:style>
+            <a:lnRef idx="1">
+              <a:schemeClr val="accent1"/>
+            </a:lnRef>
+            <a:fillRef idx="0">
+              <a:schemeClr val="accent1"/>
+            </a:fillRef>
+            <a:effectRef idx="0">
+              <a:schemeClr val="accent1"/>
+            </a:effectRef>
+            <a:fontRef idx="minor">
+              <a:schemeClr val="tx1"/>
+            </a:fontRef>
+          </p:style>
+        </p:cxnSp>
+        <p:sp>
+          <p:nvSpPr>
+            <p:cNvPr id="12" name="직사각형 11">
+              <a:extLst>
+                <a:ext uri="{FF2B5EF4-FFF2-40B4-BE49-F238E27FC236}">
+                  <a16:creationId xmlns:a16="http://schemas.microsoft.com/office/drawing/2014/main" id="{AB8E59C1-DCD7-4078-B6A8-FD52DB41F3F9}"/>
+                </a:ext>
+              </a:extLst>
+            </p:cNvPr>
+            <p:cNvSpPr/>
+            <p:nvPr/>
+          </p:nvSpPr>
+          <p:spPr>
+            <a:xfrm>
+              <a:off x="5569045" y="5718193"/>
+              <a:ext cx="1296144" cy="382092"/>
+            </a:xfrm>
+            <a:prstGeom prst="rect">
+              <a:avLst/>
+            </a:prstGeom>
+          </p:spPr>
+          <p:txBody>
+            <a:bodyPr wrap="square">
+              <a:spAutoFit/>
+            </a:bodyPr>
+            <a:lstStyle/>
+            <a:p>
+              <a:r>
+                <a:rPr lang="en-US" altLang="ko-KR" dirty="0">
+                  <a:solidFill>
+                    <a:schemeClr val="bg1">
+                      <a:lumMod val="95000"/>
+                    </a:schemeClr>
+                  </a:solidFill>
+                  <a:latin typeface="배달의민족 주아" pitchFamily="18" charset="-127"/>
+                  <a:ea typeface="배달의민족 주아" pitchFamily="18" charset="-127"/>
+                </a:rPr>
+                <a:t>3 </a:t>
+              </a:r>
+              <a:r>
+                <a:rPr lang="ko-KR" altLang="en-US" dirty="0">
+                  <a:solidFill>
+                    <a:schemeClr val="bg1">
+                      <a:lumMod val="95000"/>
+                    </a:schemeClr>
+                  </a:solidFill>
+                  <a:latin typeface="배달의민족 주아" pitchFamily="18" charset="-127"/>
+                  <a:ea typeface="배달의민족 주아" pitchFamily="18" charset="-127"/>
+                </a:rPr>
+                <a:t>번 인덱스</a:t>
+              </a:r>
+              <a:endParaRPr lang="ko-KR" altLang="en-US" dirty="0">
+                <a:solidFill>
+                  <a:schemeClr val="bg1">
+                    <a:lumMod val="95000"/>
+                  </a:schemeClr>
+                </a:solidFill>
+              </a:endParaRPr>
+            </a:p>
+          </p:txBody>
+        </p:sp>
+        <p:sp>
+          <p:nvSpPr>
+            <p:cNvPr id="13" name="직사각형 12">
+              <a:extLst>
+                <a:ext uri="{FF2B5EF4-FFF2-40B4-BE49-F238E27FC236}">
+                  <a16:creationId xmlns:a16="http://schemas.microsoft.com/office/drawing/2014/main" id="{D97DBA1A-DA2F-4B19-84E3-CB6C3984D332}"/>
+                </a:ext>
+              </a:extLst>
+            </p:cNvPr>
+            <p:cNvSpPr/>
+            <p:nvPr/>
+          </p:nvSpPr>
+          <p:spPr>
+            <a:xfrm>
+              <a:off x="2771800" y="3373783"/>
+              <a:ext cx="504053" cy="382092"/>
+            </a:xfrm>
+            <a:prstGeom prst="rect">
+              <a:avLst/>
+            </a:prstGeom>
+          </p:spPr>
+          <p:txBody>
+            <a:bodyPr wrap="square">
+              <a:spAutoFit/>
+            </a:bodyPr>
+            <a:lstStyle/>
+            <a:p>
+              <a:r>
+                <a:rPr lang="en-US" altLang="ko-KR" dirty="0">
+                  <a:solidFill>
+                    <a:schemeClr val="bg1">
+                      <a:lumMod val="95000"/>
+                    </a:schemeClr>
+                  </a:solidFill>
+                  <a:latin typeface="배달의민족 주아" pitchFamily="18" charset="-127"/>
+                  <a:ea typeface="배달의민족 주아" pitchFamily="18" charset="-127"/>
+                </a:rPr>
+                <a:t>[1]</a:t>
+              </a:r>
+              <a:endParaRPr lang="ko-KR" altLang="en-US" dirty="0">
+                <a:solidFill>
+                  <a:schemeClr val="bg1">
+                    <a:lumMod val="95000"/>
+                  </a:schemeClr>
+                </a:solidFill>
+              </a:endParaRPr>
+            </a:p>
+          </p:txBody>
+        </p:sp>
+        <p:sp>
+          <p:nvSpPr>
+            <p:cNvPr id="14" name="직사각형 13">
+              <a:extLst>
+                <a:ext uri="{FF2B5EF4-FFF2-40B4-BE49-F238E27FC236}">
+                  <a16:creationId xmlns:a16="http://schemas.microsoft.com/office/drawing/2014/main" id="{D66348B3-7F2B-4DE6-9A1E-47164C1E4B42}"/>
+                </a:ext>
+              </a:extLst>
+            </p:cNvPr>
+            <p:cNvSpPr/>
+            <p:nvPr/>
+          </p:nvSpPr>
+          <p:spPr>
+            <a:xfrm>
+              <a:off x="4355976" y="3373783"/>
+              <a:ext cx="504053" cy="382092"/>
+            </a:xfrm>
+            <a:prstGeom prst="rect">
+              <a:avLst/>
+            </a:prstGeom>
+          </p:spPr>
+          <p:txBody>
+            <a:bodyPr wrap="square">
+              <a:spAutoFit/>
+            </a:bodyPr>
+            <a:lstStyle/>
+            <a:p>
+              <a:r>
+                <a:rPr lang="en-US" altLang="ko-KR" dirty="0">
+                  <a:solidFill>
+                    <a:schemeClr val="bg1">
+                      <a:lumMod val="95000"/>
+                    </a:schemeClr>
+                  </a:solidFill>
+                  <a:latin typeface="배달의민족 주아" pitchFamily="18" charset="-127"/>
+                  <a:ea typeface="배달의민족 주아" pitchFamily="18" charset="-127"/>
+                </a:rPr>
+                <a:t>[2]</a:t>
+              </a:r>
+              <a:endParaRPr lang="ko-KR" altLang="en-US" dirty="0">
+                <a:solidFill>
+                  <a:schemeClr val="bg1">
+                    <a:lumMod val="95000"/>
+                  </a:schemeClr>
+                </a:solidFill>
+              </a:endParaRPr>
+            </a:p>
+          </p:txBody>
+        </p:sp>
+        <p:sp>
+          <p:nvSpPr>
+            <p:cNvPr id="15" name="직사각형 14">
+              <a:extLst>
+                <a:ext uri="{FF2B5EF4-FFF2-40B4-BE49-F238E27FC236}">
+                  <a16:creationId xmlns:a16="http://schemas.microsoft.com/office/drawing/2014/main" id="{58EF4E8F-7C80-40C8-AEA9-1F8919CC315A}"/>
+                </a:ext>
+              </a:extLst>
+            </p:cNvPr>
+            <p:cNvSpPr/>
+            <p:nvPr/>
+          </p:nvSpPr>
+          <p:spPr>
+            <a:xfrm>
+              <a:off x="5961198" y="3373783"/>
+              <a:ext cx="504053" cy="382092"/>
+            </a:xfrm>
+            <a:prstGeom prst="rect">
+              <a:avLst/>
+            </a:prstGeom>
+          </p:spPr>
+          <p:txBody>
+            <a:bodyPr wrap="square">
+              <a:spAutoFit/>
+            </a:bodyPr>
+            <a:lstStyle/>
+            <a:p>
+              <a:r>
+                <a:rPr lang="en-US" altLang="ko-KR" dirty="0">
+                  <a:solidFill>
+                    <a:schemeClr val="bg1">
+                      <a:lumMod val="95000"/>
+                    </a:schemeClr>
+                  </a:solidFill>
+                  <a:latin typeface="배달의민족 주아" pitchFamily="18" charset="-127"/>
+                  <a:ea typeface="배달의민족 주아" pitchFamily="18" charset="-127"/>
+                </a:rPr>
+                <a:t>[3]</a:t>
+              </a:r>
+              <a:endParaRPr lang="ko-KR" altLang="en-US" dirty="0">
+                <a:solidFill>
+                  <a:schemeClr val="bg1">
+                    <a:lumMod val="95000"/>
+                  </a:schemeClr>
+                </a:solidFill>
+              </a:endParaRPr>
+            </a:p>
+          </p:txBody>
+        </p:sp>
+        <p:pic>
+          <p:nvPicPr>
+            <p:cNvPr id="16" name="Picture 2" descr="C:\Users\Administrator\Downloads\free-icon-package-2945609.png">
+              <a:extLst>
+                <a:ext uri="{FF2B5EF4-FFF2-40B4-BE49-F238E27FC236}">
+                  <a16:creationId xmlns:a16="http://schemas.microsoft.com/office/drawing/2014/main" id="{591DC6C5-371B-42EA-8D7D-5D0D5F0E5222}"/>
+                </a:ext>
+              </a:extLst>
+            </p:cNvPr>
+            <p:cNvPicPr>
+              <a:picLocks noChangeAspect="1" noChangeArrowheads="1"/>
+            </p:cNvPicPr>
+            <p:nvPr/>
+          </p:nvPicPr>
+          <p:blipFill>
+            <a:blip r:embed="rId2" cstate="print">
+              <a:extLst>
+                <a:ext uri="{28A0092B-C50C-407E-A947-70E740481C1C}">
+                  <a14:useLocalDpi xmlns:a14="http://schemas.microsoft.com/office/drawing/2010/main" val="0"/>
+                </a:ext>
+              </a:extLst>
+            </a:blip>
+            <a:srcRect/>
+            <a:stretch>
+              <a:fillRect/>
+            </a:stretch>
+          </p:blipFill>
+          <p:spPr bwMode="auto">
+            <a:xfrm>
+              <a:off x="683568" y="3695314"/>
+              <a:ext cx="1584176" cy="1584176"/>
+            </a:xfrm>
+            <a:prstGeom prst="rect">
+              <a:avLst/>
+            </a:prstGeom>
+            <a:noFill/>
+            <a:extLst>
+              <a:ext uri="{909E8E84-426E-40DD-AFC4-6F175D3DCCD1}">
+                <a14:hiddenFill xmlns:a14="http://schemas.microsoft.com/office/drawing/2010/main">
+                  <a:solidFill>
+                    <a:srgbClr val="FFFFFF"/>
+                  </a:solidFill>
+                </a14:hiddenFill>
+              </a:ext>
+            </a:extLst>
+          </p:spPr>
+        </p:pic>
+        <p:cxnSp>
+          <p:nvCxnSpPr>
+            <p:cNvPr id="17" name="직선 화살표 연결선 16">
+              <a:extLst>
+                <a:ext uri="{FF2B5EF4-FFF2-40B4-BE49-F238E27FC236}">
+                  <a16:creationId xmlns:a16="http://schemas.microsoft.com/office/drawing/2014/main" id="{5093B2AA-CDDF-4043-A976-8A5982B05BBC}"/>
+                </a:ext>
+              </a:extLst>
+            </p:cNvPr>
+            <p:cNvCxnSpPr>
+              <a:cxnSpLocks/>
+            </p:cNvCxnSpPr>
+            <p:nvPr/>
+          </p:nvCxnSpPr>
+          <p:spPr>
+            <a:xfrm flipV="1">
+              <a:off x="1468762" y="5262340"/>
+              <a:ext cx="0" cy="449198"/>
+            </a:xfrm>
+            <a:prstGeom prst="straightConnector1">
+              <a:avLst/>
+            </a:prstGeom>
+            <a:ln w="25400">
+              <a:tailEnd type="triangle"/>
+            </a:ln>
+          </p:spPr>
+          <p:style>
+            <a:lnRef idx="1">
+              <a:schemeClr val="accent1"/>
+            </a:lnRef>
+            <a:fillRef idx="0">
+              <a:schemeClr val="accent1"/>
+            </a:fillRef>
+            <a:effectRef idx="0">
+              <a:schemeClr val="accent1"/>
+            </a:effectRef>
+            <a:fontRef idx="minor">
+              <a:schemeClr val="tx1"/>
+            </a:fontRef>
+          </p:style>
+        </p:cxnSp>
+        <p:sp>
+          <p:nvSpPr>
+            <p:cNvPr id="18" name="직사각형 17">
+              <a:extLst>
+                <a:ext uri="{FF2B5EF4-FFF2-40B4-BE49-F238E27FC236}">
+                  <a16:creationId xmlns:a16="http://schemas.microsoft.com/office/drawing/2014/main" id="{40368C33-F47C-47A2-B10A-058366D5F1F7}"/>
+                </a:ext>
+              </a:extLst>
+            </p:cNvPr>
+            <p:cNvSpPr/>
+            <p:nvPr/>
+          </p:nvSpPr>
+          <p:spPr>
+            <a:xfrm>
+              <a:off x="827584" y="5718193"/>
+              <a:ext cx="1296144" cy="382092"/>
+            </a:xfrm>
+            <a:prstGeom prst="rect">
+              <a:avLst/>
+            </a:prstGeom>
+          </p:spPr>
+          <p:txBody>
+            <a:bodyPr wrap="square">
+              <a:spAutoFit/>
+            </a:bodyPr>
+            <a:lstStyle/>
+            <a:p>
+              <a:r>
+                <a:rPr lang="en-US" altLang="ko-KR" dirty="0">
+                  <a:solidFill>
+                    <a:schemeClr val="bg1">
+                      <a:lumMod val="95000"/>
+                    </a:schemeClr>
+                  </a:solidFill>
+                  <a:latin typeface="배달의민족 주아" pitchFamily="18" charset="-127"/>
+                  <a:ea typeface="배달의민족 주아" pitchFamily="18" charset="-127"/>
+                </a:rPr>
+                <a:t>0 </a:t>
+              </a:r>
+              <a:r>
+                <a:rPr lang="ko-KR" altLang="en-US" dirty="0">
+                  <a:solidFill>
+                    <a:schemeClr val="bg1">
+                      <a:lumMod val="95000"/>
+                    </a:schemeClr>
+                  </a:solidFill>
+                  <a:latin typeface="배달의민족 주아" pitchFamily="18" charset="-127"/>
+                  <a:ea typeface="배달의민족 주아" pitchFamily="18" charset="-127"/>
+                </a:rPr>
+                <a:t>번 인덱스</a:t>
+              </a:r>
+              <a:endParaRPr lang="ko-KR" altLang="en-US" dirty="0">
+                <a:solidFill>
+                  <a:schemeClr val="bg1">
+                    <a:lumMod val="95000"/>
+                  </a:schemeClr>
+                </a:solidFill>
+              </a:endParaRPr>
+            </a:p>
+          </p:txBody>
+        </p:sp>
+        <p:sp>
+          <p:nvSpPr>
+            <p:cNvPr id="19" name="직사각형 18">
+              <a:extLst>
+                <a:ext uri="{FF2B5EF4-FFF2-40B4-BE49-F238E27FC236}">
+                  <a16:creationId xmlns:a16="http://schemas.microsoft.com/office/drawing/2014/main" id="{E16602DD-4F3B-4062-B343-E20D77B38271}"/>
+                </a:ext>
+              </a:extLst>
+            </p:cNvPr>
+            <p:cNvSpPr/>
+            <p:nvPr/>
+          </p:nvSpPr>
+          <p:spPr>
+            <a:xfrm>
+              <a:off x="1222330" y="3373783"/>
+              <a:ext cx="504053" cy="382092"/>
+            </a:xfrm>
+            <a:prstGeom prst="rect">
+              <a:avLst/>
+            </a:prstGeom>
+          </p:spPr>
+          <p:txBody>
+            <a:bodyPr wrap="square">
+              <a:spAutoFit/>
+            </a:bodyPr>
+            <a:lstStyle/>
+            <a:p>
+              <a:r>
+                <a:rPr lang="en-US" altLang="ko-KR" dirty="0">
+                  <a:solidFill>
+                    <a:schemeClr val="bg1">
+                      <a:lumMod val="95000"/>
+                    </a:schemeClr>
+                  </a:solidFill>
+                  <a:latin typeface="배달의민족 주아" pitchFamily="18" charset="-127"/>
+                  <a:ea typeface="배달의민족 주아" pitchFamily="18" charset="-127"/>
+                </a:rPr>
+                <a:t>[0]</a:t>
+              </a:r>
+              <a:endParaRPr lang="ko-KR" altLang="en-US" dirty="0">
+                <a:solidFill>
+                  <a:schemeClr val="bg1">
+                    <a:lumMod val="95000"/>
+                  </a:schemeClr>
+                </a:solidFill>
+              </a:endParaRPr>
+            </a:p>
+          </p:txBody>
+        </p:sp>
+        <p:pic>
+          <p:nvPicPr>
+            <p:cNvPr id="20" name="Picture 2" descr="C:\Users\Administrator\Downloads\free-icon-package-2945609.png">
+              <a:extLst>
+                <a:ext uri="{FF2B5EF4-FFF2-40B4-BE49-F238E27FC236}">
+                  <a16:creationId xmlns:a16="http://schemas.microsoft.com/office/drawing/2014/main" id="{B06D0570-CA5D-4EDC-BA2D-B8F0A966A1BC}"/>
+                </a:ext>
+              </a:extLst>
+            </p:cNvPr>
+            <p:cNvPicPr>
+              <a:picLocks noChangeAspect="1" noChangeArrowheads="1"/>
+            </p:cNvPicPr>
+            <p:nvPr/>
+          </p:nvPicPr>
+          <p:blipFill>
+            <a:blip r:embed="rId2" cstate="print">
+              <a:extLst>
+                <a:ext uri="{28A0092B-C50C-407E-A947-70E740481C1C}">
+                  <a14:useLocalDpi xmlns:a14="http://schemas.microsoft.com/office/drawing/2010/main" val="0"/>
+                </a:ext>
+              </a:extLst>
+            </a:blip>
+            <a:srcRect/>
+            <a:stretch>
+              <a:fillRect/>
+            </a:stretch>
+          </p:blipFill>
+          <p:spPr bwMode="auto">
+            <a:xfrm>
+              <a:off x="7040374" y="3695314"/>
+              <a:ext cx="1584176" cy="1584176"/>
+            </a:xfrm>
+            <a:prstGeom prst="rect">
+              <a:avLst/>
+            </a:prstGeom>
+            <a:noFill/>
+            <a:extLst>
+              <a:ext uri="{909E8E84-426E-40DD-AFC4-6F175D3DCCD1}">
+                <a14:hiddenFill xmlns:a14="http://schemas.microsoft.com/office/drawing/2010/main">
+                  <a:solidFill>
+                    <a:srgbClr val="FFFFFF"/>
+                  </a:solidFill>
+                </a14:hiddenFill>
+              </a:ext>
+            </a:extLst>
+          </p:spPr>
+        </p:pic>
+        <p:cxnSp>
+          <p:nvCxnSpPr>
+            <p:cNvPr id="21" name="직선 화살표 연결선 20">
+              <a:extLst>
+                <a:ext uri="{FF2B5EF4-FFF2-40B4-BE49-F238E27FC236}">
+                  <a16:creationId xmlns:a16="http://schemas.microsoft.com/office/drawing/2014/main" id="{C3DA6AC4-92C9-44C3-9A0F-2C0E41E13F66}"/>
+                </a:ext>
+              </a:extLst>
+            </p:cNvPr>
+            <p:cNvCxnSpPr>
+              <a:cxnSpLocks/>
+            </p:cNvCxnSpPr>
+            <p:nvPr/>
+          </p:nvCxnSpPr>
+          <p:spPr>
+            <a:xfrm flipV="1">
+              <a:off x="7821395" y="5268632"/>
+              <a:ext cx="4044" cy="442906"/>
+            </a:xfrm>
+            <a:prstGeom prst="straightConnector1">
+              <a:avLst/>
+            </a:prstGeom>
+            <a:ln w="25400">
+              <a:tailEnd type="triangle"/>
+            </a:ln>
+          </p:spPr>
+          <p:style>
+            <a:lnRef idx="1">
+              <a:schemeClr val="accent1"/>
+            </a:lnRef>
+            <a:fillRef idx="0">
+              <a:schemeClr val="accent1"/>
+            </a:fillRef>
+            <a:effectRef idx="0">
+              <a:schemeClr val="accent1"/>
+            </a:effectRef>
+            <a:fontRef idx="minor">
+              <a:schemeClr val="tx1"/>
+            </a:fontRef>
+          </p:style>
+        </p:cxnSp>
+        <p:sp>
+          <p:nvSpPr>
+            <p:cNvPr id="22" name="직사각형 21">
+              <a:extLst>
+                <a:ext uri="{FF2B5EF4-FFF2-40B4-BE49-F238E27FC236}">
+                  <a16:creationId xmlns:a16="http://schemas.microsoft.com/office/drawing/2014/main" id="{A5BD8918-EE53-408D-90C7-DDBB260FD342}"/>
+                </a:ext>
+              </a:extLst>
+            </p:cNvPr>
+            <p:cNvSpPr/>
+            <p:nvPr/>
+          </p:nvSpPr>
+          <p:spPr>
+            <a:xfrm>
+              <a:off x="7173323" y="5718193"/>
+              <a:ext cx="1296144" cy="382092"/>
+            </a:xfrm>
+            <a:prstGeom prst="rect">
+              <a:avLst/>
+            </a:prstGeom>
+          </p:spPr>
+          <p:txBody>
+            <a:bodyPr wrap="square">
+              <a:spAutoFit/>
+            </a:bodyPr>
+            <a:lstStyle/>
+            <a:p>
+              <a:r>
+                <a:rPr lang="en-US" altLang="ko-KR" dirty="0">
+                  <a:solidFill>
+                    <a:schemeClr val="bg1">
+                      <a:lumMod val="95000"/>
+                    </a:schemeClr>
+                  </a:solidFill>
+                  <a:latin typeface="배달의민족 주아" pitchFamily="18" charset="-127"/>
+                  <a:ea typeface="배달의민족 주아" pitchFamily="18" charset="-127"/>
+                </a:rPr>
+                <a:t>4 </a:t>
+              </a:r>
+              <a:r>
+                <a:rPr lang="ko-KR" altLang="en-US" dirty="0">
+                  <a:solidFill>
+                    <a:schemeClr val="bg1">
+                      <a:lumMod val="95000"/>
+                    </a:schemeClr>
+                  </a:solidFill>
+                  <a:latin typeface="배달의민족 주아" pitchFamily="18" charset="-127"/>
+                  <a:ea typeface="배달의민족 주아" pitchFamily="18" charset="-127"/>
+                </a:rPr>
+                <a:t>번 인덱스</a:t>
+              </a:r>
+              <a:endParaRPr lang="ko-KR" altLang="en-US" dirty="0">
+                <a:solidFill>
+                  <a:schemeClr val="bg1">
+                    <a:lumMod val="95000"/>
+                  </a:schemeClr>
+                </a:solidFill>
+              </a:endParaRPr>
+            </a:p>
+          </p:txBody>
+        </p:sp>
+        <p:sp>
+          <p:nvSpPr>
+            <p:cNvPr id="23" name="직사각형 22">
+              <a:extLst>
+                <a:ext uri="{FF2B5EF4-FFF2-40B4-BE49-F238E27FC236}">
+                  <a16:creationId xmlns:a16="http://schemas.microsoft.com/office/drawing/2014/main" id="{EC241D87-DCCE-48A9-A5C4-FF12AA86F431}"/>
+                </a:ext>
+              </a:extLst>
+            </p:cNvPr>
+            <p:cNvSpPr/>
+            <p:nvPr/>
+          </p:nvSpPr>
+          <p:spPr>
+            <a:xfrm>
+              <a:off x="7565476" y="3373783"/>
+              <a:ext cx="504053" cy="382092"/>
+            </a:xfrm>
+            <a:prstGeom prst="rect">
+              <a:avLst/>
+            </a:prstGeom>
+          </p:spPr>
+          <p:txBody>
+            <a:bodyPr wrap="square">
+              <a:spAutoFit/>
+            </a:bodyPr>
+            <a:lstStyle/>
+            <a:p>
+              <a:r>
+                <a:rPr lang="en-US" altLang="ko-KR" dirty="0">
+                  <a:solidFill>
+                    <a:schemeClr val="bg1">
+                      <a:lumMod val="95000"/>
+                    </a:schemeClr>
+                  </a:solidFill>
+                  <a:latin typeface="배달의민족 주아" pitchFamily="18" charset="-127"/>
+                  <a:ea typeface="배달의민족 주아" pitchFamily="18" charset="-127"/>
+                </a:rPr>
+                <a:t>[4]</a:t>
+              </a:r>
+              <a:endParaRPr lang="ko-KR" altLang="en-US" dirty="0">
+                <a:solidFill>
+                  <a:schemeClr val="bg1">
+                    <a:lumMod val="95000"/>
+                  </a:schemeClr>
+                </a:solidFill>
+              </a:endParaRPr>
+            </a:p>
+          </p:txBody>
+        </p:sp>
+      </p:grpSp>
+      <p:sp>
+        <p:nvSpPr>
+          <p:cNvPr id="25" name="TextBox 24">
+            <a:extLst>
+              <a:ext uri="{FF2B5EF4-FFF2-40B4-BE49-F238E27FC236}">
+                <a16:creationId xmlns:a16="http://schemas.microsoft.com/office/drawing/2014/main" id="{E6A7B037-E2BC-428A-9232-CE4C2BE8746C}"/>
+              </a:ext>
+            </a:extLst>
+          </p:cNvPr>
+          <p:cNvSpPr txBox="1"/>
+          <p:nvPr/>
+        </p:nvSpPr>
+        <p:spPr>
+          <a:xfrm>
+            <a:off x="4835146" y="1332800"/>
+            <a:ext cx="2521716" cy="660502"/>
+          </a:xfrm>
+          <a:prstGeom prst="rect">
+            <a:avLst/>
+          </a:prstGeom>
+          <a:noFill/>
+        </p:spPr>
+        <p:txBody>
+          <a:bodyPr wrap="none" rtlCol="0">
+            <a:spAutoFit/>
+          </a:bodyPr>
+          <a:lstStyle/>
+          <a:p>
+            <a:pPr algn="ctr"/>
+            <a:r>
+              <a:rPr lang="en-US" altLang="ko-KR" sz="3692" dirty="0" err="1">
+                <a:solidFill>
+                  <a:schemeClr val="accent6">
+                    <a:lumMod val="75000"/>
+                  </a:schemeClr>
+                </a:solidFill>
+                <a:latin typeface="나눔바른고딕" panose="020B0603020101020101" pitchFamily="50" charset="-127"/>
+                <a:ea typeface="나눔바른고딕" panose="020B0603020101020101" pitchFamily="50" charset="-127"/>
+              </a:rPr>
+              <a:t>len</a:t>
+            </a:r>
+            <a:r>
+              <a:rPr lang="en-US" altLang="ko-KR" sz="3692" dirty="0">
+                <a:solidFill>
+                  <a:schemeClr val="bg1">
+                    <a:lumMod val="95000"/>
+                  </a:schemeClr>
+                </a:solidFill>
+                <a:latin typeface="나눔바른고딕" panose="020B0603020101020101" pitchFamily="50" charset="-127"/>
+                <a:ea typeface="나눔바른고딕" panose="020B0603020101020101" pitchFamily="50" charset="-127"/>
+              </a:rPr>
+              <a:t>(</a:t>
+            </a:r>
+            <a:r>
+              <a:rPr lang="ko-KR" altLang="en-US" sz="3692" dirty="0">
+                <a:solidFill>
+                  <a:schemeClr val="bg1">
+                    <a:lumMod val="95000"/>
+                  </a:schemeClr>
+                </a:solidFill>
+                <a:latin typeface="나눔바른고딕" panose="020B0603020101020101" pitchFamily="50" charset="-127"/>
+                <a:ea typeface="나눔바른고딕" panose="020B0603020101020101" pitchFamily="50" charset="-127"/>
+              </a:rPr>
+              <a:t>리스트</a:t>
+            </a:r>
+            <a:r>
+              <a:rPr lang="en-US" altLang="ko-KR" sz="3692" dirty="0">
+                <a:solidFill>
+                  <a:schemeClr val="bg1">
+                    <a:lumMod val="95000"/>
+                  </a:schemeClr>
+                </a:solidFill>
+                <a:latin typeface="나눔바른고딕" panose="020B0603020101020101" pitchFamily="50" charset="-127"/>
+                <a:ea typeface="나눔바른고딕" panose="020B0603020101020101" pitchFamily="50" charset="-127"/>
+              </a:rPr>
+              <a:t>)</a:t>
+            </a:r>
+          </a:p>
+        </p:txBody>
+      </p:sp>
+    </p:spTree>
+    <p:extLst>
+      <p:ext uri="{BB962C8B-B14F-4D97-AF65-F5344CB8AC3E}">
+        <p14:creationId xmlns:p14="http://schemas.microsoft.com/office/powerpoint/2010/main" val="3795189779"/>
+      </p:ext>
+    </p:extLst>
+  </p:cSld>
+  <p:clrMapOvr>
+    <a:masterClrMapping/>
+  </p:clrMapOvr>
+</p:sld>
+</file>
+
+<file path=ppt/slides/slide2.xml><?xml version="1.0" encoding="utf-8"?>
+<p:sld xmlns:a="http://schemas.openxmlformats.org/drawingml/2006/main" xmlns:r="http://schemas.openxmlformats.org/officeDocument/2006/relationships" xmlns:p="http://schemas.openxmlformats.org/presentationml/2006/main">
+  <p:cSld>
+    <p:bg>
+      <p:bgPr>
+        <a:solidFill>
+          <a:schemeClr val="tx1">
+            <a:lumMod val="85000"/>
+            <a:lumOff val="15000"/>
+          </a:schemeClr>
+        </a:solidFill>
+        <a:effectLst/>
+      </p:bgPr>
+    </p:bg>
+    <p:spTree>
+      <p:nvGrpSpPr>
+        <p:cNvPr id="1" name=""/>
+        <p:cNvGrpSpPr/>
+        <p:nvPr/>
+      </p:nvGrpSpPr>
+      <p:grpSpPr>
+        <a:xfrm>
+          <a:off x="0" y="0"/>
+          <a:ext cx="0" cy="0"/>
+          <a:chOff x="0" y="0"/>
+          <a:chExt cx="0" cy="0"/>
+        </a:xfrm>
+      </p:grpSpPr>
+      <p:sp>
+        <p:nvSpPr>
+          <p:cNvPr id="2" name="TextBox 1">
+            <a:extLst>
+              <a:ext uri="{FF2B5EF4-FFF2-40B4-BE49-F238E27FC236}">
+                <a16:creationId xmlns:a16="http://schemas.microsoft.com/office/drawing/2014/main" id="{0B332A50-CC0E-4C7E-B47E-E7CFBA7B423B}"/>
+              </a:ext>
+            </a:extLst>
+          </p:cNvPr>
+          <p:cNvSpPr txBox="1"/>
+          <p:nvPr/>
+        </p:nvSpPr>
+        <p:spPr>
+          <a:xfrm>
+            <a:off x="5371291" y="3102283"/>
+            <a:ext cx="1449436" cy="660502"/>
+          </a:xfrm>
+          <a:prstGeom prst="rect">
+            <a:avLst/>
+          </a:prstGeom>
+          <a:noFill/>
+        </p:spPr>
+        <p:txBody>
+          <a:bodyPr wrap="none" rtlCol="0">
+            <a:spAutoFit/>
+          </a:bodyPr>
+          <a:lstStyle/>
+          <a:p>
+            <a:pPr algn="ctr"/>
+            <a:r>
+              <a:rPr lang="ko-KR" altLang="en-US" sz="3692" dirty="0">
+                <a:solidFill>
+                  <a:schemeClr val="bg1">
+                    <a:lumMod val="95000"/>
+                  </a:schemeClr>
+                </a:solidFill>
+                <a:latin typeface="나눔바른고딕" panose="020B0603020101020101" pitchFamily="50" charset="-127"/>
+                <a:ea typeface="나눔바른고딕" panose="020B0603020101020101" pitchFamily="50" charset="-127"/>
+              </a:rPr>
+              <a:t>리스트</a:t>
+            </a:r>
+            <a:endParaRPr lang="en-US" altLang="ko-KR" sz="3692" dirty="0">
+              <a:solidFill>
+                <a:schemeClr val="bg1">
+                  <a:lumMod val="95000"/>
+                </a:schemeClr>
+              </a:solidFill>
+              <a:latin typeface="나눔바른고딕" panose="020B0603020101020101" pitchFamily="50" charset="-127"/>
+              <a:ea typeface="나눔바른고딕" panose="020B0603020101020101" pitchFamily="50" charset="-127"/>
+            </a:endParaRPr>
+          </a:p>
+        </p:txBody>
+      </p:sp>
+    </p:spTree>
+    <p:extLst>
+      <p:ext uri="{BB962C8B-B14F-4D97-AF65-F5344CB8AC3E}">
+        <p14:creationId xmlns:p14="http://schemas.microsoft.com/office/powerpoint/2010/main" val="420801499"/>
+      </p:ext>
+    </p:extLst>
+  </p:cSld>
+  <p:clrMapOvr>
+    <a:masterClrMapping/>
+  </p:clrMapOvr>
+</p:sld>
+</file>
+
+<file path=ppt/slides/slide20.xml><?xml version="1.0" encoding="utf-8"?>
+<p:sld xmlns:a="http://schemas.openxmlformats.org/drawingml/2006/main" xmlns:r="http://schemas.openxmlformats.org/officeDocument/2006/relationships" xmlns:p="http://schemas.openxmlformats.org/presentationml/2006/main">
+  <p:cSld>
+    <p:bg>
+      <p:bgPr>
+        <a:solidFill>
+          <a:schemeClr val="tx1">
+            <a:lumMod val="85000"/>
+            <a:lumOff val="15000"/>
+          </a:schemeClr>
+        </a:solidFill>
+        <a:effectLst/>
+      </p:bgPr>
+    </p:bg>
+    <p:spTree>
+      <p:nvGrpSpPr>
+        <p:cNvPr id="1" name=""/>
+        <p:cNvGrpSpPr/>
+        <p:nvPr/>
+      </p:nvGrpSpPr>
+      <p:grpSpPr>
+        <a:xfrm>
+          <a:off x="0" y="0"/>
+          <a:ext cx="0" cy="0"/>
+          <a:chOff x="0" y="0"/>
+          <a:chExt cx="0" cy="0"/>
+        </a:xfrm>
+      </p:grpSpPr>
+      <p:sp>
+        <p:nvSpPr>
+          <p:cNvPr id="2" name="TextBox 1">
+            <a:extLst>
+              <a:ext uri="{FF2B5EF4-FFF2-40B4-BE49-F238E27FC236}">
+                <a16:creationId xmlns:a16="http://schemas.microsoft.com/office/drawing/2014/main" id="{0B332A50-CC0E-4C7E-B47E-E7CFBA7B423B}"/>
+              </a:ext>
+            </a:extLst>
+          </p:cNvPr>
+          <p:cNvSpPr txBox="1"/>
+          <p:nvPr/>
+        </p:nvSpPr>
+        <p:spPr>
+          <a:xfrm>
+            <a:off x="4896795" y="3098749"/>
+            <a:ext cx="2398413" cy="660502"/>
+          </a:xfrm>
+          <a:prstGeom prst="rect">
+            <a:avLst/>
+          </a:prstGeom>
+          <a:noFill/>
+        </p:spPr>
+        <p:txBody>
+          <a:bodyPr wrap="none" rtlCol="0">
+            <a:spAutoFit/>
+          </a:bodyPr>
+          <a:lstStyle/>
+          <a:p>
+            <a:pPr algn="ctr"/>
+            <a:r>
+              <a:rPr lang="ko-KR" altLang="en-US" sz="3692" dirty="0">
+                <a:solidFill>
+                  <a:schemeClr val="bg1">
+                    <a:lumMod val="95000"/>
+                  </a:schemeClr>
+                </a:solidFill>
+                <a:latin typeface="나눔바른고딕" panose="020B0603020101020101" pitchFamily="50" charset="-127"/>
+                <a:ea typeface="나눔바른고딕" panose="020B0603020101020101" pitchFamily="50" charset="-127"/>
+              </a:rPr>
+              <a:t>리스트 정렬</a:t>
+            </a:r>
+            <a:endParaRPr lang="en-US" altLang="ko-KR" sz="3692" dirty="0">
+              <a:solidFill>
+                <a:schemeClr val="bg1">
+                  <a:lumMod val="95000"/>
+                </a:schemeClr>
+              </a:solidFill>
+              <a:latin typeface="나눔바른고딕" panose="020B0603020101020101" pitchFamily="50" charset="-127"/>
+              <a:ea typeface="나눔바른고딕" panose="020B0603020101020101" pitchFamily="50" charset="-127"/>
+            </a:endParaRPr>
+          </a:p>
+        </p:txBody>
+      </p:sp>
+    </p:spTree>
+    <p:extLst>
+      <p:ext uri="{BB962C8B-B14F-4D97-AF65-F5344CB8AC3E}">
+        <p14:creationId xmlns:p14="http://schemas.microsoft.com/office/powerpoint/2010/main" val="2128104208"/>
+      </p:ext>
+    </p:extLst>
+  </p:cSld>
+  <p:clrMapOvr>
+    <a:masterClrMapping/>
+  </p:clrMapOvr>
+</p:sld>
+</file>
+
+<file path=ppt/slides/slide21.xml><?xml version="1.0" encoding="utf-8"?>
+<p:sld xmlns:a="http://schemas.openxmlformats.org/drawingml/2006/main" xmlns:r="http://schemas.openxmlformats.org/officeDocument/2006/relationships" xmlns:p="http://schemas.openxmlformats.org/presentationml/2006/main">
+  <p:cSld>
+    <p:bg>
+      <p:bgPr>
+        <a:solidFill>
+          <a:schemeClr val="tx1">
+            <a:lumMod val="85000"/>
+            <a:lumOff val="15000"/>
+          </a:schemeClr>
+        </a:solidFill>
+        <a:effectLst/>
+      </p:bgPr>
+    </p:bg>
+    <p:spTree>
+      <p:nvGrpSpPr>
+        <p:cNvPr id="1" name=""/>
+        <p:cNvGrpSpPr/>
+        <p:nvPr/>
+      </p:nvGrpSpPr>
+      <p:grpSpPr>
+        <a:xfrm>
+          <a:off x="0" y="0"/>
+          <a:ext cx="0" cy="0"/>
+          <a:chOff x="0" y="0"/>
+          <a:chExt cx="0" cy="0"/>
+        </a:xfrm>
+      </p:grpSpPr>
+      <p:grpSp>
+        <p:nvGrpSpPr>
+          <p:cNvPr id="24" name="그룹 23">
+            <a:extLst>
+              <a:ext uri="{FF2B5EF4-FFF2-40B4-BE49-F238E27FC236}">
+                <a16:creationId xmlns:a16="http://schemas.microsoft.com/office/drawing/2014/main" id="{FC2B0DB6-D1C0-41C3-9C03-692858BAF75A}"/>
+              </a:ext>
+            </a:extLst>
+          </p:cNvPr>
+          <p:cNvGrpSpPr/>
+          <p:nvPr/>
+        </p:nvGrpSpPr>
+        <p:grpSpPr>
+          <a:xfrm>
+            <a:off x="2063555" y="2065369"/>
+            <a:ext cx="8064891" cy="2727263"/>
+            <a:chOff x="611562" y="3373783"/>
+            <a:chExt cx="8064891" cy="2727263"/>
+          </a:xfrm>
+        </p:grpSpPr>
+        <p:pic>
+          <p:nvPicPr>
+            <p:cNvPr id="3" name="Picture 2" descr="C:\Users\Administrator\Downloads\free-icon-package-2945609.png">
+              <a:extLst>
+                <a:ext uri="{FF2B5EF4-FFF2-40B4-BE49-F238E27FC236}">
+                  <a16:creationId xmlns:a16="http://schemas.microsoft.com/office/drawing/2014/main" id="{EEAD3685-F28B-42F9-B11D-C1355219056D}"/>
+                </a:ext>
+              </a:extLst>
+            </p:cNvPr>
+            <p:cNvPicPr>
+              <a:picLocks noChangeAspect="1" noChangeArrowheads="1"/>
+            </p:cNvPicPr>
+            <p:nvPr/>
+          </p:nvPicPr>
+          <p:blipFill>
+            <a:blip r:embed="rId2" cstate="print">
+              <a:extLst>
+                <a:ext uri="{28A0092B-C50C-407E-A947-70E740481C1C}">
+                  <a14:useLocalDpi xmlns:a14="http://schemas.microsoft.com/office/drawing/2010/main" val="0"/>
+                </a:ext>
+              </a:extLst>
+            </a:blip>
+            <a:srcRect/>
+            <a:stretch>
+              <a:fillRect/>
+            </a:stretch>
+          </p:blipFill>
+          <p:spPr bwMode="auto">
+            <a:xfrm>
+              <a:off x="2233038" y="3695314"/>
+              <a:ext cx="1584176" cy="1584176"/>
+            </a:xfrm>
+            <a:prstGeom prst="rect">
+              <a:avLst/>
+            </a:prstGeom>
+            <a:noFill/>
+            <a:extLst>
+              <a:ext uri="{909E8E84-426E-40DD-AFC4-6F175D3DCCD1}">
+                <a14:hiddenFill xmlns:a14="http://schemas.microsoft.com/office/drawing/2010/main">
+                  <a:solidFill>
+                    <a:srgbClr val="FFFFFF"/>
+                  </a:solidFill>
+                </a14:hiddenFill>
+              </a:ext>
+            </a:extLst>
+          </p:spPr>
+        </p:pic>
+        <p:pic>
+          <p:nvPicPr>
+            <p:cNvPr id="4" name="Picture 2" descr="C:\Users\Administrator\Downloads\free-icon-package-2945609.png">
+              <a:extLst>
+                <a:ext uri="{FF2B5EF4-FFF2-40B4-BE49-F238E27FC236}">
+                  <a16:creationId xmlns:a16="http://schemas.microsoft.com/office/drawing/2014/main" id="{1F43F71D-2A10-4676-BB4A-69AA2C76F818}"/>
+                </a:ext>
+              </a:extLst>
+            </p:cNvPr>
+            <p:cNvPicPr>
+              <a:picLocks noChangeAspect="1" noChangeArrowheads="1"/>
+            </p:cNvPicPr>
+            <p:nvPr/>
+          </p:nvPicPr>
+          <p:blipFill>
+            <a:blip r:embed="rId2" cstate="print">
+              <a:extLst>
+                <a:ext uri="{28A0092B-C50C-407E-A947-70E740481C1C}">
+                  <a14:useLocalDpi xmlns:a14="http://schemas.microsoft.com/office/drawing/2010/main" val="0"/>
+                </a:ext>
+              </a:extLst>
+            </a:blip>
+            <a:srcRect/>
+            <a:stretch>
+              <a:fillRect/>
+            </a:stretch>
+          </p:blipFill>
+          <p:spPr bwMode="auto">
+            <a:xfrm>
+              <a:off x="3851920" y="3695314"/>
+              <a:ext cx="1584176" cy="1584176"/>
+            </a:xfrm>
+            <a:prstGeom prst="rect">
+              <a:avLst/>
+            </a:prstGeom>
+            <a:noFill/>
+            <a:extLst>
+              <a:ext uri="{909E8E84-426E-40DD-AFC4-6F175D3DCCD1}">
+                <a14:hiddenFill xmlns:a14="http://schemas.microsoft.com/office/drawing/2010/main">
+                  <a:solidFill>
+                    <a:srgbClr val="FFFFFF"/>
+                  </a:solidFill>
+                </a14:hiddenFill>
+              </a:ext>
+            </a:extLst>
+          </p:spPr>
+        </p:pic>
+        <p:pic>
+          <p:nvPicPr>
+            <p:cNvPr id="5" name="Picture 2" descr="C:\Users\Administrator\Downloads\free-icon-package-2945609.png">
+              <a:extLst>
+                <a:ext uri="{FF2B5EF4-FFF2-40B4-BE49-F238E27FC236}">
+                  <a16:creationId xmlns:a16="http://schemas.microsoft.com/office/drawing/2014/main" id="{1CE19928-A269-4895-852C-2225D1F58FD2}"/>
+                </a:ext>
+              </a:extLst>
+            </p:cNvPr>
+            <p:cNvPicPr>
+              <a:picLocks noChangeAspect="1" noChangeArrowheads="1"/>
+            </p:cNvPicPr>
+            <p:nvPr/>
+          </p:nvPicPr>
+          <p:blipFill>
+            <a:blip r:embed="rId2" cstate="print">
+              <a:extLst>
+                <a:ext uri="{28A0092B-C50C-407E-A947-70E740481C1C}">
+                  <a14:useLocalDpi xmlns:a14="http://schemas.microsoft.com/office/drawing/2010/main" val="0"/>
+                </a:ext>
+              </a:extLst>
+            </a:blip>
+            <a:srcRect/>
+            <a:stretch>
+              <a:fillRect/>
+            </a:stretch>
+          </p:blipFill>
+          <p:spPr bwMode="auto">
+            <a:xfrm>
+              <a:off x="5436096" y="3695314"/>
+              <a:ext cx="1584176" cy="1584176"/>
+            </a:xfrm>
+            <a:prstGeom prst="rect">
+              <a:avLst/>
+            </a:prstGeom>
+            <a:noFill/>
+            <a:extLst>
+              <a:ext uri="{909E8E84-426E-40DD-AFC4-6F175D3DCCD1}">
+                <a14:hiddenFill xmlns:a14="http://schemas.microsoft.com/office/drawing/2010/main">
+                  <a:solidFill>
+                    <a:srgbClr val="FFFFFF"/>
+                  </a:solidFill>
+                </a14:hiddenFill>
+              </a:ext>
+            </a:extLst>
+          </p:spPr>
+        </p:pic>
+        <p:sp>
+          <p:nvSpPr>
+            <p:cNvPr id="6" name="사각형: 둥근 모서리 5">
+              <a:extLst>
+                <a:ext uri="{FF2B5EF4-FFF2-40B4-BE49-F238E27FC236}">
+                  <a16:creationId xmlns:a16="http://schemas.microsoft.com/office/drawing/2014/main" id="{3939F8D1-F5D0-4100-939E-EAABB46F454E}"/>
+                </a:ext>
+              </a:extLst>
+            </p:cNvPr>
+            <p:cNvSpPr/>
+            <p:nvPr/>
+          </p:nvSpPr>
+          <p:spPr>
+            <a:xfrm>
+              <a:off x="611562" y="3429000"/>
+              <a:ext cx="8064891" cy="2016224"/>
+            </a:xfrm>
+            <a:prstGeom prst="roundRect">
+              <a:avLst/>
+            </a:prstGeom>
+            <a:noFill/>
+          </p:spPr>
+          <p:style>
+            <a:lnRef idx="2">
+              <a:schemeClr val="accent1">
+                <a:shade val="50000"/>
+              </a:schemeClr>
+            </a:lnRef>
+            <a:fillRef idx="1">
+              <a:schemeClr val="accent1"/>
+            </a:fillRef>
+            <a:effectRef idx="0">
+              <a:schemeClr val="accent1"/>
+            </a:effectRef>
+            <a:fontRef idx="minor">
+              <a:schemeClr val="lt1"/>
+            </a:fontRef>
+          </p:style>
+          <p:txBody>
+            <a:bodyPr rtlCol="0" anchor="ctr"/>
+            <a:lstStyle/>
+            <a:p>
+              <a:pPr algn="ctr"/>
+              <a:endParaRPr lang="ko-KR" altLang="en-US">
+                <a:solidFill>
+                  <a:schemeClr val="bg1">
+                    <a:lumMod val="95000"/>
+                  </a:schemeClr>
+                </a:solidFill>
+              </a:endParaRPr>
+            </a:p>
+          </p:txBody>
+        </p:sp>
+        <p:cxnSp>
+          <p:nvCxnSpPr>
+            <p:cNvPr id="7" name="직선 화살표 연결선 6">
+              <a:extLst>
+                <a:ext uri="{FF2B5EF4-FFF2-40B4-BE49-F238E27FC236}">
+                  <a16:creationId xmlns:a16="http://schemas.microsoft.com/office/drawing/2014/main" id="{B20735AB-A58E-4E35-8904-1D08697BB20D}"/>
+                </a:ext>
+              </a:extLst>
+            </p:cNvPr>
+            <p:cNvCxnSpPr>
+              <a:cxnSpLocks/>
+            </p:cNvCxnSpPr>
+            <p:nvPr/>
+          </p:nvCxnSpPr>
+          <p:spPr>
+            <a:xfrm flipV="1">
+              <a:off x="3018232" y="5262340"/>
+              <a:ext cx="0" cy="449198"/>
+            </a:xfrm>
+            <a:prstGeom prst="straightConnector1">
+              <a:avLst/>
+            </a:prstGeom>
+            <a:ln w="25400">
+              <a:tailEnd type="triangle"/>
+            </a:ln>
+          </p:spPr>
+          <p:style>
+            <a:lnRef idx="1">
+              <a:schemeClr val="accent1"/>
+            </a:lnRef>
+            <a:fillRef idx="0">
+              <a:schemeClr val="accent1"/>
+            </a:fillRef>
+            <a:effectRef idx="0">
+              <a:schemeClr val="accent1"/>
+            </a:effectRef>
+            <a:fontRef idx="minor">
+              <a:schemeClr val="tx1"/>
+            </a:fontRef>
+          </p:style>
+        </p:cxnSp>
+        <p:sp>
+          <p:nvSpPr>
+            <p:cNvPr id="8" name="직사각형 7">
+              <a:extLst>
+                <a:ext uri="{FF2B5EF4-FFF2-40B4-BE49-F238E27FC236}">
+                  <a16:creationId xmlns:a16="http://schemas.microsoft.com/office/drawing/2014/main" id="{390785CF-7AF7-43EB-8E9F-6BBBA55CEF6F}"/>
+                </a:ext>
+              </a:extLst>
+            </p:cNvPr>
+            <p:cNvSpPr/>
+            <p:nvPr/>
+          </p:nvSpPr>
+          <p:spPr>
+            <a:xfrm>
+              <a:off x="2377054" y="5718193"/>
+              <a:ext cx="1296144" cy="382092"/>
+            </a:xfrm>
+            <a:prstGeom prst="rect">
+              <a:avLst/>
+            </a:prstGeom>
+          </p:spPr>
+          <p:txBody>
+            <a:bodyPr wrap="square">
+              <a:spAutoFit/>
+            </a:bodyPr>
+            <a:lstStyle/>
+            <a:p>
+              <a:r>
+                <a:rPr lang="en-US" altLang="ko-KR" dirty="0">
+                  <a:solidFill>
+                    <a:schemeClr val="bg1">
+                      <a:lumMod val="95000"/>
+                    </a:schemeClr>
+                  </a:solidFill>
+                  <a:latin typeface="배달의민족 주아" pitchFamily="18" charset="-127"/>
+                  <a:ea typeface="배달의민족 주아" pitchFamily="18" charset="-127"/>
+                </a:rPr>
+                <a:t>1 </a:t>
+              </a:r>
+              <a:r>
+                <a:rPr lang="ko-KR" altLang="en-US" dirty="0">
+                  <a:solidFill>
+                    <a:schemeClr val="bg1">
+                      <a:lumMod val="95000"/>
+                    </a:schemeClr>
+                  </a:solidFill>
+                  <a:latin typeface="배달의민족 주아" pitchFamily="18" charset="-127"/>
+                  <a:ea typeface="배달의민족 주아" pitchFamily="18" charset="-127"/>
+                </a:rPr>
+                <a:t>번 인덱스</a:t>
+              </a:r>
+              <a:endParaRPr lang="ko-KR" altLang="en-US" dirty="0">
+                <a:solidFill>
+                  <a:schemeClr val="bg1">
+                    <a:lumMod val="95000"/>
+                  </a:schemeClr>
+                </a:solidFill>
+              </a:endParaRPr>
+            </a:p>
+          </p:txBody>
+        </p:sp>
+        <p:cxnSp>
+          <p:nvCxnSpPr>
+            <p:cNvPr id="9" name="직선 화살표 연결선 8">
+              <a:extLst>
+                <a:ext uri="{FF2B5EF4-FFF2-40B4-BE49-F238E27FC236}">
+                  <a16:creationId xmlns:a16="http://schemas.microsoft.com/office/drawing/2014/main" id="{13516059-966F-4BA5-80CC-031BD7EFDBB1}"/>
+                </a:ext>
+              </a:extLst>
+            </p:cNvPr>
+            <p:cNvCxnSpPr>
+              <a:cxnSpLocks/>
+            </p:cNvCxnSpPr>
+            <p:nvPr/>
+          </p:nvCxnSpPr>
+          <p:spPr>
+            <a:xfrm flipH="1" flipV="1">
+              <a:off x="4632941" y="5270916"/>
+              <a:ext cx="7378" cy="432046"/>
+            </a:xfrm>
+            <a:prstGeom prst="straightConnector1">
+              <a:avLst/>
+            </a:prstGeom>
+            <a:ln w="25400">
+              <a:tailEnd type="triangle"/>
+            </a:ln>
+          </p:spPr>
+          <p:style>
+            <a:lnRef idx="1">
+              <a:schemeClr val="accent1"/>
+            </a:lnRef>
+            <a:fillRef idx="0">
+              <a:schemeClr val="accent1"/>
+            </a:fillRef>
+            <a:effectRef idx="0">
+              <a:schemeClr val="accent1"/>
+            </a:effectRef>
+            <a:fontRef idx="minor">
+              <a:schemeClr val="tx1"/>
+            </a:fontRef>
+          </p:style>
+        </p:cxnSp>
+        <p:sp>
+          <p:nvSpPr>
+            <p:cNvPr id="10" name="직사각형 9">
+              <a:extLst>
+                <a:ext uri="{FF2B5EF4-FFF2-40B4-BE49-F238E27FC236}">
+                  <a16:creationId xmlns:a16="http://schemas.microsoft.com/office/drawing/2014/main" id="{5180C3F4-7DD8-4500-A577-5808D83FD523}"/>
+                </a:ext>
+              </a:extLst>
+            </p:cNvPr>
+            <p:cNvSpPr/>
+            <p:nvPr/>
+          </p:nvSpPr>
+          <p:spPr>
+            <a:xfrm>
+              <a:off x="3984869" y="5718954"/>
+              <a:ext cx="1296144" cy="382092"/>
+            </a:xfrm>
+            <a:prstGeom prst="rect">
+              <a:avLst/>
+            </a:prstGeom>
+          </p:spPr>
+          <p:txBody>
+            <a:bodyPr wrap="square">
+              <a:spAutoFit/>
+            </a:bodyPr>
+            <a:lstStyle/>
+            <a:p>
+              <a:r>
+                <a:rPr lang="en-US" altLang="ko-KR" dirty="0">
+                  <a:solidFill>
+                    <a:schemeClr val="bg1">
+                      <a:lumMod val="95000"/>
+                    </a:schemeClr>
+                  </a:solidFill>
+                  <a:latin typeface="배달의민족 주아" pitchFamily="18" charset="-127"/>
+                  <a:ea typeface="배달의민족 주아" pitchFamily="18" charset="-127"/>
+                </a:rPr>
+                <a:t>2 </a:t>
+              </a:r>
+              <a:r>
+                <a:rPr lang="ko-KR" altLang="en-US" dirty="0">
+                  <a:solidFill>
+                    <a:schemeClr val="bg1">
+                      <a:lumMod val="95000"/>
+                    </a:schemeClr>
+                  </a:solidFill>
+                  <a:latin typeface="배달의민족 주아" pitchFamily="18" charset="-127"/>
+                  <a:ea typeface="배달의민족 주아" pitchFamily="18" charset="-127"/>
+                </a:rPr>
+                <a:t>번 인덱스</a:t>
+              </a:r>
+              <a:endParaRPr lang="ko-KR" altLang="en-US" dirty="0">
+                <a:solidFill>
+                  <a:schemeClr val="bg1">
+                    <a:lumMod val="95000"/>
+                  </a:schemeClr>
+                </a:solidFill>
+              </a:endParaRPr>
+            </a:p>
+          </p:txBody>
+        </p:sp>
+        <p:cxnSp>
+          <p:nvCxnSpPr>
+            <p:cNvPr id="11" name="직선 화살표 연결선 10">
+              <a:extLst>
+                <a:ext uri="{FF2B5EF4-FFF2-40B4-BE49-F238E27FC236}">
+                  <a16:creationId xmlns:a16="http://schemas.microsoft.com/office/drawing/2014/main" id="{EB1C8DDD-AE77-4B0D-9B02-A583321137EE}"/>
+                </a:ext>
+              </a:extLst>
+            </p:cNvPr>
+            <p:cNvCxnSpPr>
+              <a:cxnSpLocks/>
+            </p:cNvCxnSpPr>
+            <p:nvPr/>
+          </p:nvCxnSpPr>
+          <p:spPr>
+            <a:xfrm flipV="1">
+              <a:off x="6217117" y="5268632"/>
+              <a:ext cx="4044" cy="442906"/>
+            </a:xfrm>
+            <a:prstGeom prst="straightConnector1">
+              <a:avLst/>
+            </a:prstGeom>
+            <a:ln w="25400">
+              <a:tailEnd type="triangle"/>
+            </a:ln>
+          </p:spPr>
+          <p:style>
+            <a:lnRef idx="1">
+              <a:schemeClr val="accent1"/>
+            </a:lnRef>
+            <a:fillRef idx="0">
+              <a:schemeClr val="accent1"/>
+            </a:fillRef>
+            <a:effectRef idx="0">
+              <a:schemeClr val="accent1"/>
+            </a:effectRef>
+            <a:fontRef idx="minor">
+              <a:schemeClr val="tx1"/>
+            </a:fontRef>
+          </p:style>
+        </p:cxnSp>
+        <p:sp>
+          <p:nvSpPr>
+            <p:cNvPr id="12" name="직사각형 11">
+              <a:extLst>
+                <a:ext uri="{FF2B5EF4-FFF2-40B4-BE49-F238E27FC236}">
+                  <a16:creationId xmlns:a16="http://schemas.microsoft.com/office/drawing/2014/main" id="{AB8E59C1-DCD7-4078-B6A8-FD52DB41F3F9}"/>
+                </a:ext>
+              </a:extLst>
+            </p:cNvPr>
+            <p:cNvSpPr/>
+            <p:nvPr/>
+          </p:nvSpPr>
+          <p:spPr>
+            <a:xfrm>
+              <a:off x="5569045" y="5718193"/>
+              <a:ext cx="1296144" cy="382092"/>
+            </a:xfrm>
+            <a:prstGeom prst="rect">
+              <a:avLst/>
+            </a:prstGeom>
+          </p:spPr>
+          <p:txBody>
+            <a:bodyPr wrap="square">
+              <a:spAutoFit/>
+            </a:bodyPr>
+            <a:lstStyle/>
+            <a:p>
+              <a:r>
+                <a:rPr lang="en-US" altLang="ko-KR" dirty="0">
+                  <a:solidFill>
+                    <a:schemeClr val="bg1">
+                      <a:lumMod val="95000"/>
+                    </a:schemeClr>
+                  </a:solidFill>
+                  <a:latin typeface="배달의민족 주아" pitchFamily="18" charset="-127"/>
+                  <a:ea typeface="배달의민족 주아" pitchFamily="18" charset="-127"/>
+                </a:rPr>
+                <a:t>3 </a:t>
+              </a:r>
+              <a:r>
+                <a:rPr lang="ko-KR" altLang="en-US" dirty="0">
+                  <a:solidFill>
+                    <a:schemeClr val="bg1">
+                      <a:lumMod val="95000"/>
+                    </a:schemeClr>
+                  </a:solidFill>
+                  <a:latin typeface="배달의민족 주아" pitchFamily="18" charset="-127"/>
+                  <a:ea typeface="배달의민족 주아" pitchFamily="18" charset="-127"/>
+                </a:rPr>
+                <a:t>번 인덱스</a:t>
+              </a:r>
+              <a:endParaRPr lang="ko-KR" altLang="en-US" dirty="0">
+                <a:solidFill>
+                  <a:schemeClr val="bg1">
+                    <a:lumMod val="95000"/>
+                  </a:schemeClr>
+                </a:solidFill>
+              </a:endParaRPr>
+            </a:p>
+          </p:txBody>
+        </p:sp>
+        <p:sp>
+          <p:nvSpPr>
+            <p:cNvPr id="13" name="직사각형 12">
+              <a:extLst>
+                <a:ext uri="{FF2B5EF4-FFF2-40B4-BE49-F238E27FC236}">
+                  <a16:creationId xmlns:a16="http://schemas.microsoft.com/office/drawing/2014/main" id="{D97DBA1A-DA2F-4B19-84E3-CB6C3984D332}"/>
+                </a:ext>
+              </a:extLst>
+            </p:cNvPr>
+            <p:cNvSpPr/>
+            <p:nvPr/>
+          </p:nvSpPr>
+          <p:spPr>
+            <a:xfrm>
+              <a:off x="2771800" y="3373783"/>
+              <a:ext cx="504053" cy="382092"/>
+            </a:xfrm>
+            <a:prstGeom prst="rect">
+              <a:avLst/>
+            </a:prstGeom>
+          </p:spPr>
+          <p:txBody>
+            <a:bodyPr wrap="square">
+              <a:spAutoFit/>
+            </a:bodyPr>
+            <a:lstStyle/>
+            <a:p>
+              <a:r>
+                <a:rPr lang="en-US" altLang="ko-KR" dirty="0">
+                  <a:solidFill>
+                    <a:schemeClr val="bg1">
+                      <a:lumMod val="95000"/>
+                    </a:schemeClr>
+                  </a:solidFill>
+                  <a:latin typeface="배달의민족 주아" pitchFamily="18" charset="-127"/>
+                  <a:ea typeface="배달의민족 주아" pitchFamily="18" charset="-127"/>
+                </a:rPr>
+                <a:t>[1]</a:t>
+              </a:r>
+              <a:endParaRPr lang="ko-KR" altLang="en-US" dirty="0">
+                <a:solidFill>
+                  <a:schemeClr val="bg1">
+                    <a:lumMod val="95000"/>
+                  </a:schemeClr>
+                </a:solidFill>
+              </a:endParaRPr>
+            </a:p>
+          </p:txBody>
+        </p:sp>
+        <p:sp>
+          <p:nvSpPr>
+            <p:cNvPr id="14" name="직사각형 13">
+              <a:extLst>
+                <a:ext uri="{FF2B5EF4-FFF2-40B4-BE49-F238E27FC236}">
+                  <a16:creationId xmlns:a16="http://schemas.microsoft.com/office/drawing/2014/main" id="{D66348B3-7F2B-4DE6-9A1E-47164C1E4B42}"/>
+                </a:ext>
+              </a:extLst>
+            </p:cNvPr>
+            <p:cNvSpPr/>
+            <p:nvPr/>
+          </p:nvSpPr>
+          <p:spPr>
+            <a:xfrm>
+              <a:off x="4355976" y="3373783"/>
+              <a:ext cx="504053" cy="382092"/>
+            </a:xfrm>
+            <a:prstGeom prst="rect">
+              <a:avLst/>
+            </a:prstGeom>
+          </p:spPr>
+          <p:txBody>
+            <a:bodyPr wrap="square">
+              <a:spAutoFit/>
+            </a:bodyPr>
+            <a:lstStyle/>
+            <a:p>
+              <a:r>
+                <a:rPr lang="en-US" altLang="ko-KR" dirty="0">
+                  <a:solidFill>
+                    <a:schemeClr val="bg1">
+                      <a:lumMod val="95000"/>
+                    </a:schemeClr>
+                  </a:solidFill>
+                  <a:latin typeface="배달의민족 주아" pitchFamily="18" charset="-127"/>
+                  <a:ea typeface="배달의민족 주아" pitchFamily="18" charset="-127"/>
+                </a:rPr>
+                <a:t>[2]</a:t>
+              </a:r>
+              <a:endParaRPr lang="ko-KR" altLang="en-US" dirty="0">
+                <a:solidFill>
+                  <a:schemeClr val="bg1">
+                    <a:lumMod val="95000"/>
+                  </a:schemeClr>
+                </a:solidFill>
+              </a:endParaRPr>
+            </a:p>
+          </p:txBody>
+        </p:sp>
+        <p:sp>
+          <p:nvSpPr>
+            <p:cNvPr id="15" name="직사각형 14">
+              <a:extLst>
+                <a:ext uri="{FF2B5EF4-FFF2-40B4-BE49-F238E27FC236}">
+                  <a16:creationId xmlns:a16="http://schemas.microsoft.com/office/drawing/2014/main" id="{58EF4E8F-7C80-40C8-AEA9-1F8919CC315A}"/>
+                </a:ext>
+              </a:extLst>
+            </p:cNvPr>
+            <p:cNvSpPr/>
+            <p:nvPr/>
+          </p:nvSpPr>
+          <p:spPr>
+            <a:xfrm>
+              <a:off x="5961198" y="3373783"/>
+              <a:ext cx="504053" cy="382092"/>
+            </a:xfrm>
+            <a:prstGeom prst="rect">
+              <a:avLst/>
+            </a:prstGeom>
+          </p:spPr>
+          <p:txBody>
+            <a:bodyPr wrap="square">
+              <a:spAutoFit/>
+            </a:bodyPr>
+            <a:lstStyle/>
+            <a:p>
+              <a:r>
+                <a:rPr lang="en-US" altLang="ko-KR" dirty="0">
+                  <a:solidFill>
+                    <a:schemeClr val="bg1">
+                      <a:lumMod val="95000"/>
+                    </a:schemeClr>
+                  </a:solidFill>
+                  <a:latin typeface="배달의민족 주아" pitchFamily="18" charset="-127"/>
+                  <a:ea typeface="배달의민족 주아" pitchFamily="18" charset="-127"/>
+                </a:rPr>
+                <a:t>[3]</a:t>
+              </a:r>
+              <a:endParaRPr lang="ko-KR" altLang="en-US" dirty="0">
+                <a:solidFill>
+                  <a:schemeClr val="bg1">
+                    <a:lumMod val="95000"/>
+                  </a:schemeClr>
+                </a:solidFill>
+              </a:endParaRPr>
+            </a:p>
+          </p:txBody>
+        </p:sp>
+        <p:pic>
+          <p:nvPicPr>
+            <p:cNvPr id="16" name="Picture 2" descr="C:\Users\Administrator\Downloads\free-icon-package-2945609.png">
+              <a:extLst>
+                <a:ext uri="{FF2B5EF4-FFF2-40B4-BE49-F238E27FC236}">
+                  <a16:creationId xmlns:a16="http://schemas.microsoft.com/office/drawing/2014/main" id="{591DC6C5-371B-42EA-8D7D-5D0D5F0E5222}"/>
+                </a:ext>
+              </a:extLst>
+            </p:cNvPr>
+            <p:cNvPicPr>
+              <a:picLocks noChangeAspect="1" noChangeArrowheads="1"/>
+            </p:cNvPicPr>
+            <p:nvPr/>
+          </p:nvPicPr>
+          <p:blipFill>
+            <a:blip r:embed="rId2" cstate="print">
+              <a:extLst>
+                <a:ext uri="{28A0092B-C50C-407E-A947-70E740481C1C}">
+                  <a14:useLocalDpi xmlns:a14="http://schemas.microsoft.com/office/drawing/2010/main" val="0"/>
+                </a:ext>
+              </a:extLst>
+            </a:blip>
+            <a:srcRect/>
+            <a:stretch>
+              <a:fillRect/>
+            </a:stretch>
+          </p:blipFill>
+          <p:spPr bwMode="auto">
+            <a:xfrm>
+              <a:off x="683568" y="3695314"/>
+              <a:ext cx="1584176" cy="1584176"/>
+            </a:xfrm>
+            <a:prstGeom prst="rect">
+              <a:avLst/>
+            </a:prstGeom>
+            <a:noFill/>
+            <a:extLst>
+              <a:ext uri="{909E8E84-426E-40DD-AFC4-6F175D3DCCD1}">
+                <a14:hiddenFill xmlns:a14="http://schemas.microsoft.com/office/drawing/2010/main">
+                  <a:solidFill>
+                    <a:srgbClr val="FFFFFF"/>
+                  </a:solidFill>
+                </a14:hiddenFill>
+              </a:ext>
+            </a:extLst>
+          </p:spPr>
+        </p:pic>
+        <p:cxnSp>
+          <p:nvCxnSpPr>
+            <p:cNvPr id="17" name="직선 화살표 연결선 16">
+              <a:extLst>
+                <a:ext uri="{FF2B5EF4-FFF2-40B4-BE49-F238E27FC236}">
+                  <a16:creationId xmlns:a16="http://schemas.microsoft.com/office/drawing/2014/main" id="{5093B2AA-CDDF-4043-A976-8A5982B05BBC}"/>
+                </a:ext>
+              </a:extLst>
+            </p:cNvPr>
+            <p:cNvCxnSpPr>
+              <a:cxnSpLocks/>
+            </p:cNvCxnSpPr>
+            <p:nvPr/>
+          </p:nvCxnSpPr>
+          <p:spPr>
+            <a:xfrm flipV="1">
+              <a:off x="1468762" y="5262340"/>
+              <a:ext cx="0" cy="449198"/>
+            </a:xfrm>
+            <a:prstGeom prst="straightConnector1">
+              <a:avLst/>
+            </a:prstGeom>
+            <a:ln w="25400">
+              <a:tailEnd type="triangle"/>
+            </a:ln>
+          </p:spPr>
+          <p:style>
+            <a:lnRef idx="1">
+              <a:schemeClr val="accent1"/>
+            </a:lnRef>
+            <a:fillRef idx="0">
+              <a:schemeClr val="accent1"/>
+            </a:fillRef>
+            <a:effectRef idx="0">
+              <a:schemeClr val="accent1"/>
+            </a:effectRef>
+            <a:fontRef idx="minor">
+              <a:schemeClr val="tx1"/>
+            </a:fontRef>
+          </p:style>
+        </p:cxnSp>
+        <p:sp>
+          <p:nvSpPr>
+            <p:cNvPr id="18" name="직사각형 17">
+              <a:extLst>
+                <a:ext uri="{FF2B5EF4-FFF2-40B4-BE49-F238E27FC236}">
+                  <a16:creationId xmlns:a16="http://schemas.microsoft.com/office/drawing/2014/main" id="{40368C33-F47C-47A2-B10A-058366D5F1F7}"/>
+                </a:ext>
+              </a:extLst>
+            </p:cNvPr>
+            <p:cNvSpPr/>
+            <p:nvPr/>
+          </p:nvSpPr>
+          <p:spPr>
+            <a:xfrm>
+              <a:off x="827584" y="5718193"/>
+              <a:ext cx="1296144" cy="382092"/>
+            </a:xfrm>
+            <a:prstGeom prst="rect">
+              <a:avLst/>
+            </a:prstGeom>
+          </p:spPr>
+          <p:txBody>
+            <a:bodyPr wrap="square">
+              <a:spAutoFit/>
+            </a:bodyPr>
+            <a:lstStyle/>
+            <a:p>
+              <a:r>
+                <a:rPr lang="en-US" altLang="ko-KR" dirty="0">
+                  <a:solidFill>
+                    <a:schemeClr val="bg1">
+                      <a:lumMod val="95000"/>
+                    </a:schemeClr>
+                  </a:solidFill>
+                  <a:latin typeface="배달의민족 주아" pitchFamily="18" charset="-127"/>
+                  <a:ea typeface="배달의민족 주아" pitchFamily="18" charset="-127"/>
+                </a:rPr>
+                <a:t>0 </a:t>
+              </a:r>
+              <a:r>
+                <a:rPr lang="ko-KR" altLang="en-US" dirty="0">
+                  <a:solidFill>
+                    <a:schemeClr val="bg1">
+                      <a:lumMod val="95000"/>
+                    </a:schemeClr>
+                  </a:solidFill>
+                  <a:latin typeface="배달의민족 주아" pitchFamily="18" charset="-127"/>
+                  <a:ea typeface="배달의민족 주아" pitchFamily="18" charset="-127"/>
+                </a:rPr>
+                <a:t>번 인덱스</a:t>
+              </a:r>
+              <a:endParaRPr lang="ko-KR" altLang="en-US" dirty="0">
+                <a:solidFill>
+                  <a:schemeClr val="bg1">
+                    <a:lumMod val="95000"/>
+                  </a:schemeClr>
+                </a:solidFill>
+              </a:endParaRPr>
+            </a:p>
+          </p:txBody>
+        </p:sp>
+        <p:sp>
+          <p:nvSpPr>
+            <p:cNvPr id="19" name="직사각형 18">
+              <a:extLst>
+                <a:ext uri="{FF2B5EF4-FFF2-40B4-BE49-F238E27FC236}">
+                  <a16:creationId xmlns:a16="http://schemas.microsoft.com/office/drawing/2014/main" id="{E16602DD-4F3B-4062-B343-E20D77B38271}"/>
+                </a:ext>
+              </a:extLst>
+            </p:cNvPr>
+            <p:cNvSpPr/>
+            <p:nvPr/>
+          </p:nvSpPr>
+          <p:spPr>
+            <a:xfrm>
+              <a:off x="1222330" y="3373783"/>
+              <a:ext cx="504053" cy="382092"/>
+            </a:xfrm>
+            <a:prstGeom prst="rect">
+              <a:avLst/>
+            </a:prstGeom>
+          </p:spPr>
+          <p:txBody>
+            <a:bodyPr wrap="square">
+              <a:spAutoFit/>
+            </a:bodyPr>
+            <a:lstStyle/>
+            <a:p>
+              <a:r>
+                <a:rPr lang="en-US" altLang="ko-KR" dirty="0">
+                  <a:solidFill>
+                    <a:schemeClr val="bg1">
+                      <a:lumMod val="95000"/>
+                    </a:schemeClr>
+                  </a:solidFill>
+                  <a:latin typeface="배달의민족 주아" pitchFamily="18" charset="-127"/>
+                  <a:ea typeface="배달의민족 주아" pitchFamily="18" charset="-127"/>
+                </a:rPr>
+                <a:t>[0]</a:t>
+              </a:r>
+              <a:endParaRPr lang="ko-KR" altLang="en-US" dirty="0">
+                <a:solidFill>
+                  <a:schemeClr val="bg1">
+                    <a:lumMod val="95000"/>
+                  </a:schemeClr>
+                </a:solidFill>
+              </a:endParaRPr>
+            </a:p>
+          </p:txBody>
+        </p:sp>
+        <p:pic>
+          <p:nvPicPr>
+            <p:cNvPr id="20" name="Picture 2" descr="C:\Users\Administrator\Downloads\free-icon-package-2945609.png">
+              <a:extLst>
+                <a:ext uri="{FF2B5EF4-FFF2-40B4-BE49-F238E27FC236}">
+                  <a16:creationId xmlns:a16="http://schemas.microsoft.com/office/drawing/2014/main" id="{B06D0570-CA5D-4EDC-BA2D-B8F0A966A1BC}"/>
+                </a:ext>
+              </a:extLst>
+            </p:cNvPr>
+            <p:cNvPicPr>
+              <a:picLocks noChangeAspect="1" noChangeArrowheads="1"/>
+            </p:cNvPicPr>
+            <p:nvPr/>
+          </p:nvPicPr>
+          <p:blipFill>
+            <a:blip r:embed="rId2" cstate="print">
+              <a:extLst>
+                <a:ext uri="{28A0092B-C50C-407E-A947-70E740481C1C}">
+                  <a14:useLocalDpi xmlns:a14="http://schemas.microsoft.com/office/drawing/2010/main" val="0"/>
+                </a:ext>
+              </a:extLst>
+            </a:blip>
+            <a:srcRect/>
+            <a:stretch>
+              <a:fillRect/>
+            </a:stretch>
+          </p:blipFill>
+          <p:spPr bwMode="auto">
+            <a:xfrm>
+              <a:off x="7040374" y="3695314"/>
+              <a:ext cx="1584176" cy="1584176"/>
+            </a:xfrm>
+            <a:prstGeom prst="rect">
+              <a:avLst/>
+            </a:prstGeom>
+            <a:noFill/>
+            <a:extLst>
+              <a:ext uri="{909E8E84-426E-40DD-AFC4-6F175D3DCCD1}">
+                <a14:hiddenFill xmlns:a14="http://schemas.microsoft.com/office/drawing/2010/main">
+                  <a:solidFill>
+                    <a:srgbClr val="FFFFFF"/>
+                  </a:solidFill>
+                </a14:hiddenFill>
+              </a:ext>
+            </a:extLst>
+          </p:spPr>
+        </p:pic>
+        <p:cxnSp>
+          <p:nvCxnSpPr>
+            <p:cNvPr id="21" name="직선 화살표 연결선 20">
+              <a:extLst>
+                <a:ext uri="{FF2B5EF4-FFF2-40B4-BE49-F238E27FC236}">
+                  <a16:creationId xmlns:a16="http://schemas.microsoft.com/office/drawing/2014/main" id="{C3DA6AC4-92C9-44C3-9A0F-2C0E41E13F66}"/>
+                </a:ext>
+              </a:extLst>
+            </p:cNvPr>
+            <p:cNvCxnSpPr>
+              <a:cxnSpLocks/>
+            </p:cNvCxnSpPr>
+            <p:nvPr/>
+          </p:nvCxnSpPr>
+          <p:spPr>
+            <a:xfrm flipV="1">
+              <a:off x="7821395" y="5268632"/>
+              <a:ext cx="4044" cy="442906"/>
+            </a:xfrm>
+            <a:prstGeom prst="straightConnector1">
+              <a:avLst/>
+            </a:prstGeom>
+            <a:ln w="25400">
+              <a:tailEnd type="triangle"/>
+            </a:ln>
+          </p:spPr>
+          <p:style>
+            <a:lnRef idx="1">
+              <a:schemeClr val="accent1"/>
+            </a:lnRef>
+            <a:fillRef idx="0">
+              <a:schemeClr val="accent1"/>
+            </a:fillRef>
+            <a:effectRef idx="0">
+              <a:schemeClr val="accent1"/>
+            </a:effectRef>
+            <a:fontRef idx="minor">
+              <a:schemeClr val="tx1"/>
+            </a:fontRef>
+          </p:style>
+        </p:cxnSp>
+        <p:sp>
+          <p:nvSpPr>
+            <p:cNvPr id="22" name="직사각형 21">
+              <a:extLst>
+                <a:ext uri="{FF2B5EF4-FFF2-40B4-BE49-F238E27FC236}">
+                  <a16:creationId xmlns:a16="http://schemas.microsoft.com/office/drawing/2014/main" id="{A5BD8918-EE53-408D-90C7-DDBB260FD342}"/>
+                </a:ext>
+              </a:extLst>
+            </p:cNvPr>
+            <p:cNvSpPr/>
+            <p:nvPr/>
+          </p:nvSpPr>
+          <p:spPr>
+            <a:xfrm>
+              <a:off x="7173323" y="5718193"/>
+              <a:ext cx="1296144" cy="382092"/>
+            </a:xfrm>
+            <a:prstGeom prst="rect">
+              <a:avLst/>
+            </a:prstGeom>
+          </p:spPr>
+          <p:txBody>
+            <a:bodyPr wrap="square">
+              <a:spAutoFit/>
+            </a:bodyPr>
+            <a:lstStyle/>
+            <a:p>
+              <a:r>
+                <a:rPr lang="en-US" altLang="ko-KR" dirty="0">
+                  <a:solidFill>
+                    <a:schemeClr val="bg1">
+                      <a:lumMod val="95000"/>
+                    </a:schemeClr>
+                  </a:solidFill>
+                  <a:latin typeface="배달의민족 주아" pitchFamily="18" charset="-127"/>
+                  <a:ea typeface="배달의민족 주아" pitchFamily="18" charset="-127"/>
+                </a:rPr>
+                <a:t>4 </a:t>
+              </a:r>
+              <a:r>
+                <a:rPr lang="ko-KR" altLang="en-US" dirty="0">
+                  <a:solidFill>
+                    <a:schemeClr val="bg1">
+                      <a:lumMod val="95000"/>
+                    </a:schemeClr>
+                  </a:solidFill>
+                  <a:latin typeface="배달의민족 주아" pitchFamily="18" charset="-127"/>
+                  <a:ea typeface="배달의민족 주아" pitchFamily="18" charset="-127"/>
+                </a:rPr>
+                <a:t>번 인덱스</a:t>
+              </a:r>
+              <a:endParaRPr lang="ko-KR" altLang="en-US" dirty="0">
+                <a:solidFill>
+                  <a:schemeClr val="bg1">
+                    <a:lumMod val="95000"/>
+                  </a:schemeClr>
+                </a:solidFill>
+              </a:endParaRPr>
+            </a:p>
+          </p:txBody>
+        </p:sp>
+        <p:sp>
+          <p:nvSpPr>
+            <p:cNvPr id="23" name="직사각형 22">
+              <a:extLst>
+                <a:ext uri="{FF2B5EF4-FFF2-40B4-BE49-F238E27FC236}">
+                  <a16:creationId xmlns:a16="http://schemas.microsoft.com/office/drawing/2014/main" id="{EC241D87-DCCE-48A9-A5C4-FF12AA86F431}"/>
+                </a:ext>
+              </a:extLst>
+            </p:cNvPr>
+            <p:cNvSpPr/>
+            <p:nvPr/>
+          </p:nvSpPr>
+          <p:spPr>
+            <a:xfrm>
+              <a:off x="7565476" y="3373783"/>
+              <a:ext cx="504053" cy="382092"/>
+            </a:xfrm>
+            <a:prstGeom prst="rect">
+              <a:avLst/>
+            </a:prstGeom>
+          </p:spPr>
+          <p:txBody>
+            <a:bodyPr wrap="square">
+              <a:spAutoFit/>
+            </a:bodyPr>
+            <a:lstStyle/>
+            <a:p>
+              <a:r>
+                <a:rPr lang="en-US" altLang="ko-KR" dirty="0">
+                  <a:solidFill>
+                    <a:schemeClr val="bg1">
+                      <a:lumMod val="95000"/>
+                    </a:schemeClr>
+                  </a:solidFill>
+                  <a:latin typeface="배달의민족 주아" pitchFamily="18" charset="-127"/>
+                  <a:ea typeface="배달의민족 주아" pitchFamily="18" charset="-127"/>
+                </a:rPr>
+                <a:t>[4]</a:t>
+              </a:r>
+              <a:endParaRPr lang="ko-KR" altLang="en-US" dirty="0">
+                <a:solidFill>
+                  <a:schemeClr val="bg1">
+                    <a:lumMod val="95000"/>
+                  </a:schemeClr>
+                </a:solidFill>
+              </a:endParaRPr>
+            </a:p>
+          </p:txBody>
+        </p:sp>
+      </p:grpSp>
+      <p:sp>
+        <p:nvSpPr>
+          <p:cNvPr id="25" name="TextBox 24">
+            <a:extLst>
+              <a:ext uri="{FF2B5EF4-FFF2-40B4-BE49-F238E27FC236}">
+                <a16:creationId xmlns:a16="http://schemas.microsoft.com/office/drawing/2014/main" id="{E6A7B037-E2BC-428A-9232-CE4C2BE8746C}"/>
+              </a:ext>
+            </a:extLst>
+          </p:cNvPr>
+          <p:cNvSpPr txBox="1"/>
+          <p:nvPr/>
+        </p:nvSpPr>
+        <p:spPr>
+          <a:xfrm>
+            <a:off x="4661704" y="1332800"/>
+            <a:ext cx="2868606" cy="660502"/>
+          </a:xfrm>
+          <a:prstGeom prst="rect">
+            <a:avLst/>
+          </a:prstGeom>
+          <a:noFill/>
+        </p:spPr>
+        <p:txBody>
+          <a:bodyPr wrap="none" rtlCol="0">
+            <a:spAutoFit/>
+          </a:bodyPr>
+          <a:lstStyle/>
+          <a:p>
+            <a:pPr algn="ctr"/>
+            <a:r>
+              <a:rPr lang="ko-KR" altLang="en-US" sz="3692" dirty="0">
+                <a:solidFill>
+                  <a:schemeClr val="bg1">
+                    <a:lumMod val="95000"/>
+                  </a:schemeClr>
+                </a:solidFill>
+                <a:latin typeface="나눔바른고딕" panose="020B0603020101020101" pitchFamily="50" charset="-127"/>
+                <a:ea typeface="나눔바른고딕" panose="020B0603020101020101" pitchFamily="50" charset="-127"/>
+              </a:rPr>
+              <a:t>리스트</a:t>
+            </a:r>
+            <a:r>
+              <a:rPr lang="en-US" altLang="ko-KR" sz="3692" dirty="0">
+                <a:solidFill>
+                  <a:schemeClr val="accent6">
+                    <a:lumMod val="75000"/>
+                  </a:schemeClr>
+                </a:solidFill>
+                <a:latin typeface="나눔바른고딕" panose="020B0603020101020101" pitchFamily="50" charset="-127"/>
+                <a:ea typeface="나눔바른고딕" panose="020B0603020101020101" pitchFamily="50" charset="-127"/>
+              </a:rPr>
+              <a:t>.sort()</a:t>
+            </a:r>
+          </a:p>
+        </p:txBody>
+      </p:sp>
+    </p:spTree>
+    <p:extLst>
+      <p:ext uri="{BB962C8B-B14F-4D97-AF65-F5344CB8AC3E}">
+        <p14:creationId xmlns:p14="http://schemas.microsoft.com/office/powerpoint/2010/main" val="3531323407"/>
+      </p:ext>
+    </p:extLst>
+  </p:cSld>
+  <p:clrMapOvr>
+    <a:masterClrMapping/>
+  </p:clrMapOvr>
+</p:sld>
+</file>
+
+<file path=ppt/slides/slide22.xml><?xml version="1.0" encoding="utf-8"?>
 <p:sld xmlns:a="http://schemas.openxmlformats.org/drawingml/2006/main" xmlns:r="http://schemas.openxmlformats.org/officeDocument/2006/relationships" xmlns:p="http://schemas.openxmlformats.org/presentationml/2006/main">
   <p:cSld>
     <p:bg>
@@ -5710,100 +10225,6 @@
 </p:sld>
 </file>
 
-<file path=ppt/slides/slide2.xml><?xml version="1.0" encoding="utf-8"?>
-<p:sld xmlns:a="http://schemas.openxmlformats.org/drawingml/2006/main" xmlns:r="http://schemas.openxmlformats.org/officeDocument/2006/relationships" xmlns:p="http://schemas.openxmlformats.org/presentationml/2006/main">
-  <p:cSld>
-    <p:bg>
-      <p:bgPr>
-        <a:solidFill>
-          <a:schemeClr val="tx1">
-            <a:lumMod val="85000"/>
-            <a:lumOff val="15000"/>
-          </a:schemeClr>
-        </a:solidFill>
-        <a:effectLst/>
-      </p:bgPr>
-    </p:bg>
-    <p:spTree>
-      <p:nvGrpSpPr>
-        <p:cNvPr id="1" name=""/>
-        <p:cNvGrpSpPr/>
-        <p:nvPr/>
-      </p:nvGrpSpPr>
-      <p:grpSpPr>
-        <a:xfrm>
-          <a:off x="0" y="0"/>
-          <a:ext cx="0" cy="0"/>
-          <a:chOff x="0" y="0"/>
-          <a:chExt cx="0" cy="0"/>
-        </a:xfrm>
-      </p:grpSpPr>
-      <p:sp>
-        <p:nvSpPr>
-          <p:cNvPr id="2" name="TextBox 1">
-            <a:extLst>
-              <a:ext uri="{FF2B5EF4-FFF2-40B4-BE49-F238E27FC236}">
-                <a16:creationId xmlns:a16="http://schemas.microsoft.com/office/drawing/2014/main" id="{0B332A50-CC0E-4C7E-B47E-E7CFBA7B423B}"/>
-              </a:ext>
-            </a:extLst>
-          </p:cNvPr>
-          <p:cNvSpPr txBox="1"/>
-          <p:nvPr/>
-        </p:nvSpPr>
-        <p:spPr>
-          <a:xfrm>
-            <a:off x="4686007" y="3102283"/>
-            <a:ext cx="2820003" cy="660502"/>
-          </a:xfrm>
-          <a:prstGeom prst="rect">
-            <a:avLst/>
-          </a:prstGeom>
-          <a:noFill/>
-        </p:spPr>
-        <p:txBody>
-          <a:bodyPr wrap="none" rtlCol="0">
-            <a:spAutoFit/>
-          </a:bodyPr>
-          <a:lstStyle/>
-          <a:p>
-            <a:pPr algn="ctr"/>
-            <a:r>
-              <a:rPr lang="ko-KR" altLang="en-US" sz="3692" dirty="0">
-                <a:solidFill>
-                  <a:schemeClr val="bg1">
-                    <a:lumMod val="95000"/>
-                  </a:schemeClr>
-                </a:solidFill>
-                <a:latin typeface="나눔바른고딕" panose="020B0603020101020101" pitchFamily="50" charset="-127"/>
-                <a:ea typeface="나눔바른고딕" panose="020B0603020101020101" pitchFamily="50" charset="-127"/>
-              </a:rPr>
-              <a:t>연산과 연산자</a:t>
-            </a:r>
-            <a:endParaRPr lang="en-US" altLang="ko-KR" sz="3692" dirty="0">
-              <a:solidFill>
-                <a:schemeClr val="bg1">
-                  <a:lumMod val="95000"/>
-                </a:schemeClr>
-              </a:solidFill>
-              <a:latin typeface="나눔바른고딕" panose="020B0603020101020101" pitchFamily="50" charset="-127"/>
-              <a:ea typeface="나눔바른고딕" panose="020B0603020101020101" pitchFamily="50" charset="-127"/>
-            </a:endParaRPr>
-          </a:p>
-        </p:txBody>
-      </p:sp>
-    </p:spTree>
-    <p:extLst>
-      <p:ext uri="{BB962C8B-B14F-4D97-AF65-F5344CB8AC3E}">
-        <p14:creationId xmlns:p14="http://schemas.microsoft.com/office/powerpoint/2010/main" val="420801499"/>
-      </p:ext>
-    </p:extLst>
-  </p:cSld>
-  <p:clrMapOvr>
-    <a:masterClrMapping/>
-  </p:clrMapOvr>
-</p:sld>
-</file>
-
 <file path=ppt/slides/slide3.xml><?xml version="1.0" encoding="utf-8"?>
 <p:sld xmlns:a="http://schemas.openxmlformats.org/drawingml/2006/main" xmlns:r="http://schemas.openxmlformats.org/officeDocument/2006/relationships" xmlns:p="http://schemas.openxmlformats.org/presentationml/2006/main">
   <p:cSld>
@@ -5846,8 +10267,8 @@
         </p:nvSpPr>
         <p:spPr>
           <a:xfrm>
-            <a:off x="5423380" y="2768498"/>
-            <a:ext cx="1345240" cy="660502"/>
+            <a:off x="3789945" y="3102283"/>
+            <a:ext cx="4612160" cy="660502"/>
           </a:xfrm>
           <a:prstGeom prst="rect">
             <a:avLst/>
@@ -5871,80 +10292,12 @@
                 <a:latin typeface="나눔바른고딕" panose="020B0603020101020101" pitchFamily="50" charset="-127"/>
                 <a:ea typeface="나눔바른고딕" panose="020B0603020101020101" pitchFamily="50" charset="-127"/>
               </a:rPr>
-              <a:t>연산</a:t>
-            </a:r>
-            <a:r>
-              <a:rPr lang="en-US" altLang="ko-KR" sz="3692" dirty="0">
-                <a:solidFill>
-                  <a:schemeClr val="bg1">
-                    <a:lumMod val="95000"/>
-                  </a:schemeClr>
-                </a:solidFill>
-                <a:latin typeface="나눔바른고딕" panose="020B0603020101020101" pitchFamily="50" charset="-127"/>
-                <a:ea typeface="나눔바른고딕" panose="020B0603020101020101" pitchFamily="50" charset="-127"/>
-              </a:rPr>
-              <a:t>?</a:t>
-            </a:r>
-          </a:p>
-        </p:txBody>
-      </p:sp>
-      <p:sp>
-        <p:nvSpPr>
-          <p:cNvPr id="3" name="TextBox 2">
-            <a:extLst>
-              <a:ext uri="{FF2B5EF4-FFF2-40B4-BE49-F238E27FC236}">
-                <a16:creationId xmlns:a16="http://schemas.microsoft.com/office/drawing/2014/main" id="{D8FAB7C5-51A4-4238-B8BE-EEF35EE3B307}"/>
-              </a:ext>
-            </a:extLst>
-          </p:cNvPr>
-          <p:cNvSpPr txBox="1"/>
-          <p:nvPr/>
-        </p:nvSpPr>
-        <p:spPr>
-          <a:xfrm>
-            <a:off x="3038117" y="3429000"/>
-            <a:ext cx="6115777" cy="523220"/>
-          </a:xfrm>
-          <a:prstGeom prst="rect">
-            <a:avLst/>
-          </a:prstGeom>
-          <a:noFill/>
-        </p:spPr>
-        <p:txBody>
-          <a:bodyPr wrap="none" rtlCol="0">
-            <a:spAutoFit/>
-          </a:bodyPr>
-          <a:lstStyle/>
-          <a:p>
-            <a:pPr algn="ctr"/>
-            <a:r>
-              <a:rPr lang="ko-KR" altLang="en-US" sz="2800" dirty="0">
-                <a:solidFill>
-                  <a:schemeClr val="bg1">
-                    <a:lumMod val="95000"/>
-                  </a:schemeClr>
-                </a:solidFill>
-                <a:latin typeface="나눔바른고딕" panose="020B0603020101020101" pitchFamily="50" charset="-127"/>
-                <a:ea typeface="나눔바른고딕" panose="020B0603020101020101" pitchFamily="50" charset="-127"/>
-              </a:rPr>
-              <a:t>수나 식을 일정한 </a:t>
-            </a:r>
-            <a:r>
-              <a:rPr lang="ko-KR" altLang="en-US" sz="2800" dirty="0">
-                <a:solidFill>
-                  <a:schemeClr val="accent6">
-                    <a:lumMod val="75000"/>
-                  </a:schemeClr>
-                </a:solidFill>
-                <a:latin typeface="나눔바른고딕" panose="020B0603020101020101" pitchFamily="50" charset="-127"/>
-                <a:ea typeface="나눔바른고딕" panose="020B0603020101020101" pitchFamily="50" charset="-127"/>
-              </a:rPr>
-              <a:t>규칙에 따라 계산하는 것</a:t>
-            </a:r>
-            <a:endParaRPr lang="en-US" altLang="ko-KR" sz="2800" dirty="0">
+              <a:t>리스트를 사용하는 이유</a:t>
+            </a:r>
+            <a:endParaRPr lang="en-US" altLang="ko-KR" sz="3692" dirty="0">
               <a:solidFill>
-                <a:schemeClr val="accent6">
-                  <a:lumMod val="75000"/>
+                <a:schemeClr val="bg1">
+                  <a:lumMod val="95000"/>
                 </a:schemeClr>
               </a:solidFill>
               <a:latin typeface="나눔바른고딕" panose="020B0603020101020101" pitchFamily="50" charset="-127"/>
@@ -5956,91 +10309,13 @@
     </p:spTree>
     <p:extLst>
       <p:ext uri="{BB962C8B-B14F-4D97-AF65-F5344CB8AC3E}">
-        <p14:creationId xmlns:p14="http://schemas.microsoft.com/office/powerpoint/2010/main" val="1588533733"/>
+        <p14:creationId xmlns:p14="http://schemas.microsoft.com/office/powerpoint/2010/main" val="3882104068"/>
       </p:ext>
     </p:extLst>
   </p:cSld>
   <p:clrMapOvr>
     <a:masterClrMapping/>
   </p:clrMapOvr>
-  <p:timing>
-    <p:tnLst>
-      <p:par>
-        <p:cTn id="1" dur="indefinite" restart="never" nodeType="tmRoot">
-          <p:childTnLst>
-            <p:seq concurrent="1" nextAc="seek">
-              <p:cTn id="2" dur="indefinite" nodeType="mainSeq">
-                <p:childTnLst>
-                  <p:par>
-                    <p:cTn id="3" fill="hold">
-                      <p:stCondLst>
-                        <p:cond delay="indefinite"/>
-                      </p:stCondLst>
-                      <p:childTnLst>
-                        <p:par>
-                          <p:cTn id="4" fill="hold">
-                            <p:stCondLst>
-                              <p:cond delay="0"/>
-                            </p:stCondLst>
-                            <p:childTnLst>
-                              <p:par>
-                                <p:cTn id="5" presetID="1" presetClass="entr" presetSubtype="0" fill="hold" grpId="0" nodeType="clickEffect">
-                                  <p:stCondLst>
-                                    <p:cond delay="0"/>
-                                  </p:stCondLst>
-                                  <p:childTnLst>
-                                    <p:set>
-                                      <p:cBhvr>
-                                        <p:cTn id="6" dur="1" fill="hold">
-                                          <p:stCondLst>
-                                            <p:cond delay="0"/>
-                                          </p:stCondLst>
-                                        </p:cTn>
-                                        <p:tgtEl>
-                                          <p:spTgt spid="3"/>
-                                        </p:tgtEl>
-                                        <p:attrNameLst>
-                                          <p:attrName>style.visibility</p:attrName>
-                                        </p:attrNameLst>
-                                      </p:cBhvr>
-                                      <p:to>
-                                        <p:strVal val="visible"/>
-                                      </p:to>
-                                    </p:set>
-                                  </p:childTnLst>
-                                </p:cTn>
-                              </p:par>
-                            </p:childTnLst>
-                          </p:cTn>
-                        </p:par>
-                      </p:childTnLst>
-                    </p:cTn>
-                  </p:par>
-                </p:childTnLst>
-              </p:cTn>
-              <p:prevCondLst>
-                <p:cond evt="onPrev" delay="0">
-                  <p:tgtEl>
-                    <p:sldTgt/>
-                  </p:tgtEl>
-                </p:cond>
-              </p:prevCondLst>
-              <p:nextCondLst>
-                <p:cond evt="onNext" delay="0">
-                  <p:tgtEl>
-                    <p:sldTgt/>
-                  </p:tgtEl>
-                </p:cond>
-              </p:nextCondLst>
-            </p:seq>
-          </p:childTnLst>
-        </p:cTn>
-      </p:par>
-    </p:tnLst>
-    <p:bldLst>
-      <p:bldP spid="3" grpId="0"/>
-    </p:bldLst>
-  </p:timing>
 </p:sld>
 </file>
 
@@ -6086,8 +10361,8 @@
         </p:nvSpPr>
         <p:spPr>
           <a:xfrm>
-            <a:off x="4896811" y="3102283"/>
-            <a:ext cx="2398413" cy="660502"/>
+            <a:off x="3935806" y="3102283"/>
+            <a:ext cx="4320413" cy="660502"/>
           </a:xfrm>
           <a:prstGeom prst="rect">
             <a:avLst/>
@@ -6102,7 +10377,7 @@
           <a:p>
             <a:pPr algn="ctr"/>
             <a:r>
-              <a:rPr lang="ko-KR" altLang="en-US" sz="3692" dirty="0">
+              <a:rPr lang="en-US" altLang="ko-KR" sz="3692" dirty="0">
                 <a:solidFill>
                   <a:schemeClr val="bg1">
                     <a:lumMod val="95000"/>
@@ -6111,7 +10386,19 @@
                 <a:latin typeface="나눔바른고딕" panose="020B0603020101020101" pitchFamily="50" charset="-127"/>
                 <a:ea typeface="나눔바른고딕" panose="020B0603020101020101" pitchFamily="50" charset="-127"/>
               </a:rPr>
-              <a:t>연산의 종류</a:t>
+              <a:t>10</a:t>
+            </a:r>
+            <a:r>
+              <a:rPr lang="ko-KR" altLang="en-US" sz="3692" dirty="0">
+                <a:solidFill>
+                  <a:schemeClr val="bg1">
+                    <a:lumMod val="95000"/>
+                  </a:schemeClr>
+                </a:solidFill>
+                <a:latin typeface="나눔바른고딕" panose="020B0603020101020101" pitchFamily="50" charset="-127"/>
+                <a:ea typeface="나눔바른고딕" panose="020B0603020101020101" pitchFamily="50" charset="-127"/>
+              </a:rPr>
+              <a:t>개 동물이름 데이터</a:t>
             </a:r>
             <a:endParaRPr lang="en-US" altLang="ko-KR" sz="3692" dirty="0">
               <a:solidFill>
@@ -6128,7 +10415,7 @@
     </p:spTree>
     <p:extLst>
       <p:ext uri="{BB962C8B-B14F-4D97-AF65-F5344CB8AC3E}">
-        <p14:creationId xmlns:p14="http://schemas.microsoft.com/office/powerpoint/2010/main" val="3882104068"/>
+        <p14:creationId xmlns:p14="http://schemas.microsoft.com/office/powerpoint/2010/main" val="1430049550"/>
       </p:ext>
     </p:extLst>
   </p:cSld>
@@ -6180,8 +10467,8 @@
         </p:nvSpPr>
         <p:spPr>
           <a:xfrm>
-            <a:off x="5160487" y="2204864"/>
-            <a:ext cx="1871025" cy="660502"/>
+            <a:off x="3990776" y="1962413"/>
+            <a:ext cx="4210448" cy="2933175"/>
           </a:xfrm>
           <a:prstGeom prst="rect">
             <a:avLst/>
@@ -6194,9 +10481,8 @@
           </a:bodyPr>
           <a:lstStyle/>
           <a:p>
-            <a:pPr algn="ctr"/>
-            <a:r>
-              <a:rPr lang="ko-KR" altLang="en-US" sz="3692" dirty="0">
+            <a:r>
+              <a:rPr lang="en-US" altLang="ko-KR" sz="3692" dirty="0">
                 <a:solidFill>
                   <a:schemeClr val="bg1">
                     <a:lumMod val="95000"/>
@@ -6205,49 +10491,8 @@
                 <a:latin typeface="나눔바른고딕" panose="020B0603020101020101" pitchFamily="50" charset="-127"/>
                 <a:ea typeface="나눔바른고딕" panose="020B0603020101020101" pitchFamily="50" charset="-127"/>
               </a:rPr>
-              <a:t>산술연산</a:t>
-            </a:r>
-            <a:endParaRPr lang="en-US" altLang="ko-KR" sz="3692" dirty="0">
-              <a:solidFill>
-                <a:schemeClr val="bg1">
-                  <a:lumMod val="95000"/>
-                </a:schemeClr>
-              </a:solidFill>
-              <a:latin typeface="나눔바른고딕" panose="020B0603020101020101" pitchFamily="50" charset="-127"/>
-              <a:ea typeface="나눔바른고딕" panose="020B0603020101020101" pitchFamily="50" charset="-127"/>
-            </a:endParaRPr>
-          </a:p>
-        </p:txBody>
-      </p:sp>
-      <p:sp>
-        <p:nvSpPr>
-          <p:cNvPr id="3" name="TextBox 2">
-            <a:extLst>
-              <a:ext uri="{FF2B5EF4-FFF2-40B4-BE49-F238E27FC236}">
-                <a16:creationId xmlns:a16="http://schemas.microsoft.com/office/drawing/2014/main" id="{20809AEA-E7C3-444B-A152-EAF6BD4C6576}"/>
-              </a:ext>
-            </a:extLst>
-          </p:cNvPr>
-          <p:cNvSpPr txBox="1"/>
-          <p:nvPr/>
-        </p:nvSpPr>
-        <p:spPr>
-          <a:xfrm>
-            <a:off x="3289462" y="3992635"/>
-            <a:ext cx="1871026" cy="660502"/>
-          </a:xfrm>
-          <a:prstGeom prst="rect">
-            <a:avLst/>
-          </a:prstGeom>
-          <a:noFill/>
-        </p:spPr>
-        <p:txBody>
-          <a:bodyPr wrap="none" rtlCol="0">
-            <a:spAutoFit/>
-          </a:bodyPr>
-          <a:lstStyle/>
-          <a:p>
-            <a:pPr algn="ctr"/>
+              <a:t>animal1 = "</a:t>
+            </a:r>
             <a:r>
               <a:rPr lang="ko-KR" altLang="en-US" sz="3692" dirty="0">
                 <a:solidFill>
@@ -6258,51 +10503,10 @@
                 <a:latin typeface="나눔바른고딕" panose="020B0603020101020101" pitchFamily="50" charset="-127"/>
                 <a:ea typeface="나눔바른고딕" panose="020B0603020101020101" pitchFamily="50" charset="-127"/>
               </a:rPr>
-              <a:t>비교연산</a:t>
-            </a:r>
-            <a:endParaRPr lang="en-US" altLang="ko-KR" sz="3692" dirty="0">
-              <a:solidFill>
-                <a:schemeClr val="bg1">
-                  <a:lumMod val="95000"/>
-                </a:schemeClr>
-              </a:solidFill>
-              <a:latin typeface="나눔바른고딕" panose="020B0603020101020101" pitchFamily="50" charset="-127"/>
-              <a:ea typeface="나눔바른고딕" panose="020B0603020101020101" pitchFamily="50" charset="-127"/>
-            </a:endParaRPr>
-          </a:p>
-        </p:txBody>
-      </p:sp>
-      <p:sp>
-        <p:nvSpPr>
-          <p:cNvPr id="4" name="TextBox 3">
-            <a:extLst>
-              <a:ext uri="{FF2B5EF4-FFF2-40B4-BE49-F238E27FC236}">
-                <a16:creationId xmlns:a16="http://schemas.microsoft.com/office/drawing/2014/main" id="{BD6FAB86-A8CC-46C6-99CA-D381FE2EB4A2}"/>
-              </a:ext>
-            </a:extLst>
-          </p:cNvPr>
-          <p:cNvSpPr txBox="1"/>
-          <p:nvPr/>
-        </p:nvSpPr>
-        <p:spPr>
-          <a:xfrm>
-            <a:off x="7031512" y="3992635"/>
-            <a:ext cx="1871026" cy="660502"/>
-          </a:xfrm>
-          <a:prstGeom prst="rect">
-            <a:avLst/>
-          </a:prstGeom>
-          <a:noFill/>
-        </p:spPr>
-        <p:txBody>
-          <a:bodyPr wrap="none" rtlCol="0">
-            <a:spAutoFit/>
-          </a:bodyPr>
-          <a:lstStyle/>
-          <a:p>
-            <a:pPr algn="ctr"/>
-            <a:r>
-              <a:rPr lang="ko-KR" altLang="en-US" sz="3692" dirty="0">
+              <a:t>사자</a:t>
+            </a:r>
+            <a:r>
+              <a:rPr lang="en-US" altLang="ko-KR" sz="3692" dirty="0">
                 <a:solidFill>
                   <a:schemeClr val="bg1">
                     <a:lumMod val="95000"/>
@@ -6311,24 +10515,143 @@
                 <a:latin typeface="나눔바른고딕" panose="020B0603020101020101" pitchFamily="50" charset="-127"/>
                 <a:ea typeface="나눔바른고딕" panose="020B0603020101020101" pitchFamily="50" charset="-127"/>
               </a:rPr>
-              <a:t>논리연산</a:t>
-            </a:r>
-            <a:endParaRPr lang="en-US" altLang="ko-KR" sz="3692" dirty="0">
-              <a:solidFill>
-                <a:schemeClr val="bg1">
-                  <a:lumMod val="95000"/>
-                </a:schemeClr>
-              </a:solidFill>
-              <a:latin typeface="나눔바른고딕" panose="020B0603020101020101" pitchFamily="50" charset="-127"/>
-              <a:ea typeface="나눔바른고딕" panose="020B0603020101020101" pitchFamily="50" charset="-127"/>
-            </a:endParaRPr>
+              <a:t>"</a:t>
+            </a:r>
+          </a:p>
+          <a:p>
+            <a:r>
+              <a:rPr lang="en-US" altLang="ko-KR" sz="3692" dirty="0">
+                <a:solidFill>
+                  <a:schemeClr val="bg1">
+                    <a:lumMod val="95000"/>
+                  </a:schemeClr>
+                </a:solidFill>
+                <a:latin typeface="나눔바른고딕" panose="020B0603020101020101" pitchFamily="50" charset="-127"/>
+                <a:ea typeface="나눔바른고딕" panose="020B0603020101020101" pitchFamily="50" charset="-127"/>
+              </a:rPr>
+              <a:t>animal2 = "</a:t>
+            </a:r>
+            <a:r>
+              <a:rPr lang="ko-KR" altLang="en-US" sz="3692" dirty="0">
+                <a:solidFill>
+                  <a:schemeClr val="bg1">
+                    <a:lumMod val="95000"/>
+                  </a:schemeClr>
+                </a:solidFill>
+                <a:latin typeface="나눔바른고딕" panose="020B0603020101020101" pitchFamily="50" charset="-127"/>
+                <a:ea typeface="나눔바른고딕" panose="020B0603020101020101" pitchFamily="50" charset="-127"/>
+              </a:rPr>
+              <a:t>호랑이</a:t>
+            </a:r>
+            <a:r>
+              <a:rPr lang="en-US" altLang="ko-KR" sz="3692" dirty="0">
+                <a:solidFill>
+                  <a:schemeClr val="bg1">
+                    <a:lumMod val="95000"/>
+                  </a:schemeClr>
+                </a:solidFill>
+                <a:latin typeface="나눔바른고딕" panose="020B0603020101020101" pitchFamily="50" charset="-127"/>
+                <a:ea typeface="나눔바른고딕" panose="020B0603020101020101" pitchFamily="50" charset="-127"/>
+              </a:rPr>
+              <a:t>"</a:t>
+            </a:r>
+          </a:p>
+          <a:p>
+            <a:r>
+              <a:rPr lang="en-US" altLang="ko-KR" sz="3692" dirty="0">
+                <a:solidFill>
+                  <a:schemeClr val="bg1">
+                    <a:lumMod val="95000"/>
+                  </a:schemeClr>
+                </a:solidFill>
+                <a:latin typeface="나눔바른고딕" panose="020B0603020101020101" pitchFamily="50" charset="-127"/>
+                <a:ea typeface="나눔바른고딕" panose="020B0603020101020101" pitchFamily="50" charset="-127"/>
+              </a:rPr>
+              <a:t>animal3 = "</a:t>
+            </a:r>
+            <a:r>
+              <a:rPr lang="ko-KR" altLang="en-US" sz="3692" dirty="0">
+                <a:solidFill>
+                  <a:schemeClr val="bg1">
+                    <a:lumMod val="95000"/>
+                  </a:schemeClr>
+                </a:solidFill>
+                <a:latin typeface="나눔바른고딕" panose="020B0603020101020101" pitchFamily="50" charset="-127"/>
+                <a:ea typeface="나눔바른고딕" panose="020B0603020101020101" pitchFamily="50" charset="-127"/>
+              </a:rPr>
+              <a:t>고양이</a:t>
+            </a:r>
+            <a:r>
+              <a:rPr lang="en-US" altLang="ko-KR" sz="3692" dirty="0">
+                <a:solidFill>
+                  <a:schemeClr val="bg1">
+                    <a:lumMod val="95000"/>
+                  </a:schemeClr>
+                </a:solidFill>
+                <a:latin typeface="나눔바른고딕" panose="020B0603020101020101" pitchFamily="50" charset="-127"/>
+                <a:ea typeface="나눔바른고딕" panose="020B0603020101020101" pitchFamily="50" charset="-127"/>
+              </a:rPr>
+              <a:t>"</a:t>
+            </a:r>
+          </a:p>
+          <a:p>
+            <a:r>
+              <a:rPr lang="en-US" altLang="ko-KR" sz="3692" dirty="0">
+                <a:solidFill>
+                  <a:schemeClr val="bg1">
+                    <a:lumMod val="95000"/>
+                  </a:schemeClr>
+                </a:solidFill>
+                <a:latin typeface="나눔바른고딕" panose="020B0603020101020101" pitchFamily="50" charset="-127"/>
+                <a:ea typeface="나눔바른고딕" panose="020B0603020101020101" pitchFamily="50" charset="-127"/>
+              </a:rPr>
+              <a:t>...</a:t>
+            </a:r>
+          </a:p>
+          <a:p>
+            <a:r>
+              <a:rPr lang="en-US" altLang="ko-KR" sz="3692" dirty="0">
+                <a:solidFill>
+                  <a:schemeClr val="bg1">
+                    <a:lumMod val="95000"/>
+                  </a:schemeClr>
+                </a:solidFill>
+                <a:latin typeface="나눔바른고딕" panose="020B0603020101020101" pitchFamily="50" charset="-127"/>
+                <a:ea typeface="나눔바른고딕" panose="020B0603020101020101" pitchFamily="50" charset="-127"/>
+              </a:rPr>
+              <a:t>animal10 = "</a:t>
+            </a:r>
+            <a:r>
+              <a:rPr lang="ko-KR" altLang="en-US" sz="3692" dirty="0">
+                <a:solidFill>
+                  <a:schemeClr val="bg1">
+                    <a:lumMod val="95000"/>
+                  </a:schemeClr>
+                </a:solidFill>
+                <a:latin typeface="나눔바른고딕" panose="020B0603020101020101" pitchFamily="50" charset="-127"/>
+                <a:ea typeface="나눔바른고딕" panose="020B0603020101020101" pitchFamily="50" charset="-127"/>
+              </a:rPr>
+              <a:t>강아지</a:t>
+            </a:r>
+            <a:r>
+              <a:rPr lang="en-US" altLang="ko-KR" sz="3692" dirty="0">
+                <a:solidFill>
+                  <a:schemeClr val="bg1">
+                    <a:lumMod val="95000"/>
+                  </a:schemeClr>
+                </a:solidFill>
+                <a:latin typeface="나눔바른고딕" panose="020B0603020101020101" pitchFamily="50" charset="-127"/>
+                <a:ea typeface="나눔바른고딕" panose="020B0603020101020101" pitchFamily="50" charset="-127"/>
+              </a:rPr>
+              <a:t>"</a:t>
+            </a:r>
           </a:p>
         </p:txBody>
       </p:sp>
     </p:spTree>
     <p:extLst>
       <p:ext uri="{BB962C8B-B14F-4D97-AF65-F5344CB8AC3E}">
-        <p14:creationId xmlns:p14="http://schemas.microsoft.com/office/powerpoint/2010/main" val="584040216"/>
+        <p14:creationId xmlns:p14="http://schemas.microsoft.com/office/powerpoint/2010/main" val="3821346632"/>
       </p:ext>
     </p:extLst>
   </p:cSld>
@@ -6380,8 +10703,8 @@
         </p:nvSpPr>
         <p:spPr>
           <a:xfrm>
-            <a:off x="5160494" y="3102283"/>
-            <a:ext cx="1871026" cy="660502"/>
+            <a:off x="4633101" y="3098749"/>
+            <a:ext cx="2925801" cy="660502"/>
           </a:xfrm>
           <a:prstGeom prst="rect">
             <a:avLst/>
@@ -6405,7 +10728,7 @@
                 <a:latin typeface="나눔바른고딕" panose="020B0603020101020101" pitchFamily="50" charset="-127"/>
                 <a:ea typeface="나눔바른고딕" panose="020B0603020101020101" pitchFamily="50" charset="-127"/>
               </a:rPr>
-              <a:t>산술연산</a:t>
+              <a:t>리스트 만들기</a:t>
             </a:r>
             <a:endParaRPr lang="en-US" altLang="ko-KR" sz="3692" dirty="0">
               <a:solidFill>
@@ -6422,7 +10745,7 @@
     </p:spTree>
     <p:extLst>
       <p:ext uri="{BB962C8B-B14F-4D97-AF65-F5344CB8AC3E}">
-        <p14:creationId xmlns:p14="http://schemas.microsoft.com/office/powerpoint/2010/main" val="1430049550"/>
+        <p14:creationId xmlns:p14="http://schemas.microsoft.com/office/powerpoint/2010/main" val="96737921"/>
       </p:ext>
     </p:extLst>
   </p:cSld>
@@ -6460,360 +10783,186 @@
           <a:chExt cx="0" cy="0"/>
         </a:xfrm>
       </p:grpSpPr>
-      <p:graphicFrame>
-        <p:nvGraphicFramePr>
-          <p:cNvPr id="3" name="표 2">
+      <p:sp>
+        <p:nvSpPr>
+          <p:cNvPr id="2" name="TextBox 1">
             <a:extLst>
               <a:ext uri="{FF2B5EF4-FFF2-40B4-BE49-F238E27FC236}">
-                <a16:creationId xmlns:a16="http://schemas.microsoft.com/office/drawing/2014/main" id="{75D35AD5-67F6-48FD-81BD-FBD3E5B6EA91}"/>
+                <a16:creationId xmlns:a16="http://schemas.microsoft.com/office/drawing/2014/main" id="{0B332A50-CC0E-4C7E-B47E-E7CFBA7B423B}"/>
               </a:ext>
             </a:extLst>
           </p:cNvPr>
-          <p:cNvGraphicFramePr>
-            <a:graphicFrameLocks noGrp="1"/>
-          </p:cNvGraphicFramePr>
-          <p:nvPr>
-            <p:extLst>
-              <p:ext uri="{D42A27DB-BD31-4B8C-83A1-F6EECF244321}">
-                <p14:modId xmlns:p14="http://schemas.microsoft.com/office/powerpoint/2010/main" val="705573907"/>
-              </p:ext>
-            </p:extLst>
-          </p:nvPr>
-        </p:nvGraphicFramePr>
-        <p:xfrm>
-          <a:off x="3048000" y="1645412"/>
-          <a:ext cx="6096000" cy="3567176"/>
-        </p:xfrm>
-        <a:graphic>
-          <a:graphicData uri="http://schemas.openxmlformats.org/drawingml/2006/table">
-            <a:tbl>
-              <a:tblPr firstRow="1" bandRow="1">
-                <a:tableStyleId>{5C22544A-7EE6-4342-B048-85BDC9FD1C3A}</a:tableStyleId>
-              </a:tblPr>
-              <a:tblGrid>
-                <a:gridCol w="3048000">
-                  <a:extLst>
-                    <a:ext uri="{9D8B030D-6E8A-4147-A177-3AD203B41FA5}">
-                      <a16:colId xmlns:a16="http://schemas.microsoft.com/office/drawing/2014/main" val="20000"/>
-                    </a:ext>
-                  </a:extLst>
-                </a:gridCol>
-                <a:gridCol w="3048000">
-                  <a:extLst>
-                    <a:ext uri="{9D8B030D-6E8A-4147-A177-3AD203B41FA5}">
-                      <a16:colId xmlns:a16="http://schemas.microsoft.com/office/drawing/2014/main" val="20001"/>
-                    </a:ext>
-                  </a:extLst>
-                </a:gridCol>
-              </a:tblGrid>
-              <a:tr h="370840">
-                <a:tc>
-                  <a:txBody>
-                    <a:bodyPr/>
-                    <a:lstStyle/>
-                    <a:p>
-                      <a:pPr algn="ctr" latinLnBrk="1"/>
-                      <a:r>
-                        <a:rPr lang="ko-KR" altLang="en-US" dirty="0"/>
-                        <a:t>연산자</a:t>
-                      </a:r>
-                      <a:r>
-                        <a:rPr lang="en-US" altLang="ko-KR" dirty="0"/>
-                        <a:t>(</a:t>
-                      </a:r>
-                      <a:r>
-                        <a:rPr lang="ko-KR" altLang="en-US" dirty="0"/>
-                        <a:t>연산기호</a:t>
-                      </a:r>
-                      <a:r>
-                        <a:rPr lang="en-US" altLang="ko-KR" dirty="0"/>
-                        <a:t>)</a:t>
-                      </a:r>
-                      <a:endParaRPr lang="ko-KR" altLang="en-US" dirty="0"/>
-                    </a:p>
-                  </a:txBody>
-                  <a:tcPr/>
-                </a:tc>
-                <a:tc>
-                  <a:txBody>
-                    <a:bodyPr/>
-                    <a:lstStyle/>
-                    <a:p>
-                      <a:pPr algn="ctr" latinLnBrk="1"/>
-                      <a:r>
-                        <a:rPr lang="ko-KR" altLang="en-US" dirty="0"/>
-                        <a:t>설명</a:t>
-                      </a:r>
-                    </a:p>
-                  </a:txBody>
-                  <a:tcPr/>
-                </a:tc>
-                <a:extLst>
-                  <a:ext uri="{0D108BD9-81ED-4DB2-BD59-A6C34878D82A}">
-                    <a16:rowId xmlns:a16="http://schemas.microsoft.com/office/drawing/2014/main" val="10000"/>
-                  </a:ext>
-                </a:extLst>
-              </a:tr>
-              <a:tr h="370840">
-                <a:tc>
-                  <a:txBody>
-                    <a:bodyPr/>
-                    <a:lstStyle/>
-                    <a:p>
-                      <a:pPr algn="ctr" latinLnBrk="1"/>
-                      <a:r>
-                        <a:rPr lang="en-US" altLang="ko-KR" dirty="0"/>
-                        <a:t>+</a:t>
-                      </a:r>
-                      <a:endParaRPr lang="ko-KR" altLang="en-US" dirty="0"/>
-                    </a:p>
-                  </a:txBody>
-                  <a:tcPr/>
-                </a:tc>
-                <a:tc>
-                  <a:txBody>
-                    <a:bodyPr/>
-                    <a:lstStyle/>
-                    <a:p>
-                      <a:pPr algn="ctr" latinLnBrk="1"/>
-                      <a:r>
-                        <a:rPr lang="ko-KR" altLang="en-US" dirty="0"/>
-                        <a:t>더하기</a:t>
-                      </a:r>
-                    </a:p>
-                  </a:txBody>
-                  <a:tcPr/>
-                </a:tc>
-                <a:extLst>
-                  <a:ext uri="{0D108BD9-81ED-4DB2-BD59-A6C34878D82A}">
-                    <a16:rowId xmlns:a16="http://schemas.microsoft.com/office/drawing/2014/main" val="10001"/>
-                  </a:ext>
-                </a:extLst>
-              </a:tr>
-              <a:tr h="370840">
-                <a:tc>
-                  <a:txBody>
-                    <a:bodyPr/>
-                    <a:lstStyle/>
-                    <a:p>
-                      <a:pPr algn="ctr" latinLnBrk="1"/>
-                      <a:r>
-                        <a:rPr lang="en-US" altLang="ko-KR" dirty="0"/>
-                        <a:t>-</a:t>
-                      </a:r>
-                      <a:endParaRPr lang="ko-KR" altLang="en-US" dirty="0"/>
-                    </a:p>
-                  </a:txBody>
-                  <a:tcPr/>
-                </a:tc>
-                <a:tc>
-                  <a:txBody>
-                    <a:bodyPr/>
-                    <a:lstStyle/>
-                    <a:p>
-                      <a:pPr algn="ctr" latinLnBrk="1"/>
-                      <a:r>
-                        <a:rPr lang="ko-KR" altLang="en-US" dirty="0"/>
-                        <a:t>빼기</a:t>
-                      </a:r>
-                    </a:p>
-                  </a:txBody>
-                  <a:tcPr/>
-                </a:tc>
-                <a:extLst>
-                  <a:ext uri="{0D108BD9-81ED-4DB2-BD59-A6C34878D82A}">
-                    <a16:rowId xmlns:a16="http://schemas.microsoft.com/office/drawing/2014/main" val="10002"/>
-                  </a:ext>
-                </a:extLst>
-              </a:tr>
-              <a:tr h="370840">
-                <a:tc>
-                  <a:txBody>
-                    <a:bodyPr/>
-                    <a:lstStyle/>
-                    <a:p>
-                      <a:pPr algn="ctr" latinLnBrk="1"/>
-                      <a:r>
-                        <a:rPr lang="en-US" altLang="ko-KR" dirty="0"/>
-                        <a:t>*</a:t>
-                      </a:r>
-                      <a:endParaRPr lang="ko-KR" altLang="en-US" dirty="0"/>
-                    </a:p>
-                  </a:txBody>
-                  <a:tcPr/>
-                </a:tc>
-                <a:tc>
-                  <a:txBody>
-                    <a:bodyPr/>
-                    <a:lstStyle/>
-                    <a:p>
-                      <a:pPr algn="ctr" latinLnBrk="1"/>
-                      <a:r>
-                        <a:rPr lang="ko-KR" altLang="en-US" dirty="0"/>
-                        <a:t>곱하기</a:t>
-                      </a:r>
-                    </a:p>
-                  </a:txBody>
-                  <a:tcPr/>
-                </a:tc>
-                <a:extLst>
-                  <a:ext uri="{0D108BD9-81ED-4DB2-BD59-A6C34878D82A}">
-                    <a16:rowId xmlns:a16="http://schemas.microsoft.com/office/drawing/2014/main" val="10003"/>
-                  </a:ext>
-                </a:extLst>
-              </a:tr>
-              <a:tr h="370840">
-                <a:tc>
-                  <a:txBody>
-                    <a:bodyPr/>
-                    <a:lstStyle/>
-                    <a:p>
-                      <a:pPr algn="ctr" latinLnBrk="1"/>
-                      <a:r>
-                        <a:rPr lang="en-US" altLang="ko-KR" dirty="0"/>
-                        <a:t>/</a:t>
-                      </a:r>
-                      <a:endParaRPr lang="ko-KR" altLang="en-US" dirty="0"/>
-                    </a:p>
-                  </a:txBody>
-                  <a:tcPr/>
-                </a:tc>
-                <a:tc>
-                  <a:txBody>
-                    <a:bodyPr/>
-                    <a:lstStyle/>
-                    <a:p>
-                      <a:pPr algn="ctr" latinLnBrk="1"/>
-                      <a:r>
-                        <a:rPr lang="ko-KR" altLang="en-US" dirty="0"/>
-                        <a:t>나누기</a:t>
-                      </a:r>
-                    </a:p>
-                  </a:txBody>
-                  <a:tcPr/>
-                </a:tc>
-                <a:extLst>
-                  <a:ext uri="{0D108BD9-81ED-4DB2-BD59-A6C34878D82A}">
-                    <a16:rowId xmlns:a16="http://schemas.microsoft.com/office/drawing/2014/main" val="10004"/>
-                  </a:ext>
-                </a:extLst>
-              </a:tr>
-              <a:tr h="370840">
-                <a:tc>
-                  <a:txBody>
-                    <a:bodyPr/>
-                    <a:lstStyle/>
-                    <a:p>
-                      <a:pPr algn="ctr" latinLnBrk="1"/>
-                      <a:r>
-                        <a:rPr lang="en-US" altLang="ko-KR" dirty="0"/>
-                        <a:t>//</a:t>
-                      </a:r>
-                      <a:endParaRPr lang="ko-KR" altLang="en-US" dirty="0"/>
-                    </a:p>
-                  </a:txBody>
-                  <a:tcPr/>
-                </a:tc>
-                <a:tc>
-                  <a:txBody>
-                    <a:bodyPr/>
-                    <a:lstStyle/>
-                    <a:p>
-                      <a:pPr algn="ctr" latinLnBrk="1"/>
-                      <a:r>
-                        <a:rPr lang="ko-KR" altLang="en-US" dirty="0"/>
-                        <a:t>몫</a:t>
-                      </a:r>
-                    </a:p>
-                  </a:txBody>
-                  <a:tcPr/>
-                </a:tc>
-                <a:extLst>
-                  <a:ext uri="{0D108BD9-81ED-4DB2-BD59-A6C34878D82A}">
-                    <a16:rowId xmlns:a16="http://schemas.microsoft.com/office/drawing/2014/main" val="10005"/>
-                  </a:ext>
-                </a:extLst>
-              </a:tr>
-              <a:tr h="370840">
-                <a:tc>
-                  <a:txBody>
-                    <a:bodyPr/>
-                    <a:lstStyle/>
-                    <a:p>
-                      <a:pPr algn="ctr" latinLnBrk="1"/>
-                      <a:r>
-                        <a:rPr lang="en-US" altLang="ko-KR" dirty="0"/>
-                        <a:t>%</a:t>
-                      </a:r>
-                      <a:endParaRPr lang="ko-KR" altLang="en-US" dirty="0"/>
-                    </a:p>
-                  </a:txBody>
-                  <a:tcPr/>
-                </a:tc>
-                <a:tc>
-                  <a:txBody>
-                    <a:bodyPr/>
-                    <a:lstStyle/>
-                    <a:p>
-                      <a:pPr algn="ctr" latinLnBrk="1"/>
-                      <a:r>
-                        <a:rPr lang="ko-KR" altLang="en-US" dirty="0"/>
-                        <a:t>나머지</a:t>
-                      </a:r>
-                    </a:p>
-                  </a:txBody>
-                  <a:tcPr/>
-                </a:tc>
-                <a:extLst>
-                  <a:ext uri="{0D108BD9-81ED-4DB2-BD59-A6C34878D82A}">
-                    <a16:rowId xmlns:a16="http://schemas.microsoft.com/office/drawing/2014/main" val="2560016316"/>
-                  </a:ext>
-                </a:extLst>
-              </a:tr>
-              <a:tr h="370840">
-                <a:tc>
-                  <a:txBody>
-                    <a:bodyPr/>
-                    <a:lstStyle/>
-                    <a:p>
-                      <a:pPr algn="ctr" latinLnBrk="1"/>
-                      <a:r>
-                        <a:rPr lang="en-US" altLang="ko-KR" dirty="0"/>
-                        <a:t>**</a:t>
-                      </a:r>
-                      <a:endParaRPr lang="ko-KR" altLang="en-US" dirty="0"/>
-                    </a:p>
-                  </a:txBody>
-                  <a:tcPr/>
-                </a:tc>
-                <a:tc>
-                  <a:txBody>
-                    <a:bodyPr/>
-                    <a:lstStyle/>
-                    <a:p>
-                      <a:pPr algn="ctr" latinLnBrk="1"/>
-                      <a:r>
-                        <a:rPr lang="ko-KR" altLang="en-US" dirty="0"/>
-                        <a:t>제곱</a:t>
-                      </a:r>
-                    </a:p>
-                  </a:txBody>
-                  <a:tcPr/>
-                </a:tc>
-                <a:extLst>
-                  <a:ext uri="{0D108BD9-81ED-4DB2-BD59-A6C34878D82A}">
-                    <a16:rowId xmlns:a16="http://schemas.microsoft.com/office/drawing/2014/main" val="3468429741"/>
-                  </a:ext>
-                </a:extLst>
-              </a:tr>
-            </a:tbl>
-          </a:graphicData>
-        </a:graphic>
-      </p:graphicFrame>
+          <p:cNvSpPr txBox="1"/>
+          <p:nvPr/>
+        </p:nvSpPr>
+        <p:spPr>
+          <a:xfrm>
+            <a:off x="1127834" y="3102283"/>
+            <a:ext cx="9936374" cy="660502"/>
+          </a:xfrm>
+          <a:prstGeom prst="rect">
+            <a:avLst/>
+          </a:prstGeom>
+          <a:noFill/>
+        </p:spPr>
+        <p:txBody>
+          <a:bodyPr wrap="none" rtlCol="0">
+            <a:spAutoFit/>
+          </a:bodyPr>
+          <a:lstStyle/>
+          <a:p>
+            <a:pPr algn="ctr"/>
+            <a:r>
+              <a:rPr lang="en-US" altLang="ko-KR" sz="3692" dirty="0">
+                <a:solidFill>
+                  <a:schemeClr val="bg1">
+                    <a:lumMod val="95000"/>
+                  </a:schemeClr>
+                </a:solidFill>
+                <a:latin typeface="나눔바른고딕" panose="020B0603020101020101" pitchFamily="50" charset="-127"/>
+                <a:ea typeface="나눔바른고딕" panose="020B0603020101020101" pitchFamily="50" charset="-127"/>
+              </a:rPr>
+              <a:t>animals = </a:t>
+            </a:r>
+            <a:r>
+              <a:rPr lang="en-US" altLang="ko-KR" sz="3692" dirty="0">
+                <a:solidFill>
+                  <a:schemeClr val="accent6">
+                    <a:lumMod val="75000"/>
+                  </a:schemeClr>
+                </a:solidFill>
+                <a:latin typeface="나눔바른고딕" panose="020B0603020101020101" pitchFamily="50" charset="-127"/>
+                <a:ea typeface="나눔바른고딕" panose="020B0603020101020101" pitchFamily="50" charset="-127"/>
+              </a:rPr>
+              <a:t>[</a:t>
+            </a:r>
+            <a:r>
+              <a:rPr lang="en-US" altLang="ko-KR" sz="3692" dirty="0">
+                <a:solidFill>
+                  <a:schemeClr val="bg1">
+                    <a:lumMod val="95000"/>
+                  </a:schemeClr>
+                </a:solidFill>
+                <a:latin typeface="나눔바른고딕" panose="020B0603020101020101" pitchFamily="50" charset="-127"/>
+                <a:ea typeface="나눔바른고딕" panose="020B0603020101020101" pitchFamily="50" charset="-127"/>
+              </a:rPr>
+              <a:t>"</a:t>
+            </a:r>
+            <a:r>
+              <a:rPr lang="ko-KR" altLang="en-US" sz="3692" dirty="0">
+                <a:solidFill>
+                  <a:schemeClr val="bg1">
+                    <a:lumMod val="95000"/>
+                  </a:schemeClr>
+                </a:solidFill>
+                <a:latin typeface="나눔바른고딕" panose="020B0603020101020101" pitchFamily="50" charset="-127"/>
+                <a:ea typeface="나눔바른고딕" panose="020B0603020101020101" pitchFamily="50" charset="-127"/>
+              </a:rPr>
+              <a:t>사자</a:t>
+            </a:r>
+            <a:r>
+              <a:rPr lang="en-US" altLang="ko-KR" sz="3692" dirty="0">
+                <a:solidFill>
+                  <a:schemeClr val="bg1">
+                    <a:lumMod val="95000"/>
+                  </a:schemeClr>
+                </a:solidFill>
+                <a:latin typeface="나눔바른고딕" panose="020B0603020101020101" pitchFamily="50" charset="-127"/>
+                <a:ea typeface="나눔바른고딕" panose="020B0603020101020101" pitchFamily="50" charset="-127"/>
+              </a:rPr>
+              <a:t>", "</a:t>
+            </a:r>
+            <a:r>
+              <a:rPr lang="ko-KR" altLang="en-US" sz="3692" dirty="0">
+                <a:solidFill>
+                  <a:schemeClr val="bg1">
+                    <a:lumMod val="95000"/>
+                  </a:schemeClr>
+                </a:solidFill>
+                <a:latin typeface="나눔바른고딕" panose="020B0603020101020101" pitchFamily="50" charset="-127"/>
+                <a:ea typeface="나눔바른고딕" panose="020B0603020101020101" pitchFamily="50" charset="-127"/>
+              </a:rPr>
+              <a:t>호랑이</a:t>
+            </a:r>
+            <a:r>
+              <a:rPr lang="en-US" altLang="ko-KR" sz="3692" dirty="0">
+                <a:solidFill>
+                  <a:schemeClr val="bg1">
+                    <a:lumMod val="95000"/>
+                  </a:schemeClr>
+                </a:solidFill>
+                <a:latin typeface="나눔바른고딕" panose="020B0603020101020101" pitchFamily="50" charset="-127"/>
+                <a:ea typeface="나눔바른고딕" panose="020B0603020101020101" pitchFamily="50" charset="-127"/>
+              </a:rPr>
+              <a:t>", "</a:t>
+            </a:r>
+            <a:r>
+              <a:rPr lang="ko-KR" altLang="en-US" sz="3692" dirty="0">
+                <a:solidFill>
+                  <a:schemeClr val="bg1">
+                    <a:lumMod val="95000"/>
+                  </a:schemeClr>
+                </a:solidFill>
+                <a:latin typeface="나눔바른고딕" panose="020B0603020101020101" pitchFamily="50" charset="-127"/>
+                <a:ea typeface="나눔바른고딕" panose="020B0603020101020101" pitchFamily="50" charset="-127"/>
+              </a:rPr>
+              <a:t>고양이</a:t>
+            </a:r>
+            <a:r>
+              <a:rPr lang="en-US" altLang="ko-KR" sz="3692" dirty="0">
+                <a:solidFill>
+                  <a:schemeClr val="bg1">
+                    <a:lumMod val="95000"/>
+                  </a:schemeClr>
+                </a:solidFill>
+                <a:latin typeface="나눔바른고딕" panose="020B0603020101020101" pitchFamily="50" charset="-127"/>
+                <a:ea typeface="나눔바른고딕" panose="020B0603020101020101" pitchFamily="50" charset="-127"/>
+              </a:rPr>
+              <a:t>", ... ,"</a:t>
+            </a:r>
+            <a:r>
+              <a:rPr lang="ko-KR" altLang="en-US" sz="3692" dirty="0">
+                <a:solidFill>
+                  <a:schemeClr val="bg1">
+                    <a:lumMod val="95000"/>
+                  </a:schemeClr>
+                </a:solidFill>
+                <a:latin typeface="나눔바른고딕" panose="020B0603020101020101" pitchFamily="50" charset="-127"/>
+                <a:ea typeface="나눔바른고딕" panose="020B0603020101020101" pitchFamily="50" charset="-127"/>
+              </a:rPr>
+              <a:t>강아지</a:t>
+            </a:r>
+            <a:r>
+              <a:rPr lang="en-US" altLang="ko-KR" sz="3692" dirty="0">
+                <a:solidFill>
+                  <a:schemeClr val="bg1">
+                    <a:lumMod val="95000"/>
+                  </a:schemeClr>
+                </a:solidFill>
+                <a:latin typeface="나눔바른고딕" panose="020B0603020101020101" pitchFamily="50" charset="-127"/>
+                <a:ea typeface="나눔바른고딕" panose="020B0603020101020101" pitchFamily="50" charset="-127"/>
+              </a:rPr>
+              <a:t>"</a:t>
+            </a:r>
+            <a:r>
+              <a:rPr lang="en-US" altLang="ko-KR" sz="3692" dirty="0">
+                <a:solidFill>
+                  <a:schemeClr val="accent6">
+                    <a:lumMod val="75000"/>
+                  </a:schemeClr>
+                </a:solidFill>
+                <a:latin typeface="나눔바른고딕" panose="020B0603020101020101" pitchFamily="50" charset="-127"/>
+                <a:ea typeface="나눔바른고딕" panose="020B0603020101020101" pitchFamily="50" charset="-127"/>
+              </a:rPr>
+              <a:t>]</a:t>
+            </a:r>
+          </a:p>
+        </p:txBody>
+      </p:sp>
     </p:spTree>
     <p:extLst>
       <p:ext uri="{BB962C8B-B14F-4D97-AF65-F5344CB8AC3E}">
-        <p14:creationId xmlns:p14="http://schemas.microsoft.com/office/powerpoint/2010/main" val="3222604313"/>
+        <p14:creationId xmlns:p14="http://schemas.microsoft.com/office/powerpoint/2010/main" val="969215263"/>
       </p:ext>
     </p:extLst>
   </p:cSld>
@@ -6865,8 +11014,8 @@
         </p:nvSpPr>
         <p:spPr>
           <a:xfrm>
-            <a:off x="5160487" y="3098749"/>
-            <a:ext cx="1871026" cy="660502"/>
+            <a:off x="2226213" y="3102283"/>
+            <a:ext cx="7739619" cy="660502"/>
           </a:xfrm>
           <a:prstGeom prst="rect">
             <a:avLst/>
@@ -6890,24 +11039,111 @@
                 <a:latin typeface="나눔바른고딕" panose="020B0603020101020101" pitchFamily="50" charset="-127"/>
                 <a:ea typeface="나눔바른고딕" panose="020B0603020101020101" pitchFamily="50" charset="-127"/>
               </a:rPr>
-              <a:t>숫자연산</a:t>
-            </a:r>
-            <a:endParaRPr lang="en-US" altLang="ko-KR" sz="3692" dirty="0">
-              <a:solidFill>
-                <a:schemeClr val="bg1">
-                  <a:lumMod val="95000"/>
-                </a:schemeClr>
-              </a:solidFill>
-              <a:latin typeface="나눔바른고딕" panose="020B0603020101020101" pitchFamily="50" charset="-127"/>
-              <a:ea typeface="나눔바른고딕" panose="020B0603020101020101" pitchFamily="50" charset="-127"/>
-            </a:endParaRPr>
+              <a:t>리스트명</a:t>
+            </a:r>
+            <a:r>
+              <a:rPr lang="en-US" altLang="ko-KR" sz="3692" dirty="0">
+                <a:solidFill>
+                  <a:schemeClr val="bg1">
+                    <a:lumMod val="95000"/>
+                  </a:schemeClr>
+                </a:solidFill>
+                <a:latin typeface="나눔바른고딕" panose="020B0603020101020101" pitchFamily="50" charset="-127"/>
+                <a:ea typeface="나눔바른고딕" panose="020B0603020101020101" pitchFamily="50" charset="-127"/>
+              </a:rPr>
+              <a:t> = </a:t>
+            </a:r>
+            <a:r>
+              <a:rPr lang="en-US" altLang="ko-KR" sz="3692" dirty="0">
+                <a:solidFill>
+                  <a:schemeClr val="accent6">
+                    <a:lumMod val="75000"/>
+                  </a:schemeClr>
+                </a:solidFill>
+                <a:latin typeface="나눔바른고딕" panose="020B0603020101020101" pitchFamily="50" charset="-127"/>
+                <a:ea typeface="나눔바른고딕" panose="020B0603020101020101" pitchFamily="50" charset="-127"/>
+              </a:rPr>
+              <a:t>[</a:t>
+            </a:r>
+            <a:r>
+              <a:rPr lang="ko-KR" altLang="en-US" sz="3692" dirty="0">
+                <a:solidFill>
+                  <a:schemeClr val="bg1">
+                    <a:lumMod val="95000"/>
+                  </a:schemeClr>
+                </a:solidFill>
+                <a:latin typeface="나눔바른고딕" panose="020B0603020101020101" pitchFamily="50" charset="-127"/>
+                <a:ea typeface="나눔바른고딕" panose="020B0603020101020101" pitchFamily="50" charset="-127"/>
+              </a:rPr>
+              <a:t>데이터</a:t>
+            </a:r>
+            <a:r>
+              <a:rPr lang="en-US" altLang="ko-KR" sz="3692" dirty="0">
+                <a:solidFill>
+                  <a:schemeClr val="bg1">
+                    <a:lumMod val="95000"/>
+                  </a:schemeClr>
+                </a:solidFill>
+                <a:latin typeface="나눔바른고딕" panose="020B0603020101020101" pitchFamily="50" charset="-127"/>
+                <a:ea typeface="나눔바른고딕" panose="020B0603020101020101" pitchFamily="50" charset="-127"/>
+              </a:rPr>
+              <a:t>, </a:t>
+            </a:r>
+            <a:r>
+              <a:rPr lang="ko-KR" altLang="en-US" sz="3692" dirty="0">
+                <a:solidFill>
+                  <a:schemeClr val="bg1">
+                    <a:lumMod val="95000"/>
+                  </a:schemeClr>
+                </a:solidFill>
+                <a:latin typeface="나눔바른고딕" panose="020B0603020101020101" pitchFamily="50" charset="-127"/>
+                <a:ea typeface="나눔바른고딕" panose="020B0603020101020101" pitchFamily="50" charset="-127"/>
+              </a:rPr>
+              <a:t>데이터</a:t>
+            </a:r>
+            <a:r>
+              <a:rPr lang="en-US" altLang="ko-KR" sz="3692" dirty="0">
+                <a:solidFill>
+                  <a:schemeClr val="bg1">
+                    <a:lumMod val="95000"/>
+                  </a:schemeClr>
+                </a:solidFill>
+                <a:latin typeface="나눔바른고딕" panose="020B0603020101020101" pitchFamily="50" charset="-127"/>
+                <a:ea typeface="나눔바른고딕" panose="020B0603020101020101" pitchFamily="50" charset="-127"/>
+              </a:rPr>
+              <a:t>, ... ,</a:t>
+            </a:r>
+            <a:r>
+              <a:rPr lang="ko-KR" altLang="en-US" sz="3692" dirty="0">
+                <a:solidFill>
+                  <a:schemeClr val="bg1">
+                    <a:lumMod val="95000"/>
+                  </a:schemeClr>
+                </a:solidFill>
+                <a:latin typeface="나눔바른고딕" panose="020B0603020101020101" pitchFamily="50" charset="-127"/>
+                <a:ea typeface="나눔바른고딕" panose="020B0603020101020101" pitchFamily="50" charset="-127"/>
+              </a:rPr>
+              <a:t>데이터</a:t>
+            </a:r>
+            <a:r>
+              <a:rPr lang="en-US" altLang="ko-KR" sz="3692" dirty="0">
+                <a:solidFill>
+                  <a:schemeClr val="accent6">
+                    <a:lumMod val="75000"/>
+                  </a:schemeClr>
+                </a:solidFill>
+                <a:latin typeface="나눔바른고딕" panose="020B0603020101020101" pitchFamily="50" charset="-127"/>
+                <a:ea typeface="나눔바른고딕" panose="020B0603020101020101" pitchFamily="50" charset="-127"/>
+              </a:rPr>
+              <a:t>]</a:t>
+            </a:r>
           </a:p>
         </p:txBody>
       </p:sp>
     </p:spTree>
     <p:extLst>
       <p:ext uri="{BB962C8B-B14F-4D97-AF65-F5344CB8AC3E}">
-        <p14:creationId xmlns:p14="http://schemas.microsoft.com/office/powerpoint/2010/main" val="2397365537"/>
+        <p14:creationId xmlns:p14="http://schemas.microsoft.com/office/powerpoint/2010/main" val="2063234102"/>
       </p:ext>
     </p:extLst>
   </p:cSld>
@@ -6959,8 +11195,8 @@
         </p:nvSpPr>
         <p:spPr>
           <a:xfrm>
-            <a:off x="4949692" y="3098749"/>
-            <a:ext cx="2292615" cy="660502"/>
+            <a:off x="4475205" y="3098749"/>
+            <a:ext cx="3241593" cy="660502"/>
           </a:xfrm>
           <a:prstGeom prst="rect">
             <a:avLst/>
@@ -6984,7 +11220,7 @@
                 <a:latin typeface="나눔바른고딕" panose="020B0603020101020101" pitchFamily="50" charset="-127"/>
                 <a:ea typeface="나눔바른고딕" panose="020B0603020101020101" pitchFamily="50" charset="-127"/>
               </a:rPr>
-              <a:t>문자열연산</a:t>
+              <a:t>데이터 접근하기</a:t>
             </a:r>
             <a:endParaRPr lang="en-US" altLang="ko-KR" sz="3692" dirty="0">
               <a:solidFill>
@@ -7001,7 +11237,7 @@
     </p:spTree>
     <p:extLst>
       <p:ext uri="{BB962C8B-B14F-4D97-AF65-F5344CB8AC3E}">
-        <p14:creationId xmlns:p14="http://schemas.microsoft.com/office/powerpoint/2010/main" val="2220945899"/>
+        <p14:creationId xmlns:p14="http://schemas.microsoft.com/office/powerpoint/2010/main" val="2397365537"/>
       </p:ext>
     </p:extLst>
   </p:cSld>
